--- a/Дипломная работа/Презентация Курсовая.pptx
+++ b/Дипломная работа/Презентация Курсовая.pptx
@@ -314,7 +314,7 @@
           <a:p>
             <a:fld id="{D5E2AA23-66BC-4D18-B172-603E1DD06669}" type="datetimeFigureOut">
               <a:rPr lang="ru-RU" smtClean="0"/>
-              <a:t>25.12.2024</a:t>
+              <a:t>26.12.2024</a:t>
             </a:fld>
             <a:endParaRPr lang="ru-RU"/>
           </a:p>
@@ -601,7 +601,7 @@
           <a:p>
             <a:fld id="{D5E2AA23-66BC-4D18-B172-603E1DD06669}" type="datetimeFigureOut">
               <a:rPr lang="ru-RU" smtClean="0"/>
-              <a:t>25.12.2024</a:t>
+              <a:t>26.12.2024</a:t>
             </a:fld>
             <a:endParaRPr lang="ru-RU"/>
           </a:p>
@@ -807,7 +807,7 @@
           <a:p>
             <a:fld id="{D5E2AA23-66BC-4D18-B172-603E1DD06669}" type="datetimeFigureOut">
               <a:rPr lang="ru-RU" smtClean="0"/>
-              <a:t>25.12.2024</a:t>
+              <a:t>26.12.2024</a:t>
             </a:fld>
             <a:endParaRPr lang="ru-RU"/>
           </a:p>
@@ -1092,7 +1092,7 @@
           <a:p>
             <a:fld id="{D5E2AA23-66BC-4D18-B172-603E1DD06669}" type="datetimeFigureOut">
               <a:rPr lang="ru-RU" smtClean="0"/>
-              <a:t>25.12.2024</a:t>
+              <a:t>26.12.2024</a:t>
             </a:fld>
             <a:endParaRPr lang="ru-RU"/>
           </a:p>
@@ -1445,7 +1445,7 @@
           <a:p>
             <a:fld id="{D5E2AA23-66BC-4D18-B172-603E1DD06669}" type="datetimeFigureOut">
               <a:rPr lang="ru-RU" smtClean="0"/>
-              <a:t>25.12.2024</a:t>
+              <a:t>26.12.2024</a:t>
             </a:fld>
             <a:endParaRPr lang="ru-RU"/>
           </a:p>
@@ -2080,7 +2080,7 @@
           <a:p>
             <a:fld id="{D5E2AA23-66BC-4D18-B172-603E1DD06669}" type="datetimeFigureOut">
               <a:rPr lang="ru-RU" smtClean="0"/>
-              <a:t>25.12.2024</a:t>
+              <a:t>26.12.2024</a:t>
             </a:fld>
             <a:endParaRPr lang="ru-RU"/>
           </a:p>
@@ -2952,7 +2952,7 @@
           <a:p>
             <a:fld id="{D5E2AA23-66BC-4D18-B172-603E1DD06669}" type="datetimeFigureOut">
               <a:rPr lang="ru-RU" smtClean="0"/>
-              <a:t>25.12.2024</a:t>
+              <a:t>26.12.2024</a:t>
             </a:fld>
             <a:endParaRPr lang="ru-RU"/>
           </a:p>
@@ -3134,7 +3134,7 @@
           <a:p>
             <a:fld id="{D5E2AA23-66BC-4D18-B172-603E1DD06669}" type="datetimeFigureOut">
               <a:rPr lang="ru-RU" smtClean="0"/>
-              <a:t>25.12.2024</a:t>
+              <a:t>26.12.2024</a:t>
             </a:fld>
             <a:endParaRPr lang="ru-RU"/>
           </a:p>
@@ -3326,7 +3326,7 @@
           <a:p>
             <a:fld id="{D5E2AA23-66BC-4D18-B172-603E1DD06669}" type="datetimeFigureOut">
               <a:rPr lang="ru-RU" smtClean="0"/>
-              <a:t>25.12.2024</a:t>
+              <a:t>26.12.2024</a:t>
             </a:fld>
             <a:endParaRPr lang="ru-RU"/>
           </a:p>
@@ -3508,7 +3508,7 @@
           <a:p>
             <a:fld id="{D5E2AA23-66BC-4D18-B172-603E1DD06669}" type="datetimeFigureOut">
               <a:rPr lang="ru-RU" smtClean="0"/>
-              <a:t>25.12.2024</a:t>
+              <a:t>26.12.2024</a:t>
             </a:fld>
             <a:endParaRPr lang="ru-RU"/>
           </a:p>
@@ -3767,7 +3767,7 @@
           <a:p>
             <a:fld id="{D5E2AA23-66BC-4D18-B172-603E1DD06669}" type="datetimeFigureOut">
               <a:rPr lang="ru-RU" smtClean="0"/>
-              <a:t>25.12.2024</a:t>
+              <a:t>26.12.2024</a:t>
             </a:fld>
             <a:endParaRPr lang="ru-RU"/>
           </a:p>
@@ -4071,7 +4071,7 @@
           <a:p>
             <a:fld id="{D5E2AA23-66BC-4D18-B172-603E1DD06669}" type="datetimeFigureOut">
               <a:rPr lang="ru-RU" smtClean="0"/>
-              <a:t>25.12.2024</a:t>
+              <a:t>26.12.2024</a:t>
             </a:fld>
             <a:endParaRPr lang="ru-RU"/>
           </a:p>
@@ -4527,7 +4527,7 @@
           <a:p>
             <a:fld id="{D5E2AA23-66BC-4D18-B172-603E1DD06669}" type="datetimeFigureOut">
               <a:rPr lang="ru-RU" smtClean="0"/>
-              <a:t>25.12.2024</a:t>
+              <a:t>26.12.2024</a:t>
             </a:fld>
             <a:endParaRPr lang="ru-RU"/>
           </a:p>
@@ -4657,7 +4657,7 @@
           <a:p>
             <a:fld id="{D5E2AA23-66BC-4D18-B172-603E1DD06669}" type="datetimeFigureOut">
               <a:rPr lang="ru-RU" smtClean="0"/>
-              <a:t>25.12.2024</a:t>
+              <a:t>26.12.2024</a:t>
             </a:fld>
             <a:endParaRPr lang="ru-RU"/>
           </a:p>
@@ -4764,7 +4764,7 @@
           <a:p>
             <a:fld id="{D5E2AA23-66BC-4D18-B172-603E1DD06669}" type="datetimeFigureOut">
               <a:rPr lang="ru-RU" smtClean="0"/>
-              <a:t>25.12.2024</a:t>
+              <a:t>26.12.2024</a:t>
             </a:fld>
             <a:endParaRPr lang="ru-RU"/>
           </a:p>
@@ -5055,7 +5055,7 @@
           <a:p>
             <a:fld id="{D5E2AA23-66BC-4D18-B172-603E1DD06669}" type="datetimeFigureOut">
               <a:rPr lang="ru-RU" smtClean="0"/>
-              <a:t>25.12.2024</a:t>
+              <a:t>26.12.2024</a:t>
             </a:fld>
             <a:endParaRPr lang="ru-RU"/>
           </a:p>
@@ -5342,7 +5342,7 @@
           <a:p>
             <a:fld id="{D5E2AA23-66BC-4D18-B172-603E1DD06669}" type="datetimeFigureOut">
               <a:rPr lang="ru-RU" smtClean="0"/>
-              <a:t>25.12.2024</a:t>
+              <a:t>26.12.2024</a:t>
             </a:fld>
             <a:endParaRPr lang="ru-RU"/>
           </a:p>
@@ -5783,7 +5783,7 @@
           <a:p>
             <a:fld id="{D5E2AA23-66BC-4D18-B172-603E1DD06669}" type="datetimeFigureOut">
               <a:rPr lang="ru-RU" smtClean="0"/>
-              <a:t>25.12.2024</a:t>
+              <a:t>26.12.2024</a:t>
             </a:fld>
             <a:endParaRPr lang="ru-RU"/>
           </a:p>

--- a/Дипломная работа/Презентация Курсовая.pptx
+++ b/Дипломная работа/Презентация Курсовая.pptx
@@ -314,7 +314,7 @@
           <a:p>
             <a:fld id="{D5E2AA23-66BC-4D18-B172-603E1DD06669}" type="datetimeFigureOut">
               <a:rPr lang="ru-RU" smtClean="0"/>
-              <a:t>26.12.2024</a:t>
+              <a:t>01.02.2025</a:t>
             </a:fld>
             <a:endParaRPr lang="ru-RU"/>
           </a:p>
@@ -601,7 +601,7 @@
           <a:p>
             <a:fld id="{D5E2AA23-66BC-4D18-B172-603E1DD06669}" type="datetimeFigureOut">
               <a:rPr lang="ru-RU" smtClean="0"/>
-              <a:t>26.12.2024</a:t>
+              <a:t>01.02.2025</a:t>
             </a:fld>
             <a:endParaRPr lang="ru-RU"/>
           </a:p>
@@ -807,7 +807,7 @@
           <a:p>
             <a:fld id="{D5E2AA23-66BC-4D18-B172-603E1DD06669}" type="datetimeFigureOut">
               <a:rPr lang="ru-RU" smtClean="0"/>
-              <a:t>26.12.2024</a:t>
+              <a:t>01.02.2025</a:t>
             </a:fld>
             <a:endParaRPr lang="ru-RU"/>
           </a:p>
@@ -1092,7 +1092,7 @@
           <a:p>
             <a:fld id="{D5E2AA23-66BC-4D18-B172-603E1DD06669}" type="datetimeFigureOut">
               <a:rPr lang="ru-RU" smtClean="0"/>
-              <a:t>26.12.2024</a:t>
+              <a:t>01.02.2025</a:t>
             </a:fld>
             <a:endParaRPr lang="ru-RU"/>
           </a:p>
@@ -1445,7 +1445,7 @@
           <a:p>
             <a:fld id="{D5E2AA23-66BC-4D18-B172-603E1DD06669}" type="datetimeFigureOut">
               <a:rPr lang="ru-RU" smtClean="0"/>
-              <a:t>26.12.2024</a:t>
+              <a:t>01.02.2025</a:t>
             </a:fld>
             <a:endParaRPr lang="ru-RU"/>
           </a:p>
@@ -2080,7 +2080,7 @@
           <a:p>
             <a:fld id="{D5E2AA23-66BC-4D18-B172-603E1DD06669}" type="datetimeFigureOut">
               <a:rPr lang="ru-RU" smtClean="0"/>
-              <a:t>26.12.2024</a:t>
+              <a:t>01.02.2025</a:t>
             </a:fld>
             <a:endParaRPr lang="ru-RU"/>
           </a:p>
@@ -2952,7 +2952,7 @@
           <a:p>
             <a:fld id="{D5E2AA23-66BC-4D18-B172-603E1DD06669}" type="datetimeFigureOut">
               <a:rPr lang="ru-RU" smtClean="0"/>
-              <a:t>26.12.2024</a:t>
+              <a:t>01.02.2025</a:t>
             </a:fld>
             <a:endParaRPr lang="ru-RU"/>
           </a:p>
@@ -3134,7 +3134,7 @@
           <a:p>
             <a:fld id="{D5E2AA23-66BC-4D18-B172-603E1DD06669}" type="datetimeFigureOut">
               <a:rPr lang="ru-RU" smtClean="0"/>
-              <a:t>26.12.2024</a:t>
+              <a:t>01.02.2025</a:t>
             </a:fld>
             <a:endParaRPr lang="ru-RU"/>
           </a:p>
@@ -3326,7 +3326,7 @@
           <a:p>
             <a:fld id="{D5E2AA23-66BC-4D18-B172-603E1DD06669}" type="datetimeFigureOut">
               <a:rPr lang="ru-RU" smtClean="0"/>
-              <a:t>26.12.2024</a:t>
+              <a:t>01.02.2025</a:t>
             </a:fld>
             <a:endParaRPr lang="ru-RU"/>
           </a:p>
@@ -3508,7 +3508,7 @@
           <a:p>
             <a:fld id="{D5E2AA23-66BC-4D18-B172-603E1DD06669}" type="datetimeFigureOut">
               <a:rPr lang="ru-RU" smtClean="0"/>
-              <a:t>26.12.2024</a:t>
+              <a:t>01.02.2025</a:t>
             </a:fld>
             <a:endParaRPr lang="ru-RU"/>
           </a:p>
@@ -3767,7 +3767,7 @@
           <a:p>
             <a:fld id="{D5E2AA23-66BC-4D18-B172-603E1DD06669}" type="datetimeFigureOut">
               <a:rPr lang="ru-RU" smtClean="0"/>
-              <a:t>26.12.2024</a:t>
+              <a:t>01.02.2025</a:t>
             </a:fld>
             <a:endParaRPr lang="ru-RU"/>
           </a:p>
@@ -4071,7 +4071,7 @@
           <a:p>
             <a:fld id="{D5E2AA23-66BC-4D18-B172-603E1DD06669}" type="datetimeFigureOut">
               <a:rPr lang="ru-RU" smtClean="0"/>
-              <a:t>26.12.2024</a:t>
+              <a:t>01.02.2025</a:t>
             </a:fld>
             <a:endParaRPr lang="ru-RU"/>
           </a:p>
@@ -4527,7 +4527,7 @@
           <a:p>
             <a:fld id="{D5E2AA23-66BC-4D18-B172-603E1DD06669}" type="datetimeFigureOut">
               <a:rPr lang="ru-RU" smtClean="0"/>
-              <a:t>26.12.2024</a:t>
+              <a:t>01.02.2025</a:t>
             </a:fld>
             <a:endParaRPr lang="ru-RU"/>
           </a:p>
@@ -4657,7 +4657,7 @@
           <a:p>
             <a:fld id="{D5E2AA23-66BC-4D18-B172-603E1DD06669}" type="datetimeFigureOut">
               <a:rPr lang="ru-RU" smtClean="0"/>
-              <a:t>26.12.2024</a:t>
+              <a:t>01.02.2025</a:t>
             </a:fld>
             <a:endParaRPr lang="ru-RU"/>
           </a:p>
@@ -4764,7 +4764,7 @@
           <a:p>
             <a:fld id="{D5E2AA23-66BC-4D18-B172-603E1DD06669}" type="datetimeFigureOut">
               <a:rPr lang="ru-RU" smtClean="0"/>
-              <a:t>26.12.2024</a:t>
+              <a:t>01.02.2025</a:t>
             </a:fld>
             <a:endParaRPr lang="ru-RU"/>
           </a:p>
@@ -5055,7 +5055,7 @@
           <a:p>
             <a:fld id="{D5E2AA23-66BC-4D18-B172-603E1DD06669}" type="datetimeFigureOut">
               <a:rPr lang="ru-RU" smtClean="0"/>
-              <a:t>26.12.2024</a:t>
+              <a:t>01.02.2025</a:t>
             </a:fld>
             <a:endParaRPr lang="ru-RU"/>
           </a:p>
@@ -5342,7 +5342,7 @@
           <a:p>
             <a:fld id="{D5E2AA23-66BC-4D18-B172-603E1DD06669}" type="datetimeFigureOut">
               <a:rPr lang="ru-RU" smtClean="0"/>
-              <a:t>26.12.2024</a:t>
+              <a:t>01.02.2025</a:t>
             </a:fld>
             <a:endParaRPr lang="ru-RU"/>
           </a:p>
@@ -5783,7 +5783,7 @@
           <a:p>
             <a:fld id="{D5E2AA23-66BC-4D18-B172-603E1DD06669}" type="datetimeFigureOut">
               <a:rPr lang="ru-RU" smtClean="0"/>
-              <a:t>26.12.2024</a:t>
+              <a:t>01.02.2025</a:t>
             </a:fld>
             <a:endParaRPr lang="ru-RU"/>
           </a:p>
@@ -6999,7 +6999,7 @@
           <p:nvPr>
             <p:extLst>
               <p:ext uri="{D42A27DB-BD31-4B8C-83A1-F6EECF244321}">
-                <p14:modId xmlns:p14="http://schemas.microsoft.com/office/powerpoint/2010/main" val="245693618"/>
+                <p14:modId xmlns:p14="http://schemas.microsoft.com/office/powerpoint/2010/main" val="1078426397"/>
               </p:ext>
             </p:extLst>
           </p:nvPr>
@@ -7015,38 +7015,31 @@
                 <a:tableStyleId>{5C22544A-7EE6-4342-B048-85BDC9FD1C3A}</a:tableStyleId>
               </a:tblPr>
               <a:tblGrid>
-                <a:gridCol w="3432118">
+                <a:gridCol w="4393565">
                   <a:extLst>
                     <a:ext uri="{9D8B030D-6E8A-4147-A177-3AD203B41FA5}">
                       <a16:colId xmlns:a16="http://schemas.microsoft.com/office/drawing/2014/main" val="4024464323"/>
                     </a:ext>
                   </a:extLst>
                 </a:gridCol>
-                <a:gridCol w="1867587">
+                <a:gridCol w="2390759">
                   <a:extLst>
                     <a:ext uri="{9D8B030D-6E8A-4147-A177-3AD203B41FA5}">
                       <a16:colId xmlns:a16="http://schemas.microsoft.com/office/drawing/2014/main" val="789667970"/>
                     </a:ext>
                   </a:extLst>
                 </a:gridCol>
-                <a:gridCol w="1556325">
+                <a:gridCol w="1992302">
                   <a:extLst>
                     <a:ext uri="{9D8B030D-6E8A-4147-A177-3AD203B41FA5}">
                       <a16:colId xmlns:a16="http://schemas.microsoft.com/office/drawing/2014/main" val="96791430"/>
                     </a:ext>
                   </a:extLst>
                 </a:gridCol>
-                <a:gridCol w="2667985">
+                <a:gridCol w="3415374">
                   <a:extLst>
                     <a:ext uri="{9D8B030D-6E8A-4147-A177-3AD203B41FA5}">
                       <a16:colId xmlns:a16="http://schemas.microsoft.com/office/drawing/2014/main" val="856223068"/>
-                    </a:ext>
-                  </a:extLst>
-                </a:gridCol>
-                <a:gridCol w="2667985">
-                  <a:extLst>
-                    <a:ext uri="{9D8B030D-6E8A-4147-A177-3AD203B41FA5}">
-                      <a16:colId xmlns:a16="http://schemas.microsoft.com/office/drawing/2014/main" val="3514066845"/>
                     </a:ext>
                   </a:extLst>
                 </a:gridCol>
@@ -7123,20 +7116,6 @@
                   </a:txBody>
                   <a:tcPr/>
                 </a:tc>
-                <a:tc>
-                  <a:txBody>
-                    <a:bodyPr/>
-                    <a:lstStyle/>
-                    <a:p>
-                      <a:pPr algn="ctr"/>
-                      <a:r>
-                        <a:rPr lang="ru-RU" dirty="0"/>
-                        <a:t>Разрабатываемая система</a:t>
-                      </a:r>
-                    </a:p>
-                  </a:txBody>
-                  <a:tcPr/>
-                </a:tc>
                 <a:extLst>
                   <a:ext uri="{0D108BD9-81ED-4DB2-BD59-A6C34878D82A}">
                     <a16:rowId xmlns:a16="http://schemas.microsoft.com/office/drawing/2014/main" val="1223119770"/>
@@ -7158,20 +7137,6 @@
                         <a:t> занятий</a:t>
                       </a:r>
                       <a:endParaRPr lang="ru-RU" dirty="0"/>
-                    </a:p>
-                  </a:txBody>
-                  <a:tcPr/>
-                </a:tc>
-                <a:tc>
-                  <a:txBody>
-                    <a:bodyPr/>
-                    <a:lstStyle/>
-                    <a:p>
-                      <a:pPr algn="ctr"/>
-                      <a:r>
-                        <a:rPr lang="ru-RU" dirty="0"/>
-                        <a:t>+</a:t>
-                      </a:r>
                     </a:p>
                   </a:txBody>
                   <a:tcPr/>
@@ -7293,20 +7258,6 @@
                   </a:txBody>
                   <a:tcPr/>
                 </a:tc>
-                <a:tc>
-                  <a:txBody>
-                    <a:bodyPr/>
-                    <a:lstStyle/>
-                    <a:p>
-                      <a:pPr algn="ctr"/>
-                      <a:r>
-                        <a:rPr lang="ru-RU" dirty="0"/>
-                        <a:t>+</a:t>
-                      </a:r>
-                    </a:p>
-                  </a:txBody>
-                  <a:tcPr/>
-                </a:tc>
                 <a:extLst>
                   <a:ext uri="{0D108BD9-81ED-4DB2-BD59-A6C34878D82A}">
                     <a16:rowId xmlns:a16="http://schemas.microsoft.com/office/drawing/2014/main" val="832547314"/>
@@ -7374,20 +7325,6 @@
                   </a:txBody>
                   <a:tcPr/>
                 </a:tc>
-                <a:tc>
-                  <a:txBody>
-                    <a:bodyPr/>
-                    <a:lstStyle/>
-                    <a:p>
-                      <a:pPr algn="ctr"/>
-                      <a:r>
-                        <a:rPr lang="ru-RU" dirty="0"/>
-                        <a:t>+</a:t>
-                      </a:r>
-                    </a:p>
-                  </a:txBody>
-                  <a:tcPr/>
-                </a:tc>
                 <a:extLst>
                   <a:ext uri="{0D108BD9-81ED-4DB2-BD59-A6C34878D82A}">
                     <a16:rowId xmlns:a16="http://schemas.microsoft.com/office/drawing/2014/main" val="750550379"/>
@@ -7409,20 +7346,6 @@
                         <a:t> образовательного процесса</a:t>
                       </a:r>
                       <a:endParaRPr lang="ru-RU" dirty="0"/>
-                    </a:p>
-                  </a:txBody>
-                  <a:tcPr/>
-                </a:tc>
-                <a:tc>
-                  <a:txBody>
-                    <a:bodyPr/>
-                    <a:lstStyle/>
-                    <a:p>
-                      <a:pPr algn="ctr"/>
-                      <a:r>
-                        <a:rPr lang="ru-RU" dirty="0"/>
-                        <a:t>+</a:t>
-                      </a:r>
                     </a:p>
                   </a:txBody>
                   <a:tcPr/>
@@ -7531,20 +7454,6 @@
                       <a:r>
                         <a:rPr lang="ru-RU" dirty="0"/>
                         <a:t>-</a:t>
-                      </a:r>
-                    </a:p>
-                  </a:txBody>
-                  <a:tcPr/>
-                </a:tc>
-                <a:tc>
-                  <a:txBody>
-                    <a:bodyPr/>
-                    <a:lstStyle/>
-                    <a:p>
-                      <a:pPr algn="ctr"/>
-                      <a:r>
-                        <a:rPr lang="ru-RU" dirty="0"/>
-                        <a:t>+</a:t>
                       </a:r>
                     </a:p>
                   </a:txBody>

--- a/Дипломная работа/Презентация Курсовая.pptx
+++ b/Дипломная работа/Презентация Курсовая.pptx
@@ -13,15 +13,18 @@
     <p:sldId id="258" r:id="rId7"/>
     <p:sldId id="270" r:id="rId8"/>
     <p:sldId id="265" r:id="rId9"/>
-    <p:sldId id="259" r:id="rId10"/>
-    <p:sldId id="267" r:id="rId11"/>
-    <p:sldId id="260" r:id="rId12"/>
-    <p:sldId id="264" r:id="rId13"/>
-    <p:sldId id="271" r:id="rId14"/>
-    <p:sldId id="272" r:id="rId15"/>
-    <p:sldId id="274" r:id="rId16"/>
-    <p:sldId id="273" r:id="rId17"/>
-    <p:sldId id="261" r:id="rId18"/>
+    <p:sldId id="281" r:id="rId10"/>
+    <p:sldId id="279" r:id="rId11"/>
+    <p:sldId id="264" r:id="rId12"/>
+    <p:sldId id="259" r:id="rId13"/>
+    <p:sldId id="267" r:id="rId14"/>
+    <p:sldId id="260" r:id="rId15"/>
+    <p:sldId id="271" r:id="rId16"/>
+    <p:sldId id="276" r:id="rId17"/>
+    <p:sldId id="277" r:id="rId18"/>
+    <p:sldId id="274" r:id="rId19"/>
+    <p:sldId id="273" r:id="rId20"/>
+    <p:sldId id="261" r:id="rId21"/>
   </p:sldIdLst>
   <p:sldSz cx="12192000" cy="6858000"/>
   <p:notesSz cx="6858000" cy="9144000"/>
@@ -314,7 +317,7 @@
           <a:p>
             <a:fld id="{D5E2AA23-66BC-4D18-B172-603E1DD06669}" type="datetimeFigureOut">
               <a:rPr lang="ru-RU" smtClean="0"/>
-              <a:t>01.02.2025</a:t>
+              <a:t>02.02.2025</a:t>
             </a:fld>
             <a:endParaRPr lang="ru-RU"/>
           </a:p>
@@ -601,7 +604,7 @@
           <a:p>
             <a:fld id="{D5E2AA23-66BC-4D18-B172-603E1DD06669}" type="datetimeFigureOut">
               <a:rPr lang="ru-RU" smtClean="0"/>
-              <a:t>01.02.2025</a:t>
+              <a:t>02.02.2025</a:t>
             </a:fld>
             <a:endParaRPr lang="ru-RU"/>
           </a:p>
@@ -807,7 +810,7 @@
           <a:p>
             <a:fld id="{D5E2AA23-66BC-4D18-B172-603E1DD06669}" type="datetimeFigureOut">
               <a:rPr lang="ru-RU" smtClean="0"/>
-              <a:t>01.02.2025</a:t>
+              <a:t>02.02.2025</a:t>
             </a:fld>
             <a:endParaRPr lang="ru-RU"/>
           </a:p>
@@ -1092,7 +1095,7 @@
           <a:p>
             <a:fld id="{D5E2AA23-66BC-4D18-B172-603E1DD06669}" type="datetimeFigureOut">
               <a:rPr lang="ru-RU" smtClean="0"/>
-              <a:t>01.02.2025</a:t>
+              <a:t>02.02.2025</a:t>
             </a:fld>
             <a:endParaRPr lang="ru-RU"/>
           </a:p>
@@ -1445,7 +1448,7 @@
           <a:p>
             <a:fld id="{D5E2AA23-66BC-4D18-B172-603E1DD06669}" type="datetimeFigureOut">
               <a:rPr lang="ru-RU" smtClean="0"/>
-              <a:t>01.02.2025</a:t>
+              <a:t>02.02.2025</a:t>
             </a:fld>
             <a:endParaRPr lang="ru-RU"/>
           </a:p>
@@ -2080,7 +2083,7 @@
           <a:p>
             <a:fld id="{D5E2AA23-66BC-4D18-B172-603E1DD06669}" type="datetimeFigureOut">
               <a:rPr lang="ru-RU" smtClean="0"/>
-              <a:t>01.02.2025</a:t>
+              <a:t>02.02.2025</a:t>
             </a:fld>
             <a:endParaRPr lang="ru-RU"/>
           </a:p>
@@ -2952,7 +2955,7 @@
           <a:p>
             <a:fld id="{D5E2AA23-66BC-4D18-B172-603E1DD06669}" type="datetimeFigureOut">
               <a:rPr lang="ru-RU" smtClean="0"/>
-              <a:t>01.02.2025</a:t>
+              <a:t>02.02.2025</a:t>
             </a:fld>
             <a:endParaRPr lang="ru-RU"/>
           </a:p>
@@ -3134,7 +3137,7 @@
           <a:p>
             <a:fld id="{D5E2AA23-66BC-4D18-B172-603E1DD06669}" type="datetimeFigureOut">
               <a:rPr lang="ru-RU" smtClean="0"/>
-              <a:t>01.02.2025</a:t>
+              <a:t>02.02.2025</a:t>
             </a:fld>
             <a:endParaRPr lang="ru-RU"/>
           </a:p>
@@ -3326,7 +3329,7 @@
           <a:p>
             <a:fld id="{D5E2AA23-66BC-4D18-B172-603E1DD06669}" type="datetimeFigureOut">
               <a:rPr lang="ru-RU" smtClean="0"/>
-              <a:t>01.02.2025</a:t>
+              <a:t>02.02.2025</a:t>
             </a:fld>
             <a:endParaRPr lang="ru-RU"/>
           </a:p>
@@ -3508,7 +3511,7 @@
           <a:p>
             <a:fld id="{D5E2AA23-66BC-4D18-B172-603E1DD06669}" type="datetimeFigureOut">
               <a:rPr lang="ru-RU" smtClean="0"/>
-              <a:t>01.02.2025</a:t>
+              <a:t>02.02.2025</a:t>
             </a:fld>
             <a:endParaRPr lang="ru-RU"/>
           </a:p>
@@ -3767,7 +3770,7 @@
           <a:p>
             <a:fld id="{D5E2AA23-66BC-4D18-B172-603E1DD06669}" type="datetimeFigureOut">
               <a:rPr lang="ru-RU" smtClean="0"/>
-              <a:t>01.02.2025</a:t>
+              <a:t>02.02.2025</a:t>
             </a:fld>
             <a:endParaRPr lang="ru-RU"/>
           </a:p>
@@ -4071,7 +4074,7 @@
           <a:p>
             <a:fld id="{D5E2AA23-66BC-4D18-B172-603E1DD06669}" type="datetimeFigureOut">
               <a:rPr lang="ru-RU" smtClean="0"/>
-              <a:t>01.02.2025</a:t>
+              <a:t>02.02.2025</a:t>
             </a:fld>
             <a:endParaRPr lang="ru-RU"/>
           </a:p>
@@ -4527,7 +4530,7 @@
           <a:p>
             <a:fld id="{D5E2AA23-66BC-4D18-B172-603E1DD06669}" type="datetimeFigureOut">
               <a:rPr lang="ru-RU" smtClean="0"/>
-              <a:t>01.02.2025</a:t>
+              <a:t>02.02.2025</a:t>
             </a:fld>
             <a:endParaRPr lang="ru-RU"/>
           </a:p>
@@ -4657,7 +4660,7 @@
           <a:p>
             <a:fld id="{D5E2AA23-66BC-4D18-B172-603E1DD06669}" type="datetimeFigureOut">
               <a:rPr lang="ru-RU" smtClean="0"/>
-              <a:t>01.02.2025</a:t>
+              <a:t>02.02.2025</a:t>
             </a:fld>
             <a:endParaRPr lang="ru-RU"/>
           </a:p>
@@ -4764,7 +4767,7 @@
           <a:p>
             <a:fld id="{D5E2AA23-66BC-4D18-B172-603E1DD06669}" type="datetimeFigureOut">
               <a:rPr lang="ru-RU" smtClean="0"/>
-              <a:t>01.02.2025</a:t>
+              <a:t>02.02.2025</a:t>
             </a:fld>
             <a:endParaRPr lang="ru-RU"/>
           </a:p>
@@ -5055,7 +5058,7 @@
           <a:p>
             <a:fld id="{D5E2AA23-66BC-4D18-B172-603E1DD06669}" type="datetimeFigureOut">
               <a:rPr lang="ru-RU" smtClean="0"/>
-              <a:t>01.02.2025</a:t>
+              <a:t>02.02.2025</a:t>
             </a:fld>
             <a:endParaRPr lang="ru-RU"/>
           </a:p>
@@ -5342,7 +5345,7 @@
           <a:p>
             <a:fld id="{D5E2AA23-66BC-4D18-B172-603E1DD06669}" type="datetimeFigureOut">
               <a:rPr lang="ru-RU" smtClean="0"/>
-              <a:t>01.02.2025</a:t>
+              <a:t>02.02.2025</a:t>
             </a:fld>
             <a:endParaRPr lang="ru-RU"/>
           </a:p>
@@ -5783,7 +5786,7 @@
           <a:p>
             <a:fld id="{D5E2AA23-66BC-4D18-B172-603E1DD06669}" type="datetimeFigureOut">
               <a:rPr lang="ru-RU" smtClean="0"/>
-              <a:t>01.02.2025</a:t>
+              <a:t>02.02.2025</a:t>
             </a:fld>
             <a:endParaRPr lang="ru-RU"/>
           </a:p>
@@ -6347,7 +6350,7 @@
         </p:spPr>
         <p:txBody>
           <a:bodyPr>
-            <a:normAutofit fontScale="90000"/>
+            <a:normAutofit/>
           </a:bodyPr>
           <a:lstStyle/>
           <a:p>
@@ -6357,20 +6360,7 @@
                 <a:latin typeface="Times New Roman" panose="02020603050405020304" pitchFamily="18" charset="0"/>
                 <a:cs typeface="Times New Roman" panose="02020603050405020304" pitchFamily="18" charset="0"/>
               </a:rPr>
-              <a:t>КУРСОВОЙ ПРОЕКТ </a:t>
-            </a:r>
-            <a:br>
-              <a:rPr lang="ru-RU" sz="3000" dirty="0">
-                <a:latin typeface="Times New Roman" panose="02020603050405020304" pitchFamily="18" charset="0"/>
-                <a:cs typeface="Times New Roman" panose="02020603050405020304" pitchFamily="18" charset="0"/>
-              </a:rPr>
-            </a:br>
-            <a:r>
-              <a:rPr lang="ru-RU" sz="3000" dirty="0">
-                <a:latin typeface="Times New Roman" panose="02020603050405020304" pitchFamily="18" charset="0"/>
-                <a:cs typeface="Times New Roman" panose="02020603050405020304" pitchFamily="18" charset="0"/>
-              </a:rPr>
-              <a:t>по дисциплине «Проектирование и архитектура автоматизированных систем»</a:t>
+              <a:t>ЭКСПЛУАТАЦИОННАЯ ПРАКТИКА</a:t>
             </a:r>
             <a:br>
               <a:rPr lang="ru-RU" sz="3000" dirty="0">
@@ -6460,7 +6450,7 @@
                 <a:latin typeface="Times New Roman" panose="02020603050405020304" pitchFamily="18" charset="0"/>
                 <a:cs typeface="Times New Roman" panose="02020603050405020304" pitchFamily="18" charset="0"/>
               </a:rPr>
-              <a:t>к.т.н., доцент ЛАПТЕВ ВАЛЕРИЙ ВИКТОРОВИЧ</a:t>
+              <a:t>Д.т.н., ПРОФЕССОР ХОМЕНКО ТАТЬЯНА ВЛАДИМИРОВНА</a:t>
             </a:r>
           </a:p>
           <a:p>
@@ -6591,7 +6581,7 @@
           <p:cNvPr id="2" name="Заголовок 1">
             <a:extLst>
               <a:ext uri="{FF2B5EF4-FFF2-40B4-BE49-F238E27FC236}">
-                <a16:creationId xmlns:a16="http://schemas.microsoft.com/office/drawing/2014/main" id="{338D779D-A178-FFC4-2917-0727610A0C33}"/>
+                <a16:creationId xmlns:a16="http://schemas.microsoft.com/office/drawing/2014/main" id="{EB95F82F-1EB5-583F-6A4F-D81FA7090598}"/>
               </a:ext>
             </a:extLst>
           </p:cNvPr>
@@ -6609,12 +6599,13 @@
           <a:p>
             <a:pPr algn="ctr"/>
             <a:r>
-              <a:rPr lang="ru-RU" dirty="0">
+              <a:rPr lang="ru-RU" sz="4200" dirty="0">
                 <a:latin typeface="Times New Roman" panose="02020603050405020304" pitchFamily="18" charset="0"/>
                 <a:cs typeface="Times New Roman" panose="02020603050405020304" pitchFamily="18" charset="0"/>
               </a:rPr>
-              <a:t>Задачи</a:t>
-            </a:r>
+              <a:t>Диаграмма классов</a:t>
+            </a:r>
+            <a:endParaRPr lang="ru-RU" dirty="0"/>
           </a:p>
         </p:txBody>
       </p:sp>
@@ -6623,7 +6614,7 @@
           <p:cNvPr id="3" name="Объект 2">
             <a:extLst>
               <a:ext uri="{FF2B5EF4-FFF2-40B4-BE49-F238E27FC236}">
-                <a16:creationId xmlns:a16="http://schemas.microsoft.com/office/drawing/2014/main" id="{CDEDEFFF-C6ED-5668-24F3-A487D5BE0694}"/>
+                <a16:creationId xmlns:a16="http://schemas.microsoft.com/office/drawing/2014/main" id="{699E9281-6987-B9AF-B3B0-20591D3310EE}"/>
               </a:ext>
             </a:extLst>
           </p:cNvPr>
@@ -6636,7 +6627,7 @@
         </p:nvSpPr>
         <p:spPr>
           <a:xfrm>
-            <a:off x="875201" y="1331259"/>
+            <a:off x="1104293" y="1331259"/>
             <a:ext cx="8946541" cy="4195481"/>
           </a:xfrm>
         </p:spPr>
@@ -6648,103 +6639,6 @@
               <a:lnSpc>
                 <a:spcPct val="150000"/>
               </a:lnSpc>
-              <a:spcBef>
-                <a:spcPts val="0"/>
-              </a:spcBef>
-              <a:buNone/>
-            </a:pPr>
-            <a:r>
-              <a:rPr lang="ru-RU" dirty="0">
-                <a:latin typeface="Times New Roman" panose="02020603050405020304" pitchFamily="18" charset="0"/>
-                <a:cs typeface="Times New Roman" panose="02020603050405020304" pitchFamily="18" charset="0"/>
-              </a:rPr>
-              <a:t>	Достижение данной цели сопровождается следующими задачами:</a:t>
-            </a:r>
-          </a:p>
-          <a:p>
-            <a:pPr marL="685800" lvl="1" algn="just">
-              <a:lnSpc>
-                <a:spcPct val="150000"/>
-              </a:lnSpc>
-              <a:spcBef>
-                <a:spcPts val="0"/>
-              </a:spcBef>
-              <a:buFont typeface="Arial" panose="020B0604020202020204" pitchFamily="34" charset="0"/>
-              <a:buChar char="•"/>
-            </a:pPr>
-            <a:r>
-              <a:rPr lang="ru-RU" sz="2000" dirty="0">
-                <a:latin typeface="Times New Roman" panose="02020603050405020304" pitchFamily="18" charset="0"/>
-                <a:cs typeface="Times New Roman" panose="02020603050405020304" pitchFamily="18" charset="0"/>
-              </a:rPr>
-              <a:t> проектирование базы данных;</a:t>
-            </a:r>
-          </a:p>
-          <a:p>
-            <a:pPr lvl="1" indent="-342900" algn="just">
-              <a:lnSpc>
-                <a:spcPct val="150000"/>
-              </a:lnSpc>
-              <a:spcBef>
-                <a:spcPts val="0"/>
-              </a:spcBef>
-              <a:buFont typeface="Arial" panose="020B0604020202020204" pitchFamily="34" charset="0"/>
-              <a:buChar char="•"/>
-            </a:pPr>
-            <a:r>
-              <a:rPr lang="ru-RU" sz="2000" dirty="0">
-                <a:latin typeface="Times New Roman" panose="02020603050405020304" pitchFamily="18" charset="0"/>
-                <a:cs typeface="Times New Roman" panose="02020603050405020304" pitchFamily="18" charset="0"/>
-              </a:rPr>
-              <a:t>разработка программного продукта;</a:t>
-            </a:r>
-          </a:p>
-          <a:p>
-            <a:pPr lvl="1" indent="-342900" algn="just">
-              <a:lnSpc>
-                <a:spcPct val="150000"/>
-              </a:lnSpc>
-              <a:spcBef>
-                <a:spcPts val="0"/>
-              </a:spcBef>
-              <a:buFont typeface="Arial" panose="020B0604020202020204" pitchFamily="34" charset="0"/>
-              <a:buChar char="•"/>
-            </a:pPr>
-            <a:r>
-              <a:rPr lang="ru-RU" sz="2000" dirty="0">
-                <a:latin typeface="Times New Roman" panose="02020603050405020304" pitchFamily="18" charset="0"/>
-                <a:cs typeface="Times New Roman" panose="02020603050405020304" pitchFamily="18" charset="0"/>
-              </a:rPr>
-              <a:t>тестирование полученной системы;</a:t>
-            </a:r>
-          </a:p>
-          <a:p>
-            <a:pPr lvl="1" indent="-342900" algn="just">
-              <a:lnSpc>
-                <a:spcPct val="150000"/>
-              </a:lnSpc>
-              <a:spcBef>
-                <a:spcPts val="0"/>
-              </a:spcBef>
-              <a:buFont typeface="Arial" panose="020B0604020202020204" pitchFamily="34" charset="0"/>
-              <a:buChar char="•"/>
-            </a:pPr>
-            <a:r>
-              <a:rPr lang="ru-RU" sz="2000" dirty="0">
-                <a:latin typeface="Times New Roman" panose="02020603050405020304" pitchFamily="18" charset="0"/>
-                <a:cs typeface="Times New Roman" panose="02020603050405020304" pitchFamily="18" charset="0"/>
-              </a:rPr>
-              <a:t>внедрение информационной системы в организации.</a:t>
-            </a:r>
-          </a:p>
-          <a:p>
-            <a:pPr marL="0" indent="0" algn="just">
-              <a:lnSpc>
-                <a:spcPct val="150000"/>
-              </a:lnSpc>
-              <a:spcBef>
-                <a:spcPts val="0"/>
-              </a:spcBef>
               <a:buNone/>
             </a:pPr>
             <a:endParaRPr lang="ru-RU" dirty="0">
@@ -6754,10 +6648,45 @@
           </a:p>
         </p:txBody>
       </p:sp>
+      <p:pic>
+        <p:nvPicPr>
+          <p:cNvPr id="4" name="Рисунок 3">
+            <a:extLst>
+              <a:ext uri="{FF2B5EF4-FFF2-40B4-BE49-F238E27FC236}">
+                <a16:creationId xmlns:a16="http://schemas.microsoft.com/office/drawing/2014/main" id="{8CA0FC47-BF08-714A-A548-0EDAAC3CBE8C}"/>
+              </a:ext>
+            </a:extLst>
+          </p:cNvPr>
+          <p:cNvPicPr>
+            <a:picLocks noChangeAspect="1"/>
+          </p:cNvPicPr>
+          <p:nvPr/>
+        </p:nvPicPr>
+        <p:blipFill>
+          <a:blip r:embed="rId2"/>
+          <a:stretch>
+            <a:fillRect/>
+          </a:stretch>
+        </p:blipFill>
+        <p:spPr>
+          <a:xfrm>
+            <a:off x="0" y="1152983"/>
+            <a:ext cx="12192000" cy="5705017"/>
+          </a:xfrm>
+          <a:prstGeom prst="rect">
+            <a:avLst/>
+          </a:prstGeom>
+          <a:ln>
+            <a:solidFill>
+              <a:schemeClr val="tx1"/>
+            </a:solidFill>
+          </a:ln>
+        </p:spPr>
+      </p:pic>
     </p:spTree>
     <p:extLst>
       <p:ext uri="{BB962C8B-B14F-4D97-AF65-F5344CB8AC3E}">
-        <p14:creationId xmlns:p14="http://schemas.microsoft.com/office/powerpoint/2010/main" val="2949288254"/>
+        <p14:creationId xmlns:p14="http://schemas.microsoft.com/office/powerpoint/2010/main" val="2025626758"/>
       </p:ext>
     </p:extLst>
   </p:cSld>
@@ -6780,152 +6709,6 @@
 </file>
 
 <file path=ppt/slides/slide11.xml><?xml version="1.0" encoding="utf-8"?>
-<p:sld xmlns:a="http://schemas.openxmlformats.org/drawingml/2006/main" xmlns:r="http://schemas.openxmlformats.org/officeDocument/2006/relationships" xmlns:p="http://schemas.openxmlformats.org/presentationml/2006/main">
-  <p:cSld>
-    <p:spTree>
-      <p:nvGrpSpPr>
-        <p:cNvPr id="1" name=""/>
-        <p:cNvGrpSpPr/>
-        <p:nvPr/>
-      </p:nvGrpSpPr>
-      <p:grpSpPr>
-        <a:xfrm>
-          <a:off x="0" y="0"/>
-          <a:ext cx="0" cy="0"/>
-          <a:chOff x="0" y="0"/>
-          <a:chExt cx="0" cy="0"/>
-        </a:xfrm>
-      </p:grpSpPr>
-      <p:sp>
-        <p:nvSpPr>
-          <p:cNvPr id="2" name="Заголовок 1">
-            <a:extLst>
-              <a:ext uri="{FF2B5EF4-FFF2-40B4-BE49-F238E27FC236}">
-                <a16:creationId xmlns:a16="http://schemas.microsoft.com/office/drawing/2014/main" id="{1AF8BD60-0C5B-416F-3A2E-06B21B6C0DA2}"/>
-              </a:ext>
-            </a:extLst>
-          </p:cNvPr>
-          <p:cNvSpPr>
-            <a:spLocks noGrp="1"/>
-          </p:cNvSpPr>
-          <p:nvPr>
-            <p:ph type="title"/>
-          </p:nvPr>
-        </p:nvSpPr>
-        <p:spPr/>
-        <p:txBody>
-          <a:bodyPr>
-            <a:normAutofit/>
-          </a:bodyPr>
-          <a:lstStyle/>
-          <a:p>
-            <a:pPr algn="ctr"/>
-            <a:r>
-              <a:rPr lang="ru-RU" sz="4200" b="0" strike="noStrike" spc="-1" dirty="0">
-                <a:solidFill>
-                  <a:schemeClr val="tx1"/>
-                </a:solidFill>
-                <a:latin typeface="Times New Roman" panose="02020603050405020304" pitchFamily="18" charset="0"/>
-                <a:ea typeface="DejaVu Sans"/>
-                <a:cs typeface="Times New Roman" panose="02020603050405020304" pitchFamily="18" charset="0"/>
-              </a:rPr>
-              <a:t>Назначение</a:t>
-            </a:r>
-            <a:endParaRPr lang="ru-RU" sz="4200" dirty="0">
-              <a:solidFill>
-                <a:schemeClr val="tx1"/>
-              </a:solidFill>
-              <a:latin typeface="Times New Roman" panose="02020603050405020304" pitchFamily="18" charset="0"/>
-              <a:cs typeface="Times New Roman" panose="02020603050405020304" pitchFamily="18" charset="0"/>
-            </a:endParaRPr>
-          </a:p>
-        </p:txBody>
-      </p:sp>
-      <p:sp>
-        <p:nvSpPr>
-          <p:cNvPr id="3" name="Объект 2">
-            <a:extLst>
-              <a:ext uri="{FF2B5EF4-FFF2-40B4-BE49-F238E27FC236}">
-                <a16:creationId xmlns:a16="http://schemas.microsoft.com/office/drawing/2014/main" id="{289F0795-2645-DA34-3D5E-2F3C44412E80}"/>
-              </a:ext>
-            </a:extLst>
-          </p:cNvPr>
-          <p:cNvSpPr>
-            <a:spLocks noGrp="1"/>
-          </p:cNvSpPr>
-          <p:nvPr>
-            <p:ph idx="1"/>
-          </p:nvPr>
-        </p:nvSpPr>
-        <p:spPr>
-          <a:xfrm>
-            <a:off x="1104293" y="1331259"/>
-            <a:ext cx="8946541" cy="4195481"/>
-          </a:xfrm>
-        </p:spPr>
-        <p:txBody>
-          <a:bodyPr>
-            <a:normAutofit/>
-          </a:bodyPr>
-          <a:lstStyle/>
-          <a:p>
-            <a:pPr marL="0" indent="0" algn="just">
-              <a:lnSpc>
-                <a:spcPct val="150000"/>
-              </a:lnSpc>
-              <a:buNone/>
-            </a:pPr>
-            <a:r>
-              <a:rPr lang="ru-RU" dirty="0">
-                <a:latin typeface="Times New Roman" panose="02020603050405020304" pitchFamily="18" charset="0"/>
-                <a:cs typeface="Times New Roman" panose="02020603050405020304" pitchFamily="18" charset="0"/>
-              </a:rPr>
-              <a:t>	Назначение автоматизированной (информационной) системы «Регионального школьного технопарка» заключается в обеспечении бесперебойной и эффективной работы системы автоматизации образовательного процесса. Программный продукт позволяет автоматизировать планирование образовательного и административный процесс в организации.</a:t>
-            </a:r>
-          </a:p>
-          <a:p>
-            <a:pPr marL="0" indent="0" algn="just">
-              <a:lnSpc>
-                <a:spcPct val="150000"/>
-              </a:lnSpc>
-              <a:buNone/>
-            </a:pPr>
-            <a:endParaRPr lang="ru-RU" b="0" strike="noStrike" spc="-1" dirty="0">
-              <a:solidFill>
-                <a:srgbClr val="000000"/>
-              </a:solidFill>
-              <a:latin typeface="Times New Roman" panose="02020603050405020304" pitchFamily="18" charset="0"/>
-              <a:cs typeface="Times New Roman" panose="02020603050405020304" pitchFamily="18" charset="0"/>
-            </a:endParaRPr>
-          </a:p>
-        </p:txBody>
-      </p:sp>
-    </p:spTree>
-    <p:extLst>
-      <p:ext uri="{BB962C8B-B14F-4D97-AF65-F5344CB8AC3E}">
-        <p14:creationId xmlns:p14="http://schemas.microsoft.com/office/powerpoint/2010/main" val="3161715268"/>
-      </p:ext>
-    </p:extLst>
-  </p:cSld>
-  <p:clrMapOvr>
-    <a:masterClrMapping/>
-  </p:clrMapOvr>
-  <mc:AlternateContent xmlns:mc="http://schemas.openxmlformats.org/markup-compatibility/2006" xmlns:p14="http://schemas.microsoft.com/office/powerpoint/2010/main">
-    <mc:Choice Requires="p14">
-      <p:transition spd="med" p14:dur="700">
-        <p:fade/>
-      </p:transition>
-    </mc:Choice>
-    <mc:Fallback xmlns="">
-      <p:transition spd="med">
-        <p:fade/>
-      </p:transition>
-    </mc:Fallback>
-  </mc:AlternateContent>
-</p:sld>
-</file>
-
-<file path=ppt/slides/slide12.xml><?xml version="1.0" encoding="utf-8"?>
 <p:sld xmlns:a="http://schemas.openxmlformats.org/drawingml/2006/main" xmlns:r="http://schemas.openxmlformats.org/officeDocument/2006/relationships" xmlns:p="http://schemas.openxmlformats.org/presentationml/2006/main">
   <p:cSld>
     <p:spTree>
@@ -7494,7 +7277,479 @@
 </p:sld>
 </file>
 
+<file path=ppt/slides/slide12.xml><?xml version="1.0" encoding="utf-8"?>
+<p:sld xmlns:a="http://schemas.openxmlformats.org/drawingml/2006/main" xmlns:r="http://schemas.openxmlformats.org/officeDocument/2006/relationships" xmlns:p="http://schemas.openxmlformats.org/presentationml/2006/main">
+  <p:cSld>
+    <p:spTree>
+      <p:nvGrpSpPr>
+        <p:cNvPr id="1" name=""/>
+        <p:cNvGrpSpPr/>
+        <p:nvPr/>
+      </p:nvGrpSpPr>
+      <p:grpSpPr>
+        <a:xfrm>
+          <a:off x="0" y="0"/>
+          <a:ext cx="0" cy="0"/>
+          <a:chOff x="0" y="0"/>
+          <a:chExt cx="0" cy="0"/>
+        </a:xfrm>
+      </p:grpSpPr>
+      <p:sp>
+        <p:nvSpPr>
+          <p:cNvPr id="2" name="Заголовок 1">
+            <a:extLst>
+              <a:ext uri="{FF2B5EF4-FFF2-40B4-BE49-F238E27FC236}">
+                <a16:creationId xmlns:a16="http://schemas.microsoft.com/office/drawing/2014/main" id="{A8228CCA-5492-A6D2-6987-20C1B13B4C0D}"/>
+              </a:ext>
+            </a:extLst>
+          </p:cNvPr>
+          <p:cNvSpPr>
+            <a:spLocks noGrp="1"/>
+          </p:cNvSpPr>
+          <p:nvPr>
+            <p:ph type="title"/>
+          </p:nvPr>
+        </p:nvSpPr>
+        <p:spPr/>
+        <p:txBody>
+          <a:bodyPr/>
+          <a:lstStyle/>
+          <a:p>
+            <a:pPr algn="ctr"/>
+            <a:r>
+              <a:rPr lang="ru-RU" dirty="0">
+                <a:latin typeface="Times New Roman" panose="02020603050405020304" pitchFamily="18" charset="0"/>
+                <a:cs typeface="Times New Roman" panose="02020603050405020304" pitchFamily="18" charset="0"/>
+              </a:rPr>
+              <a:t>Цель</a:t>
+            </a:r>
+          </a:p>
+        </p:txBody>
+      </p:sp>
+      <p:sp>
+        <p:nvSpPr>
+          <p:cNvPr id="3" name="Объект 2">
+            <a:extLst>
+              <a:ext uri="{FF2B5EF4-FFF2-40B4-BE49-F238E27FC236}">
+                <a16:creationId xmlns:a16="http://schemas.microsoft.com/office/drawing/2014/main" id="{8115C425-27BE-08A5-B553-85EB3DF18BAC}"/>
+              </a:ext>
+            </a:extLst>
+          </p:cNvPr>
+          <p:cNvSpPr>
+            <a:spLocks noGrp="1"/>
+          </p:cNvSpPr>
+          <p:nvPr>
+            <p:ph idx="1"/>
+          </p:nvPr>
+        </p:nvSpPr>
+        <p:spPr>
+          <a:xfrm>
+            <a:off x="1104293" y="1331259"/>
+            <a:ext cx="8946541" cy="4195481"/>
+          </a:xfrm>
+        </p:spPr>
+        <p:txBody>
+          <a:bodyPr/>
+          <a:lstStyle/>
+          <a:p>
+            <a:pPr marL="0" indent="0" algn="just">
+              <a:lnSpc>
+                <a:spcPct val="150000"/>
+              </a:lnSpc>
+              <a:buNone/>
+            </a:pPr>
+            <a:r>
+              <a:rPr lang="ru-RU" dirty="0">
+                <a:latin typeface="Times New Roman" panose="02020603050405020304" pitchFamily="18" charset="0"/>
+                <a:cs typeface="Times New Roman" panose="02020603050405020304" pitchFamily="18" charset="0"/>
+              </a:rPr>
+              <a:t>	Цель разработки информационной системы для организации "Региональный школьный технопарк" заключается в создании эффективной информационной системы, способной обеспечить планирование образовательного процесса и документооборота в организации «Региональный школьный технопарк».</a:t>
+            </a:r>
+          </a:p>
+        </p:txBody>
+      </p:sp>
+    </p:spTree>
+    <p:extLst>
+      <p:ext uri="{BB962C8B-B14F-4D97-AF65-F5344CB8AC3E}">
+        <p14:creationId xmlns:p14="http://schemas.microsoft.com/office/powerpoint/2010/main" val="4285124795"/>
+      </p:ext>
+    </p:extLst>
+  </p:cSld>
+  <p:clrMapOvr>
+    <a:masterClrMapping/>
+  </p:clrMapOvr>
+  <mc:AlternateContent xmlns:mc="http://schemas.openxmlformats.org/markup-compatibility/2006" xmlns:p14="http://schemas.microsoft.com/office/powerpoint/2010/main">
+    <mc:Choice Requires="p14">
+      <p:transition spd="med" p14:dur="700">
+        <p:fade/>
+      </p:transition>
+    </mc:Choice>
+    <mc:Fallback xmlns="">
+      <p:transition spd="med">
+        <p:fade/>
+      </p:transition>
+    </mc:Fallback>
+  </mc:AlternateContent>
+</p:sld>
+</file>
+
 <file path=ppt/slides/slide13.xml><?xml version="1.0" encoding="utf-8"?>
+<p:sld xmlns:a="http://schemas.openxmlformats.org/drawingml/2006/main" xmlns:r="http://schemas.openxmlformats.org/officeDocument/2006/relationships" xmlns:p="http://schemas.openxmlformats.org/presentationml/2006/main">
+  <p:cSld>
+    <p:spTree>
+      <p:nvGrpSpPr>
+        <p:cNvPr id="1" name=""/>
+        <p:cNvGrpSpPr/>
+        <p:nvPr/>
+      </p:nvGrpSpPr>
+      <p:grpSpPr>
+        <a:xfrm>
+          <a:off x="0" y="0"/>
+          <a:ext cx="0" cy="0"/>
+          <a:chOff x="0" y="0"/>
+          <a:chExt cx="0" cy="0"/>
+        </a:xfrm>
+      </p:grpSpPr>
+      <p:sp>
+        <p:nvSpPr>
+          <p:cNvPr id="2" name="Заголовок 1">
+            <a:extLst>
+              <a:ext uri="{FF2B5EF4-FFF2-40B4-BE49-F238E27FC236}">
+                <a16:creationId xmlns:a16="http://schemas.microsoft.com/office/drawing/2014/main" id="{338D779D-A178-FFC4-2917-0727610A0C33}"/>
+              </a:ext>
+            </a:extLst>
+          </p:cNvPr>
+          <p:cNvSpPr>
+            <a:spLocks noGrp="1"/>
+          </p:cNvSpPr>
+          <p:nvPr>
+            <p:ph type="title"/>
+          </p:nvPr>
+        </p:nvSpPr>
+        <p:spPr/>
+        <p:txBody>
+          <a:bodyPr/>
+          <a:lstStyle/>
+          <a:p>
+            <a:pPr algn="ctr"/>
+            <a:r>
+              <a:rPr lang="ru-RU" dirty="0">
+                <a:latin typeface="Times New Roman" panose="02020603050405020304" pitchFamily="18" charset="0"/>
+                <a:cs typeface="Times New Roman" panose="02020603050405020304" pitchFamily="18" charset="0"/>
+              </a:rPr>
+              <a:t>Задачи</a:t>
+            </a:r>
+          </a:p>
+        </p:txBody>
+      </p:sp>
+      <p:sp>
+        <p:nvSpPr>
+          <p:cNvPr id="3" name="Объект 2">
+            <a:extLst>
+              <a:ext uri="{FF2B5EF4-FFF2-40B4-BE49-F238E27FC236}">
+                <a16:creationId xmlns:a16="http://schemas.microsoft.com/office/drawing/2014/main" id="{CDEDEFFF-C6ED-5668-24F3-A487D5BE0694}"/>
+              </a:ext>
+            </a:extLst>
+          </p:cNvPr>
+          <p:cNvSpPr>
+            <a:spLocks noGrp="1"/>
+          </p:cNvSpPr>
+          <p:nvPr>
+            <p:ph idx="1"/>
+          </p:nvPr>
+        </p:nvSpPr>
+        <p:spPr>
+          <a:xfrm>
+            <a:off x="875201" y="1331259"/>
+            <a:ext cx="8946541" cy="4195481"/>
+          </a:xfrm>
+        </p:spPr>
+        <p:txBody>
+          <a:bodyPr/>
+          <a:lstStyle/>
+          <a:p>
+            <a:pPr marL="0" indent="0" algn="just">
+              <a:lnSpc>
+                <a:spcPct val="150000"/>
+              </a:lnSpc>
+              <a:spcBef>
+                <a:spcPts val="0"/>
+              </a:spcBef>
+              <a:buNone/>
+            </a:pPr>
+            <a:r>
+              <a:rPr lang="ru-RU" dirty="0">
+                <a:latin typeface="Times New Roman" panose="02020603050405020304" pitchFamily="18" charset="0"/>
+                <a:cs typeface="Times New Roman" panose="02020603050405020304" pitchFamily="18" charset="0"/>
+              </a:rPr>
+              <a:t>	Достижение данной цели сопровождается следующими задачами:</a:t>
+            </a:r>
+          </a:p>
+          <a:p>
+            <a:pPr marL="685800" lvl="1" algn="just">
+              <a:lnSpc>
+                <a:spcPct val="150000"/>
+              </a:lnSpc>
+              <a:spcBef>
+                <a:spcPts val="0"/>
+              </a:spcBef>
+              <a:buFont typeface="Arial" panose="020B0604020202020204" pitchFamily="34" charset="0"/>
+              <a:buChar char="•"/>
+            </a:pPr>
+            <a:r>
+              <a:rPr lang="ru-RU" sz="2000" dirty="0">
+                <a:latin typeface="Times New Roman" panose="02020603050405020304" pitchFamily="18" charset="0"/>
+                <a:cs typeface="Times New Roman" panose="02020603050405020304" pitchFamily="18" charset="0"/>
+              </a:rPr>
+              <a:t> проектирование базы данных;</a:t>
+            </a:r>
+          </a:p>
+          <a:p>
+            <a:pPr lvl="1" indent="-342900" algn="just">
+              <a:lnSpc>
+                <a:spcPct val="150000"/>
+              </a:lnSpc>
+              <a:spcBef>
+                <a:spcPts val="0"/>
+              </a:spcBef>
+              <a:buFont typeface="Arial" panose="020B0604020202020204" pitchFamily="34" charset="0"/>
+              <a:buChar char="•"/>
+            </a:pPr>
+            <a:r>
+              <a:rPr lang="ru-RU" sz="2000" dirty="0">
+                <a:latin typeface="Times New Roman" panose="02020603050405020304" pitchFamily="18" charset="0"/>
+                <a:cs typeface="Times New Roman" panose="02020603050405020304" pitchFamily="18" charset="0"/>
+              </a:rPr>
+              <a:t>разработка программного продукта;</a:t>
+            </a:r>
+          </a:p>
+          <a:p>
+            <a:pPr lvl="1" indent="-342900" algn="just">
+              <a:lnSpc>
+                <a:spcPct val="150000"/>
+              </a:lnSpc>
+              <a:spcBef>
+                <a:spcPts val="0"/>
+              </a:spcBef>
+              <a:buFont typeface="Arial" panose="020B0604020202020204" pitchFamily="34" charset="0"/>
+              <a:buChar char="•"/>
+            </a:pPr>
+            <a:r>
+              <a:rPr lang="ru-RU" sz="2000" dirty="0">
+                <a:latin typeface="Times New Roman" panose="02020603050405020304" pitchFamily="18" charset="0"/>
+                <a:cs typeface="Times New Roman" panose="02020603050405020304" pitchFamily="18" charset="0"/>
+              </a:rPr>
+              <a:t>тестирование полученной системы;</a:t>
+            </a:r>
+          </a:p>
+          <a:p>
+            <a:pPr lvl="1" indent="-342900" algn="just">
+              <a:lnSpc>
+                <a:spcPct val="150000"/>
+              </a:lnSpc>
+              <a:spcBef>
+                <a:spcPts val="0"/>
+              </a:spcBef>
+              <a:buFont typeface="Arial" panose="020B0604020202020204" pitchFamily="34" charset="0"/>
+              <a:buChar char="•"/>
+            </a:pPr>
+            <a:r>
+              <a:rPr lang="ru-RU" sz="2000" dirty="0">
+                <a:latin typeface="Times New Roman" panose="02020603050405020304" pitchFamily="18" charset="0"/>
+                <a:cs typeface="Times New Roman" panose="02020603050405020304" pitchFamily="18" charset="0"/>
+              </a:rPr>
+              <a:t>внедрение информационной системы в организации.</a:t>
+            </a:r>
+          </a:p>
+          <a:p>
+            <a:pPr marL="0" indent="0" algn="just">
+              <a:lnSpc>
+                <a:spcPct val="150000"/>
+              </a:lnSpc>
+              <a:spcBef>
+                <a:spcPts val="0"/>
+              </a:spcBef>
+              <a:buNone/>
+            </a:pPr>
+            <a:endParaRPr lang="ru-RU" dirty="0">
+              <a:latin typeface="Times New Roman" panose="02020603050405020304" pitchFamily="18" charset="0"/>
+              <a:cs typeface="Times New Roman" panose="02020603050405020304" pitchFamily="18" charset="0"/>
+            </a:endParaRPr>
+          </a:p>
+        </p:txBody>
+      </p:sp>
+    </p:spTree>
+    <p:extLst>
+      <p:ext uri="{BB962C8B-B14F-4D97-AF65-F5344CB8AC3E}">
+        <p14:creationId xmlns:p14="http://schemas.microsoft.com/office/powerpoint/2010/main" val="2949288254"/>
+      </p:ext>
+    </p:extLst>
+  </p:cSld>
+  <p:clrMapOvr>
+    <a:masterClrMapping/>
+  </p:clrMapOvr>
+  <mc:AlternateContent xmlns:mc="http://schemas.openxmlformats.org/markup-compatibility/2006" xmlns:p14="http://schemas.microsoft.com/office/powerpoint/2010/main">
+    <mc:Choice Requires="p14">
+      <p:transition spd="med" p14:dur="700">
+        <p:fade/>
+      </p:transition>
+    </mc:Choice>
+    <mc:Fallback xmlns="">
+      <p:transition spd="med">
+        <p:fade/>
+      </p:transition>
+    </mc:Fallback>
+  </mc:AlternateContent>
+</p:sld>
+</file>
+
+<file path=ppt/slides/slide14.xml><?xml version="1.0" encoding="utf-8"?>
+<p:sld xmlns:a="http://schemas.openxmlformats.org/drawingml/2006/main" xmlns:r="http://schemas.openxmlformats.org/officeDocument/2006/relationships" xmlns:p="http://schemas.openxmlformats.org/presentationml/2006/main">
+  <p:cSld>
+    <p:spTree>
+      <p:nvGrpSpPr>
+        <p:cNvPr id="1" name=""/>
+        <p:cNvGrpSpPr/>
+        <p:nvPr/>
+      </p:nvGrpSpPr>
+      <p:grpSpPr>
+        <a:xfrm>
+          <a:off x="0" y="0"/>
+          <a:ext cx="0" cy="0"/>
+          <a:chOff x="0" y="0"/>
+          <a:chExt cx="0" cy="0"/>
+        </a:xfrm>
+      </p:grpSpPr>
+      <p:sp>
+        <p:nvSpPr>
+          <p:cNvPr id="2" name="Заголовок 1">
+            <a:extLst>
+              <a:ext uri="{FF2B5EF4-FFF2-40B4-BE49-F238E27FC236}">
+                <a16:creationId xmlns:a16="http://schemas.microsoft.com/office/drawing/2014/main" id="{1AF8BD60-0C5B-416F-3A2E-06B21B6C0DA2}"/>
+              </a:ext>
+            </a:extLst>
+          </p:cNvPr>
+          <p:cNvSpPr>
+            <a:spLocks noGrp="1"/>
+          </p:cNvSpPr>
+          <p:nvPr>
+            <p:ph type="title"/>
+          </p:nvPr>
+        </p:nvSpPr>
+        <p:spPr/>
+        <p:txBody>
+          <a:bodyPr>
+            <a:normAutofit/>
+          </a:bodyPr>
+          <a:lstStyle/>
+          <a:p>
+            <a:pPr algn="ctr"/>
+            <a:r>
+              <a:rPr lang="ru-RU" sz="4200" b="0" strike="noStrike" spc="-1" dirty="0">
+                <a:solidFill>
+                  <a:schemeClr val="tx1"/>
+                </a:solidFill>
+                <a:latin typeface="Times New Roman" panose="02020603050405020304" pitchFamily="18" charset="0"/>
+                <a:ea typeface="DejaVu Sans"/>
+                <a:cs typeface="Times New Roman" panose="02020603050405020304" pitchFamily="18" charset="0"/>
+              </a:rPr>
+              <a:t>Назначение</a:t>
+            </a:r>
+            <a:endParaRPr lang="ru-RU" sz="4200" dirty="0">
+              <a:solidFill>
+                <a:schemeClr val="tx1"/>
+              </a:solidFill>
+              <a:latin typeface="Times New Roman" panose="02020603050405020304" pitchFamily="18" charset="0"/>
+              <a:cs typeface="Times New Roman" panose="02020603050405020304" pitchFamily="18" charset="0"/>
+            </a:endParaRPr>
+          </a:p>
+        </p:txBody>
+      </p:sp>
+      <p:sp>
+        <p:nvSpPr>
+          <p:cNvPr id="3" name="Объект 2">
+            <a:extLst>
+              <a:ext uri="{FF2B5EF4-FFF2-40B4-BE49-F238E27FC236}">
+                <a16:creationId xmlns:a16="http://schemas.microsoft.com/office/drawing/2014/main" id="{289F0795-2645-DA34-3D5E-2F3C44412E80}"/>
+              </a:ext>
+            </a:extLst>
+          </p:cNvPr>
+          <p:cNvSpPr>
+            <a:spLocks noGrp="1"/>
+          </p:cNvSpPr>
+          <p:nvPr>
+            <p:ph idx="1"/>
+          </p:nvPr>
+        </p:nvSpPr>
+        <p:spPr>
+          <a:xfrm>
+            <a:off x="1104293" y="1331259"/>
+            <a:ext cx="8946541" cy="4195481"/>
+          </a:xfrm>
+        </p:spPr>
+        <p:txBody>
+          <a:bodyPr>
+            <a:normAutofit/>
+          </a:bodyPr>
+          <a:lstStyle/>
+          <a:p>
+            <a:pPr marL="0" indent="0" algn="just">
+              <a:lnSpc>
+                <a:spcPct val="150000"/>
+              </a:lnSpc>
+              <a:buNone/>
+            </a:pPr>
+            <a:r>
+              <a:rPr lang="ru-RU" dirty="0">
+                <a:latin typeface="Times New Roman" panose="02020603050405020304" pitchFamily="18" charset="0"/>
+                <a:cs typeface="Times New Roman" panose="02020603050405020304" pitchFamily="18" charset="0"/>
+              </a:rPr>
+              <a:t>	Назначение автоматизированной (информационной) системы «Регионального школьного технопарка» заключается в обеспечении бесперебойной и эффективной работы системы автоматизации образовательного процесса. Программный продукт позволяет автоматизировать планирование образовательного и административный процесс в организации.</a:t>
+            </a:r>
+          </a:p>
+          <a:p>
+            <a:pPr marL="0" indent="0" algn="just">
+              <a:lnSpc>
+                <a:spcPct val="150000"/>
+              </a:lnSpc>
+              <a:buNone/>
+            </a:pPr>
+            <a:endParaRPr lang="ru-RU" b="0" strike="noStrike" spc="-1" dirty="0">
+              <a:solidFill>
+                <a:srgbClr val="000000"/>
+              </a:solidFill>
+              <a:latin typeface="Times New Roman" panose="02020603050405020304" pitchFamily="18" charset="0"/>
+              <a:cs typeface="Times New Roman" panose="02020603050405020304" pitchFamily="18" charset="0"/>
+            </a:endParaRPr>
+          </a:p>
+        </p:txBody>
+      </p:sp>
+    </p:spTree>
+    <p:extLst>
+      <p:ext uri="{BB962C8B-B14F-4D97-AF65-F5344CB8AC3E}">
+        <p14:creationId xmlns:p14="http://schemas.microsoft.com/office/powerpoint/2010/main" val="3161715268"/>
+      </p:ext>
+    </p:extLst>
+  </p:cSld>
+  <p:clrMapOvr>
+    <a:masterClrMapping/>
+  </p:clrMapOvr>
+  <mc:AlternateContent xmlns:mc="http://schemas.openxmlformats.org/markup-compatibility/2006" xmlns:p14="http://schemas.microsoft.com/office/powerpoint/2010/main">
+    <mc:Choice Requires="p14">
+      <p:transition spd="med" p14:dur="700">
+        <p:fade/>
+      </p:transition>
+    </mc:Choice>
+    <mc:Fallback xmlns="">
+      <p:transition spd="med">
+        <p:fade/>
+      </p:transition>
+    </mc:Fallback>
+  </mc:AlternateContent>
+</p:sld>
+</file>
+
+<file path=ppt/slides/slide15.xml><?xml version="1.0" encoding="utf-8"?>
 <p:sld xmlns:a="http://schemas.openxmlformats.org/drawingml/2006/main" xmlns:r="http://schemas.openxmlformats.org/officeDocument/2006/relationships" xmlns:p="http://schemas.openxmlformats.org/presentationml/2006/main">
   <p:cSld>
     <p:spTree>
@@ -7623,523 +7878,6 @@
 </p:sld>
 </file>
 
-<file path=ppt/slides/slide14.xml><?xml version="1.0" encoding="utf-8"?>
-<p:sld xmlns:a="http://schemas.openxmlformats.org/drawingml/2006/main" xmlns:r="http://schemas.openxmlformats.org/officeDocument/2006/relationships" xmlns:p="http://schemas.openxmlformats.org/presentationml/2006/main">
-  <p:cSld>
-    <p:spTree>
-      <p:nvGrpSpPr>
-        <p:cNvPr id="1" name=""/>
-        <p:cNvGrpSpPr/>
-        <p:nvPr/>
-      </p:nvGrpSpPr>
-      <p:grpSpPr>
-        <a:xfrm>
-          <a:off x="0" y="0"/>
-          <a:ext cx="0" cy="0"/>
-          <a:chOff x="0" y="0"/>
-          <a:chExt cx="0" cy="0"/>
-        </a:xfrm>
-      </p:grpSpPr>
-      <p:sp>
-        <p:nvSpPr>
-          <p:cNvPr id="2" name="Заголовок 1">
-            <a:extLst>
-              <a:ext uri="{FF2B5EF4-FFF2-40B4-BE49-F238E27FC236}">
-                <a16:creationId xmlns:a16="http://schemas.microsoft.com/office/drawing/2014/main" id="{A3D898F4-A952-823E-4DA5-08E59AF2D269}"/>
-              </a:ext>
-            </a:extLst>
-          </p:cNvPr>
-          <p:cNvSpPr>
-            <a:spLocks noGrp="1"/>
-          </p:cNvSpPr>
-          <p:nvPr>
-            <p:ph type="title"/>
-          </p:nvPr>
-        </p:nvSpPr>
-        <p:spPr/>
-        <p:txBody>
-          <a:bodyPr/>
-          <a:lstStyle/>
-          <a:p>
-            <a:pPr algn="ctr"/>
-            <a:r>
-              <a:rPr lang="ru-RU" dirty="0">
-                <a:latin typeface="Times New Roman" panose="02020603050405020304" pitchFamily="18" charset="0"/>
-                <a:cs typeface="Times New Roman" panose="02020603050405020304" pitchFamily="18" charset="0"/>
-              </a:rPr>
-              <a:t>Форматы данных</a:t>
-            </a:r>
-          </a:p>
-        </p:txBody>
-      </p:sp>
-      <p:sp>
-        <p:nvSpPr>
-          <p:cNvPr id="3" name="Объект 2">
-            <a:extLst>
-              <a:ext uri="{FF2B5EF4-FFF2-40B4-BE49-F238E27FC236}">
-                <a16:creationId xmlns:a16="http://schemas.microsoft.com/office/drawing/2014/main" id="{50C13E97-45D5-206B-474C-543005F6866E}"/>
-              </a:ext>
-            </a:extLst>
-          </p:cNvPr>
-          <p:cNvSpPr>
-            <a:spLocks noGrp="1"/>
-          </p:cNvSpPr>
-          <p:nvPr>
-            <p:ph idx="1"/>
-          </p:nvPr>
-        </p:nvSpPr>
-        <p:spPr>
-          <a:xfrm>
-            <a:off x="1104293" y="1331259"/>
-            <a:ext cx="8946541" cy="4195481"/>
-          </a:xfrm>
-        </p:spPr>
-        <p:txBody>
-          <a:bodyPr/>
-          <a:lstStyle/>
-          <a:p>
-            <a:pPr indent="0" algn="just">
-              <a:lnSpc>
-                <a:spcPct val="150000"/>
-              </a:lnSpc>
-              <a:spcBef>
-                <a:spcPts val="0"/>
-              </a:spcBef>
-              <a:buNone/>
-            </a:pPr>
-            <a:r>
-              <a:rPr lang="ru-RU" kern="100" dirty="0">
-                <a:effectLst/>
-                <a:latin typeface="Times New Roman" panose="02020603050405020304" pitchFamily="18" charset="0"/>
-                <a:ea typeface="NSimSun" panose="02010609030101010101" pitchFamily="49" charset="-122"/>
-                <a:cs typeface="Times New Roman" panose="02020603050405020304" pitchFamily="18" charset="0"/>
-              </a:rPr>
-              <a:t>Входные данные:</a:t>
-            </a:r>
-          </a:p>
-          <a:p>
-            <a:pPr lvl="1" indent="-342900" algn="just">
-              <a:lnSpc>
-                <a:spcPct val="150000"/>
-              </a:lnSpc>
-              <a:spcBef>
-                <a:spcPts val="0"/>
-              </a:spcBef>
-              <a:buFont typeface="Symbol" panose="05050102010706020507" pitchFamily="18" charset="2"/>
-              <a:buChar char=""/>
-              <a:tabLst>
-                <a:tab pos="221615" algn="l"/>
-              </a:tabLst>
-            </a:pPr>
-            <a:r>
-              <a:rPr lang="ru-RU" sz="2000" kern="100" dirty="0">
-                <a:effectLst/>
-                <a:latin typeface="Times New Roman" panose="02020603050405020304" pitchFamily="18" charset="0"/>
-                <a:ea typeface="NSimSun" panose="02010609030101010101" pitchFamily="49" charset="-122"/>
-                <a:cs typeface="Times New Roman" panose="02020603050405020304" pitchFamily="18" charset="0"/>
-              </a:rPr>
-              <a:t>текстовые данные или файлы;</a:t>
-            </a:r>
-          </a:p>
-          <a:p>
-            <a:pPr lvl="1" indent="-342900" algn="just">
-              <a:lnSpc>
-                <a:spcPct val="150000"/>
-              </a:lnSpc>
-              <a:spcBef>
-                <a:spcPts val="0"/>
-              </a:spcBef>
-              <a:buFont typeface="Symbol" panose="05050102010706020507" pitchFamily="18" charset="2"/>
-              <a:buChar char=""/>
-              <a:tabLst>
-                <a:tab pos="221615" algn="l"/>
-              </a:tabLst>
-            </a:pPr>
-            <a:r>
-              <a:rPr lang="ru-RU" sz="2000" kern="100" dirty="0">
-                <a:effectLst/>
-                <a:latin typeface="Times New Roman" panose="02020603050405020304" pitchFamily="18" charset="0"/>
-                <a:ea typeface="NSimSun" panose="02010609030101010101" pitchFamily="49" charset="-122"/>
-                <a:cs typeface="Times New Roman" panose="02020603050405020304" pitchFamily="18" charset="0"/>
-              </a:rPr>
-              <a:t>выбор пунктов меню.</a:t>
-            </a:r>
-          </a:p>
-          <a:p>
-            <a:pPr marL="0" lvl="0" indent="0" algn="just">
-              <a:lnSpc>
-                <a:spcPct val="150000"/>
-              </a:lnSpc>
-              <a:spcBef>
-                <a:spcPts val="0"/>
-              </a:spcBef>
-              <a:buNone/>
-              <a:tabLst>
-                <a:tab pos="221615" algn="l"/>
-              </a:tabLst>
-            </a:pPr>
-            <a:r>
-              <a:rPr lang="ru-RU" kern="100" dirty="0">
-                <a:effectLst/>
-                <a:latin typeface="Times New Roman" panose="02020603050405020304" pitchFamily="18" charset="0"/>
-                <a:ea typeface="NSimSun" panose="02010609030101010101" pitchFamily="49" charset="-122"/>
-                <a:cs typeface="Times New Roman" panose="02020603050405020304" pitchFamily="18" charset="0"/>
-              </a:rPr>
-              <a:t>	  Выходные данные:</a:t>
-            </a:r>
-          </a:p>
-          <a:p>
-            <a:pPr lvl="1" indent="-342900" algn="just">
-              <a:lnSpc>
-                <a:spcPct val="150000"/>
-              </a:lnSpc>
-              <a:spcBef>
-                <a:spcPts val="0"/>
-              </a:spcBef>
-              <a:buFont typeface="Symbol" panose="05050102010706020507" pitchFamily="18" charset="2"/>
-              <a:buChar char=""/>
-              <a:tabLst>
-                <a:tab pos="221615" algn="l"/>
-              </a:tabLst>
-            </a:pPr>
-            <a:r>
-              <a:rPr lang="ru-RU" sz="2000" kern="100" dirty="0">
-                <a:effectLst/>
-                <a:latin typeface="Times New Roman" panose="02020603050405020304" pitchFamily="18" charset="0"/>
-                <a:ea typeface="NSimSun" panose="02010609030101010101" pitchFamily="49" charset="-122"/>
-                <a:cs typeface="Times New Roman" panose="02020603050405020304" pitchFamily="18" charset="0"/>
-              </a:rPr>
-              <a:t>сгенерированные документы в различных форматах;</a:t>
-            </a:r>
-          </a:p>
-          <a:p>
-            <a:pPr lvl="1" indent="-342900" algn="just">
-              <a:lnSpc>
-                <a:spcPct val="150000"/>
-              </a:lnSpc>
-              <a:spcBef>
-                <a:spcPts val="0"/>
-              </a:spcBef>
-              <a:buFont typeface="Symbol" panose="05050102010706020507" pitchFamily="18" charset="2"/>
-              <a:buChar char=""/>
-              <a:tabLst>
-                <a:tab pos="221615" algn="l"/>
-              </a:tabLst>
-            </a:pPr>
-            <a:r>
-              <a:rPr lang="ru-RU" sz="2000" kern="100" dirty="0">
-                <a:effectLst/>
-                <a:latin typeface="Times New Roman" panose="02020603050405020304" pitchFamily="18" charset="0"/>
-                <a:ea typeface="NSimSun" panose="02010609030101010101" pitchFamily="49" charset="-122"/>
-                <a:cs typeface="Times New Roman" panose="02020603050405020304" pitchFamily="18" charset="0"/>
-              </a:rPr>
-              <a:t>текстовые данные или файлы, полученные от пользователей.</a:t>
-            </a:r>
-          </a:p>
-          <a:p>
-            <a:pPr algn="just">
-              <a:spcBef>
-                <a:spcPts val="0"/>
-              </a:spcBef>
-            </a:pPr>
-            <a:endParaRPr lang="ru-RU" dirty="0">
-              <a:latin typeface="Times New Roman" panose="02020603050405020304" pitchFamily="18" charset="0"/>
-              <a:cs typeface="Times New Roman" panose="02020603050405020304" pitchFamily="18" charset="0"/>
-            </a:endParaRPr>
-          </a:p>
-        </p:txBody>
-      </p:sp>
-    </p:spTree>
-    <p:extLst>
-      <p:ext uri="{BB962C8B-B14F-4D97-AF65-F5344CB8AC3E}">
-        <p14:creationId xmlns:p14="http://schemas.microsoft.com/office/powerpoint/2010/main" val="2681116902"/>
-      </p:ext>
-    </p:extLst>
-  </p:cSld>
-  <p:clrMapOvr>
-    <a:masterClrMapping/>
-  </p:clrMapOvr>
-  <mc:AlternateContent xmlns:mc="http://schemas.openxmlformats.org/markup-compatibility/2006" xmlns:p14="http://schemas.microsoft.com/office/powerpoint/2010/main">
-    <mc:Choice Requires="p14">
-      <p:transition spd="med" p14:dur="700">
-        <p:fade/>
-      </p:transition>
-    </mc:Choice>
-    <mc:Fallback xmlns="">
-      <p:transition spd="med">
-        <p:fade/>
-      </p:transition>
-    </mc:Fallback>
-  </mc:AlternateContent>
-</p:sld>
-</file>
-
-<file path=ppt/slides/slide15.xml><?xml version="1.0" encoding="utf-8"?>
-<p:sld xmlns:a="http://schemas.openxmlformats.org/drawingml/2006/main" xmlns:r="http://schemas.openxmlformats.org/officeDocument/2006/relationships" xmlns:p="http://schemas.openxmlformats.org/presentationml/2006/main">
-  <p:cSld>
-    <p:spTree>
-      <p:nvGrpSpPr>
-        <p:cNvPr id="1" name=""/>
-        <p:cNvGrpSpPr/>
-        <p:nvPr/>
-      </p:nvGrpSpPr>
-      <p:grpSpPr>
-        <a:xfrm>
-          <a:off x="0" y="0"/>
-          <a:ext cx="0" cy="0"/>
-          <a:chOff x="0" y="0"/>
-          <a:chExt cx="0" cy="0"/>
-        </a:xfrm>
-      </p:grpSpPr>
-      <p:sp>
-        <p:nvSpPr>
-          <p:cNvPr id="2" name="Заголовок 1">
-            <a:extLst>
-              <a:ext uri="{FF2B5EF4-FFF2-40B4-BE49-F238E27FC236}">
-                <a16:creationId xmlns:a16="http://schemas.microsoft.com/office/drawing/2014/main" id="{131AF62D-63AD-D33F-E646-0AF822E31EE6}"/>
-              </a:ext>
-            </a:extLst>
-          </p:cNvPr>
-          <p:cNvSpPr>
-            <a:spLocks noGrp="1"/>
-          </p:cNvSpPr>
-          <p:nvPr>
-            <p:ph type="title"/>
-          </p:nvPr>
-        </p:nvSpPr>
-        <p:spPr/>
-        <p:txBody>
-          <a:bodyPr/>
-          <a:lstStyle/>
-          <a:p>
-            <a:pPr algn="ctr"/>
-            <a:r>
-              <a:rPr lang="ru-RU" dirty="0">
-                <a:latin typeface="Times New Roman" panose="02020603050405020304" pitchFamily="18" charset="0"/>
-                <a:cs typeface="Times New Roman" panose="02020603050405020304" pitchFamily="18" charset="0"/>
-              </a:rPr>
-              <a:t>Заключение</a:t>
-            </a:r>
-          </a:p>
-        </p:txBody>
-      </p:sp>
-      <p:sp>
-        <p:nvSpPr>
-          <p:cNvPr id="3" name="Объект 2">
-            <a:extLst>
-              <a:ext uri="{FF2B5EF4-FFF2-40B4-BE49-F238E27FC236}">
-                <a16:creationId xmlns:a16="http://schemas.microsoft.com/office/drawing/2014/main" id="{6493FAAC-FCD8-63EF-49A3-DDD17E49273B}"/>
-              </a:ext>
-            </a:extLst>
-          </p:cNvPr>
-          <p:cNvSpPr>
-            <a:spLocks noGrp="1"/>
-          </p:cNvSpPr>
-          <p:nvPr>
-            <p:ph idx="1"/>
-          </p:nvPr>
-        </p:nvSpPr>
-        <p:spPr>
-          <a:xfrm>
-            <a:off x="1104293" y="1331259"/>
-            <a:ext cx="8946541" cy="4195481"/>
-          </a:xfrm>
-        </p:spPr>
-        <p:txBody>
-          <a:bodyPr>
-            <a:normAutofit lnSpcReduction="10000"/>
-          </a:bodyPr>
-          <a:lstStyle/>
-          <a:p>
-            <a:pPr marL="0" indent="0" algn="just">
-              <a:lnSpc>
-                <a:spcPct val="150000"/>
-              </a:lnSpc>
-              <a:spcBef>
-                <a:spcPts val="0"/>
-              </a:spcBef>
-              <a:buNone/>
-            </a:pPr>
-            <a:r>
-              <a:rPr lang="ru-RU" dirty="0">
-                <a:latin typeface="Times New Roman" panose="02020603050405020304" pitchFamily="18" charset="0"/>
-                <a:cs typeface="Times New Roman" panose="02020603050405020304" pitchFamily="18" charset="0"/>
-              </a:rPr>
-              <a:t>	В процессе выполнения курсового проекта проектированию были решены следующие задачи:</a:t>
-            </a:r>
-          </a:p>
-          <a:p>
-            <a:pPr lvl="1" algn="just">
-              <a:lnSpc>
-                <a:spcPct val="150000"/>
-              </a:lnSpc>
-              <a:spcBef>
-                <a:spcPts val="0"/>
-              </a:spcBef>
-              <a:buFont typeface="Arial" panose="020B0604020202020204" pitchFamily="34" charset="0"/>
-              <a:buChar char="•"/>
-            </a:pPr>
-            <a:r>
-              <a:rPr lang="ru-RU" sz="2000" dirty="0">
-                <a:latin typeface="Times New Roman" panose="02020603050405020304" pitchFamily="18" charset="0"/>
-                <a:cs typeface="Times New Roman" panose="02020603050405020304" pitchFamily="18" charset="0"/>
-              </a:rPr>
-              <a:t>изучена предметная область;</a:t>
-            </a:r>
-          </a:p>
-          <a:p>
-            <a:pPr lvl="1" algn="just">
-              <a:lnSpc>
-                <a:spcPct val="150000"/>
-              </a:lnSpc>
-              <a:spcBef>
-                <a:spcPts val="0"/>
-              </a:spcBef>
-              <a:buFont typeface="Arial" panose="020B0604020202020204" pitchFamily="34" charset="0"/>
-              <a:buChar char="•"/>
-            </a:pPr>
-            <a:r>
-              <a:rPr lang="ru-RU" sz="2000" dirty="0">
-                <a:latin typeface="Times New Roman" panose="02020603050405020304" pitchFamily="18" charset="0"/>
-                <a:cs typeface="Times New Roman" panose="02020603050405020304" pitchFamily="18" charset="0"/>
-              </a:rPr>
-              <a:t>разработана различных диаграмм, иллюстрирующих работу системы;</a:t>
-            </a:r>
-          </a:p>
-          <a:p>
-            <a:pPr lvl="1" algn="just">
-              <a:lnSpc>
-                <a:spcPct val="150000"/>
-              </a:lnSpc>
-              <a:spcBef>
-                <a:spcPts val="0"/>
-              </a:spcBef>
-              <a:buFont typeface="Arial" panose="020B0604020202020204" pitchFamily="34" charset="0"/>
-              <a:buChar char="•"/>
-            </a:pPr>
-            <a:r>
-              <a:rPr lang="ru-RU" sz="2000" dirty="0">
-                <a:latin typeface="Times New Roman" panose="02020603050405020304" pitchFamily="18" charset="0"/>
-                <a:cs typeface="Times New Roman" panose="02020603050405020304" pitchFamily="18" charset="0"/>
-              </a:rPr>
-              <a:t>написан рабочий проект.</a:t>
-            </a:r>
-          </a:p>
-          <a:p>
-            <a:pPr marL="0" indent="0" algn="just">
-              <a:lnSpc>
-                <a:spcPct val="150000"/>
-              </a:lnSpc>
-              <a:spcBef>
-                <a:spcPts val="0"/>
-              </a:spcBef>
-              <a:buNone/>
-            </a:pPr>
-            <a:r>
-              <a:rPr lang="ru-RU" dirty="0">
-                <a:latin typeface="Times New Roman" panose="02020603050405020304" pitchFamily="18" charset="0"/>
-                <a:cs typeface="Times New Roman" panose="02020603050405020304" pitchFamily="18" charset="0"/>
-              </a:rPr>
-              <a:t>	Дальнейшее развитие информационной системы:</a:t>
-            </a:r>
-          </a:p>
-          <a:p>
-            <a:pPr lvl="1" algn="just">
-              <a:lnSpc>
-                <a:spcPct val="150000"/>
-              </a:lnSpc>
-              <a:spcBef>
-                <a:spcPts val="0"/>
-              </a:spcBef>
-              <a:buFont typeface="Arial" panose="020B0604020202020204" pitchFamily="34" charset="0"/>
-              <a:buChar char="•"/>
-            </a:pPr>
-            <a:r>
-              <a:rPr lang="ru-RU" sz="2000" dirty="0">
-                <a:latin typeface="Times New Roman" panose="02020603050405020304" pitchFamily="18" charset="0"/>
-                <a:cs typeface="Times New Roman" panose="02020603050405020304" pitchFamily="18" charset="0"/>
-              </a:rPr>
-              <a:t>разработка программного продукта;</a:t>
-            </a:r>
-          </a:p>
-          <a:p>
-            <a:pPr lvl="1" algn="just">
-              <a:lnSpc>
-                <a:spcPct val="150000"/>
-              </a:lnSpc>
-              <a:spcBef>
-                <a:spcPts val="0"/>
-              </a:spcBef>
-              <a:buFont typeface="Arial" panose="020B0604020202020204" pitchFamily="34" charset="0"/>
-              <a:buChar char="•"/>
-            </a:pPr>
-            <a:r>
-              <a:rPr lang="ru-RU" sz="2000" dirty="0">
-                <a:latin typeface="Times New Roman" panose="02020603050405020304" pitchFamily="18" charset="0"/>
-                <a:cs typeface="Times New Roman" panose="02020603050405020304" pitchFamily="18" charset="0"/>
-              </a:rPr>
-              <a:t>написание рабочего проекта;</a:t>
-            </a:r>
-          </a:p>
-          <a:p>
-            <a:pPr lvl="1" algn="just">
-              <a:lnSpc>
-                <a:spcPct val="150000"/>
-              </a:lnSpc>
-              <a:spcBef>
-                <a:spcPts val="0"/>
-              </a:spcBef>
-              <a:buFont typeface="Arial" panose="020B0604020202020204" pitchFamily="34" charset="0"/>
-              <a:buChar char="•"/>
-            </a:pPr>
-            <a:r>
-              <a:rPr lang="ru-RU" sz="2000" dirty="0">
-                <a:latin typeface="Times New Roman" panose="02020603050405020304" pitchFamily="18" charset="0"/>
-                <a:cs typeface="Times New Roman" panose="02020603050405020304" pitchFamily="18" charset="0"/>
-              </a:rPr>
-              <a:t>разработка дизайна форм.</a:t>
-            </a:r>
-          </a:p>
-          <a:p>
-            <a:pPr marL="0" indent="0" algn="just">
-              <a:buNone/>
-            </a:pPr>
-            <a:endParaRPr lang="ru-RU" dirty="0">
-              <a:latin typeface="Times New Roman" panose="02020603050405020304" pitchFamily="18" charset="0"/>
-              <a:cs typeface="Times New Roman" panose="02020603050405020304" pitchFamily="18" charset="0"/>
-            </a:endParaRPr>
-          </a:p>
-          <a:p>
-            <a:pPr algn="just"/>
-            <a:endParaRPr lang="ru-RU" dirty="0"/>
-          </a:p>
-        </p:txBody>
-      </p:sp>
-    </p:spTree>
-    <p:extLst>
-      <p:ext uri="{BB962C8B-B14F-4D97-AF65-F5344CB8AC3E}">
-        <p14:creationId xmlns:p14="http://schemas.microsoft.com/office/powerpoint/2010/main" val="1581003504"/>
-      </p:ext>
-    </p:extLst>
-  </p:cSld>
-  <p:clrMapOvr>
-    <a:masterClrMapping/>
-  </p:clrMapOvr>
-  <mc:AlternateContent xmlns:mc="http://schemas.openxmlformats.org/markup-compatibility/2006" xmlns:p14="http://schemas.microsoft.com/office/powerpoint/2010/main">
-    <mc:Choice Requires="p14">
-      <p:transition spd="med" p14:dur="700">
-        <p:fade/>
-      </p:transition>
-    </mc:Choice>
-    <mc:Fallback xmlns="">
-      <p:transition spd="med">
-        <p:fade/>
-      </p:transition>
-    </mc:Fallback>
-  </mc:AlternateContent>
-</p:sld>
-</file>
-
 <file path=ppt/slides/slide16.xml><?xml version="1.0" encoding="utf-8"?>
 <p:sld xmlns:a="http://schemas.openxmlformats.org/drawingml/2006/main" xmlns:r="http://schemas.openxmlformats.org/officeDocument/2006/relationships" xmlns:p="http://schemas.openxmlformats.org/presentationml/2006/main">
   <p:cSld>
@@ -8162,7 +7900,7 @@
           <p:cNvPr id="2" name="Заголовок 1">
             <a:extLst>
               <a:ext uri="{FF2B5EF4-FFF2-40B4-BE49-F238E27FC236}">
-                <a16:creationId xmlns:a16="http://schemas.microsoft.com/office/drawing/2014/main" id="{63264DB7-F091-EE41-9BEF-BF6549F4C291}"/>
+                <a16:creationId xmlns:a16="http://schemas.microsoft.com/office/drawing/2014/main" id="{1AF8BD60-0C5B-416F-3A2E-06B21B6C0DA2}"/>
               </a:ext>
             </a:extLst>
           </p:cNvPr>
@@ -8175,17 +7913,30 @@
         </p:nvSpPr>
         <p:spPr/>
         <p:txBody>
-          <a:bodyPr/>
+          <a:bodyPr>
+            <a:normAutofit/>
+          </a:bodyPr>
           <a:lstStyle/>
           <a:p>
             <a:pPr algn="ctr"/>
             <a:r>
-              <a:rPr lang="ru-RU" dirty="0">
+              <a:rPr lang="ru-RU" spc="-1" dirty="0">
+                <a:solidFill>
+                  <a:schemeClr val="tx1"/>
+                </a:solidFill>
                 <a:latin typeface="Times New Roman" panose="02020603050405020304" pitchFamily="18" charset="0"/>
+                <a:ea typeface="DejaVu Sans"/>
                 <a:cs typeface="Times New Roman" panose="02020603050405020304" pitchFamily="18" charset="0"/>
               </a:rPr>
-              <a:t>Список использованной литературы</a:t>
-            </a:r>
+              <a:t>Прототипы интерфейсов</a:t>
+            </a:r>
+            <a:endParaRPr lang="ru-RU" sz="4200" dirty="0">
+              <a:solidFill>
+                <a:schemeClr val="tx1"/>
+              </a:solidFill>
+              <a:latin typeface="Times New Roman" panose="02020603050405020304" pitchFamily="18" charset="0"/>
+              <a:cs typeface="Times New Roman" panose="02020603050405020304" pitchFamily="18" charset="0"/>
+            </a:endParaRPr>
           </a:p>
         </p:txBody>
       </p:sp>
@@ -8194,7 +7945,7 @@
           <p:cNvPr id="3" name="Объект 2">
             <a:extLst>
               <a:ext uri="{FF2B5EF4-FFF2-40B4-BE49-F238E27FC236}">
-                <a16:creationId xmlns:a16="http://schemas.microsoft.com/office/drawing/2014/main" id="{4A43E48C-5D97-7D29-5B11-FBFC370D7C76}"/>
+                <a16:creationId xmlns:a16="http://schemas.microsoft.com/office/drawing/2014/main" id="{289F0795-2645-DA34-3D5E-2F3C44412E80}"/>
               </a:ext>
             </a:extLst>
           </p:cNvPr>
@@ -8208,292 +7959,73 @@
         <p:spPr>
           <a:xfrm>
             <a:off x="1104293" y="1331259"/>
-            <a:ext cx="9548467" cy="4195481"/>
+            <a:ext cx="8946541" cy="4195481"/>
           </a:xfrm>
         </p:spPr>
         <p:txBody>
           <a:bodyPr>
-            <a:noAutofit/>
+            <a:normAutofit/>
           </a:bodyPr>
           <a:lstStyle/>
           <a:p>
-            <a:pPr marL="457200" indent="-457200" algn="just">
+            <a:pPr marL="0" indent="0" algn="just">
               <a:lnSpc>
                 <a:spcPct val="150000"/>
               </a:lnSpc>
-              <a:spcBef>
-                <a:spcPts val="0"/>
-              </a:spcBef>
-              <a:buFont typeface="+mj-lt"/>
-              <a:buAutoNum type="arabicPeriod"/>
+              <a:buNone/>
             </a:pPr>
-            <a:r>
-              <a:rPr lang="ru-RU" dirty="0">
-                <a:latin typeface="Times New Roman" panose="02020603050405020304" pitchFamily="18" charset="0"/>
-                <a:cs typeface="Times New Roman" panose="02020603050405020304" pitchFamily="18" charset="0"/>
-              </a:rPr>
-              <a:t>Левитин А. В. Алгоритмы. Введение в разработку и анализ — 2006. </a:t>
-            </a:r>
-          </a:p>
-          <a:p>
-            <a:pPr marL="457200" indent="-457200" algn="just">
-              <a:lnSpc>
-                <a:spcPct val="150000"/>
-              </a:lnSpc>
-              <a:spcBef>
-                <a:spcPts val="0"/>
-              </a:spcBef>
-              <a:buFont typeface="+mj-lt"/>
-              <a:buAutoNum type="arabicPeriod"/>
-            </a:pPr>
-            <a:r>
-              <a:rPr lang="ru-RU" dirty="0">
-                <a:latin typeface="Times New Roman" panose="02020603050405020304" pitchFamily="18" charset="0"/>
-                <a:cs typeface="Times New Roman" panose="02020603050405020304" pitchFamily="18" charset="0"/>
-              </a:rPr>
-              <a:t>Белов С.В., Лаптев В.В., Морозов А.В., </a:t>
-            </a:r>
-            <a:r>
-              <a:rPr lang="ru-RU" dirty="0" err="1">
-                <a:latin typeface="Times New Roman" panose="02020603050405020304" pitchFamily="18" charset="0"/>
-                <a:cs typeface="Times New Roman" panose="02020603050405020304" pitchFamily="18" charset="0"/>
-              </a:rPr>
-              <a:t>Толасова</a:t>
-            </a:r>
-            <a:r>
-              <a:rPr lang="ru-RU" dirty="0">
-                <a:latin typeface="Times New Roman" panose="02020603050405020304" pitchFamily="18" charset="0"/>
-                <a:cs typeface="Times New Roman" panose="02020603050405020304" pitchFamily="18" charset="0"/>
-              </a:rPr>
-              <a:t> В.В., Мамлеева А.Р. Требования к оформлению студенческих работ. / АГТУ – Астрахань, 2019.</a:t>
-            </a:r>
-            <a:endParaRPr lang="en-US" dirty="0">
+            <a:endParaRPr lang="ru-RU" b="0" strike="noStrike" spc="-1" dirty="0">
+              <a:solidFill>
+                <a:srgbClr val="000000"/>
+              </a:solidFill>
               <a:latin typeface="Times New Roman" panose="02020603050405020304" pitchFamily="18" charset="0"/>
               <a:cs typeface="Times New Roman" panose="02020603050405020304" pitchFamily="18" charset="0"/>
             </a:endParaRPr>
           </a:p>
-          <a:p>
-            <a:pPr marL="457200" indent="-457200" algn="just">
-              <a:lnSpc>
-                <a:spcPct val="150000"/>
-              </a:lnSpc>
-              <a:spcBef>
-                <a:spcPts val="0"/>
-              </a:spcBef>
-              <a:buFont typeface="+mj-lt"/>
-              <a:buAutoNum type="arabicPeriod"/>
-            </a:pPr>
-            <a:r>
-              <a:rPr lang="ru-RU" dirty="0">
-                <a:latin typeface="Times New Roman" panose="02020603050405020304" pitchFamily="18" charset="0"/>
-                <a:cs typeface="Times New Roman" panose="02020603050405020304" pitchFamily="18" charset="0"/>
-              </a:rPr>
-              <a:t>Алгоритмы и структуры данных — </a:t>
-            </a:r>
-            <a:r>
-              <a:rPr lang="ru-RU" dirty="0" err="1">
-                <a:latin typeface="Times New Roman" panose="02020603050405020304" pitchFamily="18" charset="0"/>
-                <a:cs typeface="Times New Roman" panose="02020603050405020304" pitchFamily="18" charset="0"/>
-              </a:rPr>
-              <a:t>Кормен</a:t>
-            </a:r>
-            <a:r>
-              <a:rPr lang="ru-RU" dirty="0">
-                <a:latin typeface="Times New Roman" panose="02020603050405020304" pitchFamily="18" charset="0"/>
-                <a:cs typeface="Times New Roman" panose="02020603050405020304" pitchFamily="18" charset="0"/>
-              </a:rPr>
-              <a:t> - 2022</a:t>
-            </a:r>
-          </a:p>
-          <a:p>
-            <a:pPr marL="457200" indent="-457200" algn="just">
-              <a:lnSpc>
-                <a:spcPct val="150000"/>
-              </a:lnSpc>
-              <a:spcBef>
-                <a:spcPts val="0"/>
-              </a:spcBef>
-              <a:buFont typeface="+mj-lt"/>
-              <a:buAutoNum type="arabicPeriod"/>
-            </a:pPr>
-            <a:r>
-              <a:rPr lang="ru-RU" dirty="0">
-                <a:latin typeface="Times New Roman" panose="02020603050405020304" pitchFamily="18" charset="0"/>
-                <a:cs typeface="Times New Roman" panose="02020603050405020304" pitchFamily="18" charset="0"/>
-              </a:rPr>
-              <a:t>“</a:t>
-            </a:r>
-            <a:r>
-              <a:rPr lang="ru-RU" dirty="0" err="1">
-                <a:latin typeface="Times New Roman" panose="02020603050405020304" pitchFamily="18" charset="0"/>
-                <a:cs typeface="Times New Roman" panose="02020603050405020304" pitchFamily="18" charset="0"/>
-              </a:rPr>
-              <a:t>Грокаем</a:t>
-            </a:r>
-            <a:r>
-              <a:rPr lang="ru-RU" dirty="0">
-                <a:latin typeface="Times New Roman" panose="02020603050405020304" pitchFamily="18" charset="0"/>
-                <a:cs typeface="Times New Roman" panose="02020603050405020304" pitchFamily="18" charset="0"/>
-              </a:rPr>
-              <a:t> алгоритмы. Иллюстрированное пособие для программистов и любопытствующих” - </a:t>
-            </a:r>
-            <a:r>
-              <a:rPr lang="ru-RU" dirty="0" err="1">
-                <a:latin typeface="Times New Roman" panose="02020603050405020304" pitchFamily="18" charset="0"/>
-                <a:cs typeface="Times New Roman" panose="02020603050405020304" pitchFamily="18" charset="0"/>
-              </a:rPr>
-              <a:t>Адитья</a:t>
-            </a:r>
-            <a:r>
-              <a:rPr lang="ru-RU" dirty="0">
-                <a:latin typeface="Times New Roman" panose="02020603050405020304" pitchFamily="18" charset="0"/>
-                <a:cs typeface="Times New Roman" panose="02020603050405020304" pitchFamily="18" charset="0"/>
-              </a:rPr>
-              <a:t> </a:t>
-            </a:r>
-            <a:r>
-              <a:rPr lang="ru-RU" dirty="0" err="1">
-                <a:latin typeface="Times New Roman" panose="02020603050405020304" pitchFamily="18" charset="0"/>
-                <a:cs typeface="Times New Roman" panose="02020603050405020304" pitchFamily="18" charset="0"/>
-              </a:rPr>
-              <a:t>Бхаргава</a:t>
-            </a:r>
-            <a:r>
-              <a:rPr lang="ru-RU" dirty="0">
-                <a:latin typeface="Times New Roman" panose="02020603050405020304" pitchFamily="18" charset="0"/>
-                <a:cs typeface="Times New Roman" panose="02020603050405020304" pitchFamily="18" charset="0"/>
-              </a:rPr>
-              <a:t> (2022) Издательство: </a:t>
-            </a:r>
-            <a:r>
-              <a:rPr lang="ru-RU" dirty="0" err="1">
-                <a:latin typeface="Times New Roman" panose="02020603050405020304" pitchFamily="18" charset="0"/>
-                <a:cs typeface="Times New Roman" panose="02020603050405020304" pitchFamily="18" charset="0"/>
-              </a:rPr>
-              <a:t>Литрес</a:t>
-            </a:r>
-            <a:endParaRPr lang="ru-RU" dirty="0">
-              <a:latin typeface="Times New Roman" panose="02020603050405020304" pitchFamily="18" charset="0"/>
-              <a:cs typeface="Times New Roman" panose="02020603050405020304" pitchFamily="18" charset="0"/>
-            </a:endParaRPr>
-          </a:p>
-          <a:p>
-            <a:pPr marL="457200" indent="-457200" algn="just">
-              <a:lnSpc>
-                <a:spcPct val="150000"/>
-              </a:lnSpc>
-              <a:spcBef>
-                <a:spcPts val="0"/>
-              </a:spcBef>
-              <a:buFont typeface="+mj-lt"/>
-              <a:buAutoNum type="arabicPeriod"/>
-            </a:pPr>
-            <a:r>
-              <a:rPr lang="ru-RU" dirty="0">
-                <a:latin typeface="Times New Roman" panose="02020603050405020304" pitchFamily="18" charset="0"/>
-                <a:cs typeface="Times New Roman" panose="02020603050405020304" pitchFamily="18" charset="0"/>
-              </a:rPr>
-              <a:t>“Чистый код. Создание, анализ и рефакторинг” Мартин Роберт С. Издательство: Питер (2022)</a:t>
-            </a:r>
-          </a:p>
-          <a:p>
-            <a:pPr marL="457200" indent="-457200" algn="just">
-              <a:lnSpc>
-                <a:spcPct val="150000"/>
-              </a:lnSpc>
-              <a:spcBef>
-                <a:spcPts val="0"/>
-              </a:spcBef>
-              <a:buFont typeface="+mj-lt"/>
-              <a:buAutoNum type="arabicPeriod"/>
-            </a:pPr>
-            <a:r>
-              <a:rPr lang="ru-RU" dirty="0">
-                <a:latin typeface="Times New Roman" panose="02020603050405020304" pitchFamily="18" charset="0"/>
-                <a:cs typeface="Times New Roman" panose="02020603050405020304" pitchFamily="18" charset="0"/>
-              </a:rPr>
-              <a:t>Дэвид Скляр "Изучаем PHP 7. Руководство по созданию веб-сайтов". (2017)</a:t>
-            </a:r>
-            <a:endParaRPr lang="en-US" dirty="0">
-              <a:latin typeface="Times New Roman" panose="02020603050405020304" pitchFamily="18" charset="0"/>
-              <a:cs typeface="Times New Roman" panose="02020603050405020304" pitchFamily="18" charset="0"/>
-            </a:endParaRPr>
-          </a:p>
-          <a:p>
-            <a:pPr marL="457200" indent="-457200" algn="just">
-              <a:lnSpc>
-                <a:spcPct val="150000"/>
-              </a:lnSpc>
-              <a:spcBef>
-                <a:spcPts val="0"/>
-              </a:spcBef>
-              <a:buFont typeface="+mj-lt"/>
-              <a:buAutoNum type="arabicPeriod"/>
-            </a:pPr>
-            <a:r>
-              <a:rPr lang="ru-RU" dirty="0">
-                <a:latin typeface="Times New Roman" panose="02020603050405020304" pitchFamily="18" charset="0"/>
-                <a:cs typeface="Times New Roman" panose="02020603050405020304" pitchFamily="18" charset="0"/>
-              </a:rPr>
-              <a:t>«</a:t>
-            </a:r>
-            <a:r>
-              <a:rPr lang="ru-RU" dirty="0" err="1">
-                <a:latin typeface="Times New Roman" panose="02020603050405020304" pitchFamily="18" charset="0"/>
-                <a:cs typeface="Times New Roman" panose="02020603050405020304" pitchFamily="18" charset="0"/>
-              </a:rPr>
-              <a:t>Yii</a:t>
-            </a:r>
-            <a:r>
-              <a:rPr lang="ru-RU" dirty="0">
-                <a:latin typeface="Times New Roman" panose="02020603050405020304" pitchFamily="18" charset="0"/>
-                <a:cs typeface="Times New Roman" panose="02020603050405020304" pitchFamily="18" charset="0"/>
-              </a:rPr>
-              <a:t>. Сборник рецептов» Автор: Макаров А. (2012).</a:t>
-            </a:r>
-            <a:endParaRPr lang="en-US" dirty="0">
-              <a:latin typeface="Times New Roman" panose="02020603050405020304" pitchFamily="18" charset="0"/>
-              <a:cs typeface="Times New Roman" panose="02020603050405020304" pitchFamily="18" charset="0"/>
-            </a:endParaRPr>
-          </a:p>
-          <a:p>
-            <a:pPr algn="just">
-              <a:lnSpc>
-                <a:spcPct val="150000"/>
-              </a:lnSpc>
-              <a:spcBef>
-                <a:spcPts val="0"/>
-              </a:spcBef>
-              <a:buFont typeface="Arial" panose="020B0604020202020204" pitchFamily="34" charset="0"/>
-              <a:buChar char="•"/>
-            </a:pPr>
-            <a:endParaRPr lang="ru-RU" dirty="0">
-              <a:latin typeface="Times New Roman" panose="02020603050405020304" pitchFamily="18" charset="0"/>
-              <a:cs typeface="Times New Roman" panose="02020603050405020304" pitchFamily="18" charset="0"/>
-            </a:endParaRPr>
-          </a:p>
-          <a:p>
-            <a:pPr algn="just">
-              <a:lnSpc>
-                <a:spcPct val="150000"/>
-              </a:lnSpc>
-              <a:spcBef>
-                <a:spcPts val="0"/>
-              </a:spcBef>
-              <a:buFont typeface="Arial" panose="020B0604020202020204" pitchFamily="34" charset="0"/>
-              <a:buChar char="•"/>
-            </a:pPr>
-            <a:endParaRPr lang="ru-RU" dirty="0">
-              <a:latin typeface="Times New Roman" panose="02020603050405020304" pitchFamily="18" charset="0"/>
-              <a:cs typeface="Times New Roman" panose="02020603050405020304" pitchFamily="18" charset="0"/>
-            </a:endParaRPr>
-          </a:p>
-        </p:txBody>
-      </p:sp>
+        </p:txBody>
+      </p:sp>
+      <p:pic>
+        <p:nvPicPr>
+          <p:cNvPr id="4" name="Рисунок 3">
+            <a:extLst>
+              <a:ext uri="{FF2B5EF4-FFF2-40B4-BE49-F238E27FC236}">
+                <a16:creationId xmlns:a16="http://schemas.microsoft.com/office/drawing/2014/main" id="{FC4DB14D-AB40-5624-4058-955D57173858}"/>
+              </a:ext>
+            </a:extLst>
+          </p:cNvPr>
+          <p:cNvPicPr>
+            <a:picLocks noChangeAspect="1"/>
+          </p:cNvPicPr>
+          <p:nvPr/>
+        </p:nvPicPr>
+        <p:blipFill>
+          <a:blip r:embed="rId2"/>
+          <a:stretch>
+            <a:fillRect/>
+          </a:stretch>
+        </p:blipFill>
+        <p:spPr>
+          <a:xfrm>
+            <a:off x="0" y="1173409"/>
+            <a:ext cx="12192000" cy="5684591"/>
+          </a:xfrm>
+          <a:prstGeom prst="rect">
+            <a:avLst/>
+          </a:prstGeom>
+          <a:solidFill>
+            <a:sysClr val="windowText" lastClr="000000"/>
+          </a:solidFill>
+          <a:ln>
+            <a:solidFill>
+              <a:schemeClr val="tx1"/>
+            </a:solidFill>
+          </a:ln>
+        </p:spPr>
+      </p:pic>
     </p:spTree>
     <p:extLst>
       <p:ext uri="{BB962C8B-B14F-4D97-AF65-F5344CB8AC3E}">
-        <p14:creationId xmlns:p14="http://schemas.microsoft.com/office/powerpoint/2010/main" val="634527840"/>
+        <p14:creationId xmlns:p14="http://schemas.microsoft.com/office/powerpoint/2010/main" val="1417320718"/>
       </p:ext>
     </p:extLst>
   </p:cSld>
@@ -8537,7 +8069,7 @@
           <p:cNvPr id="2" name="Заголовок 1">
             <a:extLst>
               <a:ext uri="{FF2B5EF4-FFF2-40B4-BE49-F238E27FC236}">
-                <a16:creationId xmlns:a16="http://schemas.microsoft.com/office/drawing/2014/main" id="{D2E7D94F-D533-2196-84C1-24D4245AF6F2}"/>
+                <a16:creationId xmlns:a16="http://schemas.microsoft.com/office/drawing/2014/main" id="{1AF8BD60-0C5B-416F-3A2E-06B21B6C0DA2}"/>
               </a:ext>
             </a:extLst>
           </p:cNvPr>
@@ -8548,31 +8080,766 @@
             <p:ph type="title"/>
           </p:nvPr>
         </p:nvSpPr>
+        <p:spPr/>
+        <p:txBody>
+          <a:bodyPr>
+            <a:normAutofit/>
+          </a:bodyPr>
+          <a:lstStyle/>
+          <a:p>
+            <a:pPr algn="ctr"/>
+            <a:r>
+              <a:rPr lang="ru-RU" spc="-1" dirty="0">
+                <a:solidFill>
+                  <a:schemeClr val="tx1"/>
+                </a:solidFill>
+                <a:latin typeface="Times New Roman" panose="02020603050405020304" pitchFamily="18" charset="0"/>
+                <a:ea typeface="DejaVu Sans"/>
+                <a:cs typeface="Times New Roman" panose="02020603050405020304" pitchFamily="18" charset="0"/>
+              </a:rPr>
+              <a:t>Прототипы интерфейсов</a:t>
+            </a:r>
+            <a:endParaRPr lang="ru-RU" sz="4200" dirty="0">
+              <a:solidFill>
+                <a:schemeClr val="tx1"/>
+              </a:solidFill>
+              <a:latin typeface="Times New Roman" panose="02020603050405020304" pitchFamily="18" charset="0"/>
+              <a:cs typeface="Times New Roman" panose="02020603050405020304" pitchFamily="18" charset="0"/>
+            </a:endParaRPr>
+          </a:p>
+        </p:txBody>
+      </p:sp>
+      <p:sp>
+        <p:nvSpPr>
+          <p:cNvPr id="3" name="Объект 2">
+            <a:extLst>
+              <a:ext uri="{FF2B5EF4-FFF2-40B4-BE49-F238E27FC236}">
+                <a16:creationId xmlns:a16="http://schemas.microsoft.com/office/drawing/2014/main" id="{289F0795-2645-DA34-3D5E-2F3C44412E80}"/>
+              </a:ext>
+            </a:extLst>
+          </p:cNvPr>
+          <p:cNvSpPr>
+            <a:spLocks noGrp="1"/>
+          </p:cNvSpPr>
+          <p:nvPr>
+            <p:ph idx="1"/>
+          </p:nvPr>
+        </p:nvSpPr>
         <p:spPr>
           <a:xfrm>
-            <a:off x="1393638" y="2728735"/>
-            <a:ext cx="9404723" cy="1400530"/>
+            <a:off x="1104293" y="1331259"/>
+            <a:ext cx="8946541" cy="4195481"/>
           </a:xfrm>
         </p:spPr>
         <p:txBody>
-          <a:bodyPr/>
+          <a:bodyPr>
+            <a:normAutofit/>
+          </a:bodyPr>
           <a:lstStyle/>
           <a:p>
-            <a:pPr algn="ctr"/>
+            <a:pPr marL="0" indent="0" algn="just">
+              <a:lnSpc>
+                <a:spcPct val="150000"/>
+              </a:lnSpc>
+              <a:buNone/>
+            </a:pPr>
             <a:r>
               <a:rPr lang="ru-RU" dirty="0">
                 <a:latin typeface="Times New Roman" panose="02020603050405020304" pitchFamily="18" charset="0"/>
                 <a:cs typeface="Times New Roman" panose="02020603050405020304" pitchFamily="18" charset="0"/>
               </a:rPr>
-              <a:t>Спасибо за внимание!</a:t>
-            </a:r>
-          </a:p>
-        </p:txBody>
-      </p:sp>
+              <a:t>	</a:t>
+            </a:r>
+            <a:endParaRPr lang="ru-RU" b="0" strike="noStrike" spc="-1" dirty="0">
+              <a:solidFill>
+                <a:srgbClr val="000000"/>
+              </a:solidFill>
+              <a:latin typeface="Times New Roman" panose="02020603050405020304" pitchFamily="18" charset="0"/>
+              <a:cs typeface="Times New Roman" panose="02020603050405020304" pitchFamily="18" charset="0"/>
+            </a:endParaRPr>
+          </a:p>
+        </p:txBody>
+      </p:sp>
+      <p:pic>
+        <p:nvPicPr>
+          <p:cNvPr id="4" name="Рисунок 3">
+            <a:extLst>
+              <a:ext uri="{FF2B5EF4-FFF2-40B4-BE49-F238E27FC236}">
+                <a16:creationId xmlns:a16="http://schemas.microsoft.com/office/drawing/2014/main" id="{5733723D-5019-E252-D605-6175B0BE26F6}"/>
+              </a:ext>
+            </a:extLst>
+          </p:cNvPr>
+          <p:cNvPicPr>
+            <a:picLocks noChangeAspect="1"/>
+          </p:cNvPicPr>
+          <p:nvPr/>
+        </p:nvPicPr>
+        <p:blipFill>
+          <a:blip r:embed="rId2"/>
+          <a:stretch>
+            <a:fillRect/>
+          </a:stretch>
+        </p:blipFill>
+        <p:spPr>
+          <a:xfrm>
+            <a:off x="0" y="1152983"/>
+            <a:ext cx="12192000" cy="5705017"/>
+          </a:xfrm>
+          <a:prstGeom prst="rect">
+            <a:avLst/>
+          </a:prstGeom>
+          <a:ln>
+            <a:solidFill>
+              <a:schemeClr val="tx1"/>
+            </a:solidFill>
+          </a:ln>
+        </p:spPr>
+      </p:pic>
     </p:spTree>
     <p:extLst>
       <p:ext uri="{BB962C8B-B14F-4D97-AF65-F5344CB8AC3E}">
-        <p14:creationId xmlns:p14="http://schemas.microsoft.com/office/powerpoint/2010/main" val="1172349171"/>
+        <p14:creationId xmlns:p14="http://schemas.microsoft.com/office/powerpoint/2010/main" val="311423206"/>
+      </p:ext>
+    </p:extLst>
+  </p:cSld>
+  <p:clrMapOvr>
+    <a:masterClrMapping/>
+  </p:clrMapOvr>
+  <mc:AlternateContent xmlns:mc="http://schemas.openxmlformats.org/markup-compatibility/2006" xmlns:p14="http://schemas.microsoft.com/office/powerpoint/2010/main">
+    <mc:Choice Requires="p14">
+      <p:transition spd="med" p14:dur="700">
+        <p:fade/>
+      </p:transition>
+    </mc:Choice>
+    <mc:Fallback xmlns="">
+      <p:transition spd="med">
+        <p:fade/>
+      </p:transition>
+    </mc:Fallback>
+  </mc:AlternateContent>
+</p:sld>
+</file>
+
+<file path=ppt/slides/slide18.xml><?xml version="1.0" encoding="utf-8"?>
+<p:sld xmlns:a="http://schemas.openxmlformats.org/drawingml/2006/main" xmlns:r="http://schemas.openxmlformats.org/officeDocument/2006/relationships" xmlns:p="http://schemas.openxmlformats.org/presentationml/2006/main">
+  <p:cSld>
+    <p:spTree>
+      <p:nvGrpSpPr>
+        <p:cNvPr id="1" name=""/>
+        <p:cNvGrpSpPr/>
+        <p:nvPr/>
+      </p:nvGrpSpPr>
+      <p:grpSpPr>
+        <a:xfrm>
+          <a:off x="0" y="0"/>
+          <a:ext cx="0" cy="0"/>
+          <a:chOff x="0" y="0"/>
+          <a:chExt cx="0" cy="0"/>
+        </a:xfrm>
+      </p:grpSpPr>
+      <p:sp>
+        <p:nvSpPr>
+          <p:cNvPr id="2" name="Заголовок 1">
+            <a:extLst>
+              <a:ext uri="{FF2B5EF4-FFF2-40B4-BE49-F238E27FC236}">
+                <a16:creationId xmlns:a16="http://schemas.microsoft.com/office/drawing/2014/main" id="{131AF62D-63AD-D33F-E646-0AF822E31EE6}"/>
+              </a:ext>
+            </a:extLst>
+          </p:cNvPr>
+          <p:cNvSpPr>
+            <a:spLocks noGrp="1"/>
+          </p:cNvSpPr>
+          <p:nvPr>
+            <p:ph type="title"/>
+          </p:nvPr>
+        </p:nvSpPr>
+        <p:spPr/>
+        <p:txBody>
+          <a:bodyPr/>
+          <a:lstStyle/>
+          <a:p>
+            <a:pPr algn="ctr"/>
+            <a:r>
+              <a:rPr lang="ru-RU" dirty="0">
+                <a:latin typeface="Times New Roman" panose="02020603050405020304" pitchFamily="18" charset="0"/>
+                <a:cs typeface="Times New Roman" panose="02020603050405020304" pitchFamily="18" charset="0"/>
+              </a:rPr>
+              <a:t>Заключение</a:t>
+            </a:r>
+          </a:p>
+        </p:txBody>
+      </p:sp>
+      <p:sp>
+        <p:nvSpPr>
+          <p:cNvPr id="3" name="Объект 2">
+            <a:extLst>
+              <a:ext uri="{FF2B5EF4-FFF2-40B4-BE49-F238E27FC236}">
+                <a16:creationId xmlns:a16="http://schemas.microsoft.com/office/drawing/2014/main" id="{6493FAAC-FCD8-63EF-49A3-DDD17E49273B}"/>
+              </a:ext>
+            </a:extLst>
+          </p:cNvPr>
+          <p:cNvSpPr>
+            <a:spLocks noGrp="1"/>
+          </p:cNvSpPr>
+          <p:nvPr>
+            <p:ph idx="1"/>
+          </p:nvPr>
+        </p:nvSpPr>
+        <p:spPr>
+          <a:xfrm>
+            <a:off x="1104293" y="1331259"/>
+            <a:ext cx="8946541" cy="4195481"/>
+          </a:xfrm>
+        </p:spPr>
+        <p:txBody>
+          <a:bodyPr>
+            <a:normAutofit lnSpcReduction="10000"/>
+          </a:bodyPr>
+          <a:lstStyle/>
+          <a:p>
+            <a:pPr marL="0" indent="0" algn="just">
+              <a:lnSpc>
+                <a:spcPct val="150000"/>
+              </a:lnSpc>
+              <a:spcBef>
+                <a:spcPts val="0"/>
+              </a:spcBef>
+              <a:buNone/>
+            </a:pPr>
+            <a:r>
+              <a:rPr lang="ru-RU" dirty="0">
+                <a:latin typeface="Times New Roman" panose="02020603050405020304" pitchFamily="18" charset="0"/>
+                <a:cs typeface="Times New Roman" panose="02020603050405020304" pitchFamily="18" charset="0"/>
+              </a:rPr>
+              <a:t>	В процессе выполнения курсового проекта проектированию были решены следующие задачи:</a:t>
+            </a:r>
+          </a:p>
+          <a:p>
+            <a:pPr lvl="1" algn="just">
+              <a:lnSpc>
+                <a:spcPct val="150000"/>
+              </a:lnSpc>
+              <a:spcBef>
+                <a:spcPts val="0"/>
+              </a:spcBef>
+              <a:buFont typeface="Arial" panose="020B0604020202020204" pitchFamily="34" charset="0"/>
+              <a:buChar char="•"/>
+            </a:pPr>
+            <a:r>
+              <a:rPr lang="ru-RU" sz="2000" dirty="0">
+                <a:latin typeface="Times New Roman" panose="02020603050405020304" pitchFamily="18" charset="0"/>
+                <a:cs typeface="Times New Roman" panose="02020603050405020304" pitchFamily="18" charset="0"/>
+              </a:rPr>
+              <a:t>изучена предметная область;</a:t>
+            </a:r>
+          </a:p>
+          <a:p>
+            <a:pPr lvl="1" algn="just">
+              <a:lnSpc>
+                <a:spcPct val="150000"/>
+              </a:lnSpc>
+              <a:spcBef>
+                <a:spcPts val="0"/>
+              </a:spcBef>
+              <a:buFont typeface="Arial" panose="020B0604020202020204" pitchFamily="34" charset="0"/>
+              <a:buChar char="•"/>
+            </a:pPr>
+            <a:r>
+              <a:rPr lang="ru-RU" sz="2000" dirty="0">
+                <a:latin typeface="Times New Roman" panose="02020603050405020304" pitchFamily="18" charset="0"/>
+                <a:cs typeface="Times New Roman" panose="02020603050405020304" pitchFamily="18" charset="0"/>
+              </a:rPr>
+              <a:t>разработана различных диаграмм, иллюстрирующих работу системы;</a:t>
+            </a:r>
+          </a:p>
+          <a:p>
+            <a:pPr lvl="1" algn="just">
+              <a:lnSpc>
+                <a:spcPct val="150000"/>
+              </a:lnSpc>
+              <a:spcBef>
+                <a:spcPts val="0"/>
+              </a:spcBef>
+              <a:buFont typeface="Arial" panose="020B0604020202020204" pitchFamily="34" charset="0"/>
+              <a:buChar char="•"/>
+            </a:pPr>
+            <a:r>
+              <a:rPr lang="ru-RU" sz="2000" dirty="0">
+                <a:latin typeface="Times New Roman" panose="02020603050405020304" pitchFamily="18" charset="0"/>
+                <a:cs typeface="Times New Roman" panose="02020603050405020304" pitchFamily="18" charset="0"/>
+              </a:rPr>
+              <a:t>написан рабочий проект.</a:t>
+            </a:r>
+          </a:p>
+          <a:p>
+            <a:pPr marL="0" indent="0" algn="just">
+              <a:lnSpc>
+                <a:spcPct val="150000"/>
+              </a:lnSpc>
+              <a:spcBef>
+                <a:spcPts val="0"/>
+              </a:spcBef>
+              <a:buNone/>
+            </a:pPr>
+            <a:r>
+              <a:rPr lang="ru-RU" dirty="0">
+                <a:latin typeface="Times New Roman" panose="02020603050405020304" pitchFamily="18" charset="0"/>
+                <a:cs typeface="Times New Roman" panose="02020603050405020304" pitchFamily="18" charset="0"/>
+              </a:rPr>
+              <a:t>	Дальнейшее развитие информационной системы:</a:t>
+            </a:r>
+          </a:p>
+          <a:p>
+            <a:pPr lvl="1" algn="just">
+              <a:lnSpc>
+                <a:spcPct val="150000"/>
+              </a:lnSpc>
+              <a:spcBef>
+                <a:spcPts val="0"/>
+              </a:spcBef>
+              <a:buFont typeface="Arial" panose="020B0604020202020204" pitchFamily="34" charset="0"/>
+              <a:buChar char="•"/>
+            </a:pPr>
+            <a:r>
+              <a:rPr lang="ru-RU" sz="2000" dirty="0">
+                <a:latin typeface="Times New Roman" panose="02020603050405020304" pitchFamily="18" charset="0"/>
+                <a:cs typeface="Times New Roman" panose="02020603050405020304" pitchFamily="18" charset="0"/>
+              </a:rPr>
+              <a:t>разработка программного продукта;</a:t>
+            </a:r>
+          </a:p>
+          <a:p>
+            <a:pPr lvl="1" algn="just">
+              <a:lnSpc>
+                <a:spcPct val="150000"/>
+              </a:lnSpc>
+              <a:spcBef>
+                <a:spcPts val="0"/>
+              </a:spcBef>
+              <a:buFont typeface="Arial" panose="020B0604020202020204" pitchFamily="34" charset="0"/>
+              <a:buChar char="•"/>
+            </a:pPr>
+            <a:r>
+              <a:rPr lang="ru-RU" sz="2000" dirty="0">
+                <a:latin typeface="Times New Roman" panose="02020603050405020304" pitchFamily="18" charset="0"/>
+                <a:cs typeface="Times New Roman" panose="02020603050405020304" pitchFamily="18" charset="0"/>
+              </a:rPr>
+              <a:t>написание рабочего проекта;</a:t>
+            </a:r>
+          </a:p>
+          <a:p>
+            <a:pPr lvl="1" algn="just">
+              <a:lnSpc>
+                <a:spcPct val="150000"/>
+              </a:lnSpc>
+              <a:spcBef>
+                <a:spcPts val="0"/>
+              </a:spcBef>
+              <a:buFont typeface="Arial" panose="020B0604020202020204" pitchFamily="34" charset="0"/>
+              <a:buChar char="•"/>
+            </a:pPr>
+            <a:r>
+              <a:rPr lang="ru-RU" sz="2000" dirty="0">
+                <a:latin typeface="Times New Roman" panose="02020603050405020304" pitchFamily="18" charset="0"/>
+                <a:cs typeface="Times New Roman" panose="02020603050405020304" pitchFamily="18" charset="0"/>
+              </a:rPr>
+              <a:t>разработка дизайна форм.</a:t>
+            </a:r>
+          </a:p>
+          <a:p>
+            <a:pPr marL="0" indent="0" algn="just">
+              <a:buNone/>
+            </a:pPr>
+            <a:endParaRPr lang="ru-RU" dirty="0">
+              <a:latin typeface="Times New Roman" panose="02020603050405020304" pitchFamily="18" charset="0"/>
+              <a:cs typeface="Times New Roman" panose="02020603050405020304" pitchFamily="18" charset="0"/>
+            </a:endParaRPr>
+          </a:p>
+          <a:p>
+            <a:pPr algn="just"/>
+            <a:endParaRPr lang="ru-RU" dirty="0"/>
+          </a:p>
+        </p:txBody>
+      </p:sp>
+    </p:spTree>
+    <p:extLst>
+      <p:ext uri="{BB962C8B-B14F-4D97-AF65-F5344CB8AC3E}">
+        <p14:creationId xmlns:p14="http://schemas.microsoft.com/office/powerpoint/2010/main" val="1581003504"/>
+      </p:ext>
+    </p:extLst>
+  </p:cSld>
+  <p:clrMapOvr>
+    <a:masterClrMapping/>
+  </p:clrMapOvr>
+  <mc:AlternateContent xmlns:mc="http://schemas.openxmlformats.org/markup-compatibility/2006" xmlns:p14="http://schemas.microsoft.com/office/powerpoint/2010/main">
+    <mc:Choice Requires="p14">
+      <p:transition spd="med" p14:dur="700">
+        <p:fade/>
+      </p:transition>
+    </mc:Choice>
+    <mc:Fallback xmlns="">
+      <p:transition spd="med">
+        <p:fade/>
+      </p:transition>
+    </mc:Fallback>
+  </mc:AlternateContent>
+</p:sld>
+</file>
+
+<file path=ppt/slides/slide19.xml><?xml version="1.0" encoding="utf-8"?>
+<p:sld xmlns:a="http://schemas.openxmlformats.org/drawingml/2006/main" xmlns:r="http://schemas.openxmlformats.org/officeDocument/2006/relationships" xmlns:p="http://schemas.openxmlformats.org/presentationml/2006/main">
+  <p:cSld>
+    <p:spTree>
+      <p:nvGrpSpPr>
+        <p:cNvPr id="1" name=""/>
+        <p:cNvGrpSpPr/>
+        <p:nvPr/>
+      </p:nvGrpSpPr>
+      <p:grpSpPr>
+        <a:xfrm>
+          <a:off x="0" y="0"/>
+          <a:ext cx="0" cy="0"/>
+          <a:chOff x="0" y="0"/>
+          <a:chExt cx="0" cy="0"/>
+        </a:xfrm>
+      </p:grpSpPr>
+      <p:sp>
+        <p:nvSpPr>
+          <p:cNvPr id="2" name="Заголовок 1">
+            <a:extLst>
+              <a:ext uri="{FF2B5EF4-FFF2-40B4-BE49-F238E27FC236}">
+                <a16:creationId xmlns:a16="http://schemas.microsoft.com/office/drawing/2014/main" id="{63264DB7-F091-EE41-9BEF-BF6549F4C291}"/>
+              </a:ext>
+            </a:extLst>
+          </p:cNvPr>
+          <p:cNvSpPr>
+            <a:spLocks noGrp="1"/>
+          </p:cNvSpPr>
+          <p:nvPr>
+            <p:ph type="title"/>
+          </p:nvPr>
+        </p:nvSpPr>
+        <p:spPr/>
+        <p:txBody>
+          <a:bodyPr/>
+          <a:lstStyle/>
+          <a:p>
+            <a:pPr algn="ctr"/>
+            <a:r>
+              <a:rPr lang="ru-RU" dirty="0">
+                <a:latin typeface="Times New Roman" panose="02020603050405020304" pitchFamily="18" charset="0"/>
+                <a:cs typeface="Times New Roman" panose="02020603050405020304" pitchFamily="18" charset="0"/>
+              </a:rPr>
+              <a:t>Список использованной литературы</a:t>
+            </a:r>
+          </a:p>
+        </p:txBody>
+      </p:sp>
+      <p:sp>
+        <p:nvSpPr>
+          <p:cNvPr id="3" name="Объект 2">
+            <a:extLst>
+              <a:ext uri="{FF2B5EF4-FFF2-40B4-BE49-F238E27FC236}">
+                <a16:creationId xmlns:a16="http://schemas.microsoft.com/office/drawing/2014/main" id="{4A43E48C-5D97-7D29-5B11-FBFC370D7C76}"/>
+              </a:ext>
+            </a:extLst>
+          </p:cNvPr>
+          <p:cNvSpPr>
+            <a:spLocks noGrp="1"/>
+          </p:cNvSpPr>
+          <p:nvPr>
+            <p:ph idx="1"/>
+          </p:nvPr>
+        </p:nvSpPr>
+        <p:spPr>
+          <a:xfrm>
+            <a:off x="1104293" y="1331259"/>
+            <a:ext cx="9548467" cy="4195481"/>
+          </a:xfrm>
+        </p:spPr>
+        <p:txBody>
+          <a:bodyPr>
+            <a:noAutofit/>
+          </a:bodyPr>
+          <a:lstStyle/>
+          <a:p>
+            <a:pPr marL="457200" indent="-457200" algn="just">
+              <a:lnSpc>
+                <a:spcPct val="150000"/>
+              </a:lnSpc>
+              <a:spcBef>
+                <a:spcPts val="0"/>
+              </a:spcBef>
+              <a:buFont typeface="+mj-lt"/>
+              <a:buAutoNum type="arabicPeriod"/>
+            </a:pPr>
+            <a:r>
+              <a:rPr lang="ru-RU" dirty="0">
+                <a:latin typeface="Times New Roman" panose="02020603050405020304" pitchFamily="18" charset="0"/>
+                <a:cs typeface="Times New Roman" panose="02020603050405020304" pitchFamily="18" charset="0"/>
+              </a:rPr>
+              <a:t>Левитин А. В. Алгоритмы. Введение в разработку и анализ — 2006. </a:t>
+            </a:r>
+          </a:p>
+          <a:p>
+            <a:pPr marL="457200" indent="-457200" algn="just">
+              <a:lnSpc>
+                <a:spcPct val="150000"/>
+              </a:lnSpc>
+              <a:spcBef>
+                <a:spcPts val="0"/>
+              </a:spcBef>
+              <a:buFont typeface="+mj-lt"/>
+              <a:buAutoNum type="arabicPeriod"/>
+            </a:pPr>
+            <a:r>
+              <a:rPr lang="ru-RU" dirty="0">
+                <a:latin typeface="Times New Roman" panose="02020603050405020304" pitchFamily="18" charset="0"/>
+                <a:cs typeface="Times New Roman" panose="02020603050405020304" pitchFamily="18" charset="0"/>
+              </a:rPr>
+              <a:t>Белов С.В., Лаптев В.В., Морозов А.В., </a:t>
+            </a:r>
+            <a:r>
+              <a:rPr lang="ru-RU" dirty="0" err="1">
+                <a:latin typeface="Times New Roman" panose="02020603050405020304" pitchFamily="18" charset="0"/>
+                <a:cs typeface="Times New Roman" panose="02020603050405020304" pitchFamily="18" charset="0"/>
+              </a:rPr>
+              <a:t>Толасова</a:t>
+            </a:r>
+            <a:r>
+              <a:rPr lang="ru-RU" dirty="0">
+                <a:latin typeface="Times New Roman" panose="02020603050405020304" pitchFamily="18" charset="0"/>
+                <a:cs typeface="Times New Roman" panose="02020603050405020304" pitchFamily="18" charset="0"/>
+              </a:rPr>
+              <a:t> В.В., Мамлеева А.Р. Требования к оформлению студенческих работ. / АГТУ – Астрахань, 2019.</a:t>
+            </a:r>
+            <a:endParaRPr lang="en-US" dirty="0">
+              <a:latin typeface="Times New Roman" panose="02020603050405020304" pitchFamily="18" charset="0"/>
+              <a:cs typeface="Times New Roman" panose="02020603050405020304" pitchFamily="18" charset="0"/>
+            </a:endParaRPr>
+          </a:p>
+          <a:p>
+            <a:pPr marL="457200" indent="-457200" algn="just">
+              <a:lnSpc>
+                <a:spcPct val="150000"/>
+              </a:lnSpc>
+              <a:spcBef>
+                <a:spcPts val="0"/>
+              </a:spcBef>
+              <a:buFont typeface="+mj-lt"/>
+              <a:buAutoNum type="arabicPeriod"/>
+            </a:pPr>
+            <a:r>
+              <a:rPr lang="ru-RU" dirty="0">
+                <a:latin typeface="Times New Roman" panose="02020603050405020304" pitchFamily="18" charset="0"/>
+                <a:cs typeface="Times New Roman" panose="02020603050405020304" pitchFamily="18" charset="0"/>
+              </a:rPr>
+              <a:t>Алгоритмы и структуры данных — </a:t>
+            </a:r>
+            <a:r>
+              <a:rPr lang="ru-RU" dirty="0" err="1">
+                <a:latin typeface="Times New Roman" panose="02020603050405020304" pitchFamily="18" charset="0"/>
+                <a:cs typeface="Times New Roman" panose="02020603050405020304" pitchFamily="18" charset="0"/>
+              </a:rPr>
+              <a:t>Кормен</a:t>
+            </a:r>
+            <a:r>
+              <a:rPr lang="ru-RU" dirty="0">
+                <a:latin typeface="Times New Roman" panose="02020603050405020304" pitchFamily="18" charset="0"/>
+                <a:cs typeface="Times New Roman" panose="02020603050405020304" pitchFamily="18" charset="0"/>
+              </a:rPr>
+              <a:t> - 2022</a:t>
+            </a:r>
+          </a:p>
+          <a:p>
+            <a:pPr marL="457200" indent="-457200" algn="just">
+              <a:lnSpc>
+                <a:spcPct val="150000"/>
+              </a:lnSpc>
+              <a:spcBef>
+                <a:spcPts val="0"/>
+              </a:spcBef>
+              <a:buFont typeface="+mj-lt"/>
+              <a:buAutoNum type="arabicPeriod"/>
+            </a:pPr>
+            <a:r>
+              <a:rPr lang="ru-RU" dirty="0">
+                <a:latin typeface="Times New Roman" panose="02020603050405020304" pitchFamily="18" charset="0"/>
+                <a:cs typeface="Times New Roman" panose="02020603050405020304" pitchFamily="18" charset="0"/>
+              </a:rPr>
+              <a:t>“</a:t>
+            </a:r>
+            <a:r>
+              <a:rPr lang="ru-RU" dirty="0" err="1">
+                <a:latin typeface="Times New Roman" panose="02020603050405020304" pitchFamily="18" charset="0"/>
+                <a:cs typeface="Times New Roman" panose="02020603050405020304" pitchFamily="18" charset="0"/>
+              </a:rPr>
+              <a:t>Грокаем</a:t>
+            </a:r>
+            <a:r>
+              <a:rPr lang="ru-RU" dirty="0">
+                <a:latin typeface="Times New Roman" panose="02020603050405020304" pitchFamily="18" charset="0"/>
+                <a:cs typeface="Times New Roman" panose="02020603050405020304" pitchFamily="18" charset="0"/>
+              </a:rPr>
+              <a:t> алгоритмы. Иллюстрированное пособие для программистов и любопытствующих” - </a:t>
+            </a:r>
+            <a:r>
+              <a:rPr lang="ru-RU" dirty="0" err="1">
+                <a:latin typeface="Times New Roman" panose="02020603050405020304" pitchFamily="18" charset="0"/>
+                <a:cs typeface="Times New Roman" panose="02020603050405020304" pitchFamily="18" charset="0"/>
+              </a:rPr>
+              <a:t>Адитья</a:t>
+            </a:r>
+            <a:r>
+              <a:rPr lang="ru-RU" dirty="0">
+                <a:latin typeface="Times New Roman" panose="02020603050405020304" pitchFamily="18" charset="0"/>
+                <a:cs typeface="Times New Roman" panose="02020603050405020304" pitchFamily="18" charset="0"/>
+              </a:rPr>
+              <a:t> </a:t>
+            </a:r>
+            <a:r>
+              <a:rPr lang="ru-RU" dirty="0" err="1">
+                <a:latin typeface="Times New Roman" panose="02020603050405020304" pitchFamily="18" charset="0"/>
+                <a:cs typeface="Times New Roman" panose="02020603050405020304" pitchFamily="18" charset="0"/>
+              </a:rPr>
+              <a:t>Бхаргава</a:t>
+            </a:r>
+            <a:r>
+              <a:rPr lang="ru-RU" dirty="0">
+                <a:latin typeface="Times New Roman" panose="02020603050405020304" pitchFamily="18" charset="0"/>
+                <a:cs typeface="Times New Roman" panose="02020603050405020304" pitchFamily="18" charset="0"/>
+              </a:rPr>
+              <a:t> (2022) Издательство: </a:t>
+            </a:r>
+            <a:r>
+              <a:rPr lang="ru-RU" dirty="0" err="1">
+                <a:latin typeface="Times New Roman" panose="02020603050405020304" pitchFamily="18" charset="0"/>
+                <a:cs typeface="Times New Roman" panose="02020603050405020304" pitchFamily="18" charset="0"/>
+              </a:rPr>
+              <a:t>Литрес</a:t>
+            </a:r>
+            <a:endParaRPr lang="ru-RU" dirty="0">
+              <a:latin typeface="Times New Roman" panose="02020603050405020304" pitchFamily="18" charset="0"/>
+              <a:cs typeface="Times New Roman" panose="02020603050405020304" pitchFamily="18" charset="0"/>
+            </a:endParaRPr>
+          </a:p>
+          <a:p>
+            <a:pPr marL="457200" indent="-457200" algn="just">
+              <a:lnSpc>
+                <a:spcPct val="150000"/>
+              </a:lnSpc>
+              <a:spcBef>
+                <a:spcPts val="0"/>
+              </a:spcBef>
+              <a:buFont typeface="+mj-lt"/>
+              <a:buAutoNum type="arabicPeriod"/>
+            </a:pPr>
+            <a:r>
+              <a:rPr lang="ru-RU" dirty="0">
+                <a:latin typeface="Times New Roman" panose="02020603050405020304" pitchFamily="18" charset="0"/>
+                <a:cs typeface="Times New Roman" panose="02020603050405020304" pitchFamily="18" charset="0"/>
+              </a:rPr>
+              <a:t>“Чистый код. Создание, анализ и рефакторинг” Мартин Роберт С. Издательство: Питер (2022)</a:t>
+            </a:r>
+          </a:p>
+          <a:p>
+            <a:pPr marL="457200" indent="-457200" algn="just">
+              <a:lnSpc>
+                <a:spcPct val="150000"/>
+              </a:lnSpc>
+              <a:spcBef>
+                <a:spcPts val="0"/>
+              </a:spcBef>
+              <a:buFont typeface="+mj-lt"/>
+              <a:buAutoNum type="arabicPeriod"/>
+            </a:pPr>
+            <a:r>
+              <a:rPr lang="ru-RU" dirty="0">
+                <a:latin typeface="Times New Roman" panose="02020603050405020304" pitchFamily="18" charset="0"/>
+                <a:cs typeface="Times New Roman" panose="02020603050405020304" pitchFamily="18" charset="0"/>
+              </a:rPr>
+              <a:t>Дэвид Скляр "Изучаем PHP 7. Руководство по созданию веб-сайтов". (2017)</a:t>
+            </a:r>
+            <a:endParaRPr lang="en-US" dirty="0">
+              <a:latin typeface="Times New Roman" panose="02020603050405020304" pitchFamily="18" charset="0"/>
+              <a:cs typeface="Times New Roman" panose="02020603050405020304" pitchFamily="18" charset="0"/>
+            </a:endParaRPr>
+          </a:p>
+          <a:p>
+            <a:pPr marL="457200" indent="-457200" algn="just">
+              <a:lnSpc>
+                <a:spcPct val="150000"/>
+              </a:lnSpc>
+              <a:spcBef>
+                <a:spcPts val="0"/>
+              </a:spcBef>
+              <a:buFont typeface="+mj-lt"/>
+              <a:buAutoNum type="arabicPeriod"/>
+            </a:pPr>
+            <a:r>
+              <a:rPr lang="ru-RU" dirty="0">
+                <a:latin typeface="Times New Roman" panose="02020603050405020304" pitchFamily="18" charset="0"/>
+                <a:cs typeface="Times New Roman" panose="02020603050405020304" pitchFamily="18" charset="0"/>
+              </a:rPr>
+              <a:t>«</a:t>
+            </a:r>
+            <a:r>
+              <a:rPr lang="ru-RU" dirty="0" err="1">
+                <a:latin typeface="Times New Roman" panose="02020603050405020304" pitchFamily="18" charset="0"/>
+                <a:cs typeface="Times New Roman" panose="02020603050405020304" pitchFamily="18" charset="0"/>
+              </a:rPr>
+              <a:t>Yii</a:t>
+            </a:r>
+            <a:r>
+              <a:rPr lang="ru-RU" dirty="0">
+                <a:latin typeface="Times New Roman" panose="02020603050405020304" pitchFamily="18" charset="0"/>
+                <a:cs typeface="Times New Roman" panose="02020603050405020304" pitchFamily="18" charset="0"/>
+              </a:rPr>
+              <a:t>. Сборник рецептов» Автор: Макаров А. (2012).</a:t>
+            </a:r>
+            <a:endParaRPr lang="en-US" dirty="0">
+              <a:latin typeface="Times New Roman" panose="02020603050405020304" pitchFamily="18" charset="0"/>
+              <a:cs typeface="Times New Roman" panose="02020603050405020304" pitchFamily="18" charset="0"/>
+            </a:endParaRPr>
+          </a:p>
+          <a:p>
+            <a:pPr algn="just">
+              <a:lnSpc>
+                <a:spcPct val="150000"/>
+              </a:lnSpc>
+              <a:spcBef>
+                <a:spcPts val="0"/>
+              </a:spcBef>
+              <a:buFont typeface="Arial" panose="020B0604020202020204" pitchFamily="34" charset="0"/>
+              <a:buChar char="•"/>
+            </a:pPr>
+            <a:endParaRPr lang="ru-RU" dirty="0">
+              <a:latin typeface="Times New Roman" panose="02020603050405020304" pitchFamily="18" charset="0"/>
+              <a:cs typeface="Times New Roman" panose="02020603050405020304" pitchFamily="18" charset="0"/>
+            </a:endParaRPr>
+          </a:p>
+          <a:p>
+            <a:pPr algn="just">
+              <a:lnSpc>
+                <a:spcPct val="150000"/>
+              </a:lnSpc>
+              <a:spcBef>
+                <a:spcPts val="0"/>
+              </a:spcBef>
+              <a:buFont typeface="Arial" panose="020B0604020202020204" pitchFamily="34" charset="0"/>
+              <a:buChar char="•"/>
+            </a:pPr>
+            <a:endParaRPr lang="ru-RU" dirty="0">
+              <a:latin typeface="Times New Roman" panose="02020603050405020304" pitchFamily="18" charset="0"/>
+              <a:cs typeface="Times New Roman" panose="02020603050405020304" pitchFamily="18" charset="0"/>
+            </a:endParaRPr>
+          </a:p>
+        </p:txBody>
+      </p:sp>
+    </p:spTree>
+    <p:extLst>
+      <p:ext uri="{BB962C8B-B14F-4D97-AF65-F5344CB8AC3E}">
+        <p14:creationId xmlns:p14="http://schemas.microsoft.com/office/powerpoint/2010/main" val="634527840"/>
       </p:ext>
     </p:extLst>
   </p:cSld>
@@ -8752,6 +9019,85 @@
     <p:extLst>
       <p:ext uri="{BB962C8B-B14F-4D97-AF65-F5344CB8AC3E}">
         <p14:creationId xmlns:p14="http://schemas.microsoft.com/office/powerpoint/2010/main" val="3308579488"/>
+      </p:ext>
+    </p:extLst>
+  </p:cSld>
+  <p:clrMapOvr>
+    <a:masterClrMapping/>
+  </p:clrMapOvr>
+  <mc:AlternateContent xmlns:mc="http://schemas.openxmlformats.org/markup-compatibility/2006" xmlns:p14="http://schemas.microsoft.com/office/powerpoint/2010/main">
+    <mc:Choice Requires="p14">
+      <p:transition spd="med" p14:dur="700">
+        <p:fade/>
+      </p:transition>
+    </mc:Choice>
+    <mc:Fallback xmlns="">
+      <p:transition spd="med">
+        <p:fade/>
+      </p:transition>
+    </mc:Fallback>
+  </mc:AlternateContent>
+</p:sld>
+</file>
+
+<file path=ppt/slides/slide20.xml><?xml version="1.0" encoding="utf-8"?>
+<p:sld xmlns:a="http://schemas.openxmlformats.org/drawingml/2006/main" xmlns:r="http://schemas.openxmlformats.org/officeDocument/2006/relationships" xmlns:p="http://schemas.openxmlformats.org/presentationml/2006/main">
+  <p:cSld>
+    <p:spTree>
+      <p:nvGrpSpPr>
+        <p:cNvPr id="1" name=""/>
+        <p:cNvGrpSpPr/>
+        <p:nvPr/>
+      </p:nvGrpSpPr>
+      <p:grpSpPr>
+        <a:xfrm>
+          <a:off x="0" y="0"/>
+          <a:ext cx="0" cy="0"/>
+          <a:chOff x="0" y="0"/>
+          <a:chExt cx="0" cy="0"/>
+        </a:xfrm>
+      </p:grpSpPr>
+      <p:sp>
+        <p:nvSpPr>
+          <p:cNvPr id="2" name="Заголовок 1">
+            <a:extLst>
+              <a:ext uri="{FF2B5EF4-FFF2-40B4-BE49-F238E27FC236}">
+                <a16:creationId xmlns:a16="http://schemas.microsoft.com/office/drawing/2014/main" id="{D2E7D94F-D533-2196-84C1-24D4245AF6F2}"/>
+              </a:ext>
+            </a:extLst>
+          </p:cNvPr>
+          <p:cNvSpPr>
+            <a:spLocks noGrp="1"/>
+          </p:cNvSpPr>
+          <p:nvPr>
+            <p:ph type="title"/>
+          </p:nvPr>
+        </p:nvSpPr>
+        <p:spPr>
+          <a:xfrm>
+            <a:off x="1393638" y="2728735"/>
+            <a:ext cx="9404723" cy="1400530"/>
+          </a:xfrm>
+        </p:spPr>
+        <p:txBody>
+          <a:bodyPr/>
+          <a:lstStyle/>
+          <a:p>
+            <a:pPr algn="ctr"/>
+            <a:r>
+              <a:rPr lang="ru-RU" dirty="0">
+                <a:latin typeface="Times New Roman" panose="02020603050405020304" pitchFamily="18" charset="0"/>
+                <a:cs typeface="Times New Roman" panose="02020603050405020304" pitchFamily="18" charset="0"/>
+              </a:rPr>
+              <a:t>Спасибо за внимание!</a:t>
+            </a:r>
+          </a:p>
+        </p:txBody>
+      </p:sp>
+    </p:spTree>
+    <p:extLst>
+      <p:ext uri="{BB962C8B-B14F-4D97-AF65-F5344CB8AC3E}">
+        <p14:creationId xmlns:p14="http://schemas.microsoft.com/office/powerpoint/2010/main" val="1172349171"/>
       </p:ext>
     </p:extLst>
   </p:cSld>
@@ -9778,7 +10124,7 @@
           <p:cNvPr id="2" name="Заголовок 1">
             <a:extLst>
               <a:ext uri="{FF2B5EF4-FFF2-40B4-BE49-F238E27FC236}">
-                <a16:creationId xmlns:a16="http://schemas.microsoft.com/office/drawing/2014/main" id="{A8228CCA-5492-A6D2-6987-20C1B13B4C0D}"/>
+                <a16:creationId xmlns:a16="http://schemas.microsoft.com/office/drawing/2014/main" id="{EB95F82F-1EB5-583F-6A4F-D81FA7090598}"/>
               </a:ext>
             </a:extLst>
           </p:cNvPr>
@@ -9796,61 +10142,57 @@
           <a:p>
             <a:pPr algn="ctr"/>
             <a:r>
-              <a:rPr lang="ru-RU" dirty="0">
+              <a:rPr lang="ru-RU" sz="4200" dirty="0">
                 <a:latin typeface="Times New Roman" panose="02020603050405020304" pitchFamily="18" charset="0"/>
                 <a:cs typeface="Times New Roman" panose="02020603050405020304" pitchFamily="18" charset="0"/>
               </a:rPr>
-              <a:t>Цель</a:t>
-            </a:r>
-          </a:p>
-        </p:txBody>
-      </p:sp>
-      <p:sp>
-        <p:nvSpPr>
-          <p:cNvPr id="3" name="Объект 2">
+              <a:t>Диаграмма классов</a:t>
+            </a:r>
+            <a:endParaRPr lang="ru-RU" dirty="0"/>
+          </a:p>
+        </p:txBody>
+      </p:sp>
+      <p:pic>
+        <p:nvPicPr>
+          <p:cNvPr id="5" name="Объект 4">
             <a:extLst>
               <a:ext uri="{FF2B5EF4-FFF2-40B4-BE49-F238E27FC236}">
-                <a16:creationId xmlns:a16="http://schemas.microsoft.com/office/drawing/2014/main" id="{8115C425-27BE-08A5-B553-85EB3DF18BAC}"/>
+                <a16:creationId xmlns:a16="http://schemas.microsoft.com/office/drawing/2014/main" id="{754C3402-D04E-CE9B-601B-75D154EC0F55}"/>
               </a:ext>
             </a:extLst>
           </p:cNvPr>
-          <p:cNvSpPr>
-            <a:spLocks noGrp="1"/>
-          </p:cNvSpPr>
+          <p:cNvPicPr>
+            <a:picLocks noGrp="1" noChangeAspect="1"/>
+          </p:cNvPicPr>
           <p:nvPr>
             <p:ph idx="1"/>
           </p:nvPr>
-        </p:nvSpPr>
+        </p:nvPicPr>
+        <p:blipFill>
+          <a:blip r:embed="rId2"/>
+          <a:stretch>
+            <a:fillRect/>
+          </a:stretch>
+        </p:blipFill>
         <p:spPr>
           <a:xfrm>
-            <a:off x="1104293" y="1331259"/>
-            <a:ext cx="8946541" cy="4195481"/>
+            <a:off x="0" y="1218297"/>
+            <a:ext cx="12192000" cy="5639703"/>
           </a:xfrm>
+          <a:prstGeom prst="rect">
+            <a:avLst/>
+          </a:prstGeom>
+          <a:ln>
+            <a:solidFill>
+              <a:schemeClr val="tx1"/>
+            </a:solidFill>
+          </a:ln>
         </p:spPr>
-        <p:txBody>
-          <a:bodyPr/>
-          <a:lstStyle/>
-          <a:p>
-            <a:pPr marL="0" indent="0" algn="just">
-              <a:lnSpc>
-                <a:spcPct val="150000"/>
-              </a:lnSpc>
-              <a:buNone/>
-            </a:pPr>
-            <a:r>
-              <a:rPr lang="ru-RU" dirty="0">
-                <a:latin typeface="Times New Roman" panose="02020603050405020304" pitchFamily="18" charset="0"/>
-                <a:cs typeface="Times New Roman" panose="02020603050405020304" pitchFamily="18" charset="0"/>
-              </a:rPr>
-              <a:t>	Цель разработки информационной системы для организации "Региональный школьный технопарк" заключается в создании эффективной информационной системы, способной обеспечить планирование образовательного процесса и документооборота в организации «Региональный школьный технопарк».</a:t>
-            </a:r>
-          </a:p>
-        </p:txBody>
-      </p:sp>
+      </p:pic>
     </p:spTree>
     <p:extLst>
       <p:ext uri="{BB962C8B-B14F-4D97-AF65-F5344CB8AC3E}">
-        <p14:creationId xmlns:p14="http://schemas.microsoft.com/office/powerpoint/2010/main" val="4285124795"/>
+        <p14:creationId xmlns:p14="http://schemas.microsoft.com/office/powerpoint/2010/main" val="3984663057"/>
       </p:ext>
     </p:extLst>
   </p:cSld>

--- a/Дипломная работа/Презентация Курсовая.pptx
+++ b/Дипломная работа/Презентация Курсовая.pptx
@@ -7,24 +7,26 @@
   <p:sldIdLst>
     <p:sldId id="256" r:id="rId2"/>
     <p:sldId id="266" r:id="rId3"/>
-    <p:sldId id="257" r:id="rId4"/>
-    <p:sldId id="268" r:id="rId5"/>
-    <p:sldId id="269" r:id="rId6"/>
-    <p:sldId id="258" r:id="rId7"/>
-    <p:sldId id="270" r:id="rId8"/>
-    <p:sldId id="265" r:id="rId9"/>
-    <p:sldId id="281" r:id="rId10"/>
-    <p:sldId id="279" r:id="rId11"/>
-    <p:sldId id="264" r:id="rId12"/>
-    <p:sldId id="259" r:id="rId13"/>
-    <p:sldId id="267" r:id="rId14"/>
-    <p:sldId id="260" r:id="rId15"/>
-    <p:sldId id="271" r:id="rId16"/>
-    <p:sldId id="276" r:id="rId17"/>
-    <p:sldId id="277" r:id="rId18"/>
-    <p:sldId id="274" r:id="rId19"/>
-    <p:sldId id="273" r:id="rId20"/>
-    <p:sldId id="261" r:id="rId21"/>
+    <p:sldId id="284" r:id="rId4"/>
+    <p:sldId id="257" r:id="rId5"/>
+    <p:sldId id="268" r:id="rId6"/>
+    <p:sldId id="269" r:id="rId7"/>
+    <p:sldId id="258" r:id="rId8"/>
+    <p:sldId id="270" r:id="rId9"/>
+    <p:sldId id="282" r:id="rId10"/>
+    <p:sldId id="265" r:id="rId11"/>
+    <p:sldId id="283" r:id="rId12"/>
+    <p:sldId id="281" r:id="rId13"/>
+    <p:sldId id="279" r:id="rId14"/>
+    <p:sldId id="285" r:id="rId15"/>
+    <p:sldId id="264" r:id="rId16"/>
+    <p:sldId id="259" r:id="rId17"/>
+    <p:sldId id="267" r:id="rId18"/>
+    <p:sldId id="260" r:id="rId19"/>
+    <p:sldId id="271" r:id="rId20"/>
+    <p:sldId id="277" r:id="rId21"/>
+    <p:sldId id="276" r:id="rId22"/>
+    <p:sldId id="274" r:id="rId23"/>
   </p:sldIdLst>
   <p:sldSz cx="12192000" cy="6858000"/>
   <p:notesSz cx="6858000" cy="9144000"/>
@@ -317,7 +319,7 @@
           <a:p>
             <a:fld id="{D5E2AA23-66BC-4D18-B172-603E1DD06669}" type="datetimeFigureOut">
               <a:rPr lang="ru-RU" smtClean="0"/>
-              <a:t>02.02.2025</a:t>
+              <a:t>03.02.2025</a:t>
             </a:fld>
             <a:endParaRPr lang="ru-RU"/>
           </a:p>
@@ -604,7 +606,7 @@
           <a:p>
             <a:fld id="{D5E2AA23-66BC-4D18-B172-603E1DD06669}" type="datetimeFigureOut">
               <a:rPr lang="ru-RU" smtClean="0"/>
-              <a:t>02.02.2025</a:t>
+              <a:t>03.02.2025</a:t>
             </a:fld>
             <a:endParaRPr lang="ru-RU"/>
           </a:p>
@@ -810,7 +812,7 @@
           <a:p>
             <a:fld id="{D5E2AA23-66BC-4D18-B172-603E1DD06669}" type="datetimeFigureOut">
               <a:rPr lang="ru-RU" smtClean="0"/>
-              <a:t>02.02.2025</a:t>
+              <a:t>03.02.2025</a:t>
             </a:fld>
             <a:endParaRPr lang="ru-RU"/>
           </a:p>
@@ -1095,7 +1097,7 @@
           <a:p>
             <a:fld id="{D5E2AA23-66BC-4D18-B172-603E1DD06669}" type="datetimeFigureOut">
               <a:rPr lang="ru-RU" smtClean="0"/>
-              <a:t>02.02.2025</a:t>
+              <a:t>03.02.2025</a:t>
             </a:fld>
             <a:endParaRPr lang="ru-RU"/>
           </a:p>
@@ -1448,7 +1450,7 @@
           <a:p>
             <a:fld id="{D5E2AA23-66BC-4D18-B172-603E1DD06669}" type="datetimeFigureOut">
               <a:rPr lang="ru-RU" smtClean="0"/>
-              <a:t>02.02.2025</a:t>
+              <a:t>03.02.2025</a:t>
             </a:fld>
             <a:endParaRPr lang="ru-RU"/>
           </a:p>
@@ -2083,7 +2085,7 @@
           <a:p>
             <a:fld id="{D5E2AA23-66BC-4D18-B172-603E1DD06669}" type="datetimeFigureOut">
               <a:rPr lang="ru-RU" smtClean="0"/>
-              <a:t>02.02.2025</a:t>
+              <a:t>03.02.2025</a:t>
             </a:fld>
             <a:endParaRPr lang="ru-RU"/>
           </a:p>
@@ -2955,7 +2957,7 @@
           <a:p>
             <a:fld id="{D5E2AA23-66BC-4D18-B172-603E1DD06669}" type="datetimeFigureOut">
               <a:rPr lang="ru-RU" smtClean="0"/>
-              <a:t>02.02.2025</a:t>
+              <a:t>03.02.2025</a:t>
             </a:fld>
             <a:endParaRPr lang="ru-RU"/>
           </a:p>
@@ -3137,7 +3139,7 @@
           <a:p>
             <a:fld id="{D5E2AA23-66BC-4D18-B172-603E1DD06669}" type="datetimeFigureOut">
               <a:rPr lang="ru-RU" smtClean="0"/>
-              <a:t>02.02.2025</a:t>
+              <a:t>03.02.2025</a:t>
             </a:fld>
             <a:endParaRPr lang="ru-RU"/>
           </a:p>
@@ -3329,7 +3331,7 @@
           <a:p>
             <a:fld id="{D5E2AA23-66BC-4D18-B172-603E1DD06669}" type="datetimeFigureOut">
               <a:rPr lang="ru-RU" smtClean="0"/>
-              <a:t>02.02.2025</a:t>
+              <a:t>03.02.2025</a:t>
             </a:fld>
             <a:endParaRPr lang="ru-RU"/>
           </a:p>
@@ -3511,7 +3513,7 @@
           <a:p>
             <a:fld id="{D5E2AA23-66BC-4D18-B172-603E1DD06669}" type="datetimeFigureOut">
               <a:rPr lang="ru-RU" smtClean="0"/>
-              <a:t>02.02.2025</a:t>
+              <a:t>03.02.2025</a:t>
             </a:fld>
             <a:endParaRPr lang="ru-RU"/>
           </a:p>
@@ -3770,7 +3772,7 @@
           <a:p>
             <a:fld id="{D5E2AA23-66BC-4D18-B172-603E1DD06669}" type="datetimeFigureOut">
               <a:rPr lang="ru-RU" smtClean="0"/>
-              <a:t>02.02.2025</a:t>
+              <a:t>03.02.2025</a:t>
             </a:fld>
             <a:endParaRPr lang="ru-RU"/>
           </a:p>
@@ -4074,7 +4076,7 @@
           <a:p>
             <a:fld id="{D5E2AA23-66BC-4D18-B172-603E1DD06669}" type="datetimeFigureOut">
               <a:rPr lang="ru-RU" smtClean="0"/>
-              <a:t>02.02.2025</a:t>
+              <a:t>03.02.2025</a:t>
             </a:fld>
             <a:endParaRPr lang="ru-RU"/>
           </a:p>
@@ -4530,7 +4532,7 @@
           <a:p>
             <a:fld id="{D5E2AA23-66BC-4D18-B172-603E1DD06669}" type="datetimeFigureOut">
               <a:rPr lang="ru-RU" smtClean="0"/>
-              <a:t>02.02.2025</a:t>
+              <a:t>03.02.2025</a:t>
             </a:fld>
             <a:endParaRPr lang="ru-RU"/>
           </a:p>
@@ -4660,7 +4662,7 @@
           <a:p>
             <a:fld id="{D5E2AA23-66BC-4D18-B172-603E1DD06669}" type="datetimeFigureOut">
               <a:rPr lang="ru-RU" smtClean="0"/>
-              <a:t>02.02.2025</a:t>
+              <a:t>03.02.2025</a:t>
             </a:fld>
             <a:endParaRPr lang="ru-RU"/>
           </a:p>
@@ -4767,7 +4769,7 @@
           <a:p>
             <a:fld id="{D5E2AA23-66BC-4D18-B172-603E1DD06669}" type="datetimeFigureOut">
               <a:rPr lang="ru-RU" smtClean="0"/>
-              <a:t>02.02.2025</a:t>
+              <a:t>03.02.2025</a:t>
             </a:fld>
             <a:endParaRPr lang="ru-RU"/>
           </a:p>
@@ -5058,7 +5060,7 @@
           <a:p>
             <a:fld id="{D5E2AA23-66BC-4D18-B172-603E1DD06669}" type="datetimeFigureOut">
               <a:rPr lang="ru-RU" smtClean="0"/>
-              <a:t>02.02.2025</a:t>
+              <a:t>03.02.2025</a:t>
             </a:fld>
             <a:endParaRPr lang="ru-RU"/>
           </a:p>
@@ -5345,7 +5347,7 @@
           <a:p>
             <a:fld id="{D5E2AA23-66BC-4D18-B172-603E1DD06669}" type="datetimeFigureOut">
               <a:rPr lang="ru-RU" smtClean="0"/>
-              <a:t>02.02.2025</a:t>
+              <a:t>03.02.2025</a:t>
             </a:fld>
             <a:endParaRPr lang="ru-RU"/>
           </a:p>
@@ -5786,7 +5788,7 @@
           <a:p>
             <a:fld id="{D5E2AA23-66BC-4D18-B172-603E1DD06669}" type="datetimeFigureOut">
               <a:rPr lang="ru-RU" smtClean="0"/>
-              <a:t>02.02.2025</a:t>
+              <a:t>03.02.2025</a:t>
             </a:fld>
             <a:endParaRPr lang="ru-RU"/>
           </a:p>
@@ -6581,6 +6583,390 @@
           <p:cNvPr id="2" name="Заголовок 1">
             <a:extLst>
               <a:ext uri="{FF2B5EF4-FFF2-40B4-BE49-F238E27FC236}">
+                <a16:creationId xmlns:a16="http://schemas.microsoft.com/office/drawing/2014/main" id="{CFE0D809-BD8F-4A15-3BDB-DD1E686628F3}"/>
+              </a:ext>
+            </a:extLst>
+          </p:cNvPr>
+          <p:cNvSpPr>
+            <a:spLocks noGrp="1"/>
+          </p:cNvSpPr>
+          <p:nvPr>
+            <p:ph type="title"/>
+          </p:nvPr>
+        </p:nvSpPr>
+        <p:spPr/>
+        <p:txBody>
+          <a:bodyPr>
+            <a:normAutofit/>
+          </a:bodyPr>
+          <a:lstStyle/>
+          <a:p>
+            <a:pPr algn="ctr"/>
+            <a:r>
+              <a:rPr lang="ru-RU" sz="4200" dirty="0">
+                <a:latin typeface="Times New Roman" panose="02020603050405020304" pitchFamily="18" charset="0"/>
+                <a:cs typeface="Times New Roman" panose="02020603050405020304" pitchFamily="18" charset="0"/>
+              </a:rPr>
+              <a:t>Предметная область: Приказы</a:t>
+            </a:r>
+          </a:p>
+        </p:txBody>
+      </p:sp>
+      <p:sp>
+        <p:nvSpPr>
+          <p:cNvPr id="3" name="Объект 2">
+            <a:extLst>
+              <a:ext uri="{FF2B5EF4-FFF2-40B4-BE49-F238E27FC236}">
+                <a16:creationId xmlns:a16="http://schemas.microsoft.com/office/drawing/2014/main" id="{599C5426-0DCF-B700-F9C6-024E3CFEE7D9}"/>
+              </a:ext>
+            </a:extLst>
+          </p:cNvPr>
+          <p:cNvSpPr>
+            <a:spLocks noGrp="1"/>
+          </p:cNvSpPr>
+          <p:nvPr>
+            <p:ph idx="1"/>
+          </p:nvPr>
+        </p:nvSpPr>
+        <p:spPr/>
+        <p:txBody>
+          <a:bodyPr/>
+          <a:lstStyle/>
+          <a:p>
+            <a:endParaRPr lang="ru-RU"/>
+          </a:p>
+        </p:txBody>
+      </p:sp>
+      <p:pic>
+        <p:nvPicPr>
+          <p:cNvPr id="4" name="Рисунок 3">
+            <a:extLst>
+              <a:ext uri="{FF2B5EF4-FFF2-40B4-BE49-F238E27FC236}">
+                <a16:creationId xmlns:a16="http://schemas.microsoft.com/office/drawing/2014/main" id="{8977BAAA-C3E6-AA6C-9A15-B07043572DEB}"/>
+              </a:ext>
+            </a:extLst>
+          </p:cNvPr>
+          <p:cNvPicPr>
+            <a:picLocks noChangeAspect="1"/>
+          </p:cNvPicPr>
+          <p:nvPr/>
+        </p:nvPicPr>
+        <p:blipFill>
+          <a:blip r:embed="rId2"/>
+          <a:stretch>
+            <a:fillRect/>
+          </a:stretch>
+        </p:blipFill>
+        <p:spPr>
+          <a:xfrm>
+            <a:off x="0" y="1320482"/>
+            <a:ext cx="12192000" cy="5537518"/>
+          </a:xfrm>
+          <a:prstGeom prst="rect">
+            <a:avLst/>
+          </a:prstGeom>
+        </p:spPr>
+      </p:pic>
+    </p:spTree>
+    <p:extLst>
+      <p:ext uri="{BB962C8B-B14F-4D97-AF65-F5344CB8AC3E}">
+        <p14:creationId xmlns:p14="http://schemas.microsoft.com/office/powerpoint/2010/main" val="3754470832"/>
+      </p:ext>
+    </p:extLst>
+  </p:cSld>
+  <p:clrMapOvr>
+    <a:masterClrMapping/>
+  </p:clrMapOvr>
+  <mc:AlternateContent xmlns:mc="http://schemas.openxmlformats.org/markup-compatibility/2006" xmlns:p14="http://schemas.microsoft.com/office/powerpoint/2010/main">
+    <mc:Choice Requires="p14">
+      <p:transition spd="med" p14:dur="700">
+        <p:fade/>
+      </p:transition>
+    </mc:Choice>
+    <mc:Fallback xmlns="">
+      <p:transition spd="med">
+        <p:fade/>
+      </p:transition>
+    </mc:Fallback>
+  </mc:AlternateContent>
+</p:sld>
+</file>
+
+<file path=ppt/slides/slide11.xml><?xml version="1.0" encoding="utf-8"?>
+<p:sld xmlns:a="http://schemas.openxmlformats.org/drawingml/2006/main" xmlns:r="http://schemas.openxmlformats.org/officeDocument/2006/relationships" xmlns:p="http://schemas.openxmlformats.org/presentationml/2006/main">
+  <p:cSld>
+    <p:spTree>
+      <p:nvGrpSpPr>
+        <p:cNvPr id="1" name=""/>
+        <p:cNvGrpSpPr/>
+        <p:nvPr/>
+      </p:nvGrpSpPr>
+      <p:grpSpPr>
+        <a:xfrm>
+          <a:off x="0" y="0"/>
+          <a:ext cx="0" cy="0"/>
+          <a:chOff x="0" y="0"/>
+          <a:chExt cx="0" cy="0"/>
+        </a:xfrm>
+      </p:grpSpPr>
+      <p:sp>
+        <p:nvSpPr>
+          <p:cNvPr id="3" name="Объект 2">
+            <a:extLst>
+              <a:ext uri="{FF2B5EF4-FFF2-40B4-BE49-F238E27FC236}">
+                <a16:creationId xmlns:a16="http://schemas.microsoft.com/office/drawing/2014/main" id="{A7B3D352-5F95-AC5D-98E7-8C17E9C496F4}"/>
+              </a:ext>
+            </a:extLst>
+          </p:cNvPr>
+          <p:cNvSpPr>
+            <a:spLocks noGrp="1"/>
+          </p:cNvSpPr>
+          <p:nvPr>
+            <p:ph idx="1"/>
+          </p:nvPr>
+        </p:nvSpPr>
+        <p:spPr/>
+        <p:txBody>
+          <a:bodyPr/>
+          <a:lstStyle/>
+          <a:p>
+            <a:endParaRPr lang="ru-RU" dirty="0"/>
+          </a:p>
+        </p:txBody>
+      </p:sp>
+      <p:sp>
+        <p:nvSpPr>
+          <p:cNvPr id="6" name="Заголовок 1">
+            <a:extLst>
+              <a:ext uri="{FF2B5EF4-FFF2-40B4-BE49-F238E27FC236}">
+                <a16:creationId xmlns:a16="http://schemas.microsoft.com/office/drawing/2014/main" id="{D803B131-B6E8-54DB-EC97-5FA46DD6C873}"/>
+              </a:ext>
+            </a:extLst>
+          </p:cNvPr>
+          <p:cNvSpPr>
+            <a:spLocks noGrp="1"/>
+          </p:cNvSpPr>
+          <p:nvPr>
+            <p:ph type="title"/>
+          </p:nvPr>
+        </p:nvSpPr>
+        <p:spPr>
+          <a:xfrm>
+            <a:off x="646111" y="452718"/>
+            <a:ext cx="9404723" cy="1400530"/>
+          </a:xfrm>
+        </p:spPr>
+        <p:txBody>
+          <a:bodyPr>
+            <a:normAutofit/>
+          </a:bodyPr>
+          <a:lstStyle/>
+          <a:p>
+            <a:pPr algn="ctr"/>
+            <a:r>
+              <a:rPr lang="ru-RU" sz="4200" dirty="0">
+                <a:latin typeface="Times New Roman" panose="02020603050405020304" pitchFamily="18" charset="0"/>
+                <a:cs typeface="Times New Roman" panose="02020603050405020304" pitchFamily="18" charset="0"/>
+              </a:rPr>
+              <a:t>Предметная область: Приказы</a:t>
+            </a:r>
+          </a:p>
+        </p:txBody>
+      </p:sp>
+      <p:pic>
+        <p:nvPicPr>
+          <p:cNvPr id="8" name="Рисунок 7">
+            <a:extLst>
+              <a:ext uri="{FF2B5EF4-FFF2-40B4-BE49-F238E27FC236}">
+                <a16:creationId xmlns:a16="http://schemas.microsoft.com/office/drawing/2014/main" id="{E0442C6B-4C46-C071-36EF-A8AABCFAFDF6}"/>
+              </a:ext>
+            </a:extLst>
+          </p:cNvPr>
+          <p:cNvPicPr>
+            <a:picLocks noChangeAspect="1"/>
+          </p:cNvPicPr>
+          <p:nvPr/>
+        </p:nvPicPr>
+        <p:blipFill>
+          <a:blip r:embed="rId2"/>
+          <a:stretch>
+            <a:fillRect/>
+          </a:stretch>
+        </p:blipFill>
+        <p:spPr>
+          <a:xfrm>
+            <a:off x="0" y="1502230"/>
+            <a:ext cx="12191999" cy="5355770"/>
+          </a:xfrm>
+          <a:prstGeom prst="rect">
+            <a:avLst/>
+          </a:prstGeom>
+        </p:spPr>
+      </p:pic>
+    </p:spTree>
+    <p:extLst>
+      <p:ext uri="{BB962C8B-B14F-4D97-AF65-F5344CB8AC3E}">
+        <p14:creationId xmlns:p14="http://schemas.microsoft.com/office/powerpoint/2010/main" val="545353679"/>
+      </p:ext>
+    </p:extLst>
+  </p:cSld>
+  <p:clrMapOvr>
+    <a:masterClrMapping/>
+  </p:clrMapOvr>
+  <mc:AlternateContent xmlns:mc="http://schemas.openxmlformats.org/markup-compatibility/2006" xmlns:p14="http://schemas.microsoft.com/office/powerpoint/2010/main">
+    <mc:Choice Requires="p14">
+      <p:transition spd="med" p14:dur="700">
+        <p:fade/>
+      </p:transition>
+    </mc:Choice>
+    <mc:Fallback xmlns="">
+      <p:transition spd="med">
+        <p:fade/>
+      </p:transition>
+    </mc:Fallback>
+  </mc:AlternateContent>
+</p:sld>
+</file>
+
+<file path=ppt/slides/slide12.xml><?xml version="1.0" encoding="utf-8"?>
+<p:sld xmlns:a="http://schemas.openxmlformats.org/drawingml/2006/main" xmlns:r="http://schemas.openxmlformats.org/officeDocument/2006/relationships" xmlns:p="http://schemas.openxmlformats.org/presentationml/2006/main">
+  <p:cSld>
+    <p:spTree>
+      <p:nvGrpSpPr>
+        <p:cNvPr id="1" name=""/>
+        <p:cNvGrpSpPr/>
+        <p:nvPr/>
+      </p:nvGrpSpPr>
+      <p:grpSpPr>
+        <a:xfrm>
+          <a:off x="0" y="0"/>
+          <a:ext cx="0" cy="0"/>
+          <a:chOff x="0" y="0"/>
+          <a:chExt cx="0" cy="0"/>
+        </a:xfrm>
+      </p:grpSpPr>
+      <p:sp>
+        <p:nvSpPr>
+          <p:cNvPr id="2" name="Заголовок 1">
+            <a:extLst>
+              <a:ext uri="{FF2B5EF4-FFF2-40B4-BE49-F238E27FC236}">
+                <a16:creationId xmlns:a16="http://schemas.microsoft.com/office/drawing/2014/main" id="{EB95F82F-1EB5-583F-6A4F-D81FA7090598}"/>
+              </a:ext>
+            </a:extLst>
+          </p:cNvPr>
+          <p:cNvSpPr>
+            <a:spLocks noGrp="1"/>
+          </p:cNvSpPr>
+          <p:nvPr>
+            <p:ph type="title"/>
+          </p:nvPr>
+        </p:nvSpPr>
+        <p:spPr>
+          <a:xfrm>
+            <a:off x="1" y="452718"/>
+            <a:ext cx="10050834" cy="1400530"/>
+          </a:xfrm>
+        </p:spPr>
+        <p:txBody>
+          <a:bodyPr/>
+          <a:lstStyle/>
+          <a:p>
+            <a:pPr algn="ctr"/>
+            <a:r>
+              <a:rPr lang="ru-RU" sz="4200" dirty="0">
+                <a:latin typeface="Times New Roman" panose="02020603050405020304" pitchFamily="18" charset="0"/>
+                <a:cs typeface="Times New Roman" panose="02020603050405020304" pitchFamily="18" charset="0"/>
+              </a:rPr>
+              <a:t>Диаграмма классов: Общая документация</a:t>
+            </a:r>
+            <a:endParaRPr lang="ru-RU" dirty="0"/>
+          </a:p>
+        </p:txBody>
+      </p:sp>
+      <p:pic>
+        <p:nvPicPr>
+          <p:cNvPr id="5" name="Объект 4">
+            <a:extLst>
+              <a:ext uri="{FF2B5EF4-FFF2-40B4-BE49-F238E27FC236}">
+                <a16:creationId xmlns:a16="http://schemas.microsoft.com/office/drawing/2014/main" id="{754C3402-D04E-CE9B-601B-75D154EC0F55}"/>
+              </a:ext>
+            </a:extLst>
+          </p:cNvPr>
+          <p:cNvPicPr>
+            <a:picLocks noGrp="1" noChangeAspect="1"/>
+          </p:cNvPicPr>
+          <p:nvPr>
+            <p:ph idx="1"/>
+          </p:nvPr>
+        </p:nvPicPr>
+        <p:blipFill>
+          <a:blip r:embed="rId2"/>
+          <a:stretch>
+            <a:fillRect/>
+          </a:stretch>
+        </p:blipFill>
+        <p:spPr>
+          <a:xfrm>
+            <a:off x="0" y="1218297"/>
+            <a:ext cx="12192000" cy="5639703"/>
+          </a:xfrm>
+          <a:prstGeom prst="rect">
+            <a:avLst/>
+          </a:prstGeom>
+          <a:ln>
+            <a:solidFill>
+              <a:schemeClr val="tx1"/>
+            </a:solidFill>
+          </a:ln>
+        </p:spPr>
+      </p:pic>
+    </p:spTree>
+    <p:extLst>
+      <p:ext uri="{BB962C8B-B14F-4D97-AF65-F5344CB8AC3E}">
+        <p14:creationId xmlns:p14="http://schemas.microsoft.com/office/powerpoint/2010/main" val="3984663057"/>
+      </p:ext>
+    </p:extLst>
+  </p:cSld>
+  <p:clrMapOvr>
+    <a:masterClrMapping/>
+  </p:clrMapOvr>
+  <mc:AlternateContent xmlns:mc="http://schemas.openxmlformats.org/markup-compatibility/2006" xmlns:p14="http://schemas.microsoft.com/office/powerpoint/2010/main">
+    <mc:Choice Requires="p14">
+      <p:transition spd="med" p14:dur="700">
+        <p:fade/>
+      </p:transition>
+    </mc:Choice>
+    <mc:Fallback xmlns="">
+      <p:transition spd="med">
+        <p:fade/>
+      </p:transition>
+    </mc:Fallback>
+  </mc:AlternateContent>
+</p:sld>
+</file>
+
+<file path=ppt/slides/slide13.xml><?xml version="1.0" encoding="utf-8"?>
+<p:sld xmlns:a="http://schemas.openxmlformats.org/drawingml/2006/main" xmlns:r="http://schemas.openxmlformats.org/officeDocument/2006/relationships" xmlns:p="http://schemas.openxmlformats.org/presentationml/2006/main">
+  <p:cSld>
+    <p:spTree>
+      <p:nvGrpSpPr>
+        <p:cNvPr id="1" name=""/>
+        <p:cNvGrpSpPr/>
+        <p:nvPr/>
+      </p:nvGrpSpPr>
+      <p:grpSpPr>
+        <a:xfrm>
+          <a:off x="0" y="0"/>
+          <a:ext cx="0" cy="0"/>
+          <a:chOff x="0" y="0"/>
+          <a:chExt cx="0" cy="0"/>
+        </a:xfrm>
+      </p:grpSpPr>
+      <p:sp>
+        <p:nvSpPr>
+          <p:cNvPr id="2" name="Заголовок 1">
+            <a:extLst>
+              <a:ext uri="{FF2B5EF4-FFF2-40B4-BE49-F238E27FC236}">
                 <a16:creationId xmlns:a16="http://schemas.microsoft.com/office/drawing/2014/main" id="{EB95F82F-1EB5-583F-6A4F-D81FA7090598}"/>
               </a:ext>
             </a:extLst>
@@ -6605,6 +6991,26 @@
               </a:rPr>
               <a:t>Диаграмма классов</a:t>
             </a:r>
+            <a:r>
+              <a:rPr lang="en-US" sz="4200" dirty="0">
+                <a:latin typeface="Times New Roman" panose="02020603050405020304" pitchFamily="18" charset="0"/>
+                <a:cs typeface="Times New Roman" panose="02020603050405020304" pitchFamily="18" charset="0"/>
+              </a:rPr>
+              <a:t>: </a:t>
+            </a:r>
+            <a:r>
+              <a:rPr lang="ru-RU" sz="4200" dirty="0">
+                <a:latin typeface="Times New Roman" panose="02020603050405020304" pitchFamily="18" charset="0"/>
+                <a:cs typeface="Times New Roman" panose="02020603050405020304" pitchFamily="18" charset="0"/>
+              </a:rPr>
+              <a:t>Мероприятия</a:t>
+            </a:r>
+            <a:br>
+              <a:rPr lang="en-US" sz="4200" dirty="0">
+                <a:latin typeface="Times New Roman" panose="02020603050405020304" pitchFamily="18" charset="0"/>
+                <a:cs typeface="Times New Roman" panose="02020603050405020304" pitchFamily="18" charset="0"/>
+              </a:rPr>
+            </a:br>
             <a:endParaRPr lang="ru-RU" dirty="0"/>
           </a:p>
         </p:txBody>
@@ -6708,7 +7114,133 @@
 </p:sld>
 </file>
 
-<file path=ppt/slides/slide11.xml><?xml version="1.0" encoding="utf-8"?>
+<file path=ppt/slides/slide14.xml><?xml version="1.0" encoding="utf-8"?>
+<p:sld xmlns:a="http://schemas.openxmlformats.org/drawingml/2006/main" xmlns:r="http://schemas.openxmlformats.org/officeDocument/2006/relationships" xmlns:p="http://schemas.openxmlformats.org/presentationml/2006/main">
+  <p:cSld>
+    <p:spTree>
+      <p:nvGrpSpPr>
+        <p:cNvPr id="1" name=""/>
+        <p:cNvGrpSpPr/>
+        <p:nvPr/>
+      </p:nvGrpSpPr>
+      <p:grpSpPr>
+        <a:xfrm>
+          <a:off x="0" y="0"/>
+          <a:ext cx="0" cy="0"/>
+          <a:chOff x="0" y="0"/>
+          <a:chExt cx="0" cy="0"/>
+        </a:xfrm>
+      </p:grpSpPr>
+      <p:sp>
+        <p:nvSpPr>
+          <p:cNvPr id="2" name="Заголовок 1">
+            <a:extLst>
+              <a:ext uri="{FF2B5EF4-FFF2-40B4-BE49-F238E27FC236}">
+                <a16:creationId xmlns:a16="http://schemas.microsoft.com/office/drawing/2014/main" id="{7968E9DD-9DE0-D499-A6D8-86F4EBE59372}"/>
+              </a:ext>
+            </a:extLst>
+          </p:cNvPr>
+          <p:cNvSpPr>
+            <a:spLocks noGrp="1"/>
+          </p:cNvSpPr>
+          <p:nvPr>
+            <p:ph type="title"/>
+          </p:nvPr>
+        </p:nvSpPr>
+        <p:spPr/>
+        <p:txBody>
+          <a:bodyPr/>
+          <a:lstStyle/>
+          <a:p>
+            <a:pPr algn="ctr"/>
+            <a:r>
+              <a:rPr lang="ru-RU" sz="4200" dirty="0">
+                <a:latin typeface="Times New Roman" panose="02020603050405020304" pitchFamily="18" charset="0"/>
+                <a:cs typeface="Times New Roman" panose="02020603050405020304" pitchFamily="18" charset="0"/>
+              </a:rPr>
+              <a:t>Диаграмма классов</a:t>
+            </a:r>
+            <a:r>
+              <a:rPr lang="en-US" sz="4200" dirty="0">
+                <a:latin typeface="Times New Roman" panose="02020603050405020304" pitchFamily="18" charset="0"/>
+                <a:cs typeface="Times New Roman" panose="02020603050405020304" pitchFamily="18" charset="0"/>
+              </a:rPr>
+              <a:t>: </a:t>
+            </a:r>
+            <a:r>
+              <a:rPr lang="ru-RU" sz="4200" dirty="0">
+                <a:latin typeface="Times New Roman" panose="02020603050405020304" pitchFamily="18" charset="0"/>
+                <a:cs typeface="Times New Roman" panose="02020603050405020304" pitchFamily="18" charset="0"/>
+              </a:rPr>
+              <a:t>Мероприятия</a:t>
+            </a:r>
+            <a:endParaRPr lang="ru-RU" dirty="0"/>
+          </a:p>
+        </p:txBody>
+      </p:sp>
+      <p:pic>
+        <p:nvPicPr>
+          <p:cNvPr id="4" name="Объект 3">
+            <a:extLst>
+              <a:ext uri="{FF2B5EF4-FFF2-40B4-BE49-F238E27FC236}">
+                <a16:creationId xmlns:a16="http://schemas.microsoft.com/office/drawing/2014/main" id="{636BD298-71F2-16D9-9B25-398B85A6F0CB}"/>
+              </a:ext>
+            </a:extLst>
+          </p:cNvPr>
+          <p:cNvPicPr>
+            <a:picLocks noGrp="1" noChangeAspect="1"/>
+          </p:cNvPicPr>
+          <p:nvPr>
+            <p:ph idx="1"/>
+          </p:nvPr>
+        </p:nvPicPr>
+        <p:blipFill>
+          <a:blip r:embed="rId2"/>
+          <a:stretch>
+            <a:fillRect/>
+          </a:stretch>
+        </p:blipFill>
+        <p:spPr>
+          <a:xfrm>
+            <a:off x="0" y="1660848"/>
+            <a:ext cx="12208131" cy="5197151"/>
+          </a:xfrm>
+          <a:prstGeom prst="rect">
+            <a:avLst/>
+          </a:prstGeom>
+          <a:ln>
+            <a:solidFill>
+              <a:schemeClr val="tx1"/>
+            </a:solidFill>
+          </a:ln>
+        </p:spPr>
+      </p:pic>
+    </p:spTree>
+    <p:extLst>
+      <p:ext uri="{BB962C8B-B14F-4D97-AF65-F5344CB8AC3E}">
+        <p14:creationId xmlns:p14="http://schemas.microsoft.com/office/powerpoint/2010/main" val="3353262884"/>
+      </p:ext>
+    </p:extLst>
+  </p:cSld>
+  <p:clrMapOvr>
+    <a:masterClrMapping/>
+  </p:clrMapOvr>
+  <mc:AlternateContent xmlns:mc="http://schemas.openxmlformats.org/markup-compatibility/2006" xmlns:p14="http://schemas.microsoft.com/office/powerpoint/2010/main">
+    <mc:Choice Requires="p14">
+      <p:transition spd="med" p14:dur="700">
+        <p:fade/>
+      </p:transition>
+    </mc:Choice>
+    <mc:Fallback xmlns="">
+      <p:transition spd="med">
+        <p:fade/>
+      </p:transition>
+    </mc:Fallback>
+  </mc:AlternateContent>
+</p:sld>
+</file>
+
+<file path=ppt/slides/slide15.xml><?xml version="1.0" encoding="utf-8"?>
 <p:sld xmlns:a="http://schemas.openxmlformats.org/drawingml/2006/main" xmlns:r="http://schemas.openxmlformats.org/officeDocument/2006/relationships" xmlns:p="http://schemas.openxmlformats.org/presentationml/2006/main">
   <p:cSld>
     <p:spTree>
@@ -7277,7 +7809,7 @@
 </p:sld>
 </file>
 
-<file path=ppt/slides/slide12.xml><?xml version="1.0" encoding="utf-8"?>
+<file path=ppt/slides/slide16.xml><?xml version="1.0" encoding="utf-8"?>
 <p:sld xmlns:a="http://schemas.openxmlformats.org/drawingml/2006/main" xmlns:r="http://schemas.openxmlformats.org/officeDocument/2006/relationships" xmlns:p="http://schemas.openxmlformats.org/presentationml/2006/main">
   <p:cSld>
     <p:spTree>
@@ -7363,7 +7895,7 @@
                 <a:latin typeface="Times New Roman" panose="02020603050405020304" pitchFamily="18" charset="0"/>
                 <a:cs typeface="Times New Roman" panose="02020603050405020304" pitchFamily="18" charset="0"/>
               </a:rPr>
-              <a:t>	Цель разработки информационной системы для организации "Региональный школьный технопарк" заключается в создании эффективной информационной системы, способной обеспечить планирование образовательного процесса и документооборота в организации «Региональный школьный технопарк».</a:t>
+              <a:t>	Цель выпускной квалификационной работы заключается в создании эффективной информационной системы, обеспечивающей планирование образовательного процесса и документооборота в организации «Региональный школьный технопарк».</a:t>
             </a:r>
           </a:p>
         </p:txBody>
@@ -7393,7 +7925,7 @@
 </p:sld>
 </file>
 
-<file path=ppt/slides/slide13.xml><?xml version="1.0" encoding="utf-8"?>
+<file path=ppt/slides/slide17.xml><?xml version="1.0" encoding="utf-8"?>
 <p:sld xmlns:a="http://schemas.openxmlformats.org/drawingml/2006/main" xmlns:r="http://schemas.openxmlformats.org/officeDocument/2006/relationships" xmlns:p="http://schemas.openxmlformats.org/presentationml/2006/main">
   <p:cSld>
     <p:spTree>
@@ -7483,6 +8015,25 @@
                 <a:cs typeface="Times New Roman" panose="02020603050405020304" pitchFamily="18" charset="0"/>
               </a:rPr>
               <a:t>	Достижение данной цели сопровождается следующими задачами:</a:t>
+            </a:r>
+          </a:p>
+          <a:p>
+            <a:pPr marL="685800" lvl="1" algn="just">
+              <a:lnSpc>
+                <a:spcPct val="150000"/>
+              </a:lnSpc>
+              <a:spcBef>
+                <a:spcPts val="0"/>
+              </a:spcBef>
+              <a:buFont typeface="Arial" panose="020B0604020202020204" pitchFamily="34" charset="0"/>
+              <a:buChar char="•"/>
+            </a:pPr>
+            <a:r>
+              <a:rPr lang="ru-RU" sz="2000" dirty="0">
+                <a:latin typeface="Times New Roman" panose="02020603050405020304" pitchFamily="18" charset="0"/>
+                <a:cs typeface="Times New Roman" panose="02020603050405020304" pitchFamily="18" charset="0"/>
+              </a:rPr>
+              <a:t> анализ предметной области;</a:t>
             </a:r>
           </a:p>
           <a:p>
@@ -7603,7 +8154,7 @@
 </p:sld>
 </file>
 
-<file path=ppt/slides/slide14.xml><?xml version="1.0" encoding="utf-8"?>
+<file path=ppt/slides/slide18.xml><?xml version="1.0" encoding="utf-8"?>
 <p:sld xmlns:a="http://schemas.openxmlformats.org/drawingml/2006/main" xmlns:r="http://schemas.openxmlformats.org/officeDocument/2006/relationships" xmlns:p="http://schemas.openxmlformats.org/presentationml/2006/main">
   <p:cSld>
     <p:spTree>
@@ -7704,16 +8255,8 @@
                 <a:latin typeface="Times New Roman" panose="02020603050405020304" pitchFamily="18" charset="0"/>
                 <a:cs typeface="Times New Roman" panose="02020603050405020304" pitchFamily="18" charset="0"/>
               </a:rPr>
-              <a:t>	Назначение автоматизированной (информационной) системы «Регионального школьного технопарка» заключается в обеспечении бесперебойной и эффективной работы системы автоматизации образовательного процесса. Программный продукт позволяет автоматизировать планирование образовательного и административный процесс в организации.</a:t>
-            </a:r>
-          </a:p>
-          <a:p>
-            <a:pPr marL="0" indent="0" algn="just">
-              <a:lnSpc>
-                <a:spcPct val="150000"/>
-              </a:lnSpc>
-              <a:buNone/>
-            </a:pPr>
+              <a:t>	Назначение автоматизированной (информационной) системы «Регионального школьного технопарка» заключается в обеспечении бесперебойной и эффективной работы системы автоматизации планировании образовательного процесса. </a:t>
+            </a:r>
             <a:endParaRPr lang="ru-RU" b="0" strike="noStrike" spc="-1" dirty="0">
               <a:solidFill>
                 <a:srgbClr val="000000"/>
@@ -7749,7 +8292,7 @@
 </p:sld>
 </file>
 
-<file path=ppt/slides/slide15.xml><?xml version="1.0" encoding="utf-8"?>
+<file path=ppt/slides/slide19.xml><?xml version="1.0" encoding="utf-8"?>
 <p:sld xmlns:a="http://schemas.openxmlformats.org/drawingml/2006/main" xmlns:r="http://schemas.openxmlformats.org/officeDocument/2006/relationships" xmlns:p="http://schemas.openxmlformats.org/presentationml/2006/main">
   <p:cSld>
     <p:spTree>
@@ -7878,7 +8421,470 @@
 </p:sld>
 </file>
 
-<file path=ppt/slides/slide16.xml><?xml version="1.0" encoding="utf-8"?>
+<file path=ppt/slides/slide2.xml><?xml version="1.0" encoding="utf-8"?>
+<p:sld xmlns:a="http://schemas.openxmlformats.org/drawingml/2006/main" xmlns:r="http://schemas.openxmlformats.org/officeDocument/2006/relationships" xmlns:p="http://schemas.openxmlformats.org/presentationml/2006/main">
+  <p:cSld>
+    <p:spTree>
+      <p:nvGrpSpPr>
+        <p:cNvPr id="1" name=""/>
+        <p:cNvGrpSpPr/>
+        <p:nvPr/>
+      </p:nvGrpSpPr>
+      <p:grpSpPr>
+        <a:xfrm>
+          <a:off x="0" y="0"/>
+          <a:ext cx="0" cy="0"/>
+          <a:chOff x="0" y="0"/>
+          <a:chExt cx="0" cy="0"/>
+        </a:xfrm>
+      </p:grpSpPr>
+      <p:sp>
+        <p:nvSpPr>
+          <p:cNvPr id="2" name="Заголовок 1">
+            <a:extLst>
+              <a:ext uri="{FF2B5EF4-FFF2-40B4-BE49-F238E27FC236}">
+                <a16:creationId xmlns:a16="http://schemas.microsoft.com/office/drawing/2014/main" id="{A6C44B47-A033-6506-472B-905E7EA1EF2E}"/>
+              </a:ext>
+            </a:extLst>
+          </p:cNvPr>
+          <p:cNvSpPr>
+            <a:spLocks noGrp="1"/>
+          </p:cNvSpPr>
+          <p:nvPr>
+            <p:ph type="title"/>
+          </p:nvPr>
+        </p:nvSpPr>
+        <p:spPr/>
+        <p:txBody>
+          <a:bodyPr/>
+          <a:lstStyle/>
+          <a:p>
+            <a:pPr algn="ctr"/>
+            <a:r>
+              <a:rPr lang="ru-RU" dirty="0">
+                <a:latin typeface="Times New Roman" panose="02020603050405020304" pitchFamily="18" charset="0"/>
+                <a:cs typeface="Times New Roman" panose="02020603050405020304" pitchFamily="18" charset="0"/>
+              </a:rPr>
+              <a:t>Введение</a:t>
+            </a:r>
+          </a:p>
+        </p:txBody>
+      </p:sp>
+      <p:sp>
+        <p:nvSpPr>
+          <p:cNvPr id="3" name="Объект 2">
+            <a:extLst>
+              <a:ext uri="{FF2B5EF4-FFF2-40B4-BE49-F238E27FC236}">
+                <a16:creationId xmlns:a16="http://schemas.microsoft.com/office/drawing/2014/main" id="{1D62BBA5-83D1-D73C-3724-A136E4A00E96}"/>
+              </a:ext>
+            </a:extLst>
+          </p:cNvPr>
+          <p:cNvSpPr>
+            <a:spLocks noGrp="1"/>
+          </p:cNvSpPr>
+          <p:nvPr>
+            <p:ph idx="1"/>
+          </p:nvPr>
+        </p:nvSpPr>
+        <p:spPr>
+          <a:xfrm>
+            <a:off x="1104293" y="1188720"/>
+            <a:ext cx="8946541" cy="5058039"/>
+          </a:xfrm>
+        </p:spPr>
+        <p:txBody>
+          <a:bodyPr>
+            <a:normAutofit fontScale="92500" lnSpcReduction="20000"/>
+          </a:bodyPr>
+          <a:lstStyle/>
+          <a:p>
+            <a:pPr indent="0" algn="just" defTabSz="914400">
+              <a:lnSpc>
+                <a:spcPct val="150000"/>
+              </a:lnSpc>
+              <a:spcBef>
+                <a:spcPts val="0"/>
+              </a:spcBef>
+              <a:buNone/>
+              <a:tabLst>
+                <a:tab pos="0" algn="l"/>
+              </a:tabLst>
+            </a:pPr>
+            <a:r>
+              <a:rPr lang="ru-RU" spc="-1" dirty="0">
+                <a:latin typeface="Times New Roman"/>
+              </a:rPr>
+              <a:t>	</a:t>
+            </a:r>
+            <a:r>
+              <a:rPr lang="ru-RU" sz="2000" b="0" strike="noStrike" spc="-1" dirty="0">
+                <a:latin typeface="Times New Roman"/>
+              </a:rPr>
+              <a:t>"Региональный школьный технопарк" (РШТ) — это образовательная организация, подчиняющаяся Министерству образования Астраханской области. . В состав «РШТ» входят:</a:t>
+            </a:r>
+          </a:p>
+          <a:p>
+            <a:pPr indent="0" algn="just" defTabSz="914400">
+              <a:lnSpc>
+                <a:spcPct val="150000"/>
+              </a:lnSpc>
+              <a:spcBef>
+                <a:spcPts val="0"/>
+              </a:spcBef>
+              <a:buNone/>
+              <a:tabLst>
+                <a:tab pos="0" algn="l"/>
+              </a:tabLst>
+            </a:pPr>
+            <a:r>
+              <a:rPr lang="ru-RU" sz="2000" b="0" strike="noStrike" spc="-1" dirty="0">
+                <a:latin typeface="Times New Roman"/>
+              </a:rPr>
+              <a:t>1.	Технопарк — отдел, где реализуются инновационные образовательные программы.</a:t>
+            </a:r>
+          </a:p>
+          <a:p>
+            <a:pPr indent="0" algn="just" defTabSz="914400">
+              <a:lnSpc>
+                <a:spcPct val="150000"/>
+              </a:lnSpc>
+              <a:spcBef>
+                <a:spcPts val="0"/>
+              </a:spcBef>
+              <a:buNone/>
+              <a:tabLst>
+                <a:tab pos="0" algn="l"/>
+              </a:tabLst>
+            </a:pPr>
+            <a:r>
+              <a:rPr lang="ru-RU" sz="2000" b="0" strike="noStrike" spc="-1" dirty="0">
+                <a:latin typeface="Times New Roman"/>
+              </a:rPr>
+              <a:t>2.	</a:t>
+            </a:r>
+            <a:r>
+              <a:rPr lang="ru-RU" sz="2000" b="0" strike="noStrike" spc="-1" dirty="0" err="1">
+                <a:latin typeface="Times New Roman"/>
+              </a:rPr>
+              <a:t>Кванториум</a:t>
+            </a:r>
+            <a:r>
+              <a:rPr lang="ru-RU" sz="2000" b="0" strike="noStrike" spc="-1" dirty="0">
+                <a:latin typeface="Times New Roman"/>
+              </a:rPr>
+              <a:t> — подразделение, ориентированное на изучение инженерных дисциплин.</a:t>
+            </a:r>
+          </a:p>
+          <a:p>
+            <a:pPr indent="0" algn="just" defTabSz="914400">
+              <a:lnSpc>
+                <a:spcPct val="150000"/>
+              </a:lnSpc>
+              <a:spcBef>
+                <a:spcPts val="0"/>
+              </a:spcBef>
+              <a:buNone/>
+              <a:tabLst>
+                <a:tab pos="0" algn="l"/>
+              </a:tabLst>
+            </a:pPr>
+            <a:r>
+              <a:rPr lang="ru-RU" sz="2000" b="0" strike="noStrike" spc="-1" dirty="0">
+                <a:latin typeface="Times New Roman"/>
+              </a:rPr>
+              <a:t>3.	Центр одарённых детей (ЦОД) —отдел, специализирующееся на работе с талантливыми детьми.</a:t>
+            </a:r>
+          </a:p>
+          <a:p>
+            <a:pPr indent="0" algn="just" defTabSz="914400">
+              <a:lnSpc>
+                <a:spcPct val="150000"/>
+              </a:lnSpc>
+              <a:spcBef>
+                <a:spcPts val="0"/>
+              </a:spcBef>
+              <a:buNone/>
+              <a:tabLst>
+                <a:tab pos="0" algn="l"/>
+              </a:tabLst>
+            </a:pPr>
+            <a:r>
+              <a:rPr lang="ru-RU" sz="2000" b="0" strike="noStrike" spc="-1" dirty="0">
+                <a:latin typeface="Times New Roman"/>
+              </a:rPr>
+              <a:t>4.	Центр детского научно-технического творчества (ЦДНТТ) — площадка, где дети могут заниматься  прикладным творчеством.</a:t>
+            </a:r>
+          </a:p>
+          <a:p>
+            <a:pPr indent="0" algn="just" defTabSz="914400">
+              <a:lnSpc>
+                <a:spcPct val="150000"/>
+              </a:lnSpc>
+              <a:spcBef>
+                <a:spcPts val="0"/>
+              </a:spcBef>
+              <a:buNone/>
+              <a:tabLst>
+                <a:tab pos="0" algn="l"/>
+              </a:tabLst>
+            </a:pPr>
+            <a:endParaRPr lang="ru-RU" sz="2000" b="0" strike="noStrike" spc="-1" dirty="0">
+              <a:latin typeface="Times New Roman"/>
+            </a:endParaRPr>
+          </a:p>
+          <a:p>
+            <a:pPr indent="0" algn="just" defTabSz="914400">
+              <a:lnSpc>
+                <a:spcPct val="150000"/>
+              </a:lnSpc>
+              <a:spcBef>
+                <a:spcPts val="0"/>
+              </a:spcBef>
+              <a:buNone/>
+              <a:tabLst>
+                <a:tab pos="0" algn="l"/>
+              </a:tabLst>
+            </a:pPr>
+            <a:r>
+              <a:rPr lang="ru-RU" sz="2000" b="0" strike="noStrike" spc="-1" dirty="0">
+                <a:latin typeface="Times New Roman"/>
+              </a:rPr>
+              <a:t>	</a:t>
+            </a:r>
+            <a:endParaRPr lang="ru-RU" spc="-1" dirty="0">
+              <a:latin typeface="Times New Roman"/>
+            </a:endParaRPr>
+          </a:p>
+        </p:txBody>
+      </p:sp>
+      <p:pic>
+        <p:nvPicPr>
+          <p:cNvPr id="4" name="Рисунок 3">
+            <a:extLst>
+              <a:ext uri="{FF2B5EF4-FFF2-40B4-BE49-F238E27FC236}">
+                <a16:creationId xmlns:a16="http://schemas.microsoft.com/office/drawing/2014/main" id="{03D9A3D8-D475-7449-0080-C89CD1F451D1}"/>
+              </a:ext>
+            </a:extLst>
+          </p:cNvPr>
+          <p:cNvPicPr/>
+          <p:nvPr/>
+        </p:nvPicPr>
+        <p:blipFill>
+          <a:blip r:embed="rId2"/>
+          <a:stretch/>
+        </p:blipFill>
+        <p:spPr>
+          <a:xfrm rot="21596400">
+            <a:off x="3947258" y="5416905"/>
+            <a:ext cx="4154760" cy="1438920"/>
+          </a:xfrm>
+          <a:prstGeom prst="rect">
+            <a:avLst/>
+          </a:prstGeom>
+          <a:ln w="0">
+            <a:noFill/>
+          </a:ln>
+        </p:spPr>
+      </p:pic>
+    </p:spTree>
+    <p:extLst>
+      <p:ext uri="{BB962C8B-B14F-4D97-AF65-F5344CB8AC3E}">
+        <p14:creationId xmlns:p14="http://schemas.microsoft.com/office/powerpoint/2010/main" val="3308579488"/>
+      </p:ext>
+    </p:extLst>
+  </p:cSld>
+  <p:clrMapOvr>
+    <a:masterClrMapping/>
+  </p:clrMapOvr>
+  <mc:AlternateContent xmlns:mc="http://schemas.openxmlformats.org/markup-compatibility/2006" xmlns:p14="http://schemas.microsoft.com/office/powerpoint/2010/main">
+    <mc:Choice Requires="p14">
+      <p:transition spd="med" p14:dur="700">
+        <p:fade/>
+      </p:transition>
+    </mc:Choice>
+    <mc:Fallback xmlns="">
+      <p:transition spd="med">
+        <p:fade/>
+      </p:transition>
+    </mc:Fallback>
+  </mc:AlternateContent>
+</p:sld>
+</file>
+
+<file path=ppt/slides/slide20.xml><?xml version="1.0" encoding="utf-8"?>
+<p:sld xmlns:a="http://schemas.openxmlformats.org/drawingml/2006/main" xmlns:r="http://schemas.openxmlformats.org/officeDocument/2006/relationships" xmlns:p="http://schemas.openxmlformats.org/presentationml/2006/main">
+  <p:cSld>
+    <p:spTree>
+      <p:nvGrpSpPr>
+        <p:cNvPr id="1" name=""/>
+        <p:cNvGrpSpPr/>
+        <p:nvPr/>
+      </p:nvGrpSpPr>
+      <p:grpSpPr>
+        <a:xfrm>
+          <a:off x="0" y="0"/>
+          <a:ext cx="0" cy="0"/>
+          <a:chOff x="0" y="0"/>
+          <a:chExt cx="0" cy="0"/>
+        </a:xfrm>
+      </p:grpSpPr>
+      <p:sp>
+        <p:nvSpPr>
+          <p:cNvPr id="2" name="Заголовок 1">
+            <a:extLst>
+              <a:ext uri="{FF2B5EF4-FFF2-40B4-BE49-F238E27FC236}">
+                <a16:creationId xmlns:a16="http://schemas.microsoft.com/office/drawing/2014/main" id="{1AF8BD60-0C5B-416F-3A2E-06B21B6C0DA2}"/>
+              </a:ext>
+            </a:extLst>
+          </p:cNvPr>
+          <p:cNvSpPr>
+            <a:spLocks noGrp="1"/>
+          </p:cNvSpPr>
+          <p:nvPr>
+            <p:ph type="title"/>
+          </p:nvPr>
+        </p:nvSpPr>
+        <p:spPr/>
+        <p:txBody>
+          <a:bodyPr>
+            <a:normAutofit/>
+          </a:bodyPr>
+          <a:lstStyle/>
+          <a:p>
+            <a:pPr algn="ctr"/>
+            <a:r>
+              <a:rPr lang="ru-RU" spc="-1" dirty="0">
+                <a:solidFill>
+                  <a:schemeClr val="tx1"/>
+                </a:solidFill>
+                <a:latin typeface="Times New Roman" panose="02020603050405020304" pitchFamily="18" charset="0"/>
+                <a:ea typeface="DejaVu Sans"/>
+                <a:cs typeface="Times New Roman" panose="02020603050405020304" pitchFamily="18" charset="0"/>
+              </a:rPr>
+              <a:t>Прототипы интерфейсов</a:t>
+            </a:r>
+            <a:endParaRPr lang="ru-RU" sz="4200" dirty="0">
+              <a:solidFill>
+                <a:schemeClr val="tx1"/>
+              </a:solidFill>
+              <a:latin typeface="Times New Roman" panose="02020603050405020304" pitchFamily="18" charset="0"/>
+              <a:cs typeface="Times New Roman" panose="02020603050405020304" pitchFamily="18" charset="0"/>
+            </a:endParaRPr>
+          </a:p>
+        </p:txBody>
+      </p:sp>
+      <p:sp>
+        <p:nvSpPr>
+          <p:cNvPr id="3" name="Объект 2">
+            <a:extLst>
+              <a:ext uri="{FF2B5EF4-FFF2-40B4-BE49-F238E27FC236}">
+                <a16:creationId xmlns:a16="http://schemas.microsoft.com/office/drawing/2014/main" id="{289F0795-2645-DA34-3D5E-2F3C44412E80}"/>
+              </a:ext>
+            </a:extLst>
+          </p:cNvPr>
+          <p:cNvSpPr>
+            <a:spLocks noGrp="1"/>
+          </p:cNvSpPr>
+          <p:nvPr>
+            <p:ph idx="1"/>
+          </p:nvPr>
+        </p:nvSpPr>
+        <p:spPr>
+          <a:xfrm>
+            <a:off x="1104293" y="1331259"/>
+            <a:ext cx="8946541" cy="4195481"/>
+          </a:xfrm>
+        </p:spPr>
+        <p:txBody>
+          <a:bodyPr>
+            <a:normAutofit/>
+          </a:bodyPr>
+          <a:lstStyle/>
+          <a:p>
+            <a:pPr marL="0" indent="0" algn="just">
+              <a:lnSpc>
+                <a:spcPct val="150000"/>
+              </a:lnSpc>
+              <a:buNone/>
+            </a:pPr>
+            <a:r>
+              <a:rPr lang="ru-RU" dirty="0">
+                <a:latin typeface="Times New Roman" panose="02020603050405020304" pitchFamily="18" charset="0"/>
+                <a:cs typeface="Times New Roman" panose="02020603050405020304" pitchFamily="18" charset="0"/>
+              </a:rPr>
+              <a:t>	</a:t>
+            </a:r>
+            <a:endParaRPr lang="ru-RU" b="0" strike="noStrike" spc="-1" dirty="0">
+              <a:solidFill>
+                <a:srgbClr val="000000"/>
+              </a:solidFill>
+              <a:latin typeface="Times New Roman" panose="02020603050405020304" pitchFamily="18" charset="0"/>
+              <a:cs typeface="Times New Roman" panose="02020603050405020304" pitchFamily="18" charset="0"/>
+            </a:endParaRPr>
+          </a:p>
+        </p:txBody>
+      </p:sp>
+      <p:pic>
+        <p:nvPicPr>
+          <p:cNvPr id="4" name="Рисунок 3">
+            <a:extLst>
+              <a:ext uri="{FF2B5EF4-FFF2-40B4-BE49-F238E27FC236}">
+                <a16:creationId xmlns:a16="http://schemas.microsoft.com/office/drawing/2014/main" id="{5733723D-5019-E252-D605-6175B0BE26F6}"/>
+              </a:ext>
+            </a:extLst>
+          </p:cNvPr>
+          <p:cNvPicPr>
+            <a:picLocks noChangeAspect="1"/>
+          </p:cNvPicPr>
+          <p:nvPr/>
+        </p:nvPicPr>
+        <p:blipFill>
+          <a:blip r:embed="rId2"/>
+          <a:stretch>
+            <a:fillRect/>
+          </a:stretch>
+        </p:blipFill>
+        <p:spPr>
+          <a:xfrm>
+            <a:off x="0" y="1152983"/>
+            <a:ext cx="12192000" cy="5705017"/>
+          </a:xfrm>
+          <a:prstGeom prst="rect">
+            <a:avLst/>
+          </a:prstGeom>
+          <a:ln>
+            <a:solidFill>
+              <a:schemeClr val="tx1"/>
+            </a:solidFill>
+          </a:ln>
+        </p:spPr>
+      </p:pic>
+    </p:spTree>
+    <p:extLst>
+      <p:ext uri="{BB962C8B-B14F-4D97-AF65-F5344CB8AC3E}">
+        <p14:creationId xmlns:p14="http://schemas.microsoft.com/office/powerpoint/2010/main" val="311423206"/>
+      </p:ext>
+    </p:extLst>
+  </p:cSld>
+  <p:clrMapOvr>
+    <a:masterClrMapping/>
+  </p:clrMapOvr>
+  <mc:AlternateContent xmlns:mc="http://schemas.openxmlformats.org/markup-compatibility/2006" xmlns:p14="http://schemas.microsoft.com/office/powerpoint/2010/main">
+    <mc:Choice Requires="p14">
+      <p:transition spd="med" p14:dur="700">
+        <p:fade/>
+      </p:transition>
+    </mc:Choice>
+    <mc:Fallback xmlns="">
+      <p:transition spd="med">
+        <p:fade/>
+      </p:transition>
+    </mc:Fallback>
+  </mc:AlternateContent>
+</p:sld>
+</file>
+
+<file path=ppt/slides/slide21.xml><?xml version="1.0" encoding="utf-8"?>
 <p:sld xmlns:a="http://schemas.openxmlformats.org/drawingml/2006/main" xmlns:r="http://schemas.openxmlformats.org/officeDocument/2006/relationships" xmlns:p="http://schemas.openxmlformats.org/presentationml/2006/main">
   <p:cSld>
     <p:spTree>
@@ -8047,7 +9053,7 @@
 </p:sld>
 </file>
 
-<file path=ppt/slides/slide17.xml><?xml version="1.0" encoding="utf-8"?>
+<file path=ppt/slides/slide22.xml><?xml version="1.0" encoding="utf-8"?>
 <p:sld xmlns:a="http://schemas.openxmlformats.org/drawingml/2006/main" xmlns:r="http://schemas.openxmlformats.org/officeDocument/2006/relationships" xmlns:p="http://schemas.openxmlformats.org/presentationml/2006/main">
   <p:cSld>
     <p:spTree>
@@ -8069,179 +9075,6 @@
           <p:cNvPr id="2" name="Заголовок 1">
             <a:extLst>
               <a:ext uri="{FF2B5EF4-FFF2-40B4-BE49-F238E27FC236}">
-                <a16:creationId xmlns:a16="http://schemas.microsoft.com/office/drawing/2014/main" id="{1AF8BD60-0C5B-416F-3A2E-06B21B6C0DA2}"/>
-              </a:ext>
-            </a:extLst>
-          </p:cNvPr>
-          <p:cNvSpPr>
-            <a:spLocks noGrp="1"/>
-          </p:cNvSpPr>
-          <p:nvPr>
-            <p:ph type="title"/>
-          </p:nvPr>
-        </p:nvSpPr>
-        <p:spPr/>
-        <p:txBody>
-          <a:bodyPr>
-            <a:normAutofit/>
-          </a:bodyPr>
-          <a:lstStyle/>
-          <a:p>
-            <a:pPr algn="ctr"/>
-            <a:r>
-              <a:rPr lang="ru-RU" spc="-1" dirty="0">
-                <a:solidFill>
-                  <a:schemeClr val="tx1"/>
-                </a:solidFill>
-                <a:latin typeface="Times New Roman" panose="02020603050405020304" pitchFamily="18" charset="0"/>
-                <a:ea typeface="DejaVu Sans"/>
-                <a:cs typeface="Times New Roman" panose="02020603050405020304" pitchFamily="18" charset="0"/>
-              </a:rPr>
-              <a:t>Прототипы интерфейсов</a:t>
-            </a:r>
-            <a:endParaRPr lang="ru-RU" sz="4200" dirty="0">
-              <a:solidFill>
-                <a:schemeClr val="tx1"/>
-              </a:solidFill>
-              <a:latin typeface="Times New Roman" panose="02020603050405020304" pitchFamily="18" charset="0"/>
-              <a:cs typeface="Times New Roman" panose="02020603050405020304" pitchFamily="18" charset="0"/>
-            </a:endParaRPr>
-          </a:p>
-        </p:txBody>
-      </p:sp>
-      <p:sp>
-        <p:nvSpPr>
-          <p:cNvPr id="3" name="Объект 2">
-            <a:extLst>
-              <a:ext uri="{FF2B5EF4-FFF2-40B4-BE49-F238E27FC236}">
-                <a16:creationId xmlns:a16="http://schemas.microsoft.com/office/drawing/2014/main" id="{289F0795-2645-DA34-3D5E-2F3C44412E80}"/>
-              </a:ext>
-            </a:extLst>
-          </p:cNvPr>
-          <p:cNvSpPr>
-            <a:spLocks noGrp="1"/>
-          </p:cNvSpPr>
-          <p:nvPr>
-            <p:ph idx="1"/>
-          </p:nvPr>
-        </p:nvSpPr>
-        <p:spPr>
-          <a:xfrm>
-            <a:off x="1104293" y="1331259"/>
-            <a:ext cx="8946541" cy="4195481"/>
-          </a:xfrm>
-        </p:spPr>
-        <p:txBody>
-          <a:bodyPr>
-            <a:normAutofit/>
-          </a:bodyPr>
-          <a:lstStyle/>
-          <a:p>
-            <a:pPr marL="0" indent="0" algn="just">
-              <a:lnSpc>
-                <a:spcPct val="150000"/>
-              </a:lnSpc>
-              <a:buNone/>
-            </a:pPr>
-            <a:r>
-              <a:rPr lang="ru-RU" dirty="0">
-                <a:latin typeface="Times New Roman" panose="02020603050405020304" pitchFamily="18" charset="0"/>
-                <a:cs typeface="Times New Roman" panose="02020603050405020304" pitchFamily="18" charset="0"/>
-              </a:rPr>
-              <a:t>	</a:t>
-            </a:r>
-            <a:endParaRPr lang="ru-RU" b="0" strike="noStrike" spc="-1" dirty="0">
-              <a:solidFill>
-                <a:srgbClr val="000000"/>
-              </a:solidFill>
-              <a:latin typeface="Times New Roman" panose="02020603050405020304" pitchFamily="18" charset="0"/>
-              <a:cs typeface="Times New Roman" panose="02020603050405020304" pitchFamily="18" charset="0"/>
-            </a:endParaRPr>
-          </a:p>
-        </p:txBody>
-      </p:sp>
-      <p:pic>
-        <p:nvPicPr>
-          <p:cNvPr id="4" name="Рисунок 3">
-            <a:extLst>
-              <a:ext uri="{FF2B5EF4-FFF2-40B4-BE49-F238E27FC236}">
-                <a16:creationId xmlns:a16="http://schemas.microsoft.com/office/drawing/2014/main" id="{5733723D-5019-E252-D605-6175B0BE26F6}"/>
-              </a:ext>
-            </a:extLst>
-          </p:cNvPr>
-          <p:cNvPicPr>
-            <a:picLocks noChangeAspect="1"/>
-          </p:cNvPicPr>
-          <p:nvPr/>
-        </p:nvPicPr>
-        <p:blipFill>
-          <a:blip r:embed="rId2"/>
-          <a:stretch>
-            <a:fillRect/>
-          </a:stretch>
-        </p:blipFill>
-        <p:spPr>
-          <a:xfrm>
-            <a:off x="0" y="1152983"/>
-            <a:ext cx="12192000" cy="5705017"/>
-          </a:xfrm>
-          <a:prstGeom prst="rect">
-            <a:avLst/>
-          </a:prstGeom>
-          <a:ln>
-            <a:solidFill>
-              <a:schemeClr val="tx1"/>
-            </a:solidFill>
-          </a:ln>
-        </p:spPr>
-      </p:pic>
-    </p:spTree>
-    <p:extLst>
-      <p:ext uri="{BB962C8B-B14F-4D97-AF65-F5344CB8AC3E}">
-        <p14:creationId xmlns:p14="http://schemas.microsoft.com/office/powerpoint/2010/main" val="311423206"/>
-      </p:ext>
-    </p:extLst>
-  </p:cSld>
-  <p:clrMapOvr>
-    <a:masterClrMapping/>
-  </p:clrMapOvr>
-  <mc:AlternateContent xmlns:mc="http://schemas.openxmlformats.org/markup-compatibility/2006" xmlns:p14="http://schemas.microsoft.com/office/powerpoint/2010/main">
-    <mc:Choice Requires="p14">
-      <p:transition spd="med" p14:dur="700">
-        <p:fade/>
-      </p:transition>
-    </mc:Choice>
-    <mc:Fallback xmlns="">
-      <p:transition spd="med">
-        <p:fade/>
-      </p:transition>
-    </mc:Fallback>
-  </mc:AlternateContent>
-</p:sld>
-</file>
-
-<file path=ppt/slides/slide18.xml><?xml version="1.0" encoding="utf-8"?>
-<p:sld xmlns:a="http://schemas.openxmlformats.org/drawingml/2006/main" xmlns:r="http://schemas.openxmlformats.org/officeDocument/2006/relationships" xmlns:p="http://schemas.openxmlformats.org/presentationml/2006/main">
-  <p:cSld>
-    <p:spTree>
-      <p:nvGrpSpPr>
-        <p:cNvPr id="1" name=""/>
-        <p:cNvGrpSpPr/>
-        <p:nvPr/>
-      </p:nvGrpSpPr>
-      <p:grpSpPr>
-        <a:xfrm>
-          <a:off x="0" y="0"/>
-          <a:ext cx="0" cy="0"/>
-          <a:chOff x="0" y="0"/>
-          <a:chExt cx="0" cy="0"/>
-        </a:xfrm>
-      </p:grpSpPr>
-      <p:sp>
-        <p:nvSpPr>
-          <p:cNvPr id="2" name="Заголовок 1">
-            <a:extLst>
-              <a:ext uri="{FF2B5EF4-FFF2-40B4-BE49-F238E27FC236}">
                 <a16:creationId xmlns:a16="http://schemas.microsoft.com/office/drawing/2014/main" id="{131AF62D-63AD-D33F-E646-0AF822E31EE6}"/>
               </a:ext>
             </a:extLst>
@@ -8465,639 +9298,6 @@
     <p:extLst>
       <p:ext uri="{BB962C8B-B14F-4D97-AF65-F5344CB8AC3E}">
         <p14:creationId xmlns:p14="http://schemas.microsoft.com/office/powerpoint/2010/main" val="1581003504"/>
-      </p:ext>
-    </p:extLst>
-  </p:cSld>
-  <p:clrMapOvr>
-    <a:masterClrMapping/>
-  </p:clrMapOvr>
-  <mc:AlternateContent xmlns:mc="http://schemas.openxmlformats.org/markup-compatibility/2006" xmlns:p14="http://schemas.microsoft.com/office/powerpoint/2010/main">
-    <mc:Choice Requires="p14">
-      <p:transition spd="med" p14:dur="700">
-        <p:fade/>
-      </p:transition>
-    </mc:Choice>
-    <mc:Fallback xmlns="">
-      <p:transition spd="med">
-        <p:fade/>
-      </p:transition>
-    </mc:Fallback>
-  </mc:AlternateContent>
-</p:sld>
-</file>
-
-<file path=ppt/slides/slide19.xml><?xml version="1.0" encoding="utf-8"?>
-<p:sld xmlns:a="http://schemas.openxmlformats.org/drawingml/2006/main" xmlns:r="http://schemas.openxmlformats.org/officeDocument/2006/relationships" xmlns:p="http://schemas.openxmlformats.org/presentationml/2006/main">
-  <p:cSld>
-    <p:spTree>
-      <p:nvGrpSpPr>
-        <p:cNvPr id="1" name=""/>
-        <p:cNvGrpSpPr/>
-        <p:nvPr/>
-      </p:nvGrpSpPr>
-      <p:grpSpPr>
-        <a:xfrm>
-          <a:off x="0" y="0"/>
-          <a:ext cx="0" cy="0"/>
-          <a:chOff x="0" y="0"/>
-          <a:chExt cx="0" cy="0"/>
-        </a:xfrm>
-      </p:grpSpPr>
-      <p:sp>
-        <p:nvSpPr>
-          <p:cNvPr id="2" name="Заголовок 1">
-            <a:extLst>
-              <a:ext uri="{FF2B5EF4-FFF2-40B4-BE49-F238E27FC236}">
-                <a16:creationId xmlns:a16="http://schemas.microsoft.com/office/drawing/2014/main" id="{63264DB7-F091-EE41-9BEF-BF6549F4C291}"/>
-              </a:ext>
-            </a:extLst>
-          </p:cNvPr>
-          <p:cNvSpPr>
-            <a:spLocks noGrp="1"/>
-          </p:cNvSpPr>
-          <p:nvPr>
-            <p:ph type="title"/>
-          </p:nvPr>
-        </p:nvSpPr>
-        <p:spPr/>
-        <p:txBody>
-          <a:bodyPr/>
-          <a:lstStyle/>
-          <a:p>
-            <a:pPr algn="ctr"/>
-            <a:r>
-              <a:rPr lang="ru-RU" dirty="0">
-                <a:latin typeface="Times New Roman" panose="02020603050405020304" pitchFamily="18" charset="0"/>
-                <a:cs typeface="Times New Roman" panose="02020603050405020304" pitchFamily="18" charset="0"/>
-              </a:rPr>
-              <a:t>Список использованной литературы</a:t>
-            </a:r>
-          </a:p>
-        </p:txBody>
-      </p:sp>
-      <p:sp>
-        <p:nvSpPr>
-          <p:cNvPr id="3" name="Объект 2">
-            <a:extLst>
-              <a:ext uri="{FF2B5EF4-FFF2-40B4-BE49-F238E27FC236}">
-                <a16:creationId xmlns:a16="http://schemas.microsoft.com/office/drawing/2014/main" id="{4A43E48C-5D97-7D29-5B11-FBFC370D7C76}"/>
-              </a:ext>
-            </a:extLst>
-          </p:cNvPr>
-          <p:cNvSpPr>
-            <a:spLocks noGrp="1"/>
-          </p:cNvSpPr>
-          <p:nvPr>
-            <p:ph idx="1"/>
-          </p:nvPr>
-        </p:nvSpPr>
-        <p:spPr>
-          <a:xfrm>
-            <a:off x="1104293" y="1331259"/>
-            <a:ext cx="9548467" cy="4195481"/>
-          </a:xfrm>
-        </p:spPr>
-        <p:txBody>
-          <a:bodyPr>
-            <a:noAutofit/>
-          </a:bodyPr>
-          <a:lstStyle/>
-          <a:p>
-            <a:pPr marL="457200" indent="-457200" algn="just">
-              <a:lnSpc>
-                <a:spcPct val="150000"/>
-              </a:lnSpc>
-              <a:spcBef>
-                <a:spcPts val="0"/>
-              </a:spcBef>
-              <a:buFont typeface="+mj-lt"/>
-              <a:buAutoNum type="arabicPeriod"/>
-            </a:pPr>
-            <a:r>
-              <a:rPr lang="ru-RU" dirty="0">
-                <a:latin typeface="Times New Roman" panose="02020603050405020304" pitchFamily="18" charset="0"/>
-                <a:cs typeface="Times New Roman" panose="02020603050405020304" pitchFamily="18" charset="0"/>
-              </a:rPr>
-              <a:t>Левитин А. В. Алгоритмы. Введение в разработку и анализ — 2006. </a:t>
-            </a:r>
-          </a:p>
-          <a:p>
-            <a:pPr marL="457200" indent="-457200" algn="just">
-              <a:lnSpc>
-                <a:spcPct val="150000"/>
-              </a:lnSpc>
-              <a:spcBef>
-                <a:spcPts val="0"/>
-              </a:spcBef>
-              <a:buFont typeface="+mj-lt"/>
-              <a:buAutoNum type="arabicPeriod"/>
-            </a:pPr>
-            <a:r>
-              <a:rPr lang="ru-RU" dirty="0">
-                <a:latin typeface="Times New Roman" panose="02020603050405020304" pitchFamily="18" charset="0"/>
-                <a:cs typeface="Times New Roman" panose="02020603050405020304" pitchFamily="18" charset="0"/>
-              </a:rPr>
-              <a:t>Белов С.В., Лаптев В.В., Морозов А.В., </a:t>
-            </a:r>
-            <a:r>
-              <a:rPr lang="ru-RU" dirty="0" err="1">
-                <a:latin typeface="Times New Roman" panose="02020603050405020304" pitchFamily="18" charset="0"/>
-                <a:cs typeface="Times New Roman" panose="02020603050405020304" pitchFamily="18" charset="0"/>
-              </a:rPr>
-              <a:t>Толасова</a:t>
-            </a:r>
-            <a:r>
-              <a:rPr lang="ru-RU" dirty="0">
-                <a:latin typeface="Times New Roman" panose="02020603050405020304" pitchFamily="18" charset="0"/>
-                <a:cs typeface="Times New Roman" panose="02020603050405020304" pitchFamily="18" charset="0"/>
-              </a:rPr>
-              <a:t> В.В., Мамлеева А.Р. Требования к оформлению студенческих работ. / АГТУ – Астрахань, 2019.</a:t>
-            </a:r>
-            <a:endParaRPr lang="en-US" dirty="0">
-              <a:latin typeface="Times New Roman" panose="02020603050405020304" pitchFamily="18" charset="0"/>
-              <a:cs typeface="Times New Roman" panose="02020603050405020304" pitchFamily="18" charset="0"/>
-            </a:endParaRPr>
-          </a:p>
-          <a:p>
-            <a:pPr marL="457200" indent="-457200" algn="just">
-              <a:lnSpc>
-                <a:spcPct val="150000"/>
-              </a:lnSpc>
-              <a:spcBef>
-                <a:spcPts val="0"/>
-              </a:spcBef>
-              <a:buFont typeface="+mj-lt"/>
-              <a:buAutoNum type="arabicPeriod"/>
-            </a:pPr>
-            <a:r>
-              <a:rPr lang="ru-RU" dirty="0">
-                <a:latin typeface="Times New Roman" panose="02020603050405020304" pitchFamily="18" charset="0"/>
-                <a:cs typeface="Times New Roman" panose="02020603050405020304" pitchFamily="18" charset="0"/>
-              </a:rPr>
-              <a:t>Алгоритмы и структуры данных — </a:t>
-            </a:r>
-            <a:r>
-              <a:rPr lang="ru-RU" dirty="0" err="1">
-                <a:latin typeface="Times New Roman" panose="02020603050405020304" pitchFamily="18" charset="0"/>
-                <a:cs typeface="Times New Roman" panose="02020603050405020304" pitchFamily="18" charset="0"/>
-              </a:rPr>
-              <a:t>Кормен</a:t>
-            </a:r>
-            <a:r>
-              <a:rPr lang="ru-RU" dirty="0">
-                <a:latin typeface="Times New Roman" panose="02020603050405020304" pitchFamily="18" charset="0"/>
-                <a:cs typeface="Times New Roman" panose="02020603050405020304" pitchFamily="18" charset="0"/>
-              </a:rPr>
-              <a:t> - 2022</a:t>
-            </a:r>
-          </a:p>
-          <a:p>
-            <a:pPr marL="457200" indent="-457200" algn="just">
-              <a:lnSpc>
-                <a:spcPct val="150000"/>
-              </a:lnSpc>
-              <a:spcBef>
-                <a:spcPts val="0"/>
-              </a:spcBef>
-              <a:buFont typeface="+mj-lt"/>
-              <a:buAutoNum type="arabicPeriod"/>
-            </a:pPr>
-            <a:r>
-              <a:rPr lang="ru-RU" dirty="0">
-                <a:latin typeface="Times New Roman" panose="02020603050405020304" pitchFamily="18" charset="0"/>
-                <a:cs typeface="Times New Roman" panose="02020603050405020304" pitchFamily="18" charset="0"/>
-              </a:rPr>
-              <a:t>“</a:t>
-            </a:r>
-            <a:r>
-              <a:rPr lang="ru-RU" dirty="0" err="1">
-                <a:latin typeface="Times New Roman" panose="02020603050405020304" pitchFamily="18" charset="0"/>
-                <a:cs typeface="Times New Roman" panose="02020603050405020304" pitchFamily="18" charset="0"/>
-              </a:rPr>
-              <a:t>Грокаем</a:t>
-            </a:r>
-            <a:r>
-              <a:rPr lang="ru-RU" dirty="0">
-                <a:latin typeface="Times New Roman" panose="02020603050405020304" pitchFamily="18" charset="0"/>
-                <a:cs typeface="Times New Roman" panose="02020603050405020304" pitchFamily="18" charset="0"/>
-              </a:rPr>
-              <a:t> алгоритмы. Иллюстрированное пособие для программистов и любопытствующих” - </a:t>
-            </a:r>
-            <a:r>
-              <a:rPr lang="ru-RU" dirty="0" err="1">
-                <a:latin typeface="Times New Roman" panose="02020603050405020304" pitchFamily="18" charset="0"/>
-                <a:cs typeface="Times New Roman" panose="02020603050405020304" pitchFamily="18" charset="0"/>
-              </a:rPr>
-              <a:t>Адитья</a:t>
-            </a:r>
-            <a:r>
-              <a:rPr lang="ru-RU" dirty="0">
-                <a:latin typeface="Times New Roman" panose="02020603050405020304" pitchFamily="18" charset="0"/>
-                <a:cs typeface="Times New Roman" panose="02020603050405020304" pitchFamily="18" charset="0"/>
-              </a:rPr>
-              <a:t> </a:t>
-            </a:r>
-            <a:r>
-              <a:rPr lang="ru-RU" dirty="0" err="1">
-                <a:latin typeface="Times New Roman" panose="02020603050405020304" pitchFamily="18" charset="0"/>
-                <a:cs typeface="Times New Roman" panose="02020603050405020304" pitchFamily="18" charset="0"/>
-              </a:rPr>
-              <a:t>Бхаргава</a:t>
-            </a:r>
-            <a:r>
-              <a:rPr lang="ru-RU" dirty="0">
-                <a:latin typeface="Times New Roman" panose="02020603050405020304" pitchFamily="18" charset="0"/>
-                <a:cs typeface="Times New Roman" panose="02020603050405020304" pitchFamily="18" charset="0"/>
-              </a:rPr>
-              <a:t> (2022) Издательство: </a:t>
-            </a:r>
-            <a:r>
-              <a:rPr lang="ru-RU" dirty="0" err="1">
-                <a:latin typeface="Times New Roman" panose="02020603050405020304" pitchFamily="18" charset="0"/>
-                <a:cs typeface="Times New Roman" panose="02020603050405020304" pitchFamily="18" charset="0"/>
-              </a:rPr>
-              <a:t>Литрес</a:t>
-            </a:r>
-            <a:endParaRPr lang="ru-RU" dirty="0">
-              <a:latin typeface="Times New Roman" panose="02020603050405020304" pitchFamily="18" charset="0"/>
-              <a:cs typeface="Times New Roman" panose="02020603050405020304" pitchFamily="18" charset="0"/>
-            </a:endParaRPr>
-          </a:p>
-          <a:p>
-            <a:pPr marL="457200" indent="-457200" algn="just">
-              <a:lnSpc>
-                <a:spcPct val="150000"/>
-              </a:lnSpc>
-              <a:spcBef>
-                <a:spcPts val="0"/>
-              </a:spcBef>
-              <a:buFont typeface="+mj-lt"/>
-              <a:buAutoNum type="arabicPeriod"/>
-            </a:pPr>
-            <a:r>
-              <a:rPr lang="ru-RU" dirty="0">
-                <a:latin typeface="Times New Roman" panose="02020603050405020304" pitchFamily="18" charset="0"/>
-                <a:cs typeface="Times New Roman" panose="02020603050405020304" pitchFamily="18" charset="0"/>
-              </a:rPr>
-              <a:t>“Чистый код. Создание, анализ и рефакторинг” Мартин Роберт С. Издательство: Питер (2022)</a:t>
-            </a:r>
-          </a:p>
-          <a:p>
-            <a:pPr marL="457200" indent="-457200" algn="just">
-              <a:lnSpc>
-                <a:spcPct val="150000"/>
-              </a:lnSpc>
-              <a:spcBef>
-                <a:spcPts val="0"/>
-              </a:spcBef>
-              <a:buFont typeface="+mj-lt"/>
-              <a:buAutoNum type="arabicPeriod"/>
-            </a:pPr>
-            <a:r>
-              <a:rPr lang="ru-RU" dirty="0">
-                <a:latin typeface="Times New Roman" panose="02020603050405020304" pitchFamily="18" charset="0"/>
-                <a:cs typeface="Times New Roman" panose="02020603050405020304" pitchFamily="18" charset="0"/>
-              </a:rPr>
-              <a:t>Дэвид Скляр "Изучаем PHP 7. Руководство по созданию веб-сайтов". (2017)</a:t>
-            </a:r>
-            <a:endParaRPr lang="en-US" dirty="0">
-              <a:latin typeface="Times New Roman" panose="02020603050405020304" pitchFamily="18" charset="0"/>
-              <a:cs typeface="Times New Roman" panose="02020603050405020304" pitchFamily="18" charset="0"/>
-            </a:endParaRPr>
-          </a:p>
-          <a:p>
-            <a:pPr marL="457200" indent="-457200" algn="just">
-              <a:lnSpc>
-                <a:spcPct val="150000"/>
-              </a:lnSpc>
-              <a:spcBef>
-                <a:spcPts val="0"/>
-              </a:spcBef>
-              <a:buFont typeface="+mj-lt"/>
-              <a:buAutoNum type="arabicPeriod"/>
-            </a:pPr>
-            <a:r>
-              <a:rPr lang="ru-RU" dirty="0">
-                <a:latin typeface="Times New Roman" panose="02020603050405020304" pitchFamily="18" charset="0"/>
-                <a:cs typeface="Times New Roman" panose="02020603050405020304" pitchFamily="18" charset="0"/>
-              </a:rPr>
-              <a:t>«</a:t>
-            </a:r>
-            <a:r>
-              <a:rPr lang="ru-RU" dirty="0" err="1">
-                <a:latin typeface="Times New Roman" panose="02020603050405020304" pitchFamily="18" charset="0"/>
-                <a:cs typeface="Times New Roman" panose="02020603050405020304" pitchFamily="18" charset="0"/>
-              </a:rPr>
-              <a:t>Yii</a:t>
-            </a:r>
-            <a:r>
-              <a:rPr lang="ru-RU" dirty="0">
-                <a:latin typeface="Times New Roman" panose="02020603050405020304" pitchFamily="18" charset="0"/>
-                <a:cs typeface="Times New Roman" panose="02020603050405020304" pitchFamily="18" charset="0"/>
-              </a:rPr>
-              <a:t>. Сборник рецептов» Автор: Макаров А. (2012).</a:t>
-            </a:r>
-            <a:endParaRPr lang="en-US" dirty="0">
-              <a:latin typeface="Times New Roman" panose="02020603050405020304" pitchFamily="18" charset="0"/>
-              <a:cs typeface="Times New Roman" panose="02020603050405020304" pitchFamily="18" charset="0"/>
-            </a:endParaRPr>
-          </a:p>
-          <a:p>
-            <a:pPr algn="just">
-              <a:lnSpc>
-                <a:spcPct val="150000"/>
-              </a:lnSpc>
-              <a:spcBef>
-                <a:spcPts val="0"/>
-              </a:spcBef>
-              <a:buFont typeface="Arial" panose="020B0604020202020204" pitchFamily="34" charset="0"/>
-              <a:buChar char="•"/>
-            </a:pPr>
-            <a:endParaRPr lang="ru-RU" dirty="0">
-              <a:latin typeface="Times New Roman" panose="02020603050405020304" pitchFamily="18" charset="0"/>
-              <a:cs typeface="Times New Roman" panose="02020603050405020304" pitchFamily="18" charset="0"/>
-            </a:endParaRPr>
-          </a:p>
-          <a:p>
-            <a:pPr algn="just">
-              <a:lnSpc>
-                <a:spcPct val="150000"/>
-              </a:lnSpc>
-              <a:spcBef>
-                <a:spcPts val="0"/>
-              </a:spcBef>
-              <a:buFont typeface="Arial" panose="020B0604020202020204" pitchFamily="34" charset="0"/>
-              <a:buChar char="•"/>
-            </a:pPr>
-            <a:endParaRPr lang="ru-RU" dirty="0">
-              <a:latin typeface="Times New Roman" panose="02020603050405020304" pitchFamily="18" charset="0"/>
-              <a:cs typeface="Times New Roman" panose="02020603050405020304" pitchFamily="18" charset="0"/>
-            </a:endParaRPr>
-          </a:p>
-        </p:txBody>
-      </p:sp>
-    </p:spTree>
-    <p:extLst>
-      <p:ext uri="{BB962C8B-B14F-4D97-AF65-F5344CB8AC3E}">
-        <p14:creationId xmlns:p14="http://schemas.microsoft.com/office/powerpoint/2010/main" val="634527840"/>
-      </p:ext>
-    </p:extLst>
-  </p:cSld>
-  <p:clrMapOvr>
-    <a:masterClrMapping/>
-  </p:clrMapOvr>
-  <mc:AlternateContent xmlns:mc="http://schemas.openxmlformats.org/markup-compatibility/2006" xmlns:p14="http://schemas.microsoft.com/office/powerpoint/2010/main">
-    <mc:Choice Requires="p14">
-      <p:transition spd="med" p14:dur="700">
-        <p:fade/>
-      </p:transition>
-    </mc:Choice>
-    <mc:Fallback xmlns="">
-      <p:transition spd="med">
-        <p:fade/>
-      </p:transition>
-    </mc:Fallback>
-  </mc:AlternateContent>
-</p:sld>
-</file>
-
-<file path=ppt/slides/slide2.xml><?xml version="1.0" encoding="utf-8"?>
-<p:sld xmlns:a="http://schemas.openxmlformats.org/drawingml/2006/main" xmlns:r="http://schemas.openxmlformats.org/officeDocument/2006/relationships" xmlns:p="http://schemas.openxmlformats.org/presentationml/2006/main">
-  <p:cSld>
-    <p:spTree>
-      <p:nvGrpSpPr>
-        <p:cNvPr id="1" name=""/>
-        <p:cNvGrpSpPr/>
-        <p:nvPr/>
-      </p:nvGrpSpPr>
-      <p:grpSpPr>
-        <a:xfrm>
-          <a:off x="0" y="0"/>
-          <a:ext cx="0" cy="0"/>
-          <a:chOff x="0" y="0"/>
-          <a:chExt cx="0" cy="0"/>
-        </a:xfrm>
-      </p:grpSpPr>
-      <p:sp>
-        <p:nvSpPr>
-          <p:cNvPr id="2" name="Заголовок 1">
-            <a:extLst>
-              <a:ext uri="{FF2B5EF4-FFF2-40B4-BE49-F238E27FC236}">
-                <a16:creationId xmlns:a16="http://schemas.microsoft.com/office/drawing/2014/main" id="{A6C44B47-A033-6506-472B-905E7EA1EF2E}"/>
-              </a:ext>
-            </a:extLst>
-          </p:cNvPr>
-          <p:cNvSpPr>
-            <a:spLocks noGrp="1"/>
-          </p:cNvSpPr>
-          <p:nvPr>
-            <p:ph type="title"/>
-          </p:nvPr>
-        </p:nvSpPr>
-        <p:spPr/>
-        <p:txBody>
-          <a:bodyPr/>
-          <a:lstStyle/>
-          <a:p>
-            <a:pPr algn="ctr"/>
-            <a:r>
-              <a:rPr lang="ru-RU" dirty="0">
-                <a:latin typeface="Times New Roman" panose="02020603050405020304" pitchFamily="18" charset="0"/>
-                <a:cs typeface="Times New Roman" panose="02020603050405020304" pitchFamily="18" charset="0"/>
-              </a:rPr>
-              <a:t>Введение</a:t>
-            </a:r>
-          </a:p>
-        </p:txBody>
-      </p:sp>
-      <p:sp>
-        <p:nvSpPr>
-          <p:cNvPr id="3" name="Объект 2">
-            <a:extLst>
-              <a:ext uri="{FF2B5EF4-FFF2-40B4-BE49-F238E27FC236}">
-                <a16:creationId xmlns:a16="http://schemas.microsoft.com/office/drawing/2014/main" id="{1D62BBA5-83D1-D73C-3724-A136E4A00E96}"/>
-              </a:ext>
-            </a:extLst>
-          </p:cNvPr>
-          <p:cNvSpPr>
-            <a:spLocks noGrp="1"/>
-          </p:cNvSpPr>
-          <p:nvPr>
-            <p:ph idx="1"/>
-          </p:nvPr>
-        </p:nvSpPr>
-        <p:spPr>
-          <a:xfrm>
-            <a:off x="1104293" y="1377669"/>
-            <a:ext cx="8946541" cy="4869090"/>
-          </a:xfrm>
-        </p:spPr>
-        <p:txBody>
-          <a:bodyPr/>
-          <a:lstStyle/>
-          <a:p>
-            <a:pPr indent="0" algn="just" defTabSz="914400">
-              <a:lnSpc>
-                <a:spcPct val="150000"/>
-              </a:lnSpc>
-              <a:spcBef>
-                <a:spcPts val="1417"/>
-              </a:spcBef>
-              <a:buNone/>
-            </a:pPr>
-            <a:r>
-              <a:rPr lang="en-US" sz="2000" b="0" strike="noStrike" spc="-1" dirty="0">
-                <a:latin typeface="Times New Roman"/>
-                <a:ea typeface="DejaVu Sans"/>
-              </a:rPr>
-              <a:t>	</a:t>
-            </a:r>
-            <a:r>
-              <a:rPr lang="ru-RU" sz="2000" b="0" strike="noStrike" spc="-1" dirty="0">
-                <a:latin typeface="Times New Roman"/>
-                <a:ea typeface="DejaVu Sans"/>
-              </a:rPr>
-              <a:t>«Региональный школьный технопарк» – это динамичное место, где активно развивается техническое и инженерное образование для школьников. Благодаря разнообразию образовательных программ и технических возможностей новых технологий, сотрудникам технопарка необходимо обладать эффективными инструментами для управления программами и ресурсами.</a:t>
-            </a:r>
-            <a:endParaRPr lang="ru-RU" sz="2000" b="0" strike="noStrike" spc="-1" dirty="0">
-              <a:latin typeface="Times New Roman"/>
-            </a:endParaRPr>
-          </a:p>
-          <a:p>
-            <a:pPr indent="0" algn="just" defTabSz="914400">
-              <a:lnSpc>
-                <a:spcPct val="100000"/>
-              </a:lnSpc>
-              <a:spcBef>
-                <a:spcPts val="1417"/>
-              </a:spcBef>
-              <a:buNone/>
-              <a:tabLst>
-                <a:tab pos="0" algn="l"/>
-              </a:tabLst>
-            </a:pPr>
-            <a:endParaRPr lang="ru-RU" sz="2000" b="0" strike="noStrike" spc="-1" dirty="0">
-              <a:latin typeface="Times New Roman"/>
-            </a:endParaRPr>
-          </a:p>
-          <a:p>
-            <a:pPr algn="just"/>
-            <a:endParaRPr lang="ru-RU" dirty="0"/>
-          </a:p>
-        </p:txBody>
-      </p:sp>
-      <p:pic>
-        <p:nvPicPr>
-          <p:cNvPr id="4" name="Рисунок 3">
-            <a:extLst>
-              <a:ext uri="{FF2B5EF4-FFF2-40B4-BE49-F238E27FC236}">
-                <a16:creationId xmlns:a16="http://schemas.microsoft.com/office/drawing/2014/main" id="{03D9A3D8-D475-7449-0080-C89CD1F451D1}"/>
-              </a:ext>
-            </a:extLst>
-          </p:cNvPr>
-          <p:cNvPicPr/>
-          <p:nvPr/>
-        </p:nvPicPr>
-        <p:blipFill>
-          <a:blip r:embed="rId2"/>
-          <a:stretch/>
-        </p:blipFill>
-        <p:spPr>
-          <a:xfrm rot="21596400">
-            <a:off x="3499202" y="4964187"/>
-            <a:ext cx="4154760" cy="1438920"/>
-          </a:xfrm>
-          <a:prstGeom prst="rect">
-            <a:avLst/>
-          </a:prstGeom>
-          <a:ln w="0">
-            <a:noFill/>
-          </a:ln>
-        </p:spPr>
-      </p:pic>
-    </p:spTree>
-    <p:extLst>
-      <p:ext uri="{BB962C8B-B14F-4D97-AF65-F5344CB8AC3E}">
-        <p14:creationId xmlns:p14="http://schemas.microsoft.com/office/powerpoint/2010/main" val="3308579488"/>
-      </p:ext>
-    </p:extLst>
-  </p:cSld>
-  <p:clrMapOvr>
-    <a:masterClrMapping/>
-  </p:clrMapOvr>
-  <mc:AlternateContent xmlns:mc="http://schemas.openxmlformats.org/markup-compatibility/2006" xmlns:p14="http://schemas.microsoft.com/office/powerpoint/2010/main">
-    <mc:Choice Requires="p14">
-      <p:transition spd="med" p14:dur="700">
-        <p:fade/>
-      </p:transition>
-    </mc:Choice>
-    <mc:Fallback xmlns="">
-      <p:transition spd="med">
-        <p:fade/>
-      </p:transition>
-    </mc:Fallback>
-  </mc:AlternateContent>
-</p:sld>
-</file>
-
-<file path=ppt/slides/slide20.xml><?xml version="1.0" encoding="utf-8"?>
-<p:sld xmlns:a="http://schemas.openxmlformats.org/drawingml/2006/main" xmlns:r="http://schemas.openxmlformats.org/officeDocument/2006/relationships" xmlns:p="http://schemas.openxmlformats.org/presentationml/2006/main">
-  <p:cSld>
-    <p:spTree>
-      <p:nvGrpSpPr>
-        <p:cNvPr id="1" name=""/>
-        <p:cNvGrpSpPr/>
-        <p:nvPr/>
-      </p:nvGrpSpPr>
-      <p:grpSpPr>
-        <a:xfrm>
-          <a:off x="0" y="0"/>
-          <a:ext cx="0" cy="0"/>
-          <a:chOff x="0" y="0"/>
-          <a:chExt cx="0" cy="0"/>
-        </a:xfrm>
-      </p:grpSpPr>
-      <p:sp>
-        <p:nvSpPr>
-          <p:cNvPr id="2" name="Заголовок 1">
-            <a:extLst>
-              <a:ext uri="{FF2B5EF4-FFF2-40B4-BE49-F238E27FC236}">
-                <a16:creationId xmlns:a16="http://schemas.microsoft.com/office/drawing/2014/main" id="{D2E7D94F-D533-2196-84C1-24D4245AF6F2}"/>
-              </a:ext>
-            </a:extLst>
-          </p:cNvPr>
-          <p:cNvSpPr>
-            <a:spLocks noGrp="1"/>
-          </p:cNvSpPr>
-          <p:nvPr>
-            <p:ph type="title"/>
-          </p:nvPr>
-        </p:nvSpPr>
-        <p:spPr>
-          <a:xfrm>
-            <a:off x="1393638" y="2728735"/>
-            <a:ext cx="9404723" cy="1400530"/>
-          </a:xfrm>
-        </p:spPr>
-        <p:txBody>
-          <a:bodyPr/>
-          <a:lstStyle/>
-          <a:p>
-            <a:pPr algn="ctr"/>
-            <a:r>
-              <a:rPr lang="ru-RU" dirty="0">
-                <a:latin typeface="Times New Roman" panose="02020603050405020304" pitchFamily="18" charset="0"/>
-                <a:cs typeface="Times New Roman" panose="02020603050405020304" pitchFamily="18" charset="0"/>
-              </a:rPr>
-              <a:t>Спасибо за внимание!</a:t>
-            </a:r>
-          </a:p>
-        </p:txBody>
-      </p:sp>
-    </p:spTree>
-    <p:extLst>
-      <p:ext uri="{BB962C8B-B14F-4D97-AF65-F5344CB8AC3E}">
-        <p14:creationId xmlns:p14="http://schemas.microsoft.com/office/powerpoint/2010/main" val="1172349171"/>
       </p:ext>
     </p:extLst>
   </p:cSld>
@@ -9141,7 +9341,7 @@
           <p:cNvPr id="2" name="Заголовок 1">
             <a:extLst>
               <a:ext uri="{FF2B5EF4-FFF2-40B4-BE49-F238E27FC236}">
-                <a16:creationId xmlns:a16="http://schemas.microsoft.com/office/drawing/2014/main" id="{F818DBC9-2575-5FA0-3F31-F6EBE5D0687B}"/>
+                <a16:creationId xmlns:a16="http://schemas.microsoft.com/office/drawing/2014/main" id="{22FB9647-9F99-F75A-9230-D16B2E51306D}"/>
               </a:ext>
             </a:extLst>
           </p:cNvPr>
@@ -9163,8 +9363,9 @@
                 <a:latin typeface="Times New Roman" panose="02020603050405020304" pitchFamily="18" charset="0"/>
                 <a:cs typeface="Times New Roman" panose="02020603050405020304" pitchFamily="18" charset="0"/>
               </a:rPr>
-              <a:t>Проблема</a:t>
-            </a:r>
+              <a:t>«Региональный школьный технопарк»</a:t>
+            </a:r>
+            <a:endParaRPr lang="ru-RU" dirty="0"/>
           </a:p>
         </p:txBody>
       </p:sp>
@@ -9173,7 +9374,7 @@
           <p:cNvPr id="3" name="Объект 2">
             <a:extLst>
               <a:ext uri="{FF2B5EF4-FFF2-40B4-BE49-F238E27FC236}">
-                <a16:creationId xmlns:a16="http://schemas.microsoft.com/office/drawing/2014/main" id="{C6802F76-C7A4-D26B-1327-AE889C9A5AD1}"/>
+                <a16:creationId xmlns:a16="http://schemas.microsoft.com/office/drawing/2014/main" id="{5BDD0331-CE19-D3C7-C891-44E3E6356D37}"/>
               </a:ext>
             </a:extLst>
           </p:cNvPr>
@@ -9184,139 +9385,87 @@
             <p:ph idx="1"/>
           </p:nvPr>
         </p:nvSpPr>
-        <p:spPr>
-          <a:xfrm>
-            <a:off x="1104293" y="1331259"/>
-            <a:ext cx="8946541" cy="5170125"/>
-          </a:xfrm>
-        </p:spPr>
-        <p:txBody>
-          <a:bodyPr>
-            <a:noAutofit/>
-          </a:bodyPr>
+        <p:spPr/>
+        <p:txBody>
+          <a:bodyPr/>
           <a:lstStyle/>
           <a:p>
-            <a:pPr indent="0" algn="just">
+            <a:pPr marL="0" indent="0" algn="just">
               <a:lnSpc>
                 <a:spcPct val="150000"/>
               </a:lnSpc>
+              <a:spcBef>
+                <a:spcPts val="0"/>
+              </a:spcBef>
               <a:buNone/>
             </a:pPr>
             <a:r>
-              <a:rPr lang="en-US" kern="100" dirty="0">
-                <a:effectLst/>
-                <a:latin typeface="Times New Roman" panose="02020603050405020304" pitchFamily="18" charset="0"/>
-                <a:ea typeface="NSimSun" panose="02010609030101010101" pitchFamily="49" charset="-122"/>
-                <a:cs typeface="Times New Roman" panose="02020603050405020304" pitchFamily="18" charset="0"/>
+              <a:rPr lang="ru-RU" sz="2000" b="0" strike="noStrike" spc="-1" dirty="0">
+                <a:latin typeface="Times New Roman"/>
               </a:rPr>
-              <a:t>		</a:t>
-            </a:r>
-            <a:r>
-              <a:rPr lang="ru-RU" kern="100" dirty="0">
-                <a:effectLst/>
-                <a:latin typeface="Times New Roman" panose="02020603050405020304" pitchFamily="18" charset="0"/>
-                <a:ea typeface="NSimSun" panose="02010609030101010101" pitchFamily="49" charset="-122"/>
-                <a:cs typeface="Times New Roman" panose="02020603050405020304" pitchFamily="18" charset="0"/>
-              </a:rPr>
-              <a:t>«Региональный школьный технопарк» в рамках образовательного процесса в течение учебного года проводит приёмные кампании и летние смены для школьников. Это приводит к созданию огромного объёма данных, которые необходимо хранить и обрабатывать. Так со второй половины 2018 года по настоящий момент в «РШТ»:</a:t>
-            </a:r>
-          </a:p>
-          <a:p>
-            <a:pPr lvl="1" indent="-342900" algn="just">
+              <a:t>	Миссия РШТ заключается в создании условий для погружения детей в мир инженерных профессий и развития их творческого потенциала.</a:t>
+            </a:r>
+          </a:p>
+          <a:p>
+            <a:pPr marL="0" indent="0" algn="just">
               <a:lnSpc>
                 <a:spcPct val="150000"/>
               </a:lnSpc>
-              <a:buFont typeface="Symbol" panose="05050102010706020507" pitchFamily="18" charset="2"/>
-              <a:buChar char=""/>
-              <a:tabLst>
-                <a:tab pos="178435" algn="l"/>
-              </a:tabLst>
+              <a:spcBef>
+                <a:spcPts val="0"/>
+              </a:spcBef>
+              <a:buNone/>
             </a:pPr>
             <a:r>
-              <a:rPr lang="ru-RU" sz="2000" kern="100" dirty="0">
-                <a:effectLst/>
+              <a:rPr lang="en-US" dirty="0">
                 <a:latin typeface="Times New Roman" panose="02020603050405020304" pitchFamily="18" charset="0"/>
-                <a:ea typeface="NSimSun" panose="02010609030101010101" pitchFamily="49" charset="-122"/>
                 <a:cs typeface="Times New Roman" panose="02020603050405020304" pitchFamily="18" charset="0"/>
               </a:rPr>
-              <a:t>было подано более 10000 заявок;</a:t>
-            </a:r>
-          </a:p>
-          <a:p>
-            <a:pPr lvl="1" indent="-342900" algn="just">
-              <a:lnSpc>
-                <a:spcPct val="150000"/>
-              </a:lnSpc>
-              <a:buFont typeface="Symbol" panose="05050102010706020507" pitchFamily="18" charset="2"/>
-              <a:buChar char=""/>
-              <a:tabLst>
-                <a:tab pos="178435" algn="l"/>
-              </a:tabLst>
-            </a:pPr>
-            <a:r>
-              <a:rPr lang="ru-RU" sz="2000" kern="100" dirty="0">
-                <a:effectLst/>
+              <a:t>	</a:t>
+            </a:r>
+            <a:r>
+              <a:rPr lang="ru-RU" dirty="0">
                 <a:latin typeface="Times New Roman" panose="02020603050405020304" pitchFamily="18" charset="0"/>
-                <a:ea typeface="NSimSun" panose="02010609030101010101" pitchFamily="49" charset="-122"/>
                 <a:cs typeface="Times New Roman" panose="02020603050405020304" pitchFamily="18" charset="0"/>
               </a:rPr>
-              <a:t>прошли обучение более 8000 учеников;</a:t>
-            </a:r>
-          </a:p>
-          <a:p>
-            <a:pPr lvl="1" indent="-342900" algn="just">
-              <a:lnSpc>
-                <a:spcPct val="150000"/>
-              </a:lnSpc>
-              <a:buFont typeface="Symbol" panose="05050102010706020507" pitchFamily="18" charset="2"/>
-              <a:buChar char=""/>
-              <a:tabLst>
-                <a:tab pos="178435" algn="l"/>
-              </a:tabLst>
-            </a:pPr>
-            <a:r>
-              <a:rPr lang="ru-RU" sz="2000" kern="100" dirty="0">
-                <a:effectLst/>
-                <a:latin typeface="Times New Roman" panose="02020603050405020304" pitchFamily="18" charset="0"/>
-                <a:ea typeface="NSimSun" panose="02010609030101010101" pitchFamily="49" charset="-122"/>
-                <a:cs typeface="Times New Roman" panose="02020603050405020304" pitchFamily="18" charset="0"/>
-              </a:rPr>
-              <a:t>обучающиеся были представлены на 435 мероприятиях по всей России;</a:t>
-            </a:r>
-          </a:p>
-          <a:p>
-            <a:pPr lvl="1" indent="-342900" algn="just">
-              <a:lnSpc>
-                <a:spcPct val="150000"/>
-              </a:lnSpc>
-              <a:buFont typeface="Symbol" panose="05050102010706020507" pitchFamily="18" charset="2"/>
-              <a:buChar char=""/>
-              <a:tabLst>
-                <a:tab pos="178435" algn="l"/>
-              </a:tabLst>
-            </a:pPr>
-            <a:r>
-              <a:rPr lang="ru-RU" sz="2000" kern="100" dirty="0">
-                <a:effectLst/>
-                <a:latin typeface="Times New Roman" panose="02020603050405020304" pitchFamily="18" charset="0"/>
-                <a:ea typeface="NSimSun" panose="02010609030101010101" pitchFamily="49" charset="-122"/>
-                <a:cs typeface="Times New Roman" panose="02020603050405020304" pitchFamily="18" charset="0"/>
-              </a:rPr>
-              <a:t>был получен 3861 сертификат. </a:t>
-            </a:r>
-          </a:p>
-          <a:p>
-            <a:endParaRPr lang="ru-RU" dirty="0">
-              <a:latin typeface="Times New Roman" panose="02020603050405020304" pitchFamily="18" charset="0"/>
-              <a:cs typeface="Times New Roman" panose="02020603050405020304" pitchFamily="18" charset="0"/>
-            </a:endParaRPr>
-          </a:p>
-        </p:txBody>
-      </p:sp>
+              <a:t>Стратегия организации основана на применении проектного подхода, который позволяет детям осваивать специальности через практическую работу над реальными задачами.</a:t>
+            </a:r>
+          </a:p>
+        </p:txBody>
+      </p:sp>
+      <p:pic>
+        <p:nvPicPr>
+          <p:cNvPr id="4" name="Рисунок 3">
+            <a:extLst>
+              <a:ext uri="{FF2B5EF4-FFF2-40B4-BE49-F238E27FC236}">
+                <a16:creationId xmlns:a16="http://schemas.microsoft.com/office/drawing/2014/main" id="{D40AA0CA-19D3-F391-F3CF-457F4DD41B58}"/>
+              </a:ext>
+            </a:extLst>
+          </p:cNvPr>
+          <p:cNvPicPr/>
+          <p:nvPr/>
+        </p:nvPicPr>
+        <p:blipFill>
+          <a:blip r:embed="rId2"/>
+          <a:stretch/>
+        </p:blipFill>
+        <p:spPr>
+          <a:xfrm rot="21596400">
+            <a:off x="4276442" y="5236359"/>
+            <a:ext cx="4154760" cy="1438920"/>
+          </a:xfrm>
+          <a:prstGeom prst="rect">
+            <a:avLst/>
+          </a:prstGeom>
+          <a:ln w="0">
+            <a:noFill/>
+          </a:ln>
+        </p:spPr>
+      </p:pic>
     </p:spTree>
     <p:extLst>
       <p:ext uri="{BB962C8B-B14F-4D97-AF65-F5344CB8AC3E}">
-        <p14:creationId xmlns:p14="http://schemas.microsoft.com/office/powerpoint/2010/main" val="3361260886"/>
+        <p14:creationId xmlns:p14="http://schemas.microsoft.com/office/powerpoint/2010/main" val="1232079427"/>
       </p:ext>
     </p:extLst>
   </p:cSld>
@@ -9405,8 +9554,8 @@
         </p:nvSpPr>
         <p:spPr>
           <a:xfrm>
-            <a:off x="1096727" y="1331259"/>
-            <a:ext cx="8946541" cy="4195481"/>
+            <a:off x="1104293" y="1463040"/>
+            <a:ext cx="8946541" cy="4860068"/>
           </a:xfrm>
         </p:spPr>
         <p:txBody>
@@ -9421,6 +9570,15 @@
               </a:lnSpc>
               <a:buNone/>
             </a:pPr>
+            <a:r>
+              <a:rPr lang="en-US" kern="100" dirty="0">
+                <a:effectLst/>
+                <a:latin typeface="Times New Roman" panose="02020603050405020304" pitchFamily="18" charset="0"/>
+                <a:ea typeface="NSimSun" panose="02010609030101010101" pitchFamily="49" charset="-122"/>
+                <a:cs typeface="Times New Roman" panose="02020603050405020304" pitchFamily="18" charset="0"/>
+              </a:rPr>
+              <a:t>		</a:t>
+            </a:r>
             <a:r>
               <a:rPr lang="ru-RU" kern="100" dirty="0">
                 <a:effectLst/>
@@ -9428,39 +9586,8 @@
                 <a:ea typeface="NSimSun" panose="02010609030101010101" pitchFamily="49" charset="-122"/>
                 <a:cs typeface="Times New Roman" panose="02020603050405020304" pitchFamily="18" charset="0"/>
               </a:rPr>
-              <a:t>За </a:t>
-            </a:r>
-            <a:r>
-              <a:rPr lang="ru-RU" kern="100" dirty="0">
-                <a:latin typeface="Times New Roman" panose="02020603050405020304" pitchFamily="18" charset="0"/>
-                <a:ea typeface="NSimSun" panose="02010609030101010101" pitchFamily="49" charset="-122"/>
-                <a:cs typeface="Times New Roman" panose="02020603050405020304" pitchFamily="18" charset="0"/>
-              </a:rPr>
-              <a:t>период времени с 2018 по 2024</a:t>
-            </a:r>
-            <a:r>
-              <a:rPr lang="ru-RU" kern="100" dirty="0">
-                <a:effectLst/>
-                <a:latin typeface="Times New Roman" panose="02020603050405020304" pitchFamily="18" charset="0"/>
-                <a:ea typeface="NSimSun" panose="02010609030101010101" pitchFamily="49" charset="-122"/>
-                <a:cs typeface="Times New Roman" panose="02020603050405020304" pitchFamily="18" charset="0"/>
-              </a:rPr>
-              <a:t> год были образованы</a:t>
-            </a:r>
-            <a:r>
-              <a:rPr lang="en-US" kern="100" dirty="0">
-                <a:latin typeface="Times New Roman" panose="02020603050405020304" pitchFamily="18" charset="0"/>
-                <a:ea typeface="NSimSun" panose="02010609030101010101" pitchFamily="49" charset="-122"/>
-                <a:cs typeface="Times New Roman" panose="02020603050405020304" pitchFamily="18" charset="0"/>
-              </a:rPr>
-              <a:t>:</a:t>
-            </a:r>
-            <a:endParaRPr lang="ru-RU" kern="100" dirty="0">
-              <a:effectLst/>
-              <a:latin typeface="Times New Roman" panose="02020603050405020304" pitchFamily="18" charset="0"/>
-              <a:ea typeface="NSimSun" panose="02010609030101010101" pitchFamily="49" charset="-122"/>
-              <a:cs typeface="Times New Roman" panose="02020603050405020304" pitchFamily="18" charset="0"/>
-            </a:endParaRPr>
+              <a:t>Со второй половины 2018 года по настоящий момент в «РШТ»:</a:t>
+            </a:r>
           </a:p>
           <a:p>
             <a:pPr lvl="1" indent="-342900" algn="just">
@@ -9470,7 +9597,7 @@
               <a:buFont typeface="Symbol" panose="05050102010706020507" pitchFamily="18" charset="2"/>
               <a:buChar char=""/>
               <a:tabLst>
-                <a:tab pos="221615" algn="l"/>
+                <a:tab pos="178435" algn="l"/>
               </a:tabLst>
             </a:pPr>
             <a:r>
@@ -9480,7 +9607,7 @@
                 <a:ea typeface="NSimSun" panose="02010609030101010101" pitchFamily="49" charset="-122"/>
                 <a:cs typeface="Times New Roman" panose="02020603050405020304" pitchFamily="18" charset="0"/>
               </a:rPr>
-              <a:t>1361 учебная группа;</a:t>
+              <a:t>было подано более 10000 заявок;</a:t>
             </a:r>
           </a:p>
           <a:p>
@@ -9491,7 +9618,7 @@
               <a:buFont typeface="Symbol" panose="05050102010706020507" pitchFamily="18" charset="2"/>
               <a:buChar char=""/>
               <a:tabLst>
-                <a:tab pos="221615" algn="l"/>
+                <a:tab pos="178435" algn="l"/>
               </a:tabLst>
             </a:pPr>
             <a:r>
@@ -9501,76 +9628,57 @@
                 <a:ea typeface="NSimSun" panose="02010609030101010101" pitchFamily="49" charset="-122"/>
                 <a:cs typeface="Times New Roman" panose="02020603050405020304" pitchFamily="18" charset="0"/>
               </a:rPr>
-              <a:t>403 конкурсная команда.</a:t>
-            </a:r>
-          </a:p>
-          <a:p>
-            <a:pPr marL="0" indent="0" algn="just">
-              <a:lnSpc>
-                <a:spcPct val="150000"/>
-              </a:lnSpc>
-              <a:spcBef>
-                <a:spcPts val="0"/>
-              </a:spcBef>
-              <a:buNone/>
-              <a:tabLst>
-                <a:tab pos="221615" algn="l"/>
-              </a:tabLst>
-            </a:pPr>
-            <a:r>
-              <a:rPr lang="ru-RU" kern="100" dirty="0">
-                <a:latin typeface="Liberation Serif" panose="02020603050405020304" pitchFamily="18" charset="0"/>
-                <a:ea typeface="NSimSun" panose="02010609030101010101" pitchFamily="49" charset="-122"/>
-                <a:cs typeface="Times New Roman" panose="02020603050405020304" pitchFamily="18" charset="0"/>
-              </a:rPr>
-              <a:t>		</a:t>
-            </a:r>
-            <a:r>
-              <a:rPr lang="ru-RU" kern="100" dirty="0">
-                <a:latin typeface="Times New Roman" panose="02020603050405020304" pitchFamily="18" charset="0"/>
-                <a:ea typeface="NSimSun" panose="02010609030101010101" pitchFamily="49" charset="-122"/>
-                <a:cs typeface="Times New Roman" panose="02020603050405020304" pitchFamily="18" charset="0"/>
-              </a:rPr>
-              <a:t>Становится очевидным, что такой объём информации невозможно обработать вручную, становится актуальной проблема планирования образовательного процесса. </a:t>
-            </a:r>
-            <a:endParaRPr lang="ru-RU" kern="100" dirty="0">
-              <a:effectLst/>
-              <a:latin typeface="Liberation Serif" panose="02020603050405020304" pitchFamily="18" charset="0"/>
-              <a:ea typeface="NSimSun" panose="02010609030101010101" pitchFamily="49" charset="-122"/>
-              <a:cs typeface="Lucida Sans" panose="020B0602030504020204" pitchFamily="34" charset="0"/>
-            </a:endParaRPr>
-          </a:p>
-          <a:p>
-            <a:pPr marL="342900" lvl="0" indent="-342900" algn="just">
+              <a:t>прошли обучение более 8000 учеников;</a:t>
+            </a:r>
+          </a:p>
+          <a:p>
+            <a:pPr lvl="1" indent="-342900" algn="just">
               <a:lnSpc>
                 <a:spcPct val="150000"/>
               </a:lnSpc>
               <a:buFont typeface="Symbol" panose="05050102010706020507" pitchFamily="18" charset="2"/>
               <a:buChar char=""/>
               <a:tabLst>
-                <a:tab pos="221615" algn="l"/>
+                <a:tab pos="178435" algn="l"/>
               </a:tabLst>
             </a:pPr>
-            <a:endParaRPr lang="ru-RU" kern="100" dirty="0">
-              <a:effectLst/>
-              <a:latin typeface="Times New Roman" panose="02020603050405020304" pitchFamily="18" charset="0"/>
-              <a:ea typeface="NSimSun" panose="02010609030101010101" pitchFamily="49" charset="-122"/>
-              <a:cs typeface="Times New Roman" panose="02020603050405020304" pitchFamily="18" charset="0"/>
-            </a:endParaRPr>
-          </a:p>
-          <a:p>
-            <a:pPr algn="just"/>
-            <a:endParaRPr lang="ru-RU" dirty="0">
-              <a:latin typeface="Times New Roman" panose="02020603050405020304" pitchFamily="18" charset="0"/>
-              <a:cs typeface="Times New Roman" panose="02020603050405020304" pitchFamily="18" charset="0"/>
-            </a:endParaRPr>
+            <a:r>
+              <a:rPr lang="ru-RU" sz="2000" kern="100" dirty="0">
+                <a:effectLst/>
+                <a:latin typeface="Times New Roman" panose="02020603050405020304" pitchFamily="18" charset="0"/>
+                <a:ea typeface="NSimSun" panose="02010609030101010101" pitchFamily="49" charset="-122"/>
+                <a:cs typeface="Times New Roman" panose="02020603050405020304" pitchFamily="18" charset="0"/>
+              </a:rPr>
+              <a:t>обучающиеся были представлены на 435 мероприятиях по всей России;</a:t>
+            </a:r>
+          </a:p>
+          <a:p>
+            <a:pPr lvl="1" indent="-342900" algn="just">
+              <a:lnSpc>
+                <a:spcPct val="150000"/>
+              </a:lnSpc>
+              <a:buFont typeface="Symbol" panose="05050102010706020507" pitchFamily="18" charset="2"/>
+              <a:buChar char=""/>
+              <a:tabLst>
+                <a:tab pos="178435" algn="l"/>
+              </a:tabLst>
+            </a:pPr>
+            <a:r>
+              <a:rPr lang="ru-RU" sz="2000" kern="100" dirty="0">
+                <a:effectLst/>
+                <a:latin typeface="Times New Roman" panose="02020603050405020304" pitchFamily="18" charset="0"/>
+                <a:ea typeface="NSimSun" panose="02010609030101010101" pitchFamily="49" charset="-122"/>
+                <a:cs typeface="Times New Roman" panose="02020603050405020304" pitchFamily="18" charset="0"/>
+              </a:rPr>
+              <a:t>был получен 3861 сертификат;</a:t>
+            </a:r>
           </a:p>
         </p:txBody>
       </p:sp>
     </p:spTree>
     <p:extLst>
       <p:ext uri="{BB962C8B-B14F-4D97-AF65-F5344CB8AC3E}">
-        <p14:creationId xmlns:p14="http://schemas.microsoft.com/office/powerpoint/2010/main" val="2155520927"/>
+        <p14:creationId xmlns:p14="http://schemas.microsoft.com/office/powerpoint/2010/main" val="3361260886"/>
       </p:ext>
     </p:extLst>
   </p:cSld>
@@ -9614,7 +9722,7 @@
           <p:cNvPr id="2" name="Заголовок 1">
             <a:extLst>
               <a:ext uri="{FF2B5EF4-FFF2-40B4-BE49-F238E27FC236}">
-                <a16:creationId xmlns:a16="http://schemas.microsoft.com/office/drawing/2014/main" id="{F2A9C6B9-10E2-EC8F-64AE-13D83E9DC7CD}"/>
+                <a16:creationId xmlns:a16="http://schemas.microsoft.com/office/drawing/2014/main" id="{F818DBC9-2575-5FA0-3F31-F6EBE5D0687B}"/>
               </a:ext>
             </a:extLst>
           </p:cNvPr>
@@ -9632,13 +9740,12 @@
           <a:p>
             <a:pPr algn="ctr"/>
             <a:r>
-              <a:rPr lang="ru-RU" sz="4200" dirty="0">
+              <a:rPr lang="ru-RU" dirty="0">
                 <a:latin typeface="Times New Roman" panose="02020603050405020304" pitchFamily="18" charset="0"/>
                 <a:cs typeface="Times New Roman" panose="02020603050405020304" pitchFamily="18" charset="0"/>
               </a:rPr>
-              <a:t>Предметная область</a:t>
-            </a:r>
-            <a:endParaRPr lang="ru-RU" dirty="0"/>
+              <a:t>Проблема</a:t>
+            </a:r>
           </a:p>
         </p:txBody>
       </p:sp>
@@ -9647,7 +9754,7 @@
           <p:cNvPr id="3" name="Объект 2">
             <a:extLst>
               <a:ext uri="{FF2B5EF4-FFF2-40B4-BE49-F238E27FC236}">
-                <a16:creationId xmlns:a16="http://schemas.microsoft.com/office/drawing/2014/main" id="{4F261927-BA40-A3A0-9299-30CBCF100764}"/>
+                <a16:creationId xmlns:a16="http://schemas.microsoft.com/office/drawing/2014/main" id="{C6802F76-C7A4-D26B-1327-AE889C9A5AD1}"/>
               </a:ext>
             </a:extLst>
           </p:cNvPr>
@@ -9660,41 +9767,144 @@
         </p:nvSpPr>
         <p:spPr>
           <a:xfrm>
-            <a:off x="1104293" y="1331259"/>
+            <a:off x="1096727" y="1331259"/>
             <a:ext cx="8946541" cy="4195481"/>
           </a:xfrm>
         </p:spPr>
         <p:txBody>
-          <a:bodyPr/>
+          <a:bodyPr>
+            <a:noAutofit/>
+          </a:bodyPr>
           <a:lstStyle/>
+          <a:p>
+            <a:pPr marL="400050" lvl="1" indent="0" algn="just">
+              <a:lnSpc>
+                <a:spcPct val="150000"/>
+              </a:lnSpc>
+              <a:buNone/>
+              <a:tabLst>
+                <a:tab pos="178435" algn="l"/>
+              </a:tabLst>
+            </a:pPr>
+            <a:r>
+              <a:rPr lang="ru-RU" sz="2000" kern="100" dirty="0">
+                <a:effectLst/>
+                <a:latin typeface="Times New Roman" panose="02020603050405020304" pitchFamily="18" charset="0"/>
+                <a:ea typeface="NSimSun" panose="02010609030101010101" pitchFamily="49" charset="-122"/>
+                <a:cs typeface="Times New Roman" panose="02020603050405020304" pitchFamily="18" charset="0"/>
+              </a:rPr>
+              <a:t>Сформированы:</a:t>
+            </a:r>
+          </a:p>
+          <a:p>
+            <a:pPr lvl="1" indent="-342900" algn="just">
+              <a:lnSpc>
+                <a:spcPct val="150000"/>
+              </a:lnSpc>
+              <a:buFont typeface="Symbol" panose="05050102010706020507" pitchFamily="18" charset="2"/>
+              <a:buChar char=""/>
+              <a:tabLst>
+                <a:tab pos="221615" algn="l"/>
+              </a:tabLst>
+            </a:pPr>
+            <a:r>
+              <a:rPr lang="ru-RU" sz="2000" kern="100" dirty="0">
+                <a:effectLst/>
+                <a:latin typeface="Times New Roman" panose="02020603050405020304" pitchFamily="18" charset="0"/>
+                <a:ea typeface="NSimSun" panose="02010609030101010101" pitchFamily="49" charset="-122"/>
+                <a:cs typeface="Times New Roman" panose="02020603050405020304" pitchFamily="18" charset="0"/>
+              </a:rPr>
+              <a:t>1361 учебная группа;</a:t>
+            </a:r>
+          </a:p>
+          <a:p>
+            <a:pPr lvl="1" indent="-342900" algn="just">
+              <a:lnSpc>
+                <a:spcPct val="150000"/>
+              </a:lnSpc>
+              <a:buFont typeface="Symbol" panose="05050102010706020507" pitchFamily="18" charset="2"/>
+              <a:buChar char=""/>
+              <a:tabLst>
+                <a:tab pos="221615" algn="l"/>
+              </a:tabLst>
+            </a:pPr>
+            <a:r>
+              <a:rPr lang="ru-RU" sz="2000" kern="100" dirty="0">
+                <a:effectLst/>
+                <a:latin typeface="Times New Roman" panose="02020603050405020304" pitchFamily="18" charset="0"/>
+                <a:ea typeface="NSimSun" panose="02010609030101010101" pitchFamily="49" charset="-122"/>
+                <a:cs typeface="Times New Roman" panose="02020603050405020304" pitchFamily="18" charset="0"/>
+              </a:rPr>
+              <a:t>403 конкурсная команда.</a:t>
+            </a:r>
+          </a:p>
           <a:p>
             <a:pPr marL="0" indent="0" algn="just">
               <a:lnSpc>
                 <a:spcPct val="150000"/>
               </a:lnSpc>
-              <a:buNone/>
+              <a:spcBef>
+                <a:spcPts val="0"/>
+              </a:spcBef>
+              <a:buNone/>
+              <a:tabLst>
+                <a:tab pos="221615" algn="l"/>
+              </a:tabLst>
             </a:pPr>
             <a:r>
-              <a:rPr lang="en-US" dirty="0">
-                <a:latin typeface="Times New Roman" panose="02020603050405020304" pitchFamily="18" charset="0"/>
+              <a:rPr lang="ru-RU" kern="100" dirty="0">
+                <a:latin typeface="Liberation Serif" panose="02020603050405020304" pitchFamily="18" charset="0"/>
+                <a:ea typeface="NSimSun" panose="02010609030101010101" pitchFamily="49" charset="-122"/>
                 <a:cs typeface="Times New Roman" panose="02020603050405020304" pitchFamily="18" charset="0"/>
               </a:rPr>
               <a:t>		</a:t>
             </a:r>
             <a:r>
-              <a:rPr lang="ru-RU" dirty="0">
+              <a:rPr lang="ru-RU" kern="100" dirty="0">
                 <a:latin typeface="Times New Roman" panose="02020603050405020304" pitchFamily="18" charset="0"/>
+                <a:ea typeface="NSimSun" panose="02010609030101010101" pitchFamily="49" charset="-122"/>
                 <a:cs typeface="Times New Roman" panose="02020603050405020304" pitchFamily="18" charset="0"/>
               </a:rPr>
-              <a:t>Документооборот играет важную роль в современных организациях. Он позволяет обеспечить прозрачность бизнес-процессов, сохраняя следы действий и решений, разграничивать доступ к конфиденциальным данным. А также способствует соблюдению законодательных требований, повышает эффективность бизнес-процессов, упрощает аудит и анализ.</a:t>
-            </a:r>
+              <a:t>Становится очевидным, что такой объём информации невозможно обработать вручную, становится актуальной проблема планирования образовательного процесса. </a:t>
+            </a:r>
+            <a:endParaRPr lang="ru-RU" kern="100" dirty="0">
+              <a:effectLst/>
+              <a:latin typeface="Liberation Serif" panose="02020603050405020304" pitchFamily="18" charset="0"/>
+              <a:ea typeface="NSimSun" panose="02010609030101010101" pitchFamily="49" charset="-122"/>
+              <a:cs typeface="Lucida Sans" panose="020B0602030504020204" pitchFamily="34" charset="0"/>
+            </a:endParaRPr>
+          </a:p>
+          <a:p>
+            <a:pPr marL="342900" lvl="0" indent="-342900" algn="just">
+              <a:lnSpc>
+                <a:spcPct val="150000"/>
+              </a:lnSpc>
+              <a:buFont typeface="Symbol" panose="05050102010706020507" pitchFamily="18" charset="2"/>
+              <a:buChar char=""/>
+              <a:tabLst>
+                <a:tab pos="221615" algn="l"/>
+              </a:tabLst>
+            </a:pPr>
+            <a:endParaRPr lang="ru-RU" kern="100" dirty="0">
+              <a:effectLst/>
+              <a:latin typeface="Times New Roman" panose="02020603050405020304" pitchFamily="18" charset="0"/>
+              <a:ea typeface="NSimSun" panose="02010609030101010101" pitchFamily="49" charset="-122"/>
+              <a:cs typeface="Times New Roman" panose="02020603050405020304" pitchFamily="18" charset="0"/>
+            </a:endParaRPr>
+          </a:p>
+          <a:p>
+            <a:pPr algn="just"/>
+            <a:endParaRPr lang="ru-RU" dirty="0">
+              <a:latin typeface="Times New Roman" panose="02020603050405020304" pitchFamily="18" charset="0"/>
+              <a:cs typeface="Times New Roman" panose="02020603050405020304" pitchFamily="18" charset="0"/>
+            </a:endParaRPr>
           </a:p>
         </p:txBody>
       </p:sp>
     </p:spTree>
     <p:extLst>
       <p:ext uri="{BB962C8B-B14F-4D97-AF65-F5344CB8AC3E}">
-        <p14:creationId xmlns:p14="http://schemas.microsoft.com/office/powerpoint/2010/main" val="985008984"/>
+        <p14:creationId xmlns:p14="http://schemas.microsoft.com/office/powerpoint/2010/main" val="2155520927"/>
       </p:ext>
     </p:extLst>
   </p:cSld>
@@ -9738,7 +9948,7 @@
           <p:cNvPr id="2" name="Заголовок 1">
             <a:extLst>
               <a:ext uri="{FF2B5EF4-FFF2-40B4-BE49-F238E27FC236}">
-                <a16:creationId xmlns:a16="http://schemas.microsoft.com/office/drawing/2014/main" id="{A5CFF78D-AB0F-F464-E3EA-C4BAA4D89525}"/>
+                <a16:creationId xmlns:a16="http://schemas.microsoft.com/office/drawing/2014/main" id="{F2A9C6B9-10E2-EC8F-64AE-13D83E9DC7CD}"/>
               </a:ext>
             </a:extLst>
           </p:cNvPr>
@@ -9749,11 +9959,14 @@
             <p:ph type="title"/>
           </p:nvPr>
         </p:nvSpPr>
-        <p:spPr/>
-        <p:txBody>
-          <a:bodyPr>
-            <a:normAutofit/>
-          </a:bodyPr>
+        <p:spPr>
+          <a:xfrm>
+            <a:off x="256031" y="205830"/>
+            <a:ext cx="10085833" cy="1400530"/>
+          </a:xfrm>
+        </p:spPr>
+        <p:txBody>
+          <a:bodyPr/>
           <a:lstStyle/>
           <a:p>
             <a:pPr algn="ctr"/>
@@ -9764,6 +9977,155 @@
               </a:rPr>
               <a:t>Предметная область</a:t>
             </a:r>
+            <a:r>
+              <a:rPr lang="ru-RU" dirty="0">
+                <a:latin typeface="Times New Roman" panose="02020603050405020304" pitchFamily="18" charset="0"/>
+                <a:cs typeface="Times New Roman" panose="02020603050405020304" pitchFamily="18" charset="0"/>
+              </a:rPr>
+              <a:t>: Общая документация </a:t>
+            </a:r>
+            <a:endParaRPr lang="ru-RU" dirty="0"/>
+          </a:p>
+        </p:txBody>
+      </p:sp>
+      <p:sp>
+        <p:nvSpPr>
+          <p:cNvPr id="3" name="Объект 2">
+            <a:extLst>
+              <a:ext uri="{FF2B5EF4-FFF2-40B4-BE49-F238E27FC236}">
+                <a16:creationId xmlns:a16="http://schemas.microsoft.com/office/drawing/2014/main" id="{4F261927-BA40-A3A0-9299-30CBCF100764}"/>
+              </a:ext>
+            </a:extLst>
+          </p:cNvPr>
+          <p:cNvSpPr>
+            <a:spLocks noGrp="1"/>
+          </p:cNvSpPr>
+          <p:nvPr>
+            <p:ph idx="1"/>
+          </p:nvPr>
+        </p:nvSpPr>
+        <p:spPr>
+          <a:xfrm>
+            <a:off x="1104293" y="1678731"/>
+            <a:ext cx="8946541" cy="4195481"/>
+          </a:xfrm>
+        </p:spPr>
+        <p:txBody>
+          <a:bodyPr/>
+          <a:lstStyle/>
+          <a:p>
+            <a:pPr marL="0" indent="0" algn="just">
+              <a:lnSpc>
+                <a:spcPct val="150000"/>
+              </a:lnSpc>
+              <a:buNone/>
+            </a:pPr>
+            <a:r>
+              <a:rPr lang="en-US" dirty="0">
+                <a:latin typeface="Times New Roman" panose="02020603050405020304" pitchFamily="18" charset="0"/>
+                <a:cs typeface="Times New Roman" panose="02020603050405020304" pitchFamily="18" charset="0"/>
+              </a:rPr>
+              <a:t>		</a:t>
+            </a:r>
+            <a:r>
+              <a:rPr lang="ru-RU" dirty="0">
+                <a:latin typeface="Times New Roman" panose="02020603050405020304" pitchFamily="18" charset="0"/>
+                <a:cs typeface="Times New Roman" panose="02020603050405020304" pitchFamily="18" charset="0"/>
+              </a:rPr>
+              <a:t>Документооборот играет важную роль в современных организациях. Он позволяет обеспечить прозрачность бизнес-процессов, сохраняя следы действий и решений, разграничивать доступ к конфиденциальным данным. А также способствует соблюдению законодательных требований, повышает эффективность бизнес-процессов, упрощает аудит и анализ.</a:t>
+            </a:r>
+          </a:p>
+        </p:txBody>
+      </p:sp>
+    </p:spTree>
+    <p:extLst>
+      <p:ext uri="{BB962C8B-B14F-4D97-AF65-F5344CB8AC3E}">
+        <p14:creationId xmlns:p14="http://schemas.microsoft.com/office/powerpoint/2010/main" val="985008984"/>
+      </p:ext>
+    </p:extLst>
+  </p:cSld>
+  <p:clrMapOvr>
+    <a:masterClrMapping/>
+  </p:clrMapOvr>
+  <mc:AlternateContent xmlns:mc="http://schemas.openxmlformats.org/markup-compatibility/2006" xmlns:p14="http://schemas.microsoft.com/office/powerpoint/2010/main">
+    <mc:Choice Requires="p14">
+      <p:transition spd="med" p14:dur="700">
+        <p:fade/>
+      </p:transition>
+    </mc:Choice>
+    <mc:Fallback xmlns="">
+      <p:transition spd="med">
+        <p:fade/>
+      </p:transition>
+    </mc:Fallback>
+  </mc:AlternateContent>
+</p:sld>
+</file>
+
+<file path=ppt/slides/slide7.xml><?xml version="1.0" encoding="utf-8"?>
+<p:sld xmlns:a="http://schemas.openxmlformats.org/drawingml/2006/main" xmlns:r="http://schemas.openxmlformats.org/officeDocument/2006/relationships" xmlns:p="http://schemas.openxmlformats.org/presentationml/2006/main">
+  <p:cSld>
+    <p:spTree>
+      <p:nvGrpSpPr>
+        <p:cNvPr id="1" name=""/>
+        <p:cNvGrpSpPr/>
+        <p:nvPr/>
+      </p:nvGrpSpPr>
+      <p:grpSpPr>
+        <a:xfrm>
+          <a:off x="0" y="0"/>
+          <a:ext cx="0" cy="0"/>
+          <a:chOff x="0" y="0"/>
+          <a:chExt cx="0" cy="0"/>
+        </a:xfrm>
+      </p:grpSpPr>
+      <p:sp>
+        <p:nvSpPr>
+          <p:cNvPr id="2" name="Заголовок 1">
+            <a:extLst>
+              <a:ext uri="{FF2B5EF4-FFF2-40B4-BE49-F238E27FC236}">
+                <a16:creationId xmlns:a16="http://schemas.microsoft.com/office/drawing/2014/main" id="{A5CFF78D-AB0F-F464-E3EA-C4BAA4D89525}"/>
+              </a:ext>
+            </a:extLst>
+          </p:cNvPr>
+          <p:cNvSpPr>
+            <a:spLocks noGrp="1"/>
+          </p:cNvSpPr>
+          <p:nvPr>
+            <p:ph type="title"/>
+          </p:nvPr>
+        </p:nvSpPr>
+        <p:spPr>
+          <a:xfrm>
+            <a:off x="128016" y="452718"/>
+            <a:ext cx="10067543" cy="1400530"/>
+          </a:xfrm>
+        </p:spPr>
+        <p:txBody>
+          <a:bodyPr>
+            <a:normAutofit/>
+          </a:bodyPr>
+          <a:lstStyle/>
+          <a:p>
+            <a:pPr algn="ctr"/>
+            <a:r>
+              <a:rPr lang="ru-RU" sz="4200" dirty="0">
+                <a:latin typeface="Times New Roman" panose="02020603050405020304" pitchFamily="18" charset="0"/>
+                <a:cs typeface="Times New Roman" panose="02020603050405020304" pitchFamily="18" charset="0"/>
+              </a:rPr>
+              <a:t>Предметная область</a:t>
+            </a:r>
+            <a:r>
+              <a:rPr lang="ru-RU" dirty="0">
+                <a:latin typeface="Times New Roman" panose="02020603050405020304" pitchFamily="18" charset="0"/>
+                <a:cs typeface="Times New Roman" panose="02020603050405020304" pitchFamily="18" charset="0"/>
+              </a:rPr>
+              <a:t>: Общая документация</a:t>
+            </a:r>
+            <a:endParaRPr lang="ru-RU" sz="4200" dirty="0">
+              <a:latin typeface="Times New Roman" panose="02020603050405020304" pitchFamily="18" charset="0"/>
+              <a:cs typeface="Times New Roman" panose="02020603050405020304" pitchFamily="18" charset="0"/>
+            </a:endParaRPr>
           </a:p>
         </p:txBody>
       </p:sp>
@@ -9847,130 +10209,6 @@
 </p:sld>
 </file>
 
-<file path=ppt/slides/slide7.xml><?xml version="1.0" encoding="utf-8"?>
-<p:sld xmlns:a="http://schemas.openxmlformats.org/drawingml/2006/main" xmlns:r="http://schemas.openxmlformats.org/officeDocument/2006/relationships" xmlns:p="http://schemas.openxmlformats.org/presentationml/2006/main">
-  <p:cSld>
-    <p:spTree>
-      <p:nvGrpSpPr>
-        <p:cNvPr id="1" name=""/>
-        <p:cNvGrpSpPr/>
-        <p:nvPr/>
-      </p:nvGrpSpPr>
-      <p:grpSpPr>
-        <a:xfrm>
-          <a:off x="0" y="0"/>
-          <a:ext cx="0" cy="0"/>
-          <a:chOff x="0" y="0"/>
-          <a:chExt cx="0" cy="0"/>
-        </a:xfrm>
-      </p:grpSpPr>
-      <p:sp>
-        <p:nvSpPr>
-          <p:cNvPr id="2" name="Заголовок 1">
-            <a:extLst>
-              <a:ext uri="{FF2B5EF4-FFF2-40B4-BE49-F238E27FC236}">
-                <a16:creationId xmlns:a16="http://schemas.microsoft.com/office/drawing/2014/main" id="{EB95F82F-1EB5-583F-6A4F-D81FA7090598}"/>
-              </a:ext>
-            </a:extLst>
-          </p:cNvPr>
-          <p:cNvSpPr>
-            <a:spLocks noGrp="1"/>
-          </p:cNvSpPr>
-          <p:nvPr>
-            <p:ph type="title"/>
-          </p:nvPr>
-        </p:nvSpPr>
-        <p:spPr/>
-        <p:txBody>
-          <a:bodyPr/>
-          <a:lstStyle/>
-          <a:p>
-            <a:pPr algn="ctr"/>
-            <a:r>
-              <a:rPr lang="ru-RU" sz="4200" dirty="0">
-                <a:latin typeface="Times New Roman" panose="02020603050405020304" pitchFamily="18" charset="0"/>
-                <a:cs typeface="Times New Roman" panose="02020603050405020304" pitchFamily="18" charset="0"/>
-              </a:rPr>
-              <a:t>Предметная область</a:t>
-            </a:r>
-            <a:endParaRPr lang="ru-RU" dirty="0"/>
-          </a:p>
-        </p:txBody>
-      </p:sp>
-      <p:sp>
-        <p:nvSpPr>
-          <p:cNvPr id="3" name="Объект 2">
-            <a:extLst>
-              <a:ext uri="{FF2B5EF4-FFF2-40B4-BE49-F238E27FC236}">
-                <a16:creationId xmlns:a16="http://schemas.microsoft.com/office/drawing/2014/main" id="{699E9281-6987-B9AF-B3B0-20591D3310EE}"/>
-              </a:ext>
-            </a:extLst>
-          </p:cNvPr>
-          <p:cNvSpPr>
-            <a:spLocks noGrp="1"/>
-          </p:cNvSpPr>
-          <p:nvPr>
-            <p:ph idx="1"/>
-          </p:nvPr>
-        </p:nvSpPr>
-        <p:spPr>
-          <a:xfrm>
-            <a:off x="1104293" y="1331259"/>
-            <a:ext cx="8946541" cy="4195481"/>
-          </a:xfrm>
-        </p:spPr>
-        <p:txBody>
-          <a:bodyPr/>
-          <a:lstStyle/>
-          <a:p>
-            <a:pPr marL="0" indent="0" algn="just">
-              <a:lnSpc>
-                <a:spcPct val="150000"/>
-              </a:lnSpc>
-              <a:buNone/>
-            </a:pPr>
-            <a:r>
-              <a:rPr lang="en-US" dirty="0">
-                <a:latin typeface="Times New Roman" panose="02020603050405020304" pitchFamily="18" charset="0"/>
-                <a:cs typeface="Times New Roman" panose="02020603050405020304" pitchFamily="18" charset="0"/>
-              </a:rPr>
-              <a:t>		</a:t>
-            </a:r>
-            <a:r>
-              <a:rPr lang="ru-RU" dirty="0">
-                <a:latin typeface="Times New Roman" panose="02020603050405020304" pitchFamily="18" charset="0"/>
-                <a:cs typeface="Times New Roman" panose="02020603050405020304" pitchFamily="18" charset="0"/>
-              </a:rPr>
-              <a:t>Приказы об участии в мероприятиях определяют участие технопарка и его учеников в различных научных, культурных и спортивных мероприятиях. Они могут касаться как внутренней организации мероприятий (конкурсов, выставок, олимпиад), так и внешнего сотрудничества с другими учреждениями. Основная цель — активное участие учеников в разнообразных событиях для повышения их навыков, расширения кругозора и развития социальных связей.</a:t>
-            </a:r>
-          </a:p>
-        </p:txBody>
-      </p:sp>
-    </p:spTree>
-    <p:extLst>
-      <p:ext uri="{BB962C8B-B14F-4D97-AF65-F5344CB8AC3E}">
-        <p14:creationId xmlns:p14="http://schemas.microsoft.com/office/powerpoint/2010/main" val="1399291202"/>
-      </p:ext>
-    </p:extLst>
-  </p:cSld>
-  <p:clrMapOvr>
-    <a:masterClrMapping/>
-  </p:clrMapOvr>
-  <mc:AlternateContent xmlns:mc="http://schemas.openxmlformats.org/markup-compatibility/2006" xmlns:p14="http://schemas.microsoft.com/office/powerpoint/2010/main">
-    <mc:Choice Requires="p14">
-      <p:transition spd="med" p14:dur="700">
-        <p:fade/>
-      </p:transition>
-    </mc:Choice>
-    <mc:Fallback xmlns="">
-      <p:transition spd="med">
-        <p:fade/>
-      </p:transition>
-    </mc:Fallback>
-  </mc:AlternateContent>
-</p:sld>
-</file>
-
 <file path=ppt/slides/slide8.xml><?xml version="1.0" encoding="utf-8"?>
 <p:sld xmlns:a="http://schemas.openxmlformats.org/drawingml/2006/main" xmlns:r="http://schemas.openxmlformats.org/officeDocument/2006/relationships" xmlns:p="http://schemas.openxmlformats.org/presentationml/2006/main">
   <p:cSld>
@@ -9993,7 +10231,7 @@
           <p:cNvPr id="2" name="Заголовок 1">
             <a:extLst>
               <a:ext uri="{FF2B5EF4-FFF2-40B4-BE49-F238E27FC236}">
-                <a16:creationId xmlns:a16="http://schemas.microsoft.com/office/drawing/2014/main" id="{CFE0D809-BD8F-4A15-3BDB-DD1E686628F3}"/>
+                <a16:creationId xmlns:a16="http://schemas.microsoft.com/office/drawing/2014/main" id="{EB95F82F-1EB5-583F-6A4F-D81FA7090598}"/>
               </a:ext>
             </a:extLst>
           </p:cNvPr>
@@ -10006,9 +10244,7 @@
         </p:nvSpPr>
         <p:spPr/>
         <p:txBody>
-          <a:bodyPr>
-            <a:normAutofit/>
-          </a:bodyPr>
+          <a:bodyPr/>
           <a:lstStyle/>
           <a:p>
             <a:pPr algn="ctr"/>
@@ -10019,6 +10255,21 @@
               </a:rPr>
               <a:t>Предметная область</a:t>
             </a:r>
+            <a:r>
+              <a:rPr lang="ru-RU" dirty="0">
+                <a:latin typeface="Times New Roman" panose="02020603050405020304" pitchFamily="18" charset="0"/>
+                <a:cs typeface="Times New Roman" panose="02020603050405020304" pitchFamily="18" charset="0"/>
+              </a:rPr>
+              <a:t>:</a:t>
+            </a:r>
+            <a:r>
+              <a:rPr lang="ru-RU" sz="4200" dirty="0">
+                <a:latin typeface="Times New Roman" panose="02020603050405020304" pitchFamily="18" charset="0"/>
+                <a:cs typeface="Times New Roman" panose="02020603050405020304" pitchFamily="18" charset="0"/>
+              </a:rPr>
+              <a:t> Приказы</a:t>
+            </a:r>
+            <a:endParaRPr lang="ru-RU" dirty="0"/>
           </a:p>
         </p:txBody>
       </p:sp>
@@ -10027,7 +10278,7 @@
           <p:cNvPr id="3" name="Объект 2">
             <a:extLst>
               <a:ext uri="{FF2B5EF4-FFF2-40B4-BE49-F238E27FC236}">
-                <a16:creationId xmlns:a16="http://schemas.microsoft.com/office/drawing/2014/main" id="{599C5426-0DCF-B700-F9C6-024E3CFEE7D9}"/>
+                <a16:creationId xmlns:a16="http://schemas.microsoft.com/office/drawing/2014/main" id="{699E9281-6987-B9AF-B3B0-20591D3310EE}"/>
               </a:ext>
             </a:extLst>
           </p:cNvPr>
@@ -10038,49 +10289,88 @@
             <p:ph idx="1"/>
           </p:nvPr>
         </p:nvSpPr>
-        <p:spPr/>
+        <p:spPr>
+          <a:xfrm>
+            <a:off x="1104293" y="1331259"/>
+            <a:ext cx="8946541" cy="4195481"/>
+          </a:xfrm>
+        </p:spPr>
         <p:txBody>
           <a:bodyPr/>
           <a:lstStyle/>
           <a:p>
-            <a:endParaRPr lang="ru-RU"/>
-          </a:p>
-        </p:txBody>
-      </p:sp>
-      <p:pic>
-        <p:nvPicPr>
-          <p:cNvPr id="4" name="Рисунок 3">
-            <a:extLst>
-              <a:ext uri="{FF2B5EF4-FFF2-40B4-BE49-F238E27FC236}">
-                <a16:creationId xmlns:a16="http://schemas.microsoft.com/office/drawing/2014/main" id="{8977BAAA-C3E6-AA6C-9A15-B07043572DEB}"/>
-              </a:ext>
-            </a:extLst>
-          </p:cNvPr>
-          <p:cNvPicPr>
-            <a:picLocks noChangeAspect="1"/>
-          </p:cNvPicPr>
-          <p:nvPr/>
-        </p:nvPicPr>
-        <p:blipFill>
-          <a:blip r:embed="rId2"/>
-          <a:stretch>
-            <a:fillRect/>
-          </a:stretch>
-        </p:blipFill>
-        <p:spPr>
-          <a:xfrm>
-            <a:off x="0" y="1320482"/>
-            <a:ext cx="12192000" cy="5537518"/>
-          </a:xfrm>
-          <a:prstGeom prst="rect">
-            <a:avLst/>
-          </a:prstGeom>
-        </p:spPr>
-      </p:pic>
+            <a:pPr algn="just">
+              <a:lnSpc>
+                <a:spcPct val="150000"/>
+              </a:lnSpc>
+              <a:buFont typeface="Arial" panose="020B0604020202020204" pitchFamily="34" charset="0"/>
+              <a:buChar char="•"/>
+            </a:pPr>
+            <a:r>
+              <a:rPr lang="en-US" dirty="0">
+                <a:latin typeface="Times New Roman" panose="02020603050405020304" pitchFamily="18" charset="0"/>
+                <a:cs typeface="Times New Roman" panose="02020603050405020304" pitchFamily="18" charset="0"/>
+              </a:rPr>
+              <a:t>		</a:t>
+            </a:r>
+            <a:r>
+              <a:rPr lang="ru-RU" dirty="0">
+                <a:latin typeface="Times New Roman" panose="02020603050405020304" pitchFamily="18" charset="0"/>
+                <a:cs typeface="Times New Roman" panose="02020603050405020304" pitchFamily="18" charset="0"/>
+              </a:rPr>
+              <a:t>Приказы об основной деятельности носят исключительно административную роль. </a:t>
+            </a:r>
+          </a:p>
+          <a:p>
+            <a:pPr algn="just">
+              <a:lnSpc>
+                <a:spcPct val="150000"/>
+              </a:lnSpc>
+              <a:buFont typeface="Arial" panose="020B0604020202020204" pitchFamily="34" charset="0"/>
+              <a:buChar char="•"/>
+            </a:pPr>
+            <a:r>
+              <a:rPr lang="ru-RU" dirty="0">
+                <a:latin typeface="Times New Roman" panose="02020603050405020304" pitchFamily="18" charset="0"/>
+                <a:cs typeface="Times New Roman" panose="02020603050405020304" pitchFamily="18" charset="0"/>
+              </a:rPr>
+              <a:t>		Приказы об участии в мероприятиях определяют участие технопарка и его учеников в различных мероприятиях. </a:t>
+            </a:r>
+          </a:p>
+          <a:p>
+            <a:pPr algn="just">
+              <a:lnSpc>
+                <a:spcPct val="150000"/>
+              </a:lnSpc>
+              <a:buFont typeface="Arial" panose="020B0604020202020204" pitchFamily="34" charset="0"/>
+              <a:buChar char="•"/>
+            </a:pPr>
+            <a:r>
+              <a:rPr lang="ru-RU" dirty="0">
+                <a:latin typeface="Times New Roman" panose="02020603050405020304" pitchFamily="18" charset="0"/>
+                <a:cs typeface="Times New Roman" panose="02020603050405020304" pitchFamily="18" charset="0"/>
+              </a:rPr>
+              <a:t>		Приказы об образовательной деятельности определяют образовательную деятельность организации. Они регулируют взаимоотношение между учебными группами и учениками.</a:t>
+            </a:r>
+          </a:p>
+          <a:p>
+            <a:pPr marL="0" indent="0" algn="just">
+              <a:lnSpc>
+                <a:spcPct val="150000"/>
+              </a:lnSpc>
+              <a:buNone/>
+            </a:pPr>
+            <a:endParaRPr lang="ru-RU" dirty="0">
+              <a:latin typeface="Times New Roman" panose="02020603050405020304" pitchFamily="18" charset="0"/>
+              <a:cs typeface="Times New Roman" panose="02020603050405020304" pitchFamily="18" charset="0"/>
+            </a:endParaRPr>
+          </a:p>
+        </p:txBody>
+      </p:sp>
     </p:spTree>
     <p:extLst>
       <p:ext uri="{BB962C8B-B14F-4D97-AF65-F5344CB8AC3E}">
-        <p14:creationId xmlns:p14="http://schemas.microsoft.com/office/powerpoint/2010/main" val="3754470832"/>
+        <p14:creationId xmlns:p14="http://schemas.microsoft.com/office/powerpoint/2010/main" val="1399291202"/>
       </p:ext>
     </p:extLst>
   </p:cSld>
@@ -10124,7 +10414,7 @@
           <p:cNvPr id="2" name="Заголовок 1">
             <a:extLst>
               <a:ext uri="{FF2B5EF4-FFF2-40B4-BE49-F238E27FC236}">
-                <a16:creationId xmlns:a16="http://schemas.microsoft.com/office/drawing/2014/main" id="{EB95F82F-1EB5-583F-6A4F-D81FA7090598}"/>
+                <a16:creationId xmlns:a16="http://schemas.microsoft.com/office/drawing/2014/main" id="{0F1FC944-AA6C-8CE9-0186-40A325E8EDFB}"/>
               </a:ext>
             </a:extLst>
           </p:cNvPr>
@@ -10135,7 +10425,12 @@
             <p:ph type="title"/>
           </p:nvPr>
         </p:nvSpPr>
-        <p:spPr/>
+        <p:spPr>
+          <a:xfrm>
+            <a:off x="646111" y="452718"/>
+            <a:ext cx="9404723" cy="992034"/>
+          </a:xfrm>
+        </p:spPr>
         <p:txBody>
           <a:bodyPr/>
           <a:lstStyle/>
@@ -10146,27 +10441,50 @@
                 <a:latin typeface="Times New Roman" panose="02020603050405020304" pitchFamily="18" charset="0"/>
                 <a:cs typeface="Times New Roman" panose="02020603050405020304" pitchFamily="18" charset="0"/>
               </a:rPr>
-              <a:t>Диаграмма классов</a:t>
+              <a:t>Предметная область: Приказы</a:t>
             </a:r>
             <a:endParaRPr lang="ru-RU" dirty="0"/>
+          </a:p>
+        </p:txBody>
+      </p:sp>
+      <p:sp>
+        <p:nvSpPr>
+          <p:cNvPr id="3" name="Объект 2">
+            <a:extLst>
+              <a:ext uri="{FF2B5EF4-FFF2-40B4-BE49-F238E27FC236}">
+                <a16:creationId xmlns:a16="http://schemas.microsoft.com/office/drawing/2014/main" id="{CC413F64-981A-AE63-4414-C85AA58B8DC7}"/>
+              </a:ext>
+            </a:extLst>
+          </p:cNvPr>
+          <p:cNvSpPr>
+            <a:spLocks noGrp="1"/>
+          </p:cNvSpPr>
+          <p:nvPr>
+            <p:ph idx="1"/>
+          </p:nvPr>
+        </p:nvSpPr>
+        <p:spPr/>
+        <p:txBody>
+          <a:bodyPr/>
+          <a:lstStyle/>
+          <a:p>
+            <a:endParaRPr lang="ru-RU"/>
           </a:p>
         </p:txBody>
       </p:sp>
       <p:pic>
         <p:nvPicPr>
-          <p:cNvPr id="5" name="Объект 4">
+          <p:cNvPr id="7" name="Рисунок 6">
             <a:extLst>
               <a:ext uri="{FF2B5EF4-FFF2-40B4-BE49-F238E27FC236}">
-                <a16:creationId xmlns:a16="http://schemas.microsoft.com/office/drawing/2014/main" id="{754C3402-D04E-CE9B-601B-75D154EC0F55}"/>
+                <a16:creationId xmlns:a16="http://schemas.microsoft.com/office/drawing/2014/main" id="{B9CDA395-BF6D-9DBF-AE5A-0CEDBBB96635}"/>
               </a:ext>
             </a:extLst>
           </p:cNvPr>
           <p:cNvPicPr>
-            <a:picLocks noGrp="1" noChangeAspect="1"/>
+            <a:picLocks noChangeAspect="1"/>
           </p:cNvPicPr>
-          <p:nvPr>
-            <p:ph idx="1"/>
-          </p:nvPr>
+          <p:nvPr/>
         </p:nvPicPr>
         <p:blipFill>
           <a:blip r:embed="rId2"/>
@@ -10176,23 +10494,18 @@
         </p:blipFill>
         <p:spPr>
           <a:xfrm>
-            <a:off x="0" y="1218297"/>
-            <a:ext cx="12192000" cy="5639703"/>
+            <a:off x="0" y="1315616"/>
+            <a:ext cx="12192000" cy="5542384"/>
           </a:xfrm>
           <a:prstGeom prst="rect">
             <a:avLst/>
           </a:prstGeom>
-          <a:ln>
-            <a:solidFill>
-              <a:schemeClr val="tx1"/>
-            </a:solidFill>
-          </a:ln>
         </p:spPr>
       </p:pic>
     </p:spTree>
     <p:extLst>
       <p:ext uri="{BB962C8B-B14F-4D97-AF65-F5344CB8AC3E}">
-        <p14:creationId xmlns:p14="http://schemas.microsoft.com/office/powerpoint/2010/main" val="3984663057"/>
+        <p14:creationId xmlns:p14="http://schemas.microsoft.com/office/powerpoint/2010/main" val="199697138"/>
       </p:ext>
     </p:extLst>
   </p:cSld>

--- a/Дипломная работа/Презентация Курсовая.pptx
+++ b/Дипломная работа/Презентация Курсовая.pptx
@@ -1,6 +1,6 @@
 
 <file path=ppt/presentation.xml><?xml version="1.0" encoding="utf-8"?>
-<p:presentation xmlns:a="http://schemas.openxmlformats.org/drawingml/2006/main" xmlns:r="http://schemas.openxmlformats.org/officeDocument/2006/relationships" xmlns:p="http://schemas.openxmlformats.org/presentationml/2006/main" saveSubsetFonts="1">
+<p:presentation xmlns:a="http://schemas.openxmlformats.org/drawingml/2006/main" xmlns:r="http://schemas.openxmlformats.org/officeDocument/2006/relationships" xmlns:p="http://schemas.openxmlformats.org/presentationml/2006/main" showSpecialPlsOnTitleSld="0" saveSubsetFonts="1">
   <p:sldMasterIdLst>
     <p:sldMasterId id="2147484049" r:id="rId1"/>
   </p:sldMasterIdLst>
@@ -211,7 +211,7 @@
           <a:p>
             <a:fld id="{0752C715-6935-41AD-9984-2334D42D2383}" type="datetimeFigureOut">
               <a:rPr lang="ru-RU" smtClean="0"/>
-              <a:t>05.02.2025</a:t>
+              <a:t>06.02.2025</a:t>
             </a:fld>
             <a:endParaRPr lang="ru-RU"/>
           </a:p>
@@ -789,9 +789,9 @@
           <a:bodyPr/>
           <a:lstStyle/>
           <a:p>
-            <a:fld id="{D5E2AA23-66BC-4D18-B172-603E1DD06669}" type="datetimeFigureOut">
+            <a:fld id="{A592AB9E-B3E0-40A8-9D13-59617F3F8A64}" type="datetime1">
               <a:rPr lang="ru-RU" smtClean="0"/>
-              <a:t>05.02.2025</a:t>
+              <a:t>06.02.2025</a:t>
             </a:fld>
             <a:endParaRPr lang="ru-RU"/>
           </a:p>
@@ -1135,9 +1135,9 @@
           <a:bodyPr/>
           <a:lstStyle/>
           <a:p>
-            <a:fld id="{D5E2AA23-66BC-4D18-B172-603E1DD06669}" type="datetimeFigureOut">
+            <a:fld id="{5417B1CA-4C4F-4F8D-803D-8A6A8A906241}" type="datetime1">
               <a:rPr lang="ru-RU" smtClean="0"/>
-              <a:t>05.02.2025</a:t>
+              <a:t>06.02.2025</a:t>
             </a:fld>
             <a:endParaRPr lang="ru-RU"/>
           </a:p>
@@ -1413,9 +1413,9 @@
           <a:bodyPr/>
           <a:lstStyle/>
           <a:p>
-            <a:fld id="{D5E2AA23-66BC-4D18-B172-603E1DD06669}" type="datetimeFigureOut">
+            <a:fld id="{82CFFC90-8D51-4E14-AFBA-129AE5402BF2}" type="datetime1">
               <a:rPr lang="ru-RU" smtClean="0"/>
-              <a:t>05.02.2025</a:t>
+              <a:t>06.02.2025</a:t>
             </a:fld>
             <a:endParaRPr lang="ru-RU"/>
           </a:p>
@@ -1981,9 +1981,9 @@
           <a:bodyPr/>
           <a:lstStyle/>
           <a:p>
-            <a:fld id="{D5E2AA23-66BC-4D18-B172-603E1DD06669}" type="datetimeFigureOut">
+            <a:fld id="{EA467253-3793-4A20-98DF-36EA880F85F5}" type="datetime1">
               <a:rPr lang="ru-RU" smtClean="0"/>
-              <a:t>05.02.2025</a:t>
+              <a:t>06.02.2025</a:t>
             </a:fld>
             <a:endParaRPr lang="ru-RU"/>
           </a:p>
@@ -2259,9 +2259,9 @@
           <a:bodyPr/>
           <a:lstStyle/>
           <a:p>
-            <a:fld id="{D5E2AA23-66BC-4D18-B172-603E1DD06669}" type="datetimeFigureOut">
+            <a:fld id="{D83AF644-49BB-4732-B227-064E7E8E9B75}" type="datetime1">
               <a:rPr lang="ru-RU" smtClean="0"/>
-              <a:t>05.02.2025</a:t>
+              <a:t>06.02.2025</a:t>
             </a:fld>
             <a:endParaRPr lang="ru-RU"/>
           </a:p>
@@ -2821,9 +2821,9 @@
           <a:bodyPr/>
           <a:lstStyle/>
           <a:p>
-            <a:fld id="{D5E2AA23-66BC-4D18-B172-603E1DD06669}" type="datetimeFigureOut">
+            <a:fld id="{93741DF7-081A-43E1-AEC0-7A6A5EFC3E04}" type="datetime1">
               <a:rPr lang="ru-RU" smtClean="0"/>
-              <a:t>05.02.2025</a:t>
+              <a:t>06.02.2025</a:t>
             </a:fld>
             <a:endParaRPr lang="ru-RU"/>
           </a:p>
@@ -3148,9 +3148,9 @@
           <a:bodyPr/>
           <a:lstStyle/>
           <a:p>
-            <a:fld id="{D5E2AA23-66BC-4D18-B172-603E1DD06669}" type="datetimeFigureOut">
+            <a:fld id="{60804587-5AD3-4566-AED6-7C5642B16C64}" type="datetime1">
               <a:rPr lang="ru-RU" smtClean="0"/>
-              <a:t>05.02.2025</a:t>
+              <a:t>06.02.2025</a:t>
             </a:fld>
             <a:endParaRPr lang="ru-RU"/>
           </a:p>
@@ -3325,9 +3325,9 @@
           <a:bodyPr/>
           <a:lstStyle/>
           <a:p>
-            <a:fld id="{D5E2AA23-66BC-4D18-B172-603E1DD06669}" type="datetimeFigureOut">
+            <a:fld id="{AF148D8C-8A56-4364-A29B-FC848D70BD3E}" type="datetime1">
               <a:rPr lang="ru-RU" smtClean="0"/>
-              <a:t>05.02.2025</a:t>
+              <a:t>06.02.2025</a:t>
             </a:fld>
             <a:endParaRPr lang="ru-RU"/>
           </a:p>
@@ -3575,9 +3575,9 @@
           <a:bodyPr/>
           <a:lstStyle/>
           <a:p>
-            <a:fld id="{D5E2AA23-66BC-4D18-B172-603E1DD06669}" type="datetimeFigureOut">
+            <a:fld id="{1F560C62-4747-4C40-80B5-9506A6478873}" type="datetime1">
               <a:rPr lang="ru-RU" smtClean="0"/>
-              <a:t>05.02.2025</a:t>
+              <a:t>06.02.2025</a:t>
             </a:fld>
             <a:endParaRPr lang="ru-RU"/>
           </a:p>
@@ -3787,9 +3787,9 @@
           <a:bodyPr/>
           <a:lstStyle/>
           <a:p>
-            <a:fld id="{D5E2AA23-66BC-4D18-B172-603E1DD06669}" type="datetimeFigureOut">
+            <a:fld id="{655C5391-6D11-49BE-9D35-F1852430608C}" type="datetime1">
               <a:rPr lang="ru-RU" smtClean="0"/>
-              <a:t>05.02.2025</a:t>
+              <a:t>06.02.2025</a:t>
             </a:fld>
             <a:endParaRPr lang="ru-RU"/>
           </a:p>
@@ -4075,9 +4075,9 @@
           <a:bodyPr/>
           <a:lstStyle/>
           <a:p>
-            <a:fld id="{D5E2AA23-66BC-4D18-B172-603E1DD06669}" type="datetimeFigureOut">
+            <a:fld id="{D1B7E046-787A-42F0-988E-D94C46E094ED}" type="datetime1">
               <a:rPr lang="ru-RU" smtClean="0"/>
-              <a:t>05.02.2025</a:t>
+              <a:t>06.02.2025</a:t>
             </a:fld>
             <a:endParaRPr lang="ru-RU"/>
           </a:p>
@@ -4353,9 +4353,9 @@
           <a:bodyPr/>
           <a:lstStyle/>
           <a:p>
-            <a:fld id="{D5E2AA23-66BC-4D18-B172-603E1DD06669}" type="datetimeFigureOut">
+            <a:fld id="{1DEF2D25-E9E1-4E54-81F0-1D2FE8854B0E}" type="datetime1">
               <a:rPr lang="ru-RU" smtClean="0"/>
-              <a:t>05.02.2025</a:t>
+              <a:t>06.02.2025</a:t>
             </a:fld>
             <a:endParaRPr lang="ru-RU"/>
           </a:p>
@@ -4739,9 +4739,9 @@
           <a:bodyPr/>
           <a:lstStyle/>
           <a:p>
-            <a:fld id="{D5E2AA23-66BC-4D18-B172-603E1DD06669}" type="datetimeFigureOut">
+            <a:fld id="{2D559C09-903E-4473-BBE2-D44EED2E9BB9}" type="datetime1">
               <a:rPr lang="ru-RU" smtClean="0"/>
-              <a:t>05.02.2025</a:t>
+              <a:t>06.02.2025</a:t>
             </a:fld>
             <a:endParaRPr lang="ru-RU"/>
           </a:p>
@@ -4899,9 +4899,9 @@
           <a:bodyPr/>
           <a:lstStyle/>
           <a:p>
-            <a:fld id="{D5E2AA23-66BC-4D18-B172-603E1DD06669}" type="datetimeFigureOut">
+            <a:fld id="{5DEFB42A-193B-4E6D-9002-E4C3450AA4B1}" type="datetime1">
               <a:rPr lang="ru-RU" smtClean="0"/>
-              <a:t>05.02.2025</a:t>
+              <a:t>06.02.2025</a:t>
             </a:fld>
             <a:endParaRPr lang="ru-RU"/>
           </a:p>
@@ -5036,9 +5036,9 @@
           <a:bodyPr/>
           <a:lstStyle/>
           <a:p>
-            <a:fld id="{D5E2AA23-66BC-4D18-B172-603E1DD06669}" type="datetimeFigureOut">
+            <a:fld id="{B780A1C7-BCFA-4491-ABEA-F198E9E80238}" type="datetime1">
               <a:rPr lang="ru-RU" smtClean="0"/>
-              <a:t>05.02.2025</a:t>
+              <a:t>06.02.2025</a:t>
             </a:fld>
             <a:endParaRPr lang="ru-RU"/>
           </a:p>
@@ -5333,9 +5333,9 @@
           <a:bodyPr/>
           <a:lstStyle/>
           <a:p>
-            <a:fld id="{D5E2AA23-66BC-4D18-B172-603E1DD06669}" type="datetimeFigureOut">
+            <a:fld id="{6B7D87D1-A00E-4856-B035-ABE302A2367C}" type="datetime1">
               <a:rPr lang="ru-RU" smtClean="0"/>
-              <a:t>05.02.2025</a:t>
+              <a:t>06.02.2025</a:t>
             </a:fld>
             <a:endParaRPr lang="ru-RU"/>
           </a:p>
@@ -5669,9 +5669,9 @@
           <a:bodyPr/>
           <a:lstStyle/>
           <a:p>
-            <a:fld id="{D5E2AA23-66BC-4D18-B172-603E1DD06669}" type="datetimeFigureOut">
+            <a:fld id="{95982220-A412-481B-B026-9F63F21200E0}" type="datetime1">
               <a:rPr lang="ru-RU" smtClean="0"/>
-              <a:t>05.02.2025</a:t>
+              <a:t>06.02.2025</a:t>
             </a:fld>
             <a:endParaRPr lang="ru-RU"/>
           </a:p>
@@ -5895,9 +5895,9 @@
             </a:lvl1pPr>
           </a:lstStyle>
           <a:p>
-            <a:fld id="{D5E2AA23-66BC-4D18-B172-603E1DD06669}" type="datetimeFigureOut">
+            <a:fld id="{CBF3DBF7-CC75-4132-A774-E3960ACCECD6}" type="datetime1">
               <a:rPr lang="ru-RU" smtClean="0"/>
-              <a:t>05.02.2025</a:t>
+              <a:t>06.02.2025</a:t>
             </a:fld>
             <a:endParaRPr lang="ru-RU"/>
           </a:p>
@@ -6020,6 +6020,7 @@
       </p:transition>
     </mc:Fallback>
   </mc:AlternateContent>
+  <p:hf hdr="0" ftr="0" dt="0"/>
   <p:txStyles>
     <p:titleStyle>
       <a:lvl1pPr algn="l" defTabSz="457200" rtl="0" eaLnBrk="1" latinLnBrk="0" hangingPunct="1">
@@ -6954,6 +6955,50 @@
           </a:p>
         </p:txBody>
       </p:sp>
+      <p:sp>
+        <p:nvSpPr>
+          <p:cNvPr id="6" name="Номер слайда 4">
+            <a:extLst>
+              <a:ext uri="{FF2B5EF4-FFF2-40B4-BE49-F238E27FC236}">
+                <a16:creationId xmlns:a16="http://schemas.microsoft.com/office/drawing/2014/main" id="{2AE50A4F-B580-473C-8491-EA3E2D7E7416}"/>
+              </a:ext>
+            </a:extLst>
+          </p:cNvPr>
+          <p:cNvSpPr>
+            <a:spLocks noGrp="1"/>
+          </p:cNvSpPr>
+          <p:nvPr>
+            <p:ph type="sldNum" sz="quarter" idx="12"/>
+          </p:nvPr>
+        </p:nvSpPr>
+        <p:spPr>
+          <a:xfrm>
+            <a:off x="11171852" y="0"/>
+            <a:ext cx="1020148" cy="658368"/>
+          </a:xfrm>
+        </p:spPr>
+        <p:txBody>
+          <a:bodyPr/>
+          <a:lstStyle/>
+          <a:p>
+            <a:pPr algn="ctr"/>
+            <a:fld id="{E674C0A0-8DE9-4942-9F1B-2332F349D007}" type="slidenum">
+              <a:rPr lang="ru-RU" sz="2200" smtClean="0">
+                <a:latin typeface="Tahoma" panose="020B0604030504040204" pitchFamily="34" charset="0"/>
+                <a:ea typeface="Tahoma" panose="020B0604030504040204" pitchFamily="34" charset="0"/>
+                <a:cs typeface="Tahoma" panose="020B0604030504040204" pitchFamily="34" charset="0"/>
+              </a:rPr>
+              <a:pPr algn="ctr"/>
+              <a:t>10</a:t>
+            </a:fld>
+            <a:endParaRPr lang="ru-RU" sz="2200" dirty="0">
+              <a:latin typeface="Tahoma" panose="020B0604030504040204" pitchFamily="34" charset="0"/>
+              <a:ea typeface="Tahoma" panose="020B0604030504040204" pitchFamily="34" charset="0"/>
+              <a:cs typeface="Tahoma" panose="020B0604030504040204" pitchFamily="34" charset="0"/>
+            </a:endParaRPr>
+          </a:p>
+        </p:txBody>
+      </p:sp>
     </p:spTree>
     <p:extLst>
       <p:ext uri="{BB962C8B-B14F-4D97-AF65-F5344CB8AC3E}">
@@ -7683,6 +7728,50 @@
           </a:fontRef>
         </p:style>
       </p:cxnSp>
+      <p:sp>
+        <p:nvSpPr>
+          <p:cNvPr id="18" name="Номер слайда 4">
+            <a:extLst>
+              <a:ext uri="{FF2B5EF4-FFF2-40B4-BE49-F238E27FC236}">
+                <a16:creationId xmlns:a16="http://schemas.microsoft.com/office/drawing/2014/main" id="{F55D5809-82DB-4FB9-8D28-F6CC3B84BB37}"/>
+              </a:ext>
+            </a:extLst>
+          </p:cNvPr>
+          <p:cNvSpPr>
+            <a:spLocks noGrp="1"/>
+          </p:cNvSpPr>
+          <p:nvPr>
+            <p:ph type="sldNum" sz="quarter" idx="12"/>
+          </p:nvPr>
+        </p:nvSpPr>
+        <p:spPr>
+          <a:xfrm>
+            <a:off x="11171852" y="0"/>
+            <a:ext cx="1020148" cy="658368"/>
+          </a:xfrm>
+        </p:spPr>
+        <p:txBody>
+          <a:bodyPr/>
+          <a:lstStyle/>
+          <a:p>
+            <a:pPr algn="ctr"/>
+            <a:fld id="{E674C0A0-8DE9-4942-9F1B-2332F349D007}" type="slidenum">
+              <a:rPr lang="ru-RU" sz="2200" smtClean="0">
+                <a:latin typeface="Tahoma" panose="020B0604030504040204" pitchFamily="34" charset="0"/>
+                <a:ea typeface="Tahoma" panose="020B0604030504040204" pitchFamily="34" charset="0"/>
+                <a:cs typeface="Tahoma" panose="020B0604030504040204" pitchFamily="34" charset="0"/>
+              </a:rPr>
+              <a:pPr algn="ctr"/>
+              <a:t>11</a:t>
+            </a:fld>
+            <a:endParaRPr lang="ru-RU" sz="2200" dirty="0">
+              <a:latin typeface="Tahoma" panose="020B0604030504040204" pitchFamily="34" charset="0"/>
+              <a:ea typeface="Tahoma" panose="020B0604030504040204" pitchFamily="34" charset="0"/>
+              <a:cs typeface="Tahoma" panose="020B0604030504040204" pitchFamily="34" charset="0"/>
+            </a:endParaRPr>
+          </a:p>
+        </p:txBody>
+      </p:sp>
     </p:spTree>
     <p:extLst>
       <p:ext uri="{BB962C8B-B14F-4D97-AF65-F5344CB8AC3E}">
@@ -8576,6 +8665,175 @@
           </a:fontRef>
         </p:style>
       </p:cxnSp>
+      <p:sp>
+        <p:nvSpPr>
+          <p:cNvPr id="2" name="Номер слайда 1">
+            <a:extLst>
+              <a:ext uri="{FF2B5EF4-FFF2-40B4-BE49-F238E27FC236}">
+                <a16:creationId xmlns:a16="http://schemas.microsoft.com/office/drawing/2014/main" id="{4F540651-D54E-49ED-89EB-A0DDA9EAED1D}"/>
+              </a:ext>
+            </a:extLst>
+          </p:cNvPr>
+          <p:cNvSpPr>
+            <a:spLocks noGrp="1"/>
+          </p:cNvSpPr>
+          <p:nvPr>
+            <p:ph type="sldNum" sz="quarter" idx="12"/>
+          </p:nvPr>
+        </p:nvSpPr>
+        <p:spPr/>
+        <p:txBody>
+          <a:bodyPr/>
+          <a:lstStyle/>
+          <a:p>
+            <a:fld id="{E674C0A0-8DE9-4942-9F1B-2332F349D007}" type="slidenum">
+              <a:rPr lang="ru-RU" smtClean="0"/>
+              <a:t>12</a:t>
+            </a:fld>
+            <a:endParaRPr lang="ru-RU"/>
+          </a:p>
+        </p:txBody>
+      </p:sp>
+      <p:sp>
+        <p:nvSpPr>
+          <p:cNvPr id="22" name="Номер слайда 4">
+            <a:extLst>
+              <a:ext uri="{FF2B5EF4-FFF2-40B4-BE49-F238E27FC236}">
+                <a16:creationId xmlns:a16="http://schemas.microsoft.com/office/drawing/2014/main" id="{68F8C149-3D24-49DA-8898-3B81E8E691BF}"/>
+              </a:ext>
+            </a:extLst>
+          </p:cNvPr>
+          <p:cNvSpPr txBox="1">
+            <a:spLocks/>
+          </p:cNvSpPr>
+          <p:nvPr/>
+        </p:nvSpPr>
+        <p:spPr>
+          <a:xfrm>
+            <a:off x="11171852" y="0"/>
+            <a:ext cx="1020148" cy="658368"/>
+          </a:xfrm>
+          <a:prstGeom prst="rect">
+            <a:avLst/>
+          </a:prstGeom>
+        </p:spPr>
+        <p:txBody>
+          <a:bodyPr vert="horz" lIns="91440" tIns="45720" rIns="91440" bIns="45720" rtlCol="0" anchor="ctr"/>
+          <a:lstStyle>
+            <a:defPPr>
+              <a:defRPr lang="en-US"/>
+            </a:defPPr>
+            <a:lvl1pPr marL="0" algn="r" defTabSz="457200" rtl="0" eaLnBrk="1" latinLnBrk="0" hangingPunct="1">
+              <a:defRPr sz="1000" b="0" i="0" kern="1200">
+                <a:solidFill>
+                  <a:schemeClr val="tx1"/>
+                </a:solidFill>
+                <a:effectLst/>
+                <a:latin typeface="+mn-lt"/>
+                <a:ea typeface="+mn-ea"/>
+                <a:cs typeface="+mn-cs"/>
+              </a:defRPr>
+            </a:lvl1pPr>
+            <a:lvl2pPr marL="457200" algn="l" defTabSz="457200" rtl="0" eaLnBrk="1" latinLnBrk="0" hangingPunct="1">
+              <a:defRPr sz="1800" kern="1200">
+                <a:solidFill>
+                  <a:schemeClr val="tx1"/>
+                </a:solidFill>
+                <a:latin typeface="+mn-lt"/>
+                <a:ea typeface="+mn-ea"/>
+                <a:cs typeface="+mn-cs"/>
+              </a:defRPr>
+            </a:lvl2pPr>
+            <a:lvl3pPr marL="914400" algn="l" defTabSz="457200" rtl="0" eaLnBrk="1" latinLnBrk="0" hangingPunct="1">
+              <a:defRPr sz="1800" kern="1200">
+                <a:solidFill>
+                  <a:schemeClr val="tx1"/>
+                </a:solidFill>
+                <a:latin typeface="+mn-lt"/>
+                <a:ea typeface="+mn-ea"/>
+                <a:cs typeface="+mn-cs"/>
+              </a:defRPr>
+            </a:lvl3pPr>
+            <a:lvl4pPr marL="1371600" algn="l" defTabSz="457200" rtl="0" eaLnBrk="1" latinLnBrk="0" hangingPunct="1">
+              <a:defRPr sz="1800" kern="1200">
+                <a:solidFill>
+                  <a:schemeClr val="tx1"/>
+                </a:solidFill>
+                <a:latin typeface="+mn-lt"/>
+                <a:ea typeface="+mn-ea"/>
+                <a:cs typeface="+mn-cs"/>
+              </a:defRPr>
+            </a:lvl4pPr>
+            <a:lvl5pPr marL="1828800" algn="l" defTabSz="457200" rtl="0" eaLnBrk="1" latinLnBrk="0" hangingPunct="1">
+              <a:defRPr sz="1800" kern="1200">
+                <a:solidFill>
+                  <a:schemeClr val="tx1"/>
+                </a:solidFill>
+                <a:latin typeface="+mn-lt"/>
+                <a:ea typeface="+mn-ea"/>
+                <a:cs typeface="+mn-cs"/>
+              </a:defRPr>
+            </a:lvl5pPr>
+            <a:lvl6pPr marL="2286000" algn="l" defTabSz="457200" rtl="0" eaLnBrk="1" latinLnBrk="0" hangingPunct="1">
+              <a:defRPr sz="1800" kern="1200">
+                <a:solidFill>
+                  <a:schemeClr val="tx1"/>
+                </a:solidFill>
+                <a:latin typeface="+mn-lt"/>
+                <a:ea typeface="+mn-ea"/>
+                <a:cs typeface="+mn-cs"/>
+              </a:defRPr>
+            </a:lvl6pPr>
+            <a:lvl7pPr marL="2743200" algn="l" defTabSz="457200" rtl="0" eaLnBrk="1" latinLnBrk="0" hangingPunct="1">
+              <a:defRPr sz="1800" kern="1200">
+                <a:solidFill>
+                  <a:schemeClr val="tx1"/>
+                </a:solidFill>
+                <a:latin typeface="+mn-lt"/>
+                <a:ea typeface="+mn-ea"/>
+                <a:cs typeface="+mn-cs"/>
+              </a:defRPr>
+            </a:lvl7pPr>
+            <a:lvl8pPr marL="3200400" algn="l" defTabSz="457200" rtl="0" eaLnBrk="1" latinLnBrk="0" hangingPunct="1">
+              <a:defRPr sz="1800" kern="1200">
+                <a:solidFill>
+                  <a:schemeClr val="tx1"/>
+                </a:solidFill>
+                <a:latin typeface="+mn-lt"/>
+                <a:ea typeface="+mn-ea"/>
+                <a:cs typeface="+mn-cs"/>
+              </a:defRPr>
+            </a:lvl8pPr>
+            <a:lvl9pPr marL="3657600" algn="l" defTabSz="457200" rtl="0" eaLnBrk="1" latinLnBrk="0" hangingPunct="1">
+              <a:defRPr sz="1800" kern="1200">
+                <a:solidFill>
+                  <a:schemeClr val="tx1"/>
+                </a:solidFill>
+                <a:latin typeface="+mn-lt"/>
+                <a:ea typeface="+mn-ea"/>
+                <a:cs typeface="+mn-cs"/>
+              </a:defRPr>
+            </a:lvl9pPr>
+          </a:lstStyle>
+          <a:p>
+            <a:pPr algn="ctr"/>
+            <a:fld id="{E674C0A0-8DE9-4942-9F1B-2332F349D007}" type="slidenum">
+              <a:rPr lang="ru-RU" sz="2200" smtClean="0">
+                <a:latin typeface="Tahoma" panose="020B0604030504040204" pitchFamily="34" charset="0"/>
+                <a:ea typeface="Tahoma" panose="020B0604030504040204" pitchFamily="34" charset="0"/>
+                <a:cs typeface="Tahoma" panose="020B0604030504040204" pitchFamily="34" charset="0"/>
+              </a:rPr>
+              <a:pPr algn="ctr"/>
+              <a:t>12</a:t>
+            </a:fld>
+            <a:endParaRPr lang="ru-RU" sz="2200" dirty="0">
+              <a:latin typeface="Tahoma" panose="020B0604030504040204" pitchFamily="34" charset="0"/>
+              <a:ea typeface="Tahoma" panose="020B0604030504040204" pitchFamily="34" charset="0"/>
+              <a:cs typeface="Tahoma" panose="020B0604030504040204" pitchFamily="34" charset="0"/>
+            </a:endParaRPr>
+          </a:p>
+        </p:txBody>
+      </p:sp>
     </p:spTree>
     <p:extLst>
       <p:ext uri="{BB962C8B-B14F-4D97-AF65-F5344CB8AC3E}">
@@ -8721,10 +8979,10 @@
       </p:sp>
       <p:pic>
         <p:nvPicPr>
-          <p:cNvPr id="4" name="Рисунок 3">
+          <p:cNvPr id="5" name="Рисунок 4">
             <a:extLst>
               <a:ext uri="{FF2B5EF4-FFF2-40B4-BE49-F238E27FC236}">
-                <a16:creationId xmlns:a16="http://schemas.microsoft.com/office/drawing/2014/main" id="{5733723D-5019-E252-D605-6175B0BE26F6}"/>
+                <a16:creationId xmlns:a16="http://schemas.microsoft.com/office/drawing/2014/main" id="{E618EDD7-775A-4541-AF44-203CAB66133C}"/>
               </a:ext>
             </a:extLst>
           </p:cNvPr>
@@ -8741,19 +8999,183 @@
         </p:blipFill>
         <p:spPr>
           <a:xfrm>
-            <a:off x="0" y="1152983"/>
-            <a:ext cx="12192000" cy="5705017"/>
+            <a:off x="0" y="856739"/>
+            <a:ext cx="12191999" cy="6056725"/>
           </a:xfrm>
           <a:prstGeom prst="rect">
             <a:avLst/>
           </a:prstGeom>
-          <a:ln>
-            <a:solidFill>
-              <a:schemeClr val="tx1"/>
-            </a:solidFill>
-          </a:ln>
         </p:spPr>
       </p:pic>
+      <p:sp>
+        <p:nvSpPr>
+          <p:cNvPr id="6" name="Номер слайда 5">
+            <a:extLst>
+              <a:ext uri="{FF2B5EF4-FFF2-40B4-BE49-F238E27FC236}">
+                <a16:creationId xmlns:a16="http://schemas.microsoft.com/office/drawing/2014/main" id="{3C3AFCA4-E2FD-47F0-B06A-8F05A74FC61E}"/>
+              </a:ext>
+            </a:extLst>
+          </p:cNvPr>
+          <p:cNvSpPr>
+            <a:spLocks noGrp="1"/>
+          </p:cNvSpPr>
+          <p:nvPr>
+            <p:ph type="sldNum" sz="quarter" idx="12"/>
+          </p:nvPr>
+        </p:nvSpPr>
+        <p:spPr/>
+        <p:txBody>
+          <a:bodyPr/>
+          <a:lstStyle/>
+          <a:p>
+            <a:fld id="{E674C0A0-8DE9-4942-9F1B-2332F349D007}" type="slidenum">
+              <a:rPr lang="ru-RU" smtClean="0"/>
+              <a:t>13</a:t>
+            </a:fld>
+            <a:endParaRPr lang="ru-RU"/>
+          </a:p>
+        </p:txBody>
+      </p:sp>
+      <p:sp>
+        <p:nvSpPr>
+          <p:cNvPr id="8" name="Номер слайда 4">
+            <a:extLst>
+              <a:ext uri="{FF2B5EF4-FFF2-40B4-BE49-F238E27FC236}">
+                <a16:creationId xmlns:a16="http://schemas.microsoft.com/office/drawing/2014/main" id="{62EAE0F7-9A41-4545-A92F-FC52F608E217}"/>
+              </a:ext>
+            </a:extLst>
+          </p:cNvPr>
+          <p:cNvSpPr txBox="1">
+            <a:spLocks/>
+          </p:cNvSpPr>
+          <p:nvPr/>
+        </p:nvSpPr>
+        <p:spPr>
+          <a:xfrm>
+            <a:off x="11171852" y="0"/>
+            <a:ext cx="1020148" cy="658368"/>
+          </a:xfrm>
+          <a:prstGeom prst="rect">
+            <a:avLst/>
+          </a:prstGeom>
+        </p:spPr>
+        <p:txBody>
+          <a:bodyPr vert="horz" lIns="91440" tIns="45720" rIns="91440" bIns="45720" rtlCol="0" anchor="ctr"/>
+          <a:lstStyle>
+            <a:defPPr>
+              <a:defRPr lang="en-US"/>
+            </a:defPPr>
+            <a:lvl1pPr marL="0" algn="r" defTabSz="457200" rtl="0" eaLnBrk="1" latinLnBrk="0" hangingPunct="1">
+              <a:defRPr sz="1000" b="0" i="0" kern="1200">
+                <a:solidFill>
+                  <a:schemeClr val="tx1"/>
+                </a:solidFill>
+                <a:effectLst/>
+                <a:latin typeface="+mn-lt"/>
+                <a:ea typeface="+mn-ea"/>
+                <a:cs typeface="+mn-cs"/>
+              </a:defRPr>
+            </a:lvl1pPr>
+            <a:lvl2pPr marL="457200" algn="l" defTabSz="457200" rtl="0" eaLnBrk="1" latinLnBrk="0" hangingPunct="1">
+              <a:defRPr sz="1800" kern="1200">
+                <a:solidFill>
+                  <a:schemeClr val="tx1"/>
+                </a:solidFill>
+                <a:latin typeface="+mn-lt"/>
+                <a:ea typeface="+mn-ea"/>
+                <a:cs typeface="+mn-cs"/>
+              </a:defRPr>
+            </a:lvl2pPr>
+            <a:lvl3pPr marL="914400" algn="l" defTabSz="457200" rtl="0" eaLnBrk="1" latinLnBrk="0" hangingPunct="1">
+              <a:defRPr sz="1800" kern="1200">
+                <a:solidFill>
+                  <a:schemeClr val="tx1"/>
+                </a:solidFill>
+                <a:latin typeface="+mn-lt"/>
+                <a:ea typeface="+mn-ea"/>
+                <a:cs typeface="+mn-cs"/>
+              </a:defRPr>
+            </a:lvl3pPr>
+            <a:lvl4pPr marL="1371600" algn="l" defTabSz="457200" rtl="0" eaLnBrk="1" latinLnBrk="0" hangingPunct="1">
+              <a:defRPr sz="1800" kern="1200">
+                <a:solidFill>
+                  <a:schemeClr val="tx1"/>
+                </a:solidFill>
+                <a:latin typeface="+mn-lt"/>
+                <a:ea typeface="+mn-ea"/>
+                <a:cs typeface="+mn-cs"/>
+              </a:defRPr>
+            </a:lvl4pPr>
+            <a:lvl5pPr marL="1828800" algn="l" defTabSz="457200" rtl="0" eaLnBrk="1" latinLnBrk="0" hangingPunct="1">
+              <a:defRPr sz="1800" kern="1200">
+                <a:solidFill>
+                  <a:schemeClr val="tx1"/>
+                </a:solidFill>
+                <a:latin typeface="+mn-lt"/>
+                <a:ea typeface="+mn-ea"/>
+                <a:cs typeface="+mn-cs"/>
+              </a:defRPr>
+            </a:lvl5pPr>
+            <a:lvl6pPr marL="2286000" algn="l" defTabSz="457200" rtl="0" eaLnBrk="1" latinLnBrk="0" hangingPunct="1">
+              <a:defRPr sz="1800" kern="1200">
+                <a:solidFill>
+                  <a:schemeClr val="tx1"/>
+                </a:solidFill>
+                <a:latin typeface="+mn-lt"/>
+                <a:ea typeface="+mn-ea"/>
+                <a:cs typeface="+mn-cs"/>
+              </a:defRPr>
+            </a:lvl6pPr>
+            <a:lvl7pPr marL="2743200" algn="l" defTabSz="457200" rtl="0" eaLnBrk="1" latinLnBrk="0" hangingPunct="1">
+              <a:defRPr sz="1800" kern="1200">
+                <a:solidFill>
+                  <a:schemeClr val="tx1"/>
+                </a:solidFill>
+                <a:latin typeface="+mn-lt"/>
+                <a:ea typeface="+mn-ea"/>
+                <a:cs typeface="+mn-cs"/>
+              </a:defRPr>
+            </a:lvl7pPr>
+            <a:lvl8pPr marL="3200400" algn="l" defTabSz="457200" rtl="0" eaLnBrk="1" latinLnBrk="0" hangingPunct="1">
+              <a:defRPr sz="1800" kern="1200">
+                <a:solidFill>
+                  <a:schemeClr val="tx1"/>
+                </a:solidFill>
+                <a:latin typeface="+mn-lt"/>
+                <a:ea typeface="+mn-ea"/>
+                <a:cs typeface="+mn-cs"/>
+              </a:defRPr>
+            </a:lvl8pPr>
+            <a:lvl9pPr marL="3657600" algn="l" defTabSz="457200" rtl="0" eaLnBrk="1" latinLnBrk="0" hangingPunct="1">
+              <a:defRPr sz="1800" kern="1200">
+                <a:solidFill>
+                  <a:schemeClr val="tx1"/>
+                </a:solidFill>
+                <a:latin typeface="+mn-lt"/>
+                <a:ea typeface="+mn-ea"/>
+                <a:cs typeface="+mn-cs"/>
+              </a:defRPr>
+            </a:lvl9pPr>
+          </a:lstStyle>
+          <a:p>
+            <a:pPr algn="ctr"/>
+            <a:fld id="{E674C0A0-8DE9-4942-9F1B-2332F349D007}" type="slidenum">
+              <a:rPr lang="ru-RU" sz="2200" smtClean="0">
+                <a:latin typeface="Tahoma" panose="020B0604030504040204" pitchFamily="34" charset="0"/>
+                <a:ea typeface="Tahoma" panose="020B0604030504040204" pitchFamily="34" charset="0"/>
+                <a:cs typeface="Tahoma" panose="020B0604030504040204" pitchFamily="34" charset="0"/>
+              </a:rPr>
+              <a:pPr algn="ctr"/>
+              <a:t>13</a:t>
+            </a:fld>
+            <a:endParaRPr lang="ru-RU" sz="2200" dirty="0">
+              <a:latin typeface="Tahoma" panose="020B0604030504040204" pitchFamily="34" charset="0"/>
+              <a:ea typeface="Tahoma" panose="020B0604030504040204" pitchFamily="34" charset="0"/>
+              <a:cs typeface="Tahoma" panose="020B0604030504040204" pitchFamily="34" charset="0"/>
+            </a:endParaRPr>
+          </a:p>
+        </p:txBody>
+      </p:sp>
     </p:spTree>
     <p:extLst>
       <p:ext uri="{BB962C8B-B14F-4D97-AF65-F5344CB8AC3E}">
@@ -8848,54 +9270,150 @@
       </p:sp>
       <p:sp>
         <p:nvSpPr>
-          <p:cNvPr id="3" name="Объект 2">
+          <p:cNvPr id="10" name="Номер слайда 4">
             <a:extLst>
               <a:ext uri="{FF2B5EF4-FFF2-40B4-BE49-F238E27FC236}">
-                <a16:creationId xmlns:a16="http://schemas.microsoft.com/office/drawing/2014/main" id="{289F0795-2645-DA34-3D5E-2F3C44412E80}"/>
+                <a16:creationId xmlns:a16="http://schemas.microsoft.com/office/drawing/2014/main" id="{2B5AEB02-FB32-4BEC-B2D7-82CCC014B792}"/>
               </a:ext>
             </a:extLst>
           </p:cNvPr>
-          <p:cNvSpPr>
-            <a:spLocks noGrp="1"/>
+          <p:cNvSpPr txBox="1">
+            <a:spLocks/>
           </p:cNvSpPr>
-          <p:nvPr>
-            <p:ph idx="1"/>
-          </p:nvPr>
-        </p:nvSpPr>
-        <p:spPr>
-          <a:xfrm>
-            <a:off x="1104293" y="1331259"/>
-            <a:ext cx="8946541" cy="4195481"/>
-          </a:xfrm>
-        </p:spPr>
-        <p:txBody>
-          <a:bodyPr>
-            <a:normAutofit/>
-          </a:bodyPr>
-          <a:lstStyle/>
-          <a:p>
-            <a:pPr marL="0" indent="0" algn="just">
-              <a:lnSpc>
-                <a:spcPct val="150000"/>
-              </a:lnSpc>
-              <a:buNone/>
-            </a:pPr>
-            <a:endParaRPr lang="ru-RU" b="0" strike="noStrike" spc="-1" dirty="0">
-              <a:solidFill>
-                <a:srgbClr val="000000"/>
-              </a:solidFill>
-              <a:latin typeface="Times New Roman" panose="02020603050405020304" pitchFamily="18" charset="0"/>
-              <a:cs typeface="Times New Roman" panose="02020603050405020304" pitchFamily="18" charset="0"/>
+          <p:nvPr/>
+        </p:nvSpPr>
+        <p:spPr>
+          <a:xfrm>
+            <a:off x="11171852" y="0"/>
+            <a:ext cx="1020148" cy="658368"/>
+          </a:xfrm>
+          <a:prstGeom prst="rect">
+            <a:avLst/>
+          </a:prstGeom>
+        </p:spPr>
+        <p:txBody>
+          <a:bodyPr vert="horz" lIns="91440" tIns="45720" rIns="91440" bIns="45720" rtlCol="0" anchor="ctr"/>
+          <a:lstStyle>
+            <a:defPPr>
+              <a:defRPr lang="en-US"/>
+            </a:defPPr>
+            <a:lvl1pPr marL="0" algn="r" defTabSz="457200" rtl="0" eaLnBrk="1" latinLnBrk="0" hangingPunct="1">
+              <a:defRPr sz="1000" b="0" i="0" kern="1200">
+                <a:solidFill>
+                  <a:schemeClr val="tx1"/>
+                </a:solidFill>
+                <a:effectLst/>
+                <a:latin typeface="+mn-lt"/>
+                <a:ea typeface="+mn-ea"/>
+                <a:cs typeface="+mn-cs"/>
+              </a:defRPr>
+            </a:lvl1pPr>
+            <a:lvl2pPr marL="457200" algn="l" defTabSz="457200" rtl="0" eaLnBrk="1" latinLnBrk="0" hangingPunct="1">
+              <a:defRPr sz="1800" kern="1200">
+                <a:solidFill>
+                  <a:schemeClr val="tx1"/>
+                </a:solidFill>
+                <a:latin typeface="+mn-lt"/>
+                <a:ea typeface="+mn-ea"/>
+                <a:cs typeface="+mn-cs"/>
+              </a:defRPr>
+            </a:lvl2pPr>
+            <a:lvl3pPr marL="914400" algn="l" defTabSz="457200" rtl="0" eaLnBrk="1" latinLnBrk="0" hangingPunct="1">
+              <a:defRPr sz="1800" kern="1200">
+                <a:solidFill>
+                  <a:schemeClr val="tx1"/>
+                </a:solidFill>
+                <a:latin typeface="+mn-lt"/>
+                <a:ea typeface="+mn-ea"/>
+                <a:cs typeface="+mn-cs"/>
+              </a:defRPr>
+            </a:lvl3pPr>
+            <a:lvl4pPr marL="1371600" algn="l" defTabSz="457200" rtl="0" eaLnBrk="1" latinLnBrk="0" hangingPunct="1">
+              <a:defRPr sz="1800" kern="1200">
+                <a:solidFill>
+                  <a:schemeClr val="tx1"/>
+                </a:solidFill>
+                <a:latin typeface="+mn-lt"/>
+                <a:ea typeface="+mn-ea"/>
+                <a:cs typeface="+mn-cs"/>
+              </a:defRPr>
+            </a:lvl4pPr>
+            <a:lvl5pPr marL="1828800" algn="l" defTabSz="457200" rtl="0" eaLnBrk="1" latinLnBrk="0" hangingPunct="1">
+              <a:defRPr sz="1800" kern="1200">
+                <a:solidFill>
+                  <a:schemeClr val="tx1"/>
+                </a:solidFill>
+                <a:latin typeface="+mn-lt"/>
+                <a:ea typeface="+mn-ea"/>
+                <a:cs typeface="+mn-cs"/>
+              </a:defRPr>
+            </a:lvl5pPr>
+            <a:lvl6pPr marL="2286000" algn="l" defTabSz="457200" rtl="0" eaLnBrk="1" latinLnBrk="0" hangingPunct="1">
+              <a:defRPr sz="1800" kern="1200">
+                <a:solidFill>
+                  <a:schemeClr val="tx1"/>
+                </a:solidFill>
+                <a:latin typeface="+mn-lt"/>
+                <a:ea typeface="+mn-ea"/>
+                <a:cs typeface="+mn-cs"/>
+              </a:defRPr>
+            </a:lvl6pPr>
+            <a:lvl7pPr marL="2743200" algn="l" defTabSz="457200" rtl="0" eaLnBrk="1" latinLnBrk="0" hangingPunct="1">
+              <a:defRPr sz="1800" kern="1200">
+                <a:solidFill>
+                  <a:schemeClr val="tx1"/>
+                </a:solidFill>
+                <a:latin typeface="+mn-lt"/>
+                <a:ea typeface="+mn-ea"/>
+                <a:cs typeface="+mn-cs"/>
+              </a:defRPr>
+            </a:lvl7pPr>
+            <a:lvl8pPr marL="3200400" algn="l" defTabSz="457200" rtl="0" eaLnBrk="1" latinLnBrk="0" hangingPunct="1">
+              <a:defRPr sz="1800" kern="1200">
+                <a:solidFill>
+                  <a:schemeClr val="tx1"/>
+                </a:solidFill>
+                <a:latin typeface="+mn-lt"/>
+                <a:ea typeface="+mn-ea"/>
+                <a:cs typeface="+mn-cs"/>
+              </a:defRPr>
+            </a:lvl8pPr>
+            <a:lvl9pPr marL="3657600" algn="l" defTabSz="457200" rtl="0" eaLnBrk="1" latinLnBrk="0" hangingPunct="1">
+              <a:defRPr sz="1800" kern="1200">
+                <a:solidFill>
+                  <a:schemeClr val="tx1"/>
+                </a:solidFill>
+                <a:latin typeface="+mn-lt"/>
+                <a:ea typeface="+mn-ea"/>
+                <a:cs typeface="+mn-cs"/>
+              </a:defRPr>
+            </a:lvl9pPr>
+          </a:lstStyle>
+          <a:p>
+            <a:pPr algn="ctr"/>
+            <a:fld id="{E674C0A0-8DE9-4942-9F1B-2332F349D007}" type="slidenum">
+              <a:rPr lang="ru-RU" sz="2200" smtClean="0">
+                <a:latin typeface="Tahoma" panose="020B0604030504040204" pitchFamily="34" charset="0"/>
+                <a:ea typeface="Tahoma" panose="020B0604030504040204" pitchFamily="34" charset="0"/>
+                <a:cs typeface="Tahoma" panose="020B0604030504040204" pitchFamily="34" charset="0"/>
+              </a:rPr>
+              <a:pPr algn="ctr"/>
+              <a:t>14</a:t>
+            </a:fld>
+            <a:endParaRPr lang="ru-RU" sz="2200" dirty="0">
+              <a:latin typeface="Tahoma" panose="020B0604030504040204" pitchFamily="34" charset="0"/>
+              <a:ea typeface="Tahoma" panose="020B0604030504040204" pitchFamily="34" charset="0"/>
+              <a:cs typeface="Tahoma" panose="020B0604030504040204" pitchFamily="34" charset="0"/>
             </a:endParaRPr>
           </a:p>
         </p:txBody>
       </p:sp>
       <p:pic>
         <p:nvPicPr>
-          <p:cNvPr id="4" name="Рисунок 3">
+          <p:cNvPr id="11" name="Рисунок 10">
             <a:extLst>
               <a:ext uri="{FF2B5EF4-FFF2-40B4-BE49-F238E27FC236}">
-                <a16:creationId xmlns:a16="http://schemas.microsoft.com/office/drawing/2014/main" id="{FC4DB14D-AB40-5624-4058-955D57173858}"/>
+                <a16:creationId xmlns:a16="http://schemas.microsoft.com/office/drawing/2014/main" id="{8305D641-872E-4865-AE67-66205DCDD2D4}"/>
               </a:ext>
             </a:extLst>
           </p:cNvPr>
@@ -8912,20 +9430,12 @@
         </p:blipFill>
         <p:spPr>
           <a:xfrm>
-            <a:off x="0" y="1173409"/>
-            <a:ext cx="12192000" cy="5684591"/>
+            <a:off x="-1" y="1101012"/>
+            <a:ext cx="12191999" cy="5756988"/>
           </a:xfrm>
           <a:prstGeom prst="rect">
             <a:avLst/>
           </a:prstGeom>
-          <a:solidFill>
-            <a:sysClr val="windowText" lastClr="000000"/>
-          </a:solidFill>
-          <a:ln>
-            <a:solidFill>
-              <a:schemeClr val="tx1"/>
-            </a:solidFill>
-          </a:ln>
         </p:spPr>
       </p:pic>
     </p:spTree>
@@ -9053,7 +9563,7 @@
                 <a:latin typeface="Times New Roman" panose="02020603050405020304" pitchFamily="18" charset="0"/>
                 <a:cs typeface="Times New Roman" panose="02020603050405020304" pitchFamily="18" charset="0"/>
               </a:rPr>
-              <a:t>В процессе выполнения практики проектированию были решены следующие </a:t>
+              <a:t>В процессе выполнения практики были решены следующие </a:t>
             </a:r>
             <a:r>
               <a:rPr lang="ru-RU" sz="2200" dirty="0">
@@ -9103,7 +9613,7 @@
                 <a:latin typeface="Times New Roman" panose="02020603050405020304" pitchFamily="18" charset="0"/>
                 <a:cs typeface="Times New Roman" panose="02020603050405020304" pitchFamily="18" charset="0"/>
               </a:rPr>
-              <a:t>разработана различных диаграмм, иллюстрирующих работу системы;</a:t>
+              <a:t>разработаны различные диаграммы, иллюстрирующие работу системы;</a:t>
             </a:r>
           </a:p>
           <a:p>
@@ -9202,6 +9712,175 @@
               </a:rPr>
               <a:t>разработка дизайна форм.</a:t>
             </a:r>
+          </a:p>
+        </p:txBody>
+      </p:sp>
+      <p:sp>
+        <p:nvSpPr>
+          <p:cNvPr id="4" name="Номер слайда 3">
+            <a:extLst>
+              <a:ext uri="{FF2B5EF4-FFF2-40B4-BE49-F238E27FC236}">
+                <a16:creationId xmlns:a16="http://schemas.microsoft.com/office/drawing/2014/main" id="{D77DF220-02EA-40EE-80A9-00225E5F1C82}"/>
+              </a:ext>
+            </a:extLst>
+          </p:cNvPr>
+          <p:cNvSpPr>
+            <a:spLocks noGrp="1"/>
+          </p:cNvSpPr>
+          <p:nvPr>
+            <p:ph type="sldNum" sz="quarter" idx="12"/>
+          </p:nvPr>
+        </p:nvSpPr>
+        <p:spPr/>
+        <p:txBody>
+          <a:bodyPr/>
+          <a:lstStyle/>
+          <a:p>
+            <a:fld id="{E674C0A0-8DE9-4942-9F1B-2332F349D007}" type="slidenum">
+              <a:rPr lang="ru-RU" smtClean="0"/>
+              <a:t>15</a:t>
+            </a:fld>
+            <a:endParaRPr lang="ru-RU"/>
+          </a:p>
+        </p:txBody>
+      </p:sp>
+      <p:sp>
+        <p:nvSpPr>
+          <p:cNvPr id="7" name="Номер слайда 4">
+            <a:extLst>
+              <a:ext uri="{FF2B5EF4-FFF2-40B4-BE49-F238E27FC236}">
+                <a16:creationId xmlns:a16="http://schemas.microsoft.com/office/drawing/2014/main" id="{C687772F-C4EB-4F08-A450-22EA9070A70F}"/>
+              </a:ext>
+            </a:extLst>
+          </p:cNvPr>
+          <p:cNvSpPr txBox="1">
+            <a:spLocks/>
+          </p:cNvSpPr>
+          <p:nvPr/>
+        </p:nvSpPr>
+        <p:spPr>
+          <a:xfrm>
+            <a:off x="11171852" y="0"/>
+            <a:ext cx="1020148" cy="658368"/>
+          </a:xfrm>
+          <a:prstGeom prst="rect">
+            <a:avLst/>
+          </a:prstGeom>
+        </p:spPr>
+        <p:txBody>
+          <a:bodyPr vert="horz" lIns="91440" tIns="45720" rIns="91440" bIns="45720" rtlCol="0" anchor="ctr"/>
+          <a:lstStyle>
+            <a:defPPr>
+              <a:defRPr lang="en-US"/>
+            </a:defPPr>
+            <a:lvl1pPr marL="0" algn="r" defTabSz="457200" rtl="0" eaLnBrk="1" latinLnBrk="0" hangingPunct="1">
+              <a:defRPr sz="1000" b="0" i="0" kern="1200">
+                <a:solidFill>
+                  <a:schemeClr val="tx1"/>
+                </a:solidFill>
+                <a:effectLst/>
+                <a:latin typeface="+mn-lt"/>
+                <a:ea typeface="+mn-ea"/>
+                <a:cs typeface="+mn-cs"/>
+              </a:defRPr>
+            </a:lvl1pPr>
+            <a:lvl2pPr marL="457200" algn="l" defTabSz="457200" rtl="0" eaLnBrk="1" latinLnBrk="0" hangingPunct="1">
+              <a:defRPr sz="1800" kern="1200">
+                <a:solidFill>
+                  <a:schemeClr val="tx1"/>
+                </a:solidFill>
+                <a:latin typeface="+mn-lt"/>
+                <a:ea typeface="+mn-ea"/>
+                <a:cs typeface="+mn-cs"/>
+              </a:defRPr>
+            </a:lvl2pPr>
+            <a:lvl3pPr marL="914400" algn="l" defTabSz="457200" rtl="0" eaLnBrk="1" latinLnBrk="0" hangingPunct="1">
+              <a:defRPr sz="1800" kern="1200">
+                <a:solidFill>
+                  <a:schemeClr val="tx1"/>
+                </a:solidFill>
+                <a:latin typeface="+mn-lt"/>
+                <a:ea typeface="+mn-ea"/>
+                <a:cs typeface="+mn-cs"/>
+              </a:defRPr>
+            </a:lvl3pPr>
+            <a:lvl4pPr marL="1371600" algn="l" defTabSz="457200" rtl="0" eaLnBrk="1" latinLnBrk="0" hangingPunct="1">
+              <a:defRPr sz="1800" kern="1200">
+                <a:solidFill>
+                  <a:schemeClr val="tx1"/>
+                </a:solidFill>
+                <a:latin typeface="+mn-lt"/>
+                <a:ea typeface="+mn-ea"/>
+                <a:cs typeface="+mn-cs"/>
+              </a:defRPr>
+            </a:lvl4pPr>
+            <a:lvl5pPr marL="1828800" algn="l" defTabSz="457200" rtl="0" eaLnBrk="1" latinLnBrk="0" hangingPunct="1">
+              <a:defRPr sz="1800" kern="1200">
+                <a:solidFill>
+                  <a:schemeClr val="tx1"/>
+                </a:solidFill>
+                <a:latin typeface="+mn-lt"/>
+                <a:ea typeface="+mn-ea"/>
+                <a:cs typeface="+mn-cs"/>
+              </a:defRPr>
+            </a:lvl5pPr>
+            <a:lvl6pPr marL="2286000" algn="l" defTabSz="457200" rtl="0" eaLnBrk="1" latinLnBrk="0" hangingPunct="1">
+              <a:defRPr sz="1800" kern="1200">
+                <a:solidFill>
+                  <a:schemeClr val="tx1"/>
+                </a:solidFill>
+                <a:latin typeface="+mn-lt"/>
+                <a:ea typeface="+mn-ea"/>
+                <a:cs typeface="+mn-cs"/>
+              </a:defRPr>
+            </a:lvl6pPr>
+            <a:lvl7pPr marL="2743200" algn="l" defTabSz="457200" rtl="0" eaLnBrk="1" latinLnBrk="0" hangingPunct="1">
+              <a:defRPr sz="1800" kern="1200">
+                <a:solidFill>
+                  <a:schemeClr val="tx1"/>
+                </a:solidFill>
+                <a:latin typeface="+mn-lt"/>
+                <a:ea typeface="+mn-ea"/>
+                <a:cs typeface="+mn-cs"/>
+              </a:defRPr>
+            </a:lvl7pPr>
+            <a:lvl8pPr marL="3200400" algn="l" defTabSz="457200" rtl="0" eaLnBrk="1" latinLnBrk="0" hangingPunct="1">
+              <a:defRPr sz="1800" kern="1200">
+                <a:solidFill>
+                  <a:schemeClr val="tx1"/>
+                </a:solidFill>
+                <a:latin typeface="+mn-lt"/>
+                <a:ea typeface="+mn-ea"/>
+                <a:cs typeface="+mn-cs"/>
+              </a:defRPr>
+            </a:lvl8pPr>
+            <a:lvl9pPr marL="3657600" algn="l" defTabSz="457200" rtl="0" eaLnBrk="1" latinLnBrk="0" hangingPunct="1">
+              <a:defRPr sz="1800" kern="1200">
+                <a:solidFill>
+                  <a:schemeClr val="tx1"/>
+                </a:solidFill>
+                <a:latin typeface="+mn-lt"/>
+                <a:ea typeface="+mn-ea"/>
+                <a:cs typeface="+mn-cs"/>
+              </a:defRPr>
+            </a:lvl9pPr>
+          </a:lstStyle>
+          <a:p>
+            <a:pPr algn="ctr"/>
+            <a:fld id="{E674C0A0-8DE9-4942-9F1B-2332F349D007}" type="slidenum">
+              <a:rPr lang="ru-RU" sz="2200" smtClean="0">
+                <a:latin typeface="Tahoma" panose="020B0604030504040204" pitchFamily="34" charset="0"/>
+                <a:ea typeface="Tahoma" panose="020B0604030504040204" pitchFamily="34" charset="0"/>
+                <a:cs typeface="Tahoma" panose="020B0604030504040204" pitchFamily="34" charset="0"/>
+              </a:rPr>
+              <a:pPr algn="ctr"/>
+              <a:t>15</a:t>
+            </a:fld>
+            <a:endParaRPr lang="ru-RU" sz="2200" dirty="0">
+              <a:latin typeface="Tahoma" panose="020B0604030504040204" pitchFamily="34" charset="0"/>
+              <a:ea typeface="Tahoma" panose="020B0604030504040204" pitchFamily="34" charset="0"/>
+              <a:cs typeface="Tahoma" panose="020B0604030504040204" pitchFamily="34" charset="0"/>
+            </a:endParaRPr>
           </a:p>
         </p:txBody>
       </p:sp>
@@ -9529,6 +10208,50 @@
           </a:ln>
         </p:spPr>
       </p:pic>
+      <p:sp>
+        <p:nvSpPr>
+          <p:cNvPr id="5" name="Номер слайда 4">
+            <a:extLst>
+              <a:ext uri="{FF2B5EF4-FFF2-40B4-BE49-F238E27FC236}">
+                <a16:creationId xmlns:a16="http://schemas.microsoft.com/office/drawing/2014/main" id="{DA0446A6-8DF8-4692-A892-0D1B0E43DFAD}"/>
+              </a:ext>
+            </a:extLst>
+          </p:cNvPr>
+          <p:cNvSpPr>
+            <a:spLocks noGrp="1"/>
+          </p:cNvSpPr>
+          <p:nvPr>
+            <p:ph type="sldNum" sz="quarter" idx="12"/>
+          </p:nvPr>
+        </p:nvSpPr>
+        <p:spPr>
+          <a:xfrm>
+            <a:off x="11171852" y="0"/>
+            <a:ext cx="1020148" cy="658368"/>
+          </a:xfrm>
+        </p:spPr>
+        <p:txBody>
+          <a:bodyPr/>
+          <a:lstStyle/>
+          <a:p>
+            <a:pPr algn="ctr"/>
+            <a:fld id="{E674C0A0-8DE9-4942-9F1B-2332F349D007}" type="slidenum">
+              <a:rPr lang="ru-RU" sz="2200" smtClean="0">
+                <a:latin typeface="Tahoma" panose="020B0604030504040204" pitchFamily="34" charset="0"/>
+                <a:ea typeface="Tahoma" panose="020B0604030504040204" pitchFamily="34" charset="0"/>
+                <a:cs typeface="Tahoma" panose="020B0604030504040204" pitchFamily="34" charset="0"/>
+              </a:rPr>
+              <a:pPr algn="ctr"/>
+              <a:t>2</a:t>
+            </a:fld>
+            <a:endParaRPr lang="ru-RU" sz="2200" dirty="0">
+              <a:latin typeface="Tahoma" panose="020B0604030504040204" pitchFamily="34" charset="0"/>
+              <a:ea typeface="Tahoma" panose="020B0604030504040204" pitchFamily="34" charset="0"/>
+              <a:cs typeface="Tahoma" panose="020B0604030504040204" pitchFamily="34" charset="0"/>
+            </a:endParaRPr>
+          </a:p>
+        </p:txBody>
+      </p:sp>
     </p:spTree>
     <p:extLst>
       <p:ext uri="{BB962C8B-B14F-4D97-AF65-F5344CB8AC3E}">
@@ -11783,8 +12506,8 @@
         </p:nvSpPr>
         <p:spPr>
           <a:xfrm>
-            <a:off x="1021764" y="1154186"/>
-            <a:ext cx="10148472" cy="5138928"/>
+            <a:off x="711963" y="977834"/>
+            <a:ext cx="10768073" cy="5477868"/>
           </a:xfrm>
           <a:prstGeom prst="roundRect">
             <a:avLst/>
@@ -11828,6 +12551,11 @@
             </a:pPr>
             <a:r>
               <a:rPr lang="ru-RU" sz="2200" kern="100" dirty="0">
+                <a:solidFill>
+                  <a:schemeClr val="tx2">
+                    <a:lumMod val="10000"/>
+                  </a:schemeClr>
+                </a:solidFill>
                 <a:effectLst/>
                 <a:latin typeface="Times New Roman" panose="02020603050405020304" pitchFamily="18" charset="0"/>
                 <a:ea typeface="NSimSun" panose="02010609030101010101" pitchFamily="49" charset="-122"/>
@@ -11849,6 +12577,11 @@
             </a:pPr>
             <a:r>
               <a:rPr lang="ru-RU" sz="2200" kern="100" dirty="0">
+                <a:solidFill>
+                  <a:schemeClr val="tx2">
+                    <a:lumMod val="10000"/>
+                  </a:schemeClr>
+                </a:solidFill>
                 <a:effectLst/>
                 <a:latin typeface="Times New Roman" panose="02020603050405020304" pitchFamily="18" charset="0"/>
                 <a:ea typeface="NSimSun" panose="02010609030101010101" pitchFamily="49" charset="-122"/>
@@ -11870,6 +12603,11 @@
             </a:r>
             <a:r>
               <a:rPr lang="ru-RU" sz="2200" kern="100" dirty="0">
+                <a:solidFill>
+                  <a:schemeClr val="tx2">
+                    <a:lumMod val="10000"/>
+                  </a:schemeClr>
+                </a:solidFill>
                 <a:effectLst/>
                 <a:latin typeface="Times New Roman" panose="02020603050405020304" pitchFamily="18" charset="0"/>
                 <a:ea typeface="NSimSun" panose="02010609030101010101" pitchFamily="49" charset="-122"/>
@@ -11891,6 +12629,11 @@
             </a:pPr>
             <a:r>
               <a:rPr lang="ru-RU" sz="2200" kern="100" dirty="0">
+                <a:solidFill>
+                  <a:schemeClr val="tx2">
+                    <a:lumMod val="10000"/>
+                  </a:schemeClr>
+                </a:solidFill>
                 <a:effectLst/>
                 <a:latin typeface="Times New Roman" panose="02020603050405020304" pitchFamily="18" charset="0"/>
                 <a:ea typeface="NSimSun" panose="02010609030101010101" pitchFamily="49" charset="-122"/>
@@ -11912,6 +12655,11 @@
             </a:r>
             <a:r>
               <a:rPr lang="ru-RU" sz="2200" kern="100" dirty="0">
+                <a:solidFill>
+                  <a:schemeClr val="tx2">
+                    <a:lumMod val="10000"/>
+                  </a:schemeClr>
+                </a:solidFill>
                 <a:effectLst/>
                 <a:latin typeface="Times New Roman" panose="02020603050405020304" pitchFamily="18" charset="0"/>
                 <a:ea typeface="NSimSun" panose="02010609030101010101" pitchFamily="49" charset="-122"/>
@@ -11933,6 +12681,11 @@
             </a:pPr>
             <a:r>
               <a:rPr lang="ru-RU" sz="2200" kern="100" dirty="0">
+                <a:solidFill>
+                  <a:schemeClr val="tx2">
+                    <a:lumMod val="10000"/>
+                  </a:schemeClr>
+                </a:solidFill>
                 <a:effectLst/>
                 <a:latin typeface="Times New Roman" panose="02020603050405020304" pitchFamily="18" charset="0"/>
                 <a:ea typeface="NSimSun" panose="02010609030101010101" pitchFamily="49" charset="-122"/>
@@ -11954,6 +12707,11 @@
             </a:r>
             <a:r>
               <a:rPr lang="ru-RU" sz="2200" kern="100" dirty="0">
+                <a:solidFill>
+                  <a:schemeClr val="tx2">
+                    <a:lumMod val="10000"/>
+                  </a:schemeClr>
+                </a:solidFill>
                 <a:effectLst/>
                 <a:latin typeface="Times New Roman" panose="02020603050405020304" pitchFamily="18" charset="0"/>
                 <a:ea typeface="NSimSun" panose="02010609030101010101" pitchFamily="49" charset="-122"/>
@@ -11975,6 +12733,11 @@
             </a:pPr>
             <a:r>
               <a:rPr lang="ru-RU" sz="2200" kern="100" dirty="0">
+                <a:solidFill>
+                  <a:schemeClr val="tx2">
+                    <a:lumMod val="10000"/>
+                  </a:schemeClr>
+                </a:solidFill>
                 <a:effectLst/>
                 <a:latin typeface="Times New Roman" panose="02020603050405020304" pitchFamily="18" charset="0"/>
                 <a:ea typeface="NSimSun" panose="02010609030101010101" pitchFamily="49" charset="-122"/>
@@ -11996,6 +12759,11 @@
             </a:r>
             <a:r>
               <a:rPr lang="ru-RU" sz="2200" kern="100" dirty="0">
+                <a:solidFill>
+                  <a:schemeClr val="tx2">
+                    <a:lumMod val="10000"/>
+                  </a:schemeClr>
+                </a:solidFill>
                 <a:effectLst/>
                 <a:latin typeface="Times New Roman" panose="02020603050405020304" pitchFamily="18" charset="0"/>
                 <a:ea typeface="NSimSun" panose="02010609030101010101" pitchFamily="49" charset="-122"/>
@@ -12016,6 +12784,11 @@
             </a:pPr>
             <a:r>
               <a:rPr lang="ru-RU" sz="2200" kern="100" dirty="0">
+                <a:solidFill>
+                  <a:schemeClr val="tx2">
+                    <a:lumMod val="10000"/>
+                  </a:schemeClr>
+                </a:solidFill>
                 <a:effectLst/>
                 <a:latin typeface="Times New Roman" panose="02020603050405020304" pitchFamily="18" charset="0"/>
                 <a:ea typeface="NSimSun" panose="02010609030101010101" pitchFamily="49" charset="-122"/>
@@ -12030,7 +12803,7 @@
                 <a:spcPct val="150000"/>
               </a:lnSpc>
               <a:buClr>
-                <a:schemeClr val="tx1"/>
+                <a:schemeClr val="bg1"/>
               </a:buClr>
               <a:buFont typeface="Symbol" panose="05050102010706020507" pitchFamily="18" charset="2"/>
               <a:buChar char=""/>
@@ -12057,7 +12830,7 @@
                 <a:spcPct val="150000"/>
               </a:lnSpc>
               <a:buClr>
-                <a:schemeClr val="tx1"/>
+                <a:schemeClr val="bg1"/>
               </a:buClr>
               <a:buFont typeface="Symbol" panose="05050102010706020507" pitchFamily="18" charset="2"/>
               <a:buChar char=""/>
@@ -12075,12 +12848,273 @@
                 <a:ea typeface="NSimSun" panose="02010609030101010101" pitchFamily="49" charset="-122"/>
                 <a:cs typeface="Times New Roman" panose="02020603050405020304" pitchFamily="18" charset="0"/>
               </a:rPr>
-              <a:t>403 конкурсных команд.</a:t>
-            </a:r>
+              <a:t>403 конкурсных команд</a:t>
+            </a:r>
+            <a:r>
+              <a:rPr lang="ru-RU" sz="2200" kern="100" dirty="0">
+                <a:solidFill>
+                  <a:srgbClr val="FF0000"/>
+                </a:solidFill>
+                <a:latin typeface="Times New Roman" panose="02020603050405020304" pitchFamily="18" charset="0"/>
+                <a:ea typeface="NSimSun" panose="02010609030101010101" pitchFamily="49" charset="-122"/>
+                <a:cs typeface="Times New Roman" panose="02020603050405020304" pitchFamily="18" charset="0"/>
+              </a:rPr>
+              <a:t>.</a:t>
+            </a:r>
+          </a:p>
+          <a:p>
+            <a:pPr marL="114300" lvl="1" algn="just">
+              <a:lnSpc>
+                <a:spcPct val="150000"/>
+              </a:lnSpc>
+              <a:buClr>
+                <a:schemeClr val="tx1"/>
+              </a:buClr>
+              <a:tabLst>
+                <a:tab pos="221615" algn="l"/>
+              </a:tabLst>
+            </a:pPr>
+            <a:r>
+              <a:rPr lang="ru-RU" sz="2000" kern="100" dirty="0">
+                <a:solidFill>
+                  <a:schemeClr val="bg1">
+                    <a:lumMod val="95000"/>
+                    <a:lumOff val="5000"/>
+                  </a:schemeClr>
+                </a:solidFill>
+                <a:effectLst/>
+                <a:latin typeface="Times New Roman" panose="02020603050405020304" pitchFamily="18" charset="0"/>
+                <a:ea typeface="NSimSun" panose="02010609030101010101" pitchFamily="49" charset="-122"/>
+                <a:cs typeface="Times New Roman" panose="02020603050405020304" pitchFamily="18" charset="0"/>
+              </a:rPr>
+              <a:t>НЕАВТОМАТИЗИРОВАННЫЕ ПРОЦЕССЫ </a:t>
+            </a:r>
+            <a:r>
+              <a:rPr lang="ru-RU" sz="2000" kern="100" dirty="0">
+                <a:solidFill>
+                  <a:schemeClr val="bg1">
+                    <a:lumMod val="95000"/>
+                    <a:lumOff val="5000"/>
+                  </a:schemeClr>
+                </a:solidFill>
+                <a:latin typeface="Times New Roman" panose="02020603050405020304" pitchFamily="18" charset="0"/>
+                <a:ea typeface="NSimSun" panose="02010609030101010101" pitchFamily="49" charset="-122"/>
+                <a:cs typeface="Times New Roman" panose="02020603050405020304" pitchFamily="18" charset="0"/>
+              </a:rPr>
+              <a:t>+ БОЛЬШИЕ ОБЪЁМЫ ДАННЫХ =</a:t>
+            </a:r>
+            <a:r>
+              <a:rPr lang="en-US" sz="2000" kern="100" dirty="0">
+                <a:solidFill>
+                  <a:schemeClr val="bg1">
+                    <a:lumMod val="95000"/>
+                    <a:lumOff val="5000"/>
+                  </a:schemeClr>
+                </a:solidFill>
+                <a:latin typeface="Times New Roman" panose="02020603050405020304" pitchFamily="18" charset="0"/>
+                <a:ea typeface="NSimSun" panose="02010609030101010101" pitchFamily="49" charset="-122"/>
+                <a:cs typeface="Times New Roman" panose="02020603050405020304" pitchFamily="18" charset="0"/>
+              </a:rPr>
+              <a:t>&gt;</a:t>
+            </a:r>
+            <a:r>
+              <a:rPr lang="ru-RU" sz="2000" kern="100" dirty="0">
+                <a:solidFill>
+                  <a:schemeClr val="bg1">
+                    <a:lumMod val="95000"/>
+                    <a:lumOff val="5000"/>
+                  </a:schemeClr>
+                </a:solidFill>
+                <a:latin typeface="Times New Roman" panose="02020603050405020304" pitchFamily="18" charset="0"/>
+                <a:ea typeface="NSimSun" panose="02010609030101010101" pitchFamily="49" charset="-122"/>
+                <a:cs typeface="Times New Roman" panose="02020603050405020304" pitchFamily="18" charset="0"/>
+              </a:rPr>
+              <a:t> </a:t>
+            </a:r>
+            <a:r>
+              <a:rPr lang="ru-RU" sz="2000" b="1" i="1" kern="100" dirty="0">
+                <a:solidFill>
+                  <a:schemeClr val="bg1">
+                    <a:lumMod val="95000"/>
+                    <a:lumOff val="5000"/>
+                  </a:schemeClr>
+                </a:solidFill>
+                <a:latin typeface="Times New Roman" panose="02020603050405020304" pitchFamily="18" charset="0"/>
+                <a:ea typeface="NSimSun" panose="02010609030101010101" pitchFamily="49" charset="-122"/>
+                <a:cs typeface="Times New Roman" panose="02020603050405020304" pitchFamily="18" charset="0"/>
+              </a:rPr>
+              <a:t>СВЕРХУРОЧНАЯ РАБОТА</a:t>
+            </a:r>
+            <a:r>
+              <a:rPr lang="ru-RU" sz="2000" kern="100" dirty="0">
+                <a:solidFill>
+                  <a:schemeClr val="bg1">
+                    <a:lumMod val="95000"/>
+                    <a:lumOff val="5000"/>
+                  </a:schemeClr>
+                </a:solidFill>
+                <a:latin typeface="Times New Roman" panose="02020603050405020304" pitchFamily="18" charset="0"/>
+                <a:ea typeface="NSimSun" panose="02010609030101010101" pitchFamily="49" charset="-122"/>
+                <a:cs typeface="Times New Roman" panose="02020603050405020304" pitchFamily="18" charset="0"/>
+              </a:rPr>
+              <a:t> СОТРУДНИКОВ РШТ </a:t>
+            </a:r>
+            <a:endParaRPr lang="ru-RU" sz="2000" kern="100" dirty="0">
+              <a:solidFill>
+                <a:schemeClr val="bg1">
+                  <a:lumMod val="95000"/>
+                  <a:lumOff val="5000"/>
+                </a:schemeClr>
+              </a:solidFill>
+              <a:effectLst/>
+              <a:latin typeface="Times New Roman" panose="02020603050405020304" pitchFamily="18" charset="0"/>
+              <a:ea typeface="NSimSun" panose="02010609030101010101" pitchFamily="49" charset="-122"/>
+              <a:cs typeface="Times New Roman" panose="02020603050405020304" pitchFamily="18" charset="0"/>
+            </a:endParaRPr>
           </a:p>
           <a:p>
             <a:pPr algn="ctr"/>
             <a:endParaRPr lang="ru-RU" dirty="0"/>
+          </a:p>
+        </p:txBody>
+      </p:sp>
+      <p:sp>
+        <p:nvSpPr>
+          <p:cNvPr id="47" name="Номер слайда 4">
+            <a:extLst>
+              <a:ext uri="{FF2B5EF4-FFF2-40B4-BE49-F238E27FC236}">
+                <a16:creationId xmlns:a16="http://schemas.microsoft.com/office/drawing/2014/main" id="{DD4AB5E6-99E9-4C2A-A56D-D9DBCD1A3F70}"/>
+              </a:ext>
+            </a:extLst>
+          </p:cNvPr>
+          <p:cNvSpPr txBox="1">
+            <a:spLocks/>
+          </p:cNvSpPr>
+          <p:nvPr/>
+        </p:nvSpPr>
+        <p:spPr>
+          <a:xfrm>
+            <a:off x="11171852" y="0"/>
+            <a:ext cx="1020148" cy="658368"/>
+          </a:xfrm>
+          <a:prstGeom prst="rect">
+            <a:avLst/>
+          </a:prstGeom>
+        </p:spPr>
+        <p:txBody>
+          <a:bodyPr vert="horz" lIns="91440" tIns="45720" rIns="91440" bIns="45720" rtlCol="0" anchor="ctr"/>
+          <a:lstStyle>
+            <a:defPPr>
+              <a:defRPr lang="en-US"/>
+            </a:defPPr>
+            <a:lvl1pPr marL="0" algn="r" defTabSz="457200" rtl="0" eaLnBrk="1" latinLnBrk="0" hangingPunct="1">
+              <a:defRPr sz="1000" b="0" i="0" kern="1200">
+                <a:solidFill>
+                  <a:schemeClr val="tx1"/>
+                </a:solidFill>
+                <a:effectLst/>
+                <a:latin typeface="+mn-lt"/>
+                <a:ea typeface="+mn-ea"/>
+                <a:cs typeface="+mn-cs"/>
+              </a:defRPr>
+            </a:lvl1pPr>
+            <a:lvl2pPr marL="457200" algn="l" defTabSz="457200" rtl="0" eaLnBrk="1" latinLnBrk="0" hangingPunct="1">
+              <a:defRPr sz="1800" kern="1200">
+                <a:solidFill>
+                  <a:schemeClr val="tx1"/>
+                </a:solidFill>
+                <a:latin typeface="+mn-lt"/>
+                <a:ea typeface="+mn-ea"/>
+                <a:cs typeface="+mn-cs"/>
+              </a:defRPr>
+            </a:lvl2pPr>
+            <a:lvl3pPr marL="914400" algn="l" defTabSz="457200" rtl="0" eaLnBrk="1" latinLnBrk="0" hangingPunct="1">
+              <a:defRPr sz="1800" kern="1200">
+                <a:solidFill>
+                  <a:schemeClr val="tx1"/>
+                </a:solidFill>
+                <a:latin typeface="+mn-lt"/>
+                <a:ea typeface="+mn-ea"/>
+                <a:cs typeface="+mn-cs"/>
+              </a:defRPr>
+            </a:lvl3pPr>
+            <a:lvl4pPr marL="1371600" algn="l" defTabSz="457200" rtl="0" eaLnBrk="1" latinLnBrk="0" hangingPunct="1">
+              <a:defRPr sz="1800" kern="1200">
+                <a:solidFill>
+                  <a:schemeClr val="tx1"/>
+                </a:solidFill>
+                <a:latin typeface="+mn-lt"/>
+                <a:ea typeface="+mn-ea"/>
+                <a:cs typeface="+mn-cs"/>
+              </a:defRPr>
+            </a:lvl4pPr>
+            <a:lvl5pPr marL="1828800" algn="l" defTabSz="457200" rtl="0" eaLnBrk="1" latinLnBrk="0" hangingPunct="1">
+              <a:defRPr sz="1800" kern="1200">
+                <a:solidFill>
+                  <a:schemeClr val="tx1"/>
+                </a:solidFill>
+                <a:latin typeface="+mn-lt"/>
+                <a:ea typeface="+mn-ea"/>
+                <a:cs typeface="+mn-cs"/>
+              </a:defRPr>
+            </a:lvl5pPr>
+            <a:lvl6pPr marL="2286000" algn="l" defTabSz="457200" rtl="0" eaLnBrk="1" latinLnBrk="0" hangingPunct="1">
+              <a:defRPr sz="1800" kern="1200">
+                <a:solidFill>
+                  <a:schemeClr val="tx1"/>
+                </a:solidFill>
+                <a:latin typeface="+mn-lt"/>
+                <a:ea typeface="+mn-ea"/>
+                <a:cs typeface="+mn-cs"/>
+              </a:defRPr>
+            </a:lvl6pPr>
+            <a:lvl7pPr marL="2743200" algn="l" defTabSz="457200" rtl="0" eaLnBrk="1" latinLnBrk="0" hangingPunct="1">
+              <a:defRPr sz="1800" kern="1200">
+                <a:solidFill>
+                  <a:schemeClr val="tx1"/>
+                </a:solidFill>
+                <a:latin typeface="+mn-lt"/>
+                <a:ea typeface="+mn-ea"/>
+                <a:cs typeface="+mn-cs"/>
+              </a:defRPr>
+            </a:lvl7pPr>
+            <a:lvl8pPr marL="3200400" algn="l" defTabSz="457200" rtl="0" eaLnBrk="1" latinLnBrk="0" hangingPunct="1">
+              <a:defRPr sz="1800" kern="1200">
+                <a:solidFill>
+                  <a:schemeClr val="tx1"/>
+                </a:solidFill>
+                <a:latin typeface="+mn-lt"/>
+                <a:ea typeface="+mn-ea"/>
+                <a:cs typeface="+mn-cs"/>
+              </a:defRPr>
+            </a:lvl8pPr>
+            <a:lvl9pPr marL="3657600" algn="l" defTabSz="457200" rtl="0" eaLnBrk="1" latinLnBrk="0" hangingPunct="1">
+              <a:defRPr sz="1800" kern="1200">
+                <a:solidFill>
+                  <a:schemeClr val="tx1"/>
+                </a:solidFill>
+                <a:latin typeface="+mn-lt"/>
+                <a:ea typeface="+mn-ea"/>
+                <a:cs typeface="+mn-cs"/>
+              </a:defRPr>
+            </a:lvl9pPr>
+          </a:lstStyle>
+          <a:p>
+            <a:pPr algn="ctr"/>
+            <a:fld id="{E674C0A0-8DE9-4942-9F1B-2332F349D007}" type="slidenum">
+              <a:rPr lang="ru-RU" sz="2200" smtClean="0">
+                <a:latin typeface="Tahoma" panose="020B0604030504040204" pitchFamily="34" charset="0"/>
+                <a:ea typeface="Tahoma" panose="020B0604030504040204" pitchFamily="34" charset="0"/>
+                <a:cs typeface="Tahoma" panose="020B0604030504040204" pitchFamily="34" charset="0"/>
+              </a:rPr>
+              <a:pPr algn="ctr"/>
+              <a:t>3</a:t>
+            </a:fld>
+            <a:endParaRPr lang="ru-RU" sz="2200" dirty="0">
+              <a:latin typeface="Tahoma" panose="020B0604030504040204" pitchFamily="34" charset="0"/>
+              <a:ea typeface="Tahoma" panose="020B0604030504040204" pitchFamily="34" charset="0"/>
+              <a:cs typeface="Tahoma" panose="020B0604030504040204" pitchFamily="34" charset="0"/>
+            </a:endParaRPr>
           </a:p>
         </p:txBody>
       </p:sp>
@@ -12094,13 +13128,13 @@
   <p:clrMapOvr>
     <a:masterClrMapping/>
   </p:clrMapOvr>
-  <mc:AlternateContent xmlns:mc="http://schemas.openxmlformats.org/markup-compatibility/2006">
-    <mc:Choice xmlns:p14="http://schemas.microsoft.com/office/powerpoint/2010/main" Requires="p14">
+  <mc:AlternateContent xmlns:mc="http://schemas.openxmlformats.org/markup-compatibility/2006" xmlns:p14="http://schemas.microsoft.com/office/powerpoint/2010/main">
+    <mc:Choice Requires="p14">
       <p:transition spd="med" p14:dur="700">
         <p:fade/>
       </p:transition>
     </mc:Choice>
-    <mc:Fallback>
+    <mc:Fallback xmlns="">
       <p:transition spd="med">
         <p:fade/>
       </p:transition>
@@ -12501,12 +13535,12 @@
         <p:spPr>
           <a:xfrm>
             <a:off x="0" y="0"/>
-            <a:ext cx="12192000" cy="658368"/>
+            <a:ext cx="12192000" cy="568855"/>
           </a:xfrm>
         </p:spPr>
         <p:txBody>
           <a:bodyPr>
-            <a:normAutofit/>
+            <a:normAutofit fontScale="90000"/>
           </a:bodyPr>
           <a:lstStyle/>
           <a:p>
@@ -12567,7 +13601,7 @@
         </p:blipFill>
         <p:spPr bwMode="auto">
           <a:xfrm>
-            <a:off x="0" y="1400530"/>
+            <a:off x="-32749" y="1318662"/>
             <a:ext cx="12224749" cy="5539338"/>
           </a:xfrm>
           <a:prstGeom prst="rect">
@@ -12575,6 +13609,146 @@
           </a:prstGeom>
         </p:spPr>
       </p:pic>
+      <p:sp>
+        <p:nvSpPr>
+          <p:cNvPr id="7" name="Номер слайда 4">
+            <a:extLst>
+              <a:ext uri="{FF2B5EF4-FFF2-40B4-BE49-F238E27FC236}">
+                <a16:creationId xmlns:a16="http://schemas.microsoft.com/office/drawing/2014/main" id="{7760A3C1-D078-4BF6-88F9-A2D4F475E99A}"/>
+              </a:ext>
+            </a:extLst>
+          </p:cNvPr>
+          <p:cNvSpPr txBox="1">
+            <a:spLocks/>
+          </p:cNvSpPr>
+          <p:nvPr/>
+        </p:nvSpPr>
+        <p:spPr>
+          <a:xfrm>
+            <a:off x="11171852" y="0"/>
+            <a:ext cx="1020148" cy="658368"/>
+          </a:xfrm>
+          <a:prstGeom prst="rect">
+            <a:avLst/>
+          </a:prstGeom>
+        </p:spPr>
+        <p:txBody>
+          <a:bodyPr vert="horz" lIns="91440" tIns="45720" rIns="91440" bIns="45720" rtlCol="0" anchor="ctr"/>
+          <a:lstStyle>
+            <a:defPPr>
+              <a:defRPr lang="en-US"/>
+            </a:defPPr>
+            <a:lvl1pPr marL="0" algn="r" defTabSz="457200" rtl="0" eaLnBrk="1" latinLnBrk="0" hangingPunct="1">
+              <a:defRPr sz="1000" b="0" i="0" kern="1200">
+                <a:solidFill>
+                  <a:schemeClr val="tx1"/>
+                </a:solidFill>
+                <a:effectLst/>
+                <a:latin typeface="+mn-lt"/>
+                <a:ea typeface="+mn-ea"/>
+                <a:cs typeface="+mn-cs"/>
+              </a:defRPr>
+            </a:lvl1pPr>
+            <a:lvl2pPr marL="457200" algn="l" defTabSz="457200" rtl="0" eaLnBrk="1" latinLnBrk="0" hangingPunct="1">
+              <a:defRPr sz="1800" kern="1200">
+                <a:solidFill>
+                  <a:schemeClr val="tx1"/>
+                </a:solidFill>
+                <a:latin typeface="+mn-lt"/>
+                <a:ea typeface="+mn-ea"/>
+                <a:cs typeface="+mn-cs"/>
+              </a:defRPr>
+            </a:lvl2pPr>
+            <a:lvl3pPr marL="914400" algn="l" defTabSz="457200" rtl="0" eaLnBrk="1" latinLnBrk="0" hangingPunct="1">
+              <a:defRPr sz="1800" kern="1200">
+                <a:solidFill>
+                  <a:schemeClr val="tx1"/>
+                </a:solidFill>
+                <a:latin typeface="+mn-lt"/>
+                <a:ea typeface="+mn-ea"/>
+                <a:cs typeface="+mn-cs"/>
+              </a:defRPr>
+            </a:lvl3pPr>
+            <a:lvl4pPr marL="1371600" algn="l" defTabSz="457200" rtl="0" eaLnBrk="1" latinLnBrk="0" hangingPunct="1">
+              <a:defRPr sz="1800" kern="1200">
+                <a:solidFill>
+                  <a:schemeClr val="tx1"/>
+                </a:solidFill>
+                <a:latin typeface="+mn-lt"/>
+                <a:ea typeface="+mn-ea"/>
+                <a:cs typeface="+mn-cs"/>
+              </a:defRPr>
+            </a:lvl4pPr>
+            <a:lvl5pPr marL="1828800" algn="l" defTabSz="457200" rtl="0" eaLnBrk="1" latinLnBrk="0" hangingPunct="1">
+              <a:defRPr sz="1800" kern="1200">
+                <a:solidFill>
+                  <a:schemeClr val="tx1"/>
+                </a:solidFill>
+                <a:latin typeface="+mn-lt"/>
+                <a:ea typeface="+mn-ea"/>
+                <a:cs typeface="+mn-cs"/>
+              </a:defRPr>
+            </a:lvl5pPr>
+            <a:lvl6pPr marL="2286000" algn="l" defTabSz="457200" rtl="0" eaLnBrk="1" latinLnBrk="0" hangingPunct="1">
+              <a:defRPr sz="1800" kern="1200">
+                <a:solidFill>
+                  <a:schemeClr val="tx1"/>
+                </a:solidFill>
+                <a:latin typeface="+mn-lt"/>
+                <a:ea typeface="+mn-ea"/>
+                <a:cs typeface="+mn-cs"/>
+              </a:defRPr>
+            </a:lvl6pPr>
+            <a:lvl7pPr marL="2743200" algn="l" defTabSz="457200" rtl="0" eaLnBrk="1" latinLnBrk="0" hangingPunct="1">
+              <a:defRPr sz="1800" kern="1200">
+                <a:solidFill>
+                  <a:schemeClr val="tx1"/>
+                </a:solidFill>
+                <a:latin typeface="+mn-lt"/>
+                <a:ea typeface="+mn-ea"/>
+                <a:cs typeface="+mn-cs"/>
+              </a:defRPr>
+            </a:lvl7pPr>
+            <a:lvl8pPr marL="3200400" algn="l" defTabSz="457200" rtl="0" eaLnBrk="1" latinLnBrk="0" hangingPunct="1">
+              <a:defRPr sz="1800" kern="1200">
+                <a:solidFill>
+                  <a:schemeClr val="tx1"/>
+                </a:solidFill>
+                <a:latin typeface="+mn-lt"/>
+                <a:ea typeface="+mn-ea"/>
+                <a:cs typeface="+mn-cs"/>
+              </a:defRPr>
+            </a:lvl8pPr>
+            <a:lvl9pPr marL="3657600" algn="l" defTabSz="457200" rtl="0" eaLnBrk="1" latinLnBrk="0" hangingPunct="1">
+              <a:defRPr sz="1800" kern="1200">
+                <a:solidFill>
+                  <a:schemeClr val="tx1"/>
+                </a:solidFill>
+                <a:latin typeface="+mn-lt"/>
+                <a:ea typeface="+mn-ea"/>
+                <a:cs typeface="+mn-cs"/>
+              </a:defRPr>
+            </a:lvl9pPr>
+          </a:lstStyle>
+          <a:p>
+            <a:pPr algn="ctr"/>
+            <a:fld id="{E674C0A0-8DE9-4942-9F1B-2332F349D007}" type="slidenum">
+              <a:rPr lang="ru-RU" sz="2200" smtClean="0">
+                <a:latin typeface="Tahoma" panose="020B0604030504040204" pitchFamily="34" charset="0"/>
+                <a:ea typeface="Tahoma" panose="020B0604030504040204" pitchFamily="34" charset="0"/>
+                <a:cs typeface="Tahoma" panose="020B0604030504040204" pitchFamily="34" charset="0"/>
+              </a:rPr>
+              <a:pPr algn="ctr"/>
+              <a:t>4</a:t>
+            </a:fld>
+            <a:endParaRPr lang="ru-RU" sz="2200" dirty="0">
+              <a:latin typeface="Tahoma" panose="020B0604030504040204" pitchFamily="34" charset="0"/>
+              <a:ea typeface="Tahoma" panose="020B0604030504040204" pitchFamily="34" charset="0"/>
+              <a:cs typeface="Tahoma" panose="020B0604030504040204" pitchFamily="34" charset="0"/>
+            </a:endParaRPr>
+          </a:p>
+        </p:txBody>
+      </p:sp>
     </p:spTree>
     <p:extLst>
       <p:ext uri="{BB962C8B-B14F-4D97-AF65-F5344CB8AC3E}">
@@ -12759,6 +13933,146 @@
           </a:p>
         </p:txBody>
       </p:sp>
+      <p:sp>
+        <p:nvSpPr>
+          <p:cNvPr id="7" name="Номер слайда 4">
+            <a:extLst>
+              <a:ext uri="{FF2B5EF4-FFF2-40B4-BE49-F238E27FC236}">
+                <a16:creationId xmlns:a16="http://schemas.microsoft.com/office/drawing/2014/main" id="{C48DFE9E-B9E5-4E98-94BE-4CE8F6B50D43}"/>
+              </a:ext>
+            </a:extLst>
+          </p:cNvPr>
+          <p:cNvSpPr txBox="1">
+            <a:spLocks/>
+          </p:cNvSpPr>
+          <p:nvPr/>
+        </p:nvSpPr>
+        <p:spPr>
+          <a:xfrm>
+            <a:off x="11171852" y="0"/>
+            <a:ext cx="1020148" cy="658368"/>
+          </a:xfrm>
+          <a:prstGeom prst="rect">
+            <a:avLst/>
+          </a:prstGeom>
+        </p:spPr>
+        <p:txBody>
+          <a:bodyPr vert="horz" lIns="91440" tIns="45720" rIns="91440" bIns="45720" rtlCol="0" anchor="ctr"/>
+          <a:lstStyle>
+            <a:defPPr>
+              <a:defRPr lang="en-US"/>
+            </a:defPPr>
+            <a:lvl1pPr marL="0" algn="r" defTabSz="457200" rtl="0" eaLnBrk="1" latinLnBrk="0" hangingPunct="1">
+              <a:defRPr sz="1000" b="0" i="0" kern="1200">
+                <a:solidFill>
+                  <a:schemeClr val="tx1"/>
+                </a:solidFill>
+                <a:effectLst/>
+                <a:latin typeface="+mn-lt"/>
+                <a:ea typeface="+mn-ea"/>
+                <a:cs typeface="+mn-cs"/>
+              </a:defRPr>
+            </a:lvl1pPr>
+            <a:lvl2pPr marL="457200" algn="l" defTabSz="457200" rtl="0" eaLnBrk="1" latinLnBrk="0" hangingPunct="1">
+              <a:defRPr sz="1800" kern="1200">
+                <a:solidFill>
+                  <a:schemeClr val="tx1"/>
+                </a:solidFill>
+                <a:latin typeface="+mn-lt"/>
+                <a:ea typeface="+mn-ea"/>
+                <a:cs typeface="+mn-cs"/>
+              </a:defRPr>
+            </a:lvl2pPr>
+            <a:lvl3pPr marL="914400" algn="l" defTabSz="457200" rtl="0" eaLnBrk="1" latinLnBrk="0" hangingPunct="1">
+              <a:defRPr sz="1800" kern="1200">
+                <a:solidFill>
+                  <a:schemeClr val="tx1"/>
+                </a:solidFill>
+                <a:latin typeface="+mn-lt"/>
+                <a:ea typeface="+mn-ea"/>
+                <a:cs typeface="+mn-cs"/>
+              </a:defRPr>
+            </a:lvl3pPr>
+            <a:lvl4pPr marL="1371600" algn="l" defTabSz="457200" rtl="0" eaLnBrk="1" latinLnBrk="0" hangingPunct="1">
+              <a:defRPr sz="1800" kern="1200">
+                <a:solidFill>
+                  <a:schemeClr val="tx1"/>
+                </a:solidFill>
+                <a:latin typeface="+mn-lt"/>
+                <a:ea typeface="+mn-ea"/>
+                <a:cs typeface="+mn-cs"/>
+              </a:defRPr>
+            </a:lvl4pPr>
+            <a:lvl5pPr marL="1828800" algn="l" defTabSz="457200" rtl="0" eaLnBrk="1" latinLnBrk="0" hangingPunct="1">
+              <a:defRPr sz="1800" kern="1200">
+                <a:solidFill>
+                  <a:schemeClr val="tx1"/>
+                </a:solidFill>
+                <a:latin typeface="+mn-lt"/>
+                <a:ea typeface="+mn-ea"/>
+                <a:cs typeface="+mn-cs"/>
+              </a:defRPr>
+            </a:lvl5pPr>
+            <a:lvl6pPr marL="2286000" algn="l" defTabSz="457200" rtl="0" eaLnBrk="1" latinLnBrk="0" hangingPunct="1">
+              <a:defRPr sz="1800" kern="1200">
+                <a:solidFill>
+                  <a:schemeClr val="tx1"/>
+                </a:solidFill>
+                <a:latin typeface="+mn-lt"/>
+                <a:ea typeface="+mn-ea"/>
+                <a:cs typeface="+mn-cs"/>
+              </a:defRPr>
+            </a:lvl6pPr>
+            <a:lvl7pPr marL="2743200" algn="l" defTabSz="457200" rtl="0" eaLnBrk="1" latinLnBrk="0" hangingPunct="1">
+              <a:defRPr sz="1800" kern="1200">
+                <a:solidFill>
+                  <a:schemeClr val="tx1"/>
+                </a:solidFill>
+                <a:latin typeface="+mn-lt"/>
+                <a:ea typeface="+mn-ea"/>
+                <a:cs typeface="+mn-cs"/>
+              </a:defRPr>
+            </a:lvl7pPr>
+            <a:lvl8pPr marL="3200400" algn="l" defTabSz="457200" rtl="0" eaLnBrk="1" latinLnBrk="0" hangingPunct="1">
+              <a:defRPr sz="1800" kern="1200">
+                <a:solidFill>
+                  <a:schemeClr val="tx1"/>
+                </a:solidFill>
+                <a:latin typeface="+mn-lt"/>
+                <a:ea typeface="+mn-ea"/>
+                <a:cs typeface="+mn-cs"/>
+              </a:defRPr>
+            </a:lvl8pPr>
+            <a:lvl9pPr marL="3657600" algn="l" defTabSz="457200" rtl="0" eaLnBrk="1" latinLnBrk="0" hangingPunct="1">
+              <a:defRPr sz="1800" kern="1200">
+                <a:solidFill>
+                  <a:schemeClr val="tx1"/>
+                </a:solidFill>
+                <a:latin typeface="+mn-lt"/>
+                <a:ea typeface="+mn-ea"/>
+                <a:cs typeface="+mn-cs"/>
+              </a:defRPr>
+            </a:lvl9pPr>
+          </a:lstStyle>
+          <a:p>
+            <a:pPr algn="ctr"/>
+            <a:fld id="{E674C0A0-8DE9-4942-9F1B-2332F349D007}" type="slidenum">
+              <a:rPr lang="ru-RU" sz="2200" smtClean="0">
+                <a:latin typeface="Tahoma" panose="020B0604030504040204" pitchFamily="34" charset="0"/>
+                <a:ea typeface="Tahoma" panose="020B0604030504040204" pitchFamily="34" charset="0"/>
+                <a:cs typeface="Tahoma" panose="020B0604030504040204" pitchFamily="34" charset="0"/>
+              </a:rPr>
+              <a:pPr algn="ctr"/>
+              <a:t>5</a:t>
+            </a:fld>
+            <a:endParaRPr lang="ru-RU" sz="2200" dirty="0">
+              <a:latin typeface="Tahoma" panose="020B0604030504040204" pitchFamily="34" charset="0"/>
+              <a:ea typeface="Tahoma" panose="020B0604030504040204" pitchFamily="34" charset="0"/>
+              <a:cs typeface="Tahoma" panose="020B0604030504040204" pitchFamily="34" charset="0"/>
+            </a:endParaRPr>
+          </a:p>
+        </p:txBody>
+      </p:sp>
     </p:spTree>
     <p:extLst>
       <p:ext uri="{BB962C8B-B14F-4D97-AF65-F5344CB8AC3E}">
@@ -12896,6 +14210,146 @@
           </a:prstGeom>
         </p:spPr>
       </p:pic>
+      <p:sp>
+        <p:nvSpPr>
+          <p:cNvPr id="9" name="Номер слайда 4">
+            <a:extLst>
+              <a:ext uri="{FF2B5EF4-FFF2-40B4-BE49-F238E27FC236}">
+                <a16:creationId xmlns:a16="http://schemas.microsoft.com/office/drawing/2014/main" id="{40ABE5CA-600F-43F4-92F8-63651BBE98A1}"/>
+              </a:ext>
+            </a:extLst>
+          </p:cNvPr>
+          <p:cNvSpPr txBox="1">
+            <a:spLocks/>
+          </p:cNvSpPr>
+          <p:nvPr/>
+        </p:nvSpPr>
+        <p:spPr>
+          <a:xfrm>
+            <a:off x="11171852" y="0"/>
+            <a:ext cx="1020148" cy="658368"/>
+          </a:xfrm>
+          <a:prstGeom prst="rect">
+            <a:avLst/>
+          </a:prstGeom>
+        </p:spPr>
+        <p:txBody>
+          <a:bodyPr vert="horz" lIns="91440" tIns="45720" rIns="91440" bIns="45720" rtlCol="0" anchor="ctr"/>
+          <a:lstStyle>
+            <a:defPPr>
+              <a:defRPr lang="en-US"/>
+            </a:defPPr>
+            <a:lvl1pPr marL="0" algn="r" defTabSz="457200" rtl="0" eaLnBrk="1" latinLnBrk="0" hangingPunct="1">
+              <a:defRPr sz="1000" b="0" i="0" kern="1200">
+                <a:solidFill>
+                  <a:schemeClr val="tx1"/>
+                </a:solidFill>
+                <a:effectLst/>
+                <a:latin typeface="+mn-lt"/>
+                <a:ea typeface="+mn-ea"/>
+                <a:cs typeface="+mn-cs"/>
+              </a:defRPr>
+            </a:lvl1pPr>
+            <a:lvl2pPr marL="457200" algn="l" defTabSz="457200" rtl="0" eaLnBrk="1" latinLnBrk="0" hangingPunct="1">
+              <a:defRPr sz="1800" kern="1200">
+                <a:solidFill>
+                  <a:schemeClr val="tx1"/>
+                </a:solidFill>
+                <a:latin typeface="+mn-lt"/>
+                <a:ea typeface="+mn-ea"/>
+                <a:cs typeface="+mn-cs"/>
+              </a:defRPr>
+            </a:lvl2pPr>
+            <a:lvl3pPr marL="914400" algn="l" defTabSz="457200" rtl="0" eaLnBrk="1" latinLnBrk="0" hangingPunct="1">
+              <a:defRPr sz="1800" kern="1200">
+                <a:solidFill>
+                  <a:schemeClr val="tx1"/>
+                </a:solidFill>
+                <a:latin typeface="+mn-lt"/>
+                <a:ea typeface="+mn-ea"/>
+                <a:cs typeface="+mn-cs"/>
+              </a:defRPr>
+            </a:lvl3pPr>
+            <a:lvl4pPr marL="1371600" algn="l" defTabSz="457200" rtl="0" eaLnBrk="1" latinLnBrk="0" hangingPunct="1">
+              <a:defRPr sz="1800" kern="1200">
+                <a:solidFill>
+                  <a:schemeClr val="tx1"/>
+                </a:solidFill>
+                <a:latin typeface="+mn-lt"/>
+                <a:ea typeface="+mn-ea"/>
+                <a:cs typeface="+mn-cs"/>
+              </a:defRPr>
+            </a:lvl4pPr>
+            <a:lvl5pPr marL="1828800" algn="l" defTabSz="457200" rtl="0" eaLnBrk="1" latinLnBrk="0" hangingPunct="1">
+              <a:defRPr sz="1800" kern="1200">
+                <a:solidFill>
+                  <a:schemeClr val="tx1"/>
+                </a:solidFill>
+                <a:latin typeface="+mn-lt"/>
+                <a:ea typeface="+mn-ea"/>
+                <a:cs typeface="+mn-cs"/>
+              </a:defRPr>
+            </a:lvl5pPr>
+            <a:lvl6pPr marL="2286000" algn="l" defTabSz="457200" rtl="0" eaLnBrk="1" latinLnBrk="0" hangingPunct="1">
+              <a:defRPr sz="1800" kern="1200">
+                <a:solidFill>
+                  <a:schemeClr val="tx1"/>
+                </a:solidFill>
+                <a:latin typeface="+mn-lt"/>
+                <a:ea typeface="+mn-ea"/>
+                <a:cs typeface="+mn-cs"/>
+              </a:defRPr>
+            </a:lvl6pPr>
+            <a:lvl7pPr marL="2743200" algn="l" defTabSz="457200" rtl="0" eaLnBrk="1" latinLnBrk="0" hangingPunct="1">
+              <a:defRPr sz="1800" kern="1200">
+                <a:solidFill>
+                  <a:schemeClr val="tx1"/>
+                </a:solidFill>
+                <a:latin typeface="+mn-lt"/>
+                <a:ea typeface="+mn-ea"/>
+                <a:cs typeface="+mn-cs"/>
+              </a:defRPr>
+            </a:lvl7pPr>
+            <a:lvl8pPr marL="3200400" algn="l" defTabSz="457200" rtl="0" eaLnBrk="1" latinLnBrk="0" hangingPunct="1">
+              <a:defRPr sz="1800" kern="1200">
+                <a:solidFill>
+                  <a:schemeClr val="tx1"/>
+                </a:solidFill>
+                <a:latin typeface="+mn-lt"/>
+                <a:ea typeface="+mn-ea"/>
+                <a:cs typeface="+mn-cs"/>
+              </a:defRPr>
+            </a:lvl8pPr>
+            <a:lvl9pPr marL="3657600" algn="l" defTabSz="457200" rtl="0" eaLnBrk="1" latinLnBrk="0" hangingPunct="1">
+              <a:defRPr sz="1800" kern="1200">
+                <a:solidFill>
+                  <a:schemeClr val="tx1"/>
+                </a:solidFill>
+                <a:latin typeface="+mn-lt"/>
+                <a:ea typeface="+mn-ea"/>
+                <a:cs typeface="+mn-cs"/>
+              </a:defRPr>
+            </a:lvl9pPr>
+          </a:lstStyle>
+          <a:p>
+            <a:pPr algn="ctr"/>
+            <a:fld id="{E674C0A0-8DE9-4942-9F1B-2332F349D007}" type="slidenum">
+              <a:rPr lang="ru-RU" sz="2200" smtClean="0">
+                <a:latin typeface="Tahoma" panose="020B0604030504040204" pitchFamily="34" charset="0"/>
+                <a:ea typeface="Tahoma" panose="020B0604030504040204" pitchFamily="34" charset="0"/>
+                <a:cs typeface="Tahoma" panose="020B0604030504040204" pitchFamily="34" charset="0"/>
+              </a:rPr>
+              <a:pPr algn="ctr"/>
+              <a:t>6</a:t>
+            </a:fld>
+            <a:endParaRPr lang="ru-RU" sz="2200" dirty="0">
+              <a:latin typeface="Tahoma" panose="020B0604030504040204" pitchFamily="34" charset="0"/>
+              <a:ea typeface="Tahoma" panose="020B0604030504040204" pitchFamily="34" charset="0"/>
+              <a:cs typeface="Tahoma" panose="020B0604030504040204" pitchFamily="34" charset="0"/>
+            </a:endParaRPr>
+          </a:p>
+        </p:txBody>
+      </p:sp>
     </p:spTree>
     <p:extLst>
       <p:ext uri="{BB962C8B-B14F-4D97-AF65-F5344CB8AC3E}">
@@ -13032,6 +14486,146 @@
           </a:prstGeom>
         </p:spPr>
       </p:pic>
+      <p:sp>
+        <p:nvSpPr>
+          <p:cNvPr id="6" name="Номер слайда 4">
+            <a:extLst>
+              <a:ext uri="{FF2B5EF4-FFF2-40B4-BE49-F238E27FC236}">
+                <a16:creationId xmlns:a16="http://schemas.microsoft.com/office/drawing/2014/main" id="{7BF231A7-F420-4885-8CE0-83C1B27A4F65}"/>
+              </a:ext>
+            </a:extLst>
+          </p:cNvPr>
+          <p:cNvSpPr txBox="1">
+            <a:spLocks/>
+          </p:cNvSpPr>
+          <p:nvPr/>
+        </p:nvSpPr>
+        <p:spPr>
+          <a:xfrm>
+            <a:off x="11171852" y="0"/>
+            <a:ext cx="1020148" cy="658368"/>
+          </a:xfrm>
+          <a:prstGeom prst="rect">
+            <a:avLst/>
+          </a:prstGeom>
+        </p:spPr>
+        <p:txBody>
+          <a:bodyPr vert="horz" lIns="91440" tIns="45720" rIns="91440" bIns="45720" rtlCol="0" anchor="ctr"/>
+          <a:lstStyle>
+            <a:defPPr>
+              <a:defRPr lang="en-US"/>
+            </a:defPPr>
+            <a:lvl1pPr marL="0" algn="r" defTabSz="457200" rtl="0" eaLnBrk="1" latinLnBrk="0" hangingPunct="1">
+              <a:defRPr sz="1000" b="0" i="0" kern="1200">
+                <a:solidFill>
+                  <a:schemeClr val="tx1"/>
+                </a:solidFill>
+                <a:effectLst/>
+                <a:latin typeface="+mn-lt"/>
+                <a:ea typeface="+mn-ea"/>
+                <a:cs typeface="+mn-cs"/>
+              </a:defRPr>
+            </a:lvl1pPr>
+            <a:lvl2pPr marL="457200" algn="l" defTabSz="457200" rtl="0" eaLnBrk="1" latinLnBrk="0" hangingPunct="1">
+              <a:defRPr sz="1800" kern="1200">
+                <a:solidFill>
+                  <a:schemeClr val="tx1"/>
+                </a:solidFill>
+                <a:latin typeface="+mn-lt"/>
+                <a:ea typeface="+mn-ea"/>
+                <a:cs typeface="+mn-cs"/>
+              </a:defRPr>
+            </a:lvl2pPr>
+            <a:lvl3pPr marL="914400" algn="l" defTabSz="457200" rtl="0" eaLnBrk="1" latinLnBrk="0" hangingPunct="1">
+              <a:defRPr sz="1800" kern="1200">
+                <a:solidFill>
+                  <a:schemeClr val="tx1"/>
+                </a:solidFill>
+                <a:latin typeface="+mn-lt"/>
+                <a:ea typeface="+mn-ea"/>
+                <a:cs typeface="+mn-cs"/>
+              </a:defRPr>
+            </a:lvl3pPr>
+            <a:lvl4pPr marL="1371600" algn="l" defTabSz="457200" rtl="0" eaLnBrk="1" latinLnBrk="0" hangingPunct="1">
+              <a:defRPr sz="1800" kern="1200">
+                <a:solidFill>
+                  <a:schemeClr val="tx1"/>
+                </a:solidFill>
+                <a:latin typeface="+mn-lt"/>
+                <a:ea typeface="+mn-ea"/>
+                <a:cs typeface="+mn-cs"/>
+              </a:defRPr>
+            </a:lvl4pPr>
+            <a:lvl5pPr marL="1828800" algn="l" defTabSz="457200" rtl="0" eaLnBrk="1" latinLnBrk="0" hangingPunct="1">
+              <a:defRPr sz="1800" kern="1200">
+                <a:solidFill>
+                  <a:schemeClr val="tx1"/>
+                </a:solidFill>
+                <a:latin typeface="+mn-lt"/>
+                <a:ea typeface="+mn-ea"/>
+                <a:cs typeface="+mn-cs"/>
+              </a:defRPr>
+            </a:lvl5pPr>
+            <a:lvl6pPr marL="2286000" algn="l" defTabSz="457200" rtl="0" eaLnBrk="1" latinLnBrk="0" hangingPunct="1">
+              <a:defRPr sz="1800" kern="1200">
+                <a:solidFill>
+                  <a:schemeClr val="tx1"/>
+                </a:solidFill>
+                <a:latin typeface="+mn-lt"/>
+                <a:ea typeface="+mn-ea"/>
+                <a:cs typeface="+mn-cs"/>
+              </a:defRPr>
+            </a:lvl6pPr>
+            <a:lvl7pPr marL="2743200" algn="l" defTabSz="457200" rtl="0" eaLnBrk="1" latinLnBrk="0" hangingPunct="1">
+              <a:defRPr sz="1800" kern="1200">
+                <a:solidFill>
+                  <a:schemeClr val="tx1"/>
+                </a:solidFill>
+                <a:latin typeface="+mn-lt"/>
+                <a:ea typeface="+mn-ea"/>
+                <a:cs typeface="+mn-cs"/>
+              </a:defRPr>
+            </a:lvl7pPr>
+            <a:lvl8pPr marL="3200400" algn="l" defTabSz="457200" rtl="0" eaLnBrk="1" latinLnBrk="0" hangingPunct="1">
+              <a:defRPr sz="1800" kern="1200">
+                <a:solidFill>
+                  <a:schemeClr val="tx1"/>
+                </a:solidFill>
+                <a:latin typeface="+mn-lt"/>
+                <a:ea typeface="+mn-ea"/>
+                <a:cs typeface="+mn-cs"/>
+              </a:defRPr>
+            </a:lvl8pPr>
+            <a:lvl9pPr marL="3657600" algn="l" defTabSz="457200" rtl="0" eaLnBrk="1" latinLnBrk="0" hangingPunct="1">
+              <a:defRPr sz="1800" kern="1200">
+                <a:solidFill>
+                  <a:schemeClr val="tx1"/>
+                </a:solidFill>
+                <a:latin typeface="+mn-lt"/>
+                <a:ea typeface="+mn-ea"/>
+                <a:cs typeface="+mn-cs"/>
+              </a:defRPr>
+            </a:lvl9pPr>
+          </a:lstStyle>
+          <a:p>
+            <a:pPr algn="ctr"/>
+            <a:fld id="{E674C0A0-8DE9-4942-9F1B-2332F349D007}" type="slidenum">
+              <a:rPr lang="ru-RU" sz="2200" smtClean="0">
+                <a:latin typeface="Tahoma" panose="020B0604030504040204" pitchFamily="34" charset="0"/>
+                <a:ea typeface="Tahoma" panose="020B0604030504040204" pitchFamily="34" charset="0"/>
+                <a:cs typeface="Tahoma" panose="020B0604030504040204" pitchFamily="34" charset="0"/>
+              </a:rPr>
+              <a:pPr algn="ctr"/>
+              <a:t>7</a:t>
+            </a:fld>
+            <a:endParaRPr lang="ru-RU" sz="2200" dirty="0">
+              <a:latin typeface="Tahoma" panose="020B0604030504040204" pitchFamily="34" charset="0"/>
+              <a:ea typeface="Tahoma" panose="020B0604030504040204" pitchFamily="34" charset="0"/>
+              <a:cs typeface="Tahoma" panose="020B0604030504040204" pitchFamily="34" charset="0"/>
+            </a:endParaRPr>
+          </a:p>
+        </p:txBody>
+      </p:sp>
     </p:spTree>
     <p:extLst>
       <p:ext uri="{BB962C8B-B14F-4D97-AF65-F5344CB8AC3E}">
@@ -13160,7 +14754,7 @@
         </p:blipFill>
         <p:spPr>
           <a:xfrm>
-            <a:off x="0" y="1502230"/>
+            <a:off x="1" y="1502229"/>
             <a:ext cx="12191999" cy="5355770"/>
           </a:xfrm>
           <a:prstGeom prst="rect">
@@ -13168,6 +14762,146 @@
           </a:prstGeom>
         </p:spPr>
       </p:pic>
+      <p:sp>
+        <p:nvSpPr>
+          <p:cNvPr id="10" name="Номер слайда 4">
+            <a:extLst>
+              <a:ext uri="{FF2B5EF4-FFF2-40B4-BE49-F238E27FC236}">
+                <a16:creationId xmlns:a16="http://schemas.microsoft.com/office/drawing/2014/main" id="{5327A7E1-BA84-4365-8526-5BF586AAAF7F}"/>
+              </a:ext>
+            </a:extLst>
+          </p:cNvPr>
+          <p:cNvSpPr txBox="1">
+            <a:spLocks/>
+          </p:cNvSpPr>
+          <p:nvPr/>
+        </p:nvSpPr>
+        <p:spPr>
+          <a:xfrm>
+            <a:off x="11171852" y="0"/>
+            <a:ext cx="1020148" cy="658368"/>
+          </a:xfrm>
+          <a:prstGeom prst="rect">
+            <a:avLst/>
+          </a:prstGeom>
+        </p:spPr>
+        <p:txBody>
+          <a:bodyPr vert="horz" lIns="91440" tIns="45720" rIns="91440" bIns="45720" rtlCol="0" anchor="ctr"/>
+          <a:lstStyle>
+            <a:defPPr>
+              <a:defRPr lang="en-US"/>
+            </a:defPPr>
+            <a:lvl1pPr marL="0" algn="r" defTabSz="457200" rtl="0" eaLnBrk="1" latinLnBrk="0" hangingPunct="1">
+              <a:defRPr sz="1000" b="0" i="0" kern="1200">
+                <a:solidFill>
+                  <a:schemeClr val="tx1"/>
+                </a:solidFill>
+                <a:effectLst/>
+                <a:latin typeface="+mn-lt"/>
+                <a:ea typeface="+mn-ea"/>
+                <a:cs typeface="+mn-cs"/>
+              </a:defRPr>
+            </a:lvl1pPr>
+            <a:lvl2pPr marL="457200" algn="l" defTabSz="457200" rtl="0" eaLnBrk="1" latinLnBrk="0" hangingPunct="1">
+              <a:defRPr sz="1800" kern="1200">
+                <a:solidFill>
+                  <a:schemeClr val="tx1"/>
+                </a:solidFill>
+                <a:latin typeface="+mn-lt"/>
+                <a:ea typeface="+mn-ea"/>
+                <a:cs typeface="+mn-cs"/>
+              </a:defRPr>
+            </a:lvl2pPr>
+            <a:lvl3pPr marL="914400" algn="l" defTabSz="457200" rtl="0" eaLnBrk="1" latinLnBrk="0" hangingPunct="1">
+              <a:defRPr sz="1800" kern="1200">
+                <a:solidFill>
+                  <a:schemeClr val="tx1"/>
+                </a:solidFill>
+                <a:latin typeface="+mn-lt"/>
+                <a:ea typeface="+mn-ea"/>
+                <a:cs typeface="+mn-cs"/>
+              </a:defRPr>
+            </a:lvl3pPr>
+            <a:lvl4pPr marL="1371600" algn="l" defTabSz="457200" rtl="0" eaLnBrk="1" latinLnBrk="0" hangingPunct="1">
+              <a:defRPr sz="1800" kern="1200">
+                <a:solidFill>
+                  <a:schemeClr val="tx1"/>
+                </a:solidFill>
+                <a:latin typeface="+mn-lt"/>
+                <a:ea typeface="+mn-ea"/>
+                <a:cs typeface="+mn-cs"/>
+              </a:defRPr>
+            </a:lvl4pPr>
+            <a:lvl5pPr marL="1828800" algn="l" defTabSz="457200" rtl="0" eaLnBrk="1" latinLnBrk="0" hangingPunct="1">
+              <a:defRPr sz="1800" kern="1200">
+                <a:solidFill>
+                  <a:schemeClr val="tx1"/>
+                </a:solidFill>
+                <a:latin typeface="+mn-lt"/>
+                <a:ea typeface="+mn-ea"/>
+                <a:cs typeface="+mn-cs"/>
+              </a:defRPr>
+            </a:lvl5pPr>
+            <a:lvl6pPr marL="2286000" algn="l" defTabSz="457200" rtl="0" eaLnBrk="1" latinLnBrk="0" hangingPunct="1">
+              <a:defRPr sz="1800" kern="1200">
+                <a:solidFill>
+                  <a:schemeClr val="tx1"/>
+                </a:solidFill>
+                <a:latin typeface="+mn-lt"/>
+                <a:ea typeface="+mn-ea"/>
+                <a:cs typeface="+mn-cs"/>
+              </a:defRPr>
+            </a:lvl6pPr>
+            <a:lvl7pPr marL="2743200" algn="l" defTabSz="457200" rtl="0" eaLnBrk="1" latinLnBrk="0" hangingPunct="1">
+              <a:defRPr sz="1800" kern="1200">
+                <a:solidFill>
+                  <a:schemeClr val="tx1"/>
+                </a:solidFill>
+                <a:latin typeface="+mn-lt"/>
+                <a:ea typeface="+mn-ea"/>
+                <a:cs typeface="+mn-cs"/>
+              </a:defRPr>
+            </a:lvl7pPr>
+            <a:lvl8pPr marL="3200400" algn="l" defTabSz="457200" rtl="0" eaLnBrk="1" latinLnBrk="0" hangingPunct="1">
+              <a:defRPr sz="1800" kern="1200">
+                <a:solidFill>
+                  <a:schemeClr val="tx1"/>
+                </a:solidFill>
+                <a:latin typeface="+mn-lt"/>
+                <a:ea typeface="+mn-ea"/>
+                <a:cs typeface="+mn-cs"/>
+              </a:defRPr>
+            </a:lvl8pPr>
+            <a:lvl9pPr marL="3657600" algn="l" defTabSz="457200" rtl="0" eaLnBrk="1" latinLnBrk="0" hangingPunct="1">
+              <a:defRPr sz="1800" kern="1200">
+                <a:solidFill>
+                  <a:schemeClr val="tx1"/>
+                </a:solidFill>
+                <a:latin typeface="+mn-lt"/>
+                <a:ea typeface="+mn-ea"/>
+                <a:cs typeface="+mn-cs"/>
+              </a:defRPr>
+            </a:lvl9pPr>
+          </a:lstStyle>
+          <a:p>
+            <a:pPr algn="ctr"/>
+            <a:fld id="{E674C0A0-8DE9-4942-9F1B-2332F349D007}" type="slidenum">
+              <a:rPr lang="ru-RU" sz="2200" smtClean="0">
+                <a:latin typeface="Tahoma" panose="020B0604030504040204" pitchFamily="34" charset="0"/>
+                <a:ea typeface="Tahoma" panose="020B0604030504040204" pitchFamily="34" charset="0"/>
+                <a:cs typeface="Tahoma" panose="020B0604030504040204" pitchFamily="34" charset="0"/>
+              </a:rPr>
+              <a:pPr algn="ctr"/>
+              <a:t>8</a:t>
+            </a:fld>
+            <a:endParaRPr lang="ru-RU" sz="2200" dirty="0">
+              <a:latin typeface="Tahoma" panose="020B0604030504040204" pitchFamily="34" charset="0"/>
+              <a:ea typeface="Tahoma" panose="020B0604030504040204" pitchFamily="34" charset="0"/>
+              <a:cs typeface="Tahoma" panose="020B0604030504040204" pitchFamily="34" charset="0"/>
+            </a:endParaRPr>
+          </a:p>
+        </p:txBody>
+      </p:sp>
     </p:spTree>
     <p:extLst>
       <p:ext uri="{BB962C8B-B14F-4D97-AF65-F5344CB8AC3E}">
@@ -13274,7 +15008,7 @@
           <p:nvPr>
             <p:extLst>
               <p:ext uri="{D42A27DB-BD31-4B8C-83A1-F6EECF244321}">
-                <p14:modId xmlns:p14="http://schemas.microsoft.com/office/powerpoint/2010/main" val="1979126015"/>
+                <p14:modId xmlns:p14="http://schemas.microsoft.com/office/powerpoint/2010/main" val="2863307012"/>
               </p:ext>
             </p:extLst>
           </p:nvPr>
@@ -13758,7 +15492,7 @@
                           <a:latin typeface="Times New Roman" panose="02020603050405020304" pitchFamily="18" charset="0"/>
                           <a:cs typeface="Times New Roman" panose="02020603050405020304" pitchFamily="18" charset="0"/>
                         </a:rPr>
-                        <a:t>Сопровождение административным процесса</a:t>
+                        <a:t>Сопровождение административного процесса</a:t>
                       </a:r>
                       <a:endParaRPr lang="ru-RU" dirty="0">
                         <a:latin typeface="Times New Roman" panose="02020603050405020304" pitchFamily="18" charset="0"/>
@@ -13829,6 +15563,146 @@
           </a:graphicData>
         </a:graphic>
       </p:graphicFrame>
+      <p:sp>
+        <p:nvSpPr>
+          <p:cNvPr id="5" name="Номер слайда 4">
+            <a:extLst>
+              <a:ext uri="{FF2B5EF4-FFF2-40B4-BE49-F238E27FC236}">
+                <a16:creationId xmlns:a16="http://schemas.microsoft.com/office/drawing/2014/main" id="{C7D9506B-AA70-4E94-AF43-416111D6411E}"/>
+              </a:ext>
+            </a:extLst>
+          </p:cNvPr>
+          <p:cNvSpPr txBox="1">
+            <a:spLocks/>
+          </p:cNvSpPr>
+          <p:nvPr/>
+        </p:nvSpPr>
+        <p:spPr>
+          <a:xfrm>
+            <a:off x="11171852" y="0"/>
+            <a:ext cx="1020148" cy="658368"/>
+          </a:xfrm>
+          <a:prstGeom prst="rect">
+            <a:avLst/>
+          </a:prstGeom>
+        </p:spPr>
+        <p:txBody>
+          <a:bodyPr vert="horz" lIns="91440" tIns="45720" rIns="91440" bIns="45720" rtlCol="0" anchor="ctr"/>
+          <a:lstStyle>
+            <a:defPPr>
+              <a:defRPr lang="en-US"/>
+            </a:defPPr>
+            <a:lvl1pPr marL="0" algn="r" defTabSz="457200" rtl="0" eaLnBrk="1" latinLnBrk="0" hangingPunct="1">
+              <a:defRPr sz="1000" b="0" i="0" kern="1200">
+                <a:solidFill>
+                  <a:schemeClr val="tx1"/>
+                </a:solidFill>
+                <a:effectLst/>
+                <a:latin typeface="+mn-lt"/>
+                <a:ea typeface="+mn-ea"/>
+                <a:cs typeface="+mn-cs"/>
+              </a:defRPr>
+            </a:lvl1pPr>
+            <a:lvl2pPr marL="457200" algn="l" defTabSz="457200" rtl="0" eaLnBrk="1" latinLnBrk="0" hangingPunct="1">
+              <a:defRPr sz="1800" kern="1200">
+                <a:solidFill>
+                  <a:schemeClr val="tx1"/>
+                </a:solidFill>
+                <a:latin typeface="+mn-lt"/>
+                <a:ea typeface="+mn-ea"/>
+                <a:cs typeface="+mn-cs"/>
+              </a:defRPr>
+            </a:lvl2pPr>
+            <a:lvl3pPr marL="914400" algn="l" defTabSz="457200" rtl="0" eaLnBrk="1" latinLnBrk="0" hangingPunct="1">
+              <a:defRPr sz="1800" kern="1200">
+                <a:solidFill>
+                  <a:schemeClr val="tx1"/>
+                </a:solidFill>
+                <a:latin typeface="+mn-lt"/>
+                <a:ea typeface="+mn-ea"/>
+                <a:cs typeface="+mn-cs"/>
+              </a:defRPr>
+            </a:lvl3pPr>
+            <a:lvl4pPr marL="1371600" algn="l" defTabSz="457200" rtl="0" eaLnBrk="1" latinLnBrk="0" hangingPunct="1">
+              <a:defRPr sz="1800" kern="1200">
+                <a:solidFill>
+                  <a:schemeClr val="tx1"/>
+                </a:solidFill>
+                <a:latin typeface="+mn-lt"/>
+                <a:ea typeface="+mn-ea"/>
+                <a:cs typeface="+mn-cs"/>
+              </a:defRPr>
+            </a:lvl4pPr>
+            <a:lvl5pPr marL="1828800" algn="l" defTabSz="457200" rtl="0" eaLnBrk="1" latinLnBrk="0" hangingPunct="1">
+              <a:defRPr sz="1800" kern="1200">
+                <a:solidFill>
+                  <a:schemeClr val="tx1"/>
+                </a:solidFill>
+                <a:latin typeface="+mn-lt"/>
+                <a:ea typeface="+mn-ea"/>
+                <a:cs typeface="+mn-cs"/>
+              </a:defRPr>
+            </a:lvl5pPr>
+            <a:lvl6pPr marL="2286000" algn="l" defTabSz="457200" rtl="0" eaLnBrk="1" latinLnBrk="0" hangingPunct="1">
+              <a:defRPr sz="1800" kern="1200">
+                <a:solidFill>
+                  <a:schemeClr val="tx1"/>
+                </a:solidFill>
+                <a:latin typeface="+mn-lt"/>
+                <a:ea typeface="+mn-ea"/>
+                <a:cs typeface="+mn-cs"/>
+              </a:defRPr>
+            </a:lvl6pPr>
+            <a:lvl7pPr marL="2743200" algn="l" defTabSz="457200" rtl="0" eaLnBrk="1" latinLnBrk="0" hangingPunct="1">
+              <a:defRPr sz="1800" kern="1200">
+                <a:solidFill>
+                  <a:schemeClr val="tx1"/>
+                </a:solidFill>
+                <a:latin typeface="+mn-lt"/>
+                <a:ea typeface="+mn-ea"/>
+                <a:cs typeface="+mn-cs"/>
+              </a:defRPr>
+            </a:lvl7pPr>
+            <a:lvl8pPr marL="3200400" algn="l" defTabSz="457200" rtl="0" eaLnBrk="1" latinLnBrk="0" hangingPunct="1">
+              <a:defRPr sz="1800" kern="1200">
+                <a:solidFill>
+                  <a:schemeClr val="tx1"/>
+                </a:solidFill>
+                <a:latin typeface="+mn-lt"/>
+                <a:ea typeface="+mn-ea"/>
+                <a:cs typeface="+mn-cs"/>
+              </a:defRPr>
+            </a:lvl8pPr>
+            <a:lvl9pPr marL="3657600" algn="l" defTabSz="457200" rtl="0" eaLnBrk="1" latinLnBrk="0" hangingPunct="1">
+              <a:defRPr sz="1800" kern="1200">
+                <a:solidFill>
+                  <a:schemeClr val="tx1"/>
+                </a:solidFill>
+                <a:latin typeface="+mn-lt"/>
+                <a:ea typeface="+mn-ea"/>
+                <a:cs typeface="+mn-cs"/>
+              </a:defRPr>
+            </a:lvl9pPr>
+          </a:lstStyle>
+          <a:p>
+            <a:pPr algn="ctr"/>
+            <a:fld id="{E674C0A0-8DE9-4942-9F1B-2332F349D007}" type="slidenum">
+              <a:rPr lang="ru-RU" sz="2200" smtClean="0">
+                <a:latin typeface="Tahoma" panose="020B0604030504040204" pitchFamily="34" charset="0"/>
+                <a:ea typeface="Tahoma" panose="020B0604030504040204" pitchFamily="34" charset="0"/>
+                <a:cs typeface="Tahoma" panose="020B0604030504040204" pitchFamily="34" charset="0"/>
+              </a:rPr>
+              <a:pPr algn="ctr"/>
+              <a:t>9</a:t>
+            </a:fld>
+            <a:endParaRPr lang="ru-RU" sz="2200" dirty="0">
+              <a:latin typeface="Tahoma" panose="020B0604030504040204" pitchFamily="34" charset="0"/>
+              <a:ea typeface="Tahoma" panose="020B0604030504040204" pitchFamily="34" charset="0"/>
+              <a:cs typeface="Tahoma" panose="020B0604030504040204" pitchFamily="34" charset="0"/>
+            </a:endParaRPr>
+          </a:p>
+        </p:txBody>
+      </p:sp>
     </p:spTree>
     <p:extLst>
       <p:ext uri="{BB962C8B-B14F-4D97-AF65-F5344CB8AC3E}">
